--- a/general/canvas.pptx
+++ b/general/canvas.pptx
@@ -7,7 +7,6 @@
   <p:sldIdLst>
     <p:sldId id="256" r:id="rId2"/>
     <p:sldId id="257" r:id="rId3"/>
-    <p:sldId id="259" r:id="rId4"/>
   </p:sldIdLst>
   <p:sldSz cx="6858000" cy="9144000" type="screen4x3"/>
   <p:notesSz cx="7104063" cy="10234613"/>
@@ -127,7 +126,7 @@
   <pc:docChgLst>
     <pc:chgData name="Pedro Paulo" userId="30e065abc1f3b4a5" providerId="LiveId" clId="{9450B43F-FA21-4154-A1B1-5A9A0609EEE8}"/>
     <pc:docChg chg="undo custSel addSld delSld modSld">
-      <pc:chgData name="Pedro Paulo" userId="30e065abc1f3b4a5" providerId="LiveId" clId="{9450B43F-FA21-4154-A1B1-5A9A0609EEE8}" dt="2023-04-06T21:50:49.143" v="584" actId="47"/>
+      <pc:chgData name="Pedro Paulo" userId="30e065abc1f3b4a5" providerId="LiveId" clId="{9450B43F-FA21-4154-A1B1-5A9A0609EEE8}" dt="2023-04-06T21:50:51.645" v="585" actId="47"/>
       <pc:docMkLst>
         <pc:docMk/>
       </pc:docMkLst>
@@ -472,8 +471,8 @@
           </ac:cxnSpMkLst>
         </pc:cxnChg>
       </pc:sldChg>
-      <pc:sldChg chg="add">
-        <pc:chgData name="Pedro Paulo" userId="30e065abc1f3b4a5" providerId="LiveId" clId="{9450B43F-FA21-4154-A1B1-5A9A0609EEE8}" dt="2023-04-06T21:50:32.081" v="579"/>
+      <pc:sldChg chg="add del">
+        <pc:chgData name="Pedro Paulo" userId="30e065abc1f3b4a5" providerId="LiveId" clId="{9450B43F-FA21-4154-A1B1-5A9A0609EEE8}" dt="2023-04-06T21:50:51.645" v="585" actId="47"/>
         <pc:sldMkLst>
           <pc:docMk/>
           <pc:sldMk cId="850315732" sldId="259"/>
@@ -11080,3465 +11079,6 @@
 </p:sld>
 </file>
 
-<file path=ppt/slides/slide3.xml><?xml version="1.0" encoding="utf-8"?>
-<p:sld xmlns:a="http://schemas.openxmlformats.org/drawingml/2006/main" xmlns:r="http://schemas.openxmlformats.org/officeDocument/2006/relationships" xmlns:p="http://schemas.openxmlformats.org/presentationml/2006/main">
-  <p:cSld>
-    <p:spTree>
-      <p:nvGrpSpPr>
-        <p:cNvPr id="1" name=""/>
-        <p:cNvGrpSpPr/>
-        <p:nvPr/>
-      </p:nvGrpSpPr>
-      <p:grpSpPr>
-        <a:xfrm>
-          <a:off x="0" y="0"/>
-          <a:ext cx="0" cy="0"/>
-          <a:chOff x="0" y="0"/>
-          <a:chExt cx="0" cy="0"/>
-        </a:xfrm>
-      </p:grpSpPr>
-      <p:grpSp>
-        <p:nvGrpSpPr>
-          <p:cNvPr id="2" name="Agrupar 1">
-            <a:extLst>
-              <a:ext uri="{FF2B5EF4-FFF2-40B4-BE49-F238E27FC236}">
-                <a16:creationId xmlns:a16="http://schemas.microsoft.com/office/drawing/2014/main" id="{51940F21-EA15-DA8E-0353-A8DA8CF5D431}"/>
-              </a:ext>
-            </a:extLst>
-          </p:cNvPr>
-          <p:cNvGrpSpPr/>
-          <p:nvPr/>
-        </p:nvGrpSpPr>
-        <p:grpSpPr>
-          <a:xfrm>
-            <a:off x="142592" y="581363"/>
-            <a:ext cx="6572815" cy="7981275"/>
-            <a:chOff x="142592" y="581363"/>
-            <a:chExt cx="6572815" cy="7981275"/>
-          </a:xfrm>
-        </p:grpSpPr>
-        <p:sp>
-          <p:nvSpPr>
-            <p:cNvPr id="3" name="Forma Livre: Forma 2">
-              <a:extLst>
-                <a:ext uri="{FF2B5EF4-FFF2-40B4-BE49-F238E27FC236}">
-                  <a16:creationId xmlns:a16="http://schemas.microsoft.com/office/drawing/2014/main" id="{2D9A1A82-FF3A-9195-6E43-1179833AF2BE}"/>
-                </a:ext>
-              </a:extLst>
-            </p:cNvPr>
-            <p:cNvSpPr/>
-            <p:nvPr/>
-          </p:nvSpPr>
-          <p:spPr>
-            <a:xfrm>
-              <a:off x="142592" y="581363"/>
-              <a:ext cx="1877947" cy="938973"/>
-            </a:xfrm>
-            <a:custGeom>
-              <a:avLst/>
-              <a:gdLst>
-                <a:gd name="connsiteX0" fmla="*/ 0 w 1877947"/>
-                <a:gd name="connsiteY0" fmla="*/ 93897 h 938973"/>
-                <a:gd name="connsiteX1" fmla="*/ 93897 w 1877947"/>
-                <a:gd name="connsiteY1" fmla="*/ 0 h 938973"/>
-                <a:gd name="connsiteX2" fmla="*/ 1784050 w 1877947"/>
-                <a:gd name="connsiteY2" fmla="*/ 0 h 938973"/>
-                <a:gd name="connsiteX3" fmla="*/ 1877947 w 1877947"/>
-                <a:gd name="connsiteY3" fmla="*/ 93897 h 938973"/>
-                <a:gd name="connsiteX4" fmla="*/ 1877947 w 1877947"/>
-                <a:gd name="connsiteY4" fmla="*/ 845076 h 938973"/>
-                <a:gd name="connsiteX5" fmla="*/ 1784050 w 1877947"/>
-                <a:gd name="connsiteY5" fmla="*/ 938973 h 938973"/>
-                <a:gd name="connsiteX6" fmla="*/ 93897 w 1877947"/>
-                <a:gd name="connsiteY6" fmla="*/ 938973 h 938973"/>
-                <a:gd name="connsiteX7" fmla="*/ 0 w 1877947"/>
-                <a:gd name="connsiteY7" fmla="*/ 845076 h 938973"/>
-                <a:gd name="connsiteX8" fmla="*/ 0 w 1877947"/>
-                <a:gd name="connsiteY8" fmla="*/ 93897 h 938973"/>
-              </a:gdLst>
-              <a:ahLst/>
-              <a:cxnLst>
-                <a:cxn ang="0">
-                  <a:pos x="connsiteX0" y="connsiteY0"/>
-                </a:cxn>
-                <a:cxn ang="0">
-                  <a:pos x="connsiteX1" y="connsiteY1"/>
-                </a:cxn>
-                <a:cxn ang="0">
-                  <a:pos x="connsiteX2" y="connsiteY2"/>
-                </a:cxn>
-                <a:cxn ang="0">
-                  <a:pos x="connsiteX3" y="connsiteY3"/>
-                </a:cxn>
-                <a:cxn ang="0">
-                  <a:pos x="connsiteX4" y="connsiteY4"/>
-                </a:cxn>
-                <a:cxn ang="0">
-                  <a:pos x="connsiteX5" y="connsiteY5"/>
-                </a:cxn>
-                <a:cxn ang="0">
-                  <a:pos x="connsiteX6" y="connsiteY6"/>
-                </a:cxn>
-                <a:cxn ang="0">
-                  <a:pos x="connsiteX7" y="connsiteY7"/>
-                </a:cxn>
-                <a:cxn ang="0">
-                  <a:pos x="connsiteX8" y="connsiteY8"/>
-                </a:cxn>
-              </a:cxnLst>
-              <a:rect l="l" t="t" r="r" b="b"/>
-              <a:pathLst>
-                <a:path w="1877947" h="938973">
-                  <a:moveTo>
-                    <a:pt x="0" y="93897"/>
-                  </a:moveTo>
-                  <a:cubicBezTo>
-                    <a:pt x="0" y="42039"/>
-                    <a:pt x="42039" y="0"/>
-                    <a:pt x="93897" y="0"/>
-                  </a:cubicBezTo>
-                  <a:lnTo>
-                    <a:pt x="1784050" y="0"/>
-                  </a:lnTo>
-                  <a:cubicBezTo>
-                    <a:pt x="1835908" y="0"/>
-                    <a:pt x="1877947" y="42039"/>
-                    <a:pt x="1877947" y="93897"/>
-                  </a:cubicBezTo>
-                  <a:lnTo>
-                    <a:pt x="1877947" y="845076"/>
-                  </a:lnTo>
-                  <a:cubicBezTo>
-                    <a:pt x="1877947" y="896934"/>
-                    <a:pt x="1835908" y="938973"/>
-                    <a:pt x="1784050" y="938973"/>
-                  </a:cubicBezTo>
-                  <a:lnTo>
-                    <a:pt x="93897" y="938973"/>
-                  </a:lnTo>
-                  <a:cubicBezTo>
-                    <a:pt x="42039" y="938973"/>
-                    <a:pt x="0" y="896934"/>
-                    <a:pt x="0" y="845076"/>
-                  </a:cubicBezTo>
-                  <a:lnTo>
-                    <a:pt x="0" y="93897"/>
-                  </a:lnTo>
-                  <a:close/>
-                </a:path>
-              </a:pathLst>
-            </a:custGeom>
-          </p:spPr>
-          <p:style>
-            <a:lnRef idx="2">
-              <a:schemeClr val="dk1">
-                <a:shade val="80000"/>
-                <a:hueOff val="0"/>
-                <a:satOff val="0"/>
-                <a:lumOff val="0"/>
-                <a:alphaOff val="0"/>
-              </a:schemeClr>
-            </a:lnRef>
-            <a:fillRef idx="1">
-              <a:schemeClr val="lt1">
-                <a:hueOff val="0"/>
-                <a:satOff val="0"/>
-                <a:lumOff val="0"/>
-                <a:alphaOff val="0"/>
-              </a:schemeClr>
-            </a:fillRef>
-            <a:effectRef idx="0">
-              <a:schemeClr val="lt1">
-                <a:hueOff val="0"/>
-                <a:satOff val="0"/>
-                <a:lumOff val="0"/>
-                <a:alphaOff val="0"/>
-              </a:schemeClr>
-            </a:effectRef>
-            <a:fontRef idx="minor">
-              <a:schemeClr val="dk1">
-                <a:hueOff val="0"/>
-                <a:satOff val="0"/>
-                <a:lumOff val="0"/>
-                <a:alphaOff val="0"/>
-              </a:schemeClr>
-            </a:fontRef>
-          </p:style>
-          <p:txBody>
-            <a:bodyPr spcFirstLastPara="0" vert="horz" wrap="square" lIns="57982" tIns="47822" rIns="57982" bIns="47822" numCol="1" spcCol="1270" anchor="ctr" anchorCtr="0">
-              <a:noAutofit/>
-            </a:bodyPr>
-            <a:lstStyle/>
-            <a:p>
-              <a:pPr marL="0" lvl="0" indent="0" algn="ctr" defTabSz="711200">
-                <a:lnSpc>
-                  <a:spcPct val="90000"/>
-                </a:lnSpc>
-                <a:spcBef>
-                  <a:spcPct val="0"/>
-                </a:spcBef>
-                <a:spcAft>
-                  <a:spcPct val="35000"/>
-                </a:spcAft>
-                <a:buNone/>
-              </a:pPr>
-              <a:r>
-                <a:rPr lang="pt-BR" sz="1600" kern="1200" dirty="0"/>
-                <a:t>Passo Constante (</a:t>
-              </a:r>
-              <a:r>
-                <a:rPr lang="pt-BR" sz="1600" kern="1200" dirty="0" err="1"/>
-                <a:t>ConstantStep</a:t>
-              </a:r>
-              <a:r>
-                <a:rPr lang="pt-BR" sz="1600" kern="1200" dirty="0"/>
-                <a:t>)</a:t>
-              </a:r>
-            </a:p>
-          </p:txBody>
-        </p:sp>
-        <p:sp>
-          <p:nvSpPr>
-            <p:cNvPr id="5" name="Forma Livre: Forma 4">
-              <a:extLst>
-                <a:ext uri="{FF2B5EF4-FFF2-40B4-BE49-F238E27FC236}">
-                  <a16:creationId xmlns:a16="http://schemas.microsoft.com/office/drawing/2014/main" id="{240768D0-4644-5594-9ECD-F1926371D672}"/>
-                </a:ext>
-              </a:extLst>
-            </p:cNvPr>
-            <p:cNvSpPr/>
-            <p:nvPr/>
-          </p:nvSpPr>
-          <p:spPr>
-            <a:xfrm>
-              <a:off x="330387" y="1520336"/>
-              <a:ext cx="187794" cy="704230"/>
-            </a:xfrm>
-            <a:custGeom>
-              <a:avLst/>
-              <a:gdLst/>
-              <a:ahLst/>
-              <a:cxnLst/>
-              <a:rect l="0" t="0" r="0" b="0"/>
-              <a:pathLst>
-                <a:path>
-                  <a:moveTo>
-                    <a:pt x="0" y="0"/>
-                  </a:moveTo>
-                  <a:lnTo>
-                    <a:pt x="0" y="704230"/>
-                  </a:lnTo>
-                  <a:lnTo>
-                    <a:pt x="187794" y="704230"/>
-                  </a:lnTo>
-                </a:path>
-              </a:pathLst>
-            </a:custGeom>
-            <a:noFill/>
-          </p:spPr>
-          <p:style>
-            <a:lnRef idx="2">
-              <a:schemeClr val="dk1">
-                <a:shade val="60000"/>
-                <a:hueOff val="0"/>
-                <a:satOff val="0"/>
-                <a:lumOff val="0"/>
-                <a:alphaOff val="0"/>
-              </a:schemeClr>
-            </a:lnRef>
-            <a:fillRef idx="0">
-              <a:scrgbClr r="0" g="0" b="0"/>
-            </a:fillRef>
-            <a:effectRef idx="0">
-              <a:schemeClr val="dk1">
-                <a:hueOff val="0"/>
-                <a:satOff val="0"/>
-                <a:lumOff val="0"/>
-                <a:alphaOff val="0"/>
-              </a:schemeClr>
-            </a:effectRef>
-            <a:fontRef idx="minor">
-              <a:schemeClr val="tx1">
-                <a:hueOff val="0"/>
-                <a:satOff val="0"/>
-                <a:lumOff val="0"/>
-                <a:alphaOff val="0"/>
-              </a:schemeClr>
-            </a:fontRef>
-          </p:style>
-        </p:sp>
-        <p:sp>
-          <p:nvSpPr>
-            <p:cNvPr id="6" name="Forma Livre: Forma 5">
-              <a:extLst>
-                <a:ext uri="{FF2B5EF4-FFF2-40B4-BE49-F238E27FC236}">
-                  <a16:creationId xmlns:a16="http://schemas.microsoft.com/office/drawing/2014/main" id="{DC792AC2-47BD-70D0-778C-6589C9470B9E}"/>
-                </a:ext>
-              </a:extLst>
-            </p:cNvPr>
-            <p:cNvSpPr/>
-            <p:nvPr/>
-          </p:nvSpPr>
-          <p:spPr>
-            <a:xfrm>
-              <a:off x="518181" y="1755080"/>
-              <a:ext cx="1502357" cy="938973"/>
-            </a:xfrm>
-            <a:custGeom>
-              <a:avLst/>
-              <a:gdLst>
-                <a:gd name="connsiteX0" fmla="*/ 0 w 1502357"/>
-                <a:gd name="connsiteY0" fmla="*/ 93897 h 938973"/>
-                <a:gd name="connsiteX1" fmla="*/ 93897 w 1502357"/>
-                <a:gd name="connsiteY1" fmla="*/ 0 h 938973"/>
-                <a:gd name="connsiteX2" fmla="*/ 1408460 w 1502357"/>
-                <a:gd name="connsiteY2" fmla="*/ 0 h 938973"/>
-                <a:gd name="connsiteX3" fmla="*/ 1502357 w 1502357"/>
-                <a:gd name="connsiteY3" fmla="*/ 93897 h 938973"/>
-                <a:gd name="connsiteX4" fmla="*/ 1502357 w 1502357"/>
-                <a:gd name="connsiteY4" fmla="*/ 845076 h 938973"/>
-                <a:gd name="connsiteX5" fmla="*/ 1408460 w 1502357"/>
-                <a:gd name="connsiteY5" fmla="*/ 938973 h 938973"/>
-                <a:gd name="connsiteX6" fmla="*/ 93897 w 1502357"/>
-                <a:gd name="connsiteY6" fmla="*/ 938973 h 938973"/>
-                <a:gd name="connsiteX7" fmla="*/ 0 w 1502357"/>
-                <a:gd name="connsiteY7" fmla="*/ 845076 h 938973"/>
-                <a:gd name="connsiteX8" fmla="*/ 0 w 1502357"/>
-                <a:gd name="connsiteY8" fmla="*/ 93897 h 938973"/>
-              </a:gdLst>
-              <a:ahLst/>
-              <a:cxnLst>
-                <a:cxn ang="0">
-                  <a:pos x="connsiteX0" y="connsiteY0"/>
-                </a:cxn>
-                <a:cxn ang="0">
-                  <a:pos x="connsiteX1" y="connsiteY1"/>
-                </a:cxn>
-                <a:cxn ang="0">
-                  <a:pos x="connsiteX2" y="connsiteY2"/>
-                </a:cxn>
-                <a:cxn ang="0">
-                  <a:pos x="connsiteX3" y="connsiteY3"/>
-                </a:cxn>
-                <a:cxn ang="0">
-                  <a:pos x="connsiteX4" y="connsiteY4"/>
-                </a:cxn>
-                <a:cxn ang="0">
-                  <a:pos x="connsiteX5" y="connsiteY5"/>
-                </a:cxn>
-                <a:cxn ang="0">
-                  <a:pos x="connsiteX6" y="connsiteY6"/>
-                </a:cxn>
-                <a:cxn ang="0">
-                  <a:pos x="connsiteX7" y="connsiteY7"/>
-                </a:cxn>
-                <a:cxn ang="0">
-                  <a:pos x="connsiteX8" y="connsiteY8"/>
-                </a:cxn>
-              </a:cxnLst>
-              <a:rect l="l" t="t" r="r" b="b"/>
-              <a:pathLst>
-                <a:path w="1502357" h="938973">
-                  <a:moveTo>
-                    <a:pt x="0" y="93897"/>
-                  </a:moveTo>
-                  <a:cubicBezTo>
-                    <a:pt x="0" y="42039"/>
-                    <a:pt x="42039" y="0"/>
-                    <a:pt x="93897" y="0"/>
-                  </a:cubicBezTo>
-                  <a:lnTo>
-                    <a:pt x="1408460" y="0"/>
-                  </a:lnTo>
-                  <a:cubicBezTo>
-                    <a:pt x="1460318" y="0"/>
-                    <a:pt x="1502357" y="42039"/>
-                    <a:pt x="1502357" y="93897"/>
-                  </a:cubicBezTo>
-                  <a:lnTo>
-                    <a:pt x="1502357" y="845076"/>
-                  </a:lnTo>
-                  <a:cubicBezTo>
-                    <a:pt x="1502357" y="896934"/>
-                    <a:pt x="1460318" y="938973"/>
-                    <a:pt x="1408460" y="938973"/>
-                  </a:cubicBezTo>
-                  <a:lnTo>
-                    <a:pt x="93897" y="938973"/>
-                  </a:lnTo>
-                  <a:cubicBezTo>
-                    <a:pt x="42039" y="938973"/>
-                    <a:pt x="0" y="896934"/>
-                    <a:pt x="0" y="845076"/>
-                  </a:cubicBezTo>
-                  <a:lnTo>
-                    <a:pt x="0" y="93897"/>
-                  </a:lnTo>
-                  <a:close/>
-                </a:path>
-              </a:pathLst>
-            </a:custGeom>
-          </p:spPr>
-          <p:style>
-            <a:lnRef idx="2">
-              <a:schemeClr val="dk1">
-                <a:hueOff val="0"/>
-                <a:satOff val="0"/>
-                <a:lumOff val="0"/>
-                <a:alphaOff val="0"/>
-              </a:schemeClr>
-            </a:lnRef>
-            <a:fillRef idx="1">
-              <a:schemeClr val="dk1">
-                <a:alpha val="90000"/>
-                <a:tint val="40000"/>
-                <a:hueOff val="0"/>
-                <a:satOff val="0"/>
-                <a:lumOff val="0"/>
-                <a:alphaOff val="0"/>
-              </a:schemeClr>
-            </a:fillRef>
-            <a:effectRef idx="0">
-              <a:schemeClr val="dk1">
-                <a:alpha val="90000"/>
-                <a:tint val="40000"/>
-                <a:hueOff val="0"/>
-                <a:satOff val="0"/>
-                <a:lumOff val="0"/>
-                <a:alphaOff val="0"/>
-              </a:schemeClr>
-            </a:effectRef>
-            <a:fontRef idx="minor">
-              <a:schemeClr val="dk1">
-                <a:hueOff val="0"/>
-                <a:satOff val="0"/>
-                <a:lumOff val="0"/>
-                <a:alphaOff val="0"/>
-              </a:schemeClr>
-            </a:fontRef>
-          </p:style>
-          <p:txBody>
-            <a:bodyPr spcFirstLastPara="0" vert="horz" wrap="square" lIns="50362" tIns="42742" rIns="50362" bIns="42742" numCol="1" spcCol="1270" anchor="ctr" anchorCtr="0">
-              <a:noAutofit/>
-            </a:bodyPr>
-            <a:lstStyle/>
-            <a:p>
-              <a:pPr marL="0" lvl="0" indent="0" algn="ctr" defTabSz="533400">
-                <a:lnSpc>
-                  <a:spcPct val="90000"/>
-                </a:lnSpc>
-                <a:spcBef>
-                  <a:spcPct val="0"/>
-                </a:spcBef>
-                <a:spcAft>
-                  <a:spcPct val="35000"/>
-                </a:spcAft>
-                <a:buNone/>
-              </a:pPr>
-              <a:r>
-                <a:rPr lang="pt-BR" sz="1200" kern="1200" dirty="0"/>
-                <a:t>Bisseção (</a:t>
-              </a:r>
-              <a:r>
-                <a:rPr lang="pt-BR" sz="1200" kern="1200" dirty="0" err="1"/>
-                <a:t>BissectionStep</a:t>
-              </a:r>
-              <a:r>
-                <a:rPr lang="pt-BR" sz="1200" kern="1200" dirty="0"/>
-                <a:t>)</a:t>
-              </a:r>
-            </a:p>
-          </p:txBody>
-        </p:sp>
-        <p:sp>
-          <p:nvSpPr>
-            <p:cNvPr id="7" name="Forma Livre: Forma 6">
-              <a:extLst>
-                <a:ext uri="{FF2B5EF4-FFF2-40B4-BE49-F238E27FC236}">
-                  <a16:creationId xmlns:a16="http://schemas.microsoft.com/office/drawing/2014/main" id="{CC8DF970-6BEF-EA0F-2FAC-D93A4E07A1B6}"/>
-                </a:ext>
-              </a:extLst>
-            </p:cNvPr>
-            <p:cNvSpPr/>
-            <p:nvPr/>
-          </p:nvSpPr>
-          <p:spPr>
-            <a:xfrm>
-              <a:off x="330387" y="1520336"/>
-              <a:ext cx="187794" cy="1877947"/>
-            </a:xfrm>
-            <a:custGeom>
-              <a:avLst/>
-              <a:gdLst/>
-              <a:ahLst/>
-              <a:cxnLst/>
-              <a:rect l="0" t="0" r="0" b="0"/>
-              <a:pathLst>
-                <a:path>
-                  <a:moveTo>
-                    <a:pt x="0" y="0"/>
-                  </a:moveTo>
-                  <a:lnTo>
-                    <a:pt x="0" y="1877947"/>
-                  </a:lnTo>
-                  <a:lnTo>
-                    <a:pt x="187794" y="1877947"/>
-                  </a:lnTo>
-                </a:path>
-              </a:pathLst>
-            </a:custGeom>
-            <a:noFill/>
-          </p:spPr>
-          <p:style>
-            <a:lnRef idx="2">
-              <a:schemeClr val="dk1">
-                <a:shade val="60000"/>
-                <a:hueOff val="0"/>
-                <a:satOff val="0"/>
-                <a:lumOff val="0"/>
-                <a:alphaOff val="0"/>
-              </a:schemeClr>
-            </a:lnRef>
-            <a:fillRef idx="0">
-              <a:scrgbClr r="0" g="0" b="0"/>
-            </a:fillRef>
-            <a:effectRef idx="0">
-              <a:schemeClr val="dk1">
-                <a:hueOff val="0"/>
-                <a:satOff val="0"/>
-                <a:lumOff val="0"/>
-                <a:alphaOff val="0"/>
-              </a:schemeClr>
-            </a:effectRef>
-            <a:fontRef idx="minor">
-              <a:schemeClr val="tx1">
-                <a:hueOff val="0"/>
-                <a:satOff val="0"/>
-                <a:lumOff val="0"/>
-                <a:alphaOff val="0"/>
-              </a:schemeClr>
-            </a:fontRef>
-          </p:style>
-        </p:sp>
-        <p:sp>
-          <p:nvSpPr>
-            <p:cNvPr id="8" name="Forma Livre: Forma 7">
-              <a:extLst>
-                <a:ext uri="{FF2B5EF4-FFF2-40B4-BE49-F238E27FC236}">
-                  <a16:creationId xmlns:a16="http://schemas.microsoft.com/office/drawing/2014/main" id="{7FD212F7-E326-5DC9-C95A-53D000F6F11A}"/>
-                </a:ext>
-              </a:extLst>
-            </p:cNvPr>
-            <p:cNvSpPr/>
-            <p:nvPr/>
-          </p:nvSpPr>
-          <p:spPr>
-            <a:xfrm>
-              <a:off x="518181" y="2928797"/>
-              <a:ext cx="1502357" cy="938973"/>
-            </a:xfrm>
-            <a:custGeom>
-              <a:avLst/>
-              <a:gdLst>
-                <a:gd name="connsiteX0" fmla="*/ 0 w 1502357"/>
-                <a:gd name="connsiteY0" fmla="*/ 93897 h 938973"/>
-                <a:gd name="connsiteX1" fmla="*/ 93897 w 1502357"/>
-                <a:gd name="connsiteY1" fmla="*/ 0 h 938973"/>
-                <a:gd name="connsiteX2" fmla="*/ 1408460 w 1502357"/>
-                <a:gd name="connsiteY2" fmla="*/ 0 h 938973"/>
-                <a:gd name="connsiteX3" fmla="*/ 1502357 w 1502357"/>
-                <a:gd name="connsiteY3" fmla="*/ 93897 h 938973"/>
-                <a:gd name="connsiteX4" fmla="*/ 1502357 w 1502357"/>
-                <a:gd name="connsiteY4" fmla="*/ 845076 h 938973"/>
-                <a:gd name="connsiteX5" fmla="*/ 1408460 w 1502357"/>
-                <a:gd name="connsiteY5" fmla="*/ 938973 h 938973"/>
-                <a:gd name="connsiteX6" fmla="*/ 93897 w 1502357"/>
-                <a:gd name="connsiteY6" fmla="*/ 938973 h 938973"/>
-                <a:gd name="connsiteX7" fmla="*/ 0 w 1502357"/>
-                <a:gd name="connsiteY7" fmla="*/ 845076 h 938973"/>
-                <a:gd name="connsiteX8" fmla="*/ 0 w 1502357"/>
-                <a:gd name="connsiteY8" fmla="*/ 93897 h 938973"/>
-              </a:gdLst>
-              <a:ahLst/>
-              <a:cxnLst>
-                <a:cxn ang="0">
-                  <a:pos x="connsiteX0" y="connsiteY0"/>
-                </a:cxn>
-                <a:cxn ang="0">
-                  <a:pos x="connsiteX1" y="connsiteY1"/>
-                </a:cxn>
-                <a:cxn ang="0">
-                  <a:pos x="connsiteX2" y="connsiteY2"/>
-                </a:cxn>
-                <a:cxn ang="0">
-                  <a:pos x="connsiteX3" y="connsiteY3"/>
-                </a:cxn>
-                <a:cxn ang="0">
-                  <a:pos x="connsiteX4" y="connsiteY4"/>
-                </a:cxn>
-                <a:cxn ang="0">
-                  <a:pos x="connsiteX5" y="connsiteY5"/>
-                </a:cxn>
-                <a:cxn ang="0">
-                  <a:pos x="connsiteX6" y="connsiteY6"/>
-                </a:cxn>
-                <a:cxn ang="0">
-                  <a:pos x="connsiteX7" y="connsiteY7"/>
-                </a:cxn>
-                <a:cxn ang="0">
-                  <a:pos x="connsiteX8" y="connsiteY8"/>
-                </a:cxn>
-              </a:cxnLst>
-              <a:rect l="l" t="t" r="r" b="b"/>
-              <a:pathLst>
-                <a:path w="1502357" h="938973">
-                  <a:moveTo>
-                    <a:pt x="0" y="93897"/>
-                  </a:moveTo>
-                  <a:cubicBezTo>
-                    <a:pt x="0" y="42039"/>
-                    <a:pt x="42039" y="0"/>
-                    <a:pt x="93897" y="0"/>
-                  </a:cubicBezTo>
-                  <a:lnTo>
-                    <a:pt x="1408460" y="0"/>
-                  </a:lnTo>
-                  <a:cubicBezTo>
-                    <a:pt x="1460318" y="0"/>
-                    <a:pt x="1502357" y="42039"/>
-                    <a:pt x="1502357" y="93897"/>
-                  </a:cubicBezTo>
-                  <a:lnTo>
-                    <a:pt x="1502357" y="845076"/>
-                  </a:lnTo>
-                  <a:cubicBezTo>
-                    <a:pt x="1502357" y="896934"/>
-                    <a:pt x="1460318" y="938973"/>
-                    <a:pt x="1408460" y="938973"/>
-                  </a:cubicBezTo>
-                  <a:lnTo>
-                    <a:pt x="93897" y="938973"/>
-                  </a:lnTo>
-                  <a:cubicBezTo>
-                    <a:pt x="42039" y="938973"/>
-                    <a:pt x="0" y="896934"/>
-                    <a:pt x="0" y="845076"/>
-                  </a:cubicBezTo>
-                  <a:lnTo>
-                    <a:pt x="0" y="93897"/>
-                  </a:lnTo>
-                  <a:close/>
-                </a:path>
-              </a:pathLst>
-            </a:custGeom>
-          </p:spPr>
-          <p:style>
-            <a:lnRef idx="2">
-              <a:schemeClr val="dk1">
-                <a:hueOff val="0"/>
-                <a:satOff val="0"/>
-                <a:lumOff val="0"/>
-                <a:alphaOff val="0"/>
-              </a:schemeClr>
-            </a:lnRef>
-            <a:fillRef idx="1">
-              <a:schemeClr val="dk1">
-                <a:alpha val="90000"/>
-                <a:tint val="40000"/>
-                <a:hueOff val="0"/>
-                <a:satOff val="0"/>
-                <a:lumOff val="0"/>
-                <a:alphaOff val="0"/>
-              </a:schemeClr>
-            </a:fillRef>
-            <a:effectRef idx="0">
-              <a:schemeClr val="dk1">
-                <a:alpha val="90000"/>
-                <a:tint val="40000"/>
-                <a:hueOff val="0"/>
-                <a:satOff val="0"/>
-                <a:lumOff val="0"/>
-                <a:alphaOff val="0"/>
-              </a:schemeClr>
-            </a:effectRef>
-            <a:fontRef idx="minor">
-              <a:schemeClr val="dk1">
-                <a:hueOff val="0"/>
-                <a:satOff val="0"/>
-                <a:lumOff val="0"/>
-                <a:alphaOff val="0"/>
-              </a:schemeClr>
-            </a:fontRef>
-          </p:style>
-          <p:txBody>
-            <a:bodyPr spcFirstLastPara="0" vert="horz" wrap="square" lIns="50362" tIns="42742" rIns="50362" bIns="42742" numCol="1" spcCol="1270" anchor="ctr" anchorCtr="0">
-              <a:noAutofit/>
-            </a:bodyPr>
-            <a:lstStyle/>
-            <a:p>
-              <a:pPr marL="0" lvl="0" indent="0" algn="ctr" defTabSz="533400">
-                <a:lnSpc>
-                  <a:spcPct val="90000"/>
-                </a:lnSpc>
-                <a:spcBef>
-                  <a:spcPct val="0"/>
-                </a:spcBef>
-                <a:spcAft>
-                  <a:spcPct val="35000"/>
-                </a:spcAft>
-                <a:buNone/>
-              </a:pPr>
-              <a:r>
-                <a:rPr lang="pt-BR" sz="1200" kern="1200" dirty="0"/>
-                <a:t>Seção Áurea</a:t>
-              </a:r>
-            </a:p>
-            <a:p>
-              <a:pPr marL="0" lvl="0" indent="0" algn="ctr" defTabSz="533400">
-                <a:lnSpc>
-                  <a:spcPct val="90000"/>
-                </a:lnSpc>
-                <a:spcBef>
-                  <a:spcPct val="0"/>
-                </a:spcBef>
-                <a:spcAft>
-                  <a:spcPct val="35000"/>
-                </a:spcAft>
-                <a:buNone/>
-              </a:pPr>
-              <a:r>
-                <a:rPr lang="pt-BR" sz="1200" kern="1200" dirty="0"/>
-                <a:t>(</a:t>
-              </a:r>
-              <a:r>
-                <a:rPr lang="pt-BR" sz="1200" kern="1200" dirty="0" err="1"/>
-                <a:t>GoldenSectionStep</a:t>
-              </a:r>
-              <a:r>
-                <a:rPr lang="pt-BR" sz="1200" kern="1200" dirty="0"/>
-                <a:t>)</a:t>
-              </a:r>
-            </a:p>
-          </p:txBody>
-        </p:sp>
-        <p:sp>
-          <p:nvSpPr>
-            <p:cNvPr id="9" name="Forma Livre: Forma 8">
-              <a:extLst>
-                <a:ext uri="{FF2B5EF4-FFF2-40B4-BE49-F238E27FC236}">
-                  <a16:creationId xmlns:a16="http://schemas.microsoft.com/office/drawing/2014/main" id="{2BD38656-B24B-547C-F902-4951D4D724CF}"/>
-                </a:ext>
-              </a:extLst>
-            </p:cNvPr>
-            <p:cNvSpPr/>
-            <p:nvPr/>
-          </p:nvSpPr>
-          <p:spPr>
-            <a:xfrm>
-              <a:off x="2490026" y="581363"/>
-              <a:ext cx="1877947" cy="938973"/>
-            </a:xfrm>
-            <a:custGeom>
-              <a:avLst/>
-              <a:gdLst>
-                <a:gd name="connsiteX0" fmla="*/ 0 w 1877947"/>
-                <a:gd name="connsiteY0" fmla="*/ 93897 h 938973"/>
-                <a:gd name="connsiteX1" fmla="*/ 93897 w 1877947"/>
-                <a:gd name="connsiteY1" fmla="*/ 0 h 938973"/>
-                <a:gd name="connsiteX2" fmla="*/ 1784050 w 1877947"/>
-                <a:gd name="connsiteY2" fmla="*/ 0 h 938973"/>
-                <a:gd name="connsiteX3" fmla="*/ 1877947 w 1877947"/>
-                <a:gd name="connsiteY3" fmla="*/ 93897 h 938973"/>
-                <a:gd name="connsiteX4" fmla="*/ 1877947 w 1877947"/>
-                <a:gd name="connsiteY4" fmla="*/ 845076 h 938973"/>
-                <a:gd name="connsiteX5" fmla="*/ 1784050 w 1877947"/>
-                <a:gd name="connsiteY5" fmla="*/ 938973 h 938973"/>
-                <a:gd name="connsiteX6" fmla="*/ 93897 w 1877947"/>
-                <a:gd name="connsiteY6" fmla="*/ 938973 h 938973"/>
-                <a:gd name="connsiteX7" fmla="*/ 0 w 1877947"/>
-                <a:gd name="connsiteY7" fmla="*/ 845076 h 938973"/>
-                <a:gd name="connsiteX8" fmla="*/ 0 w 1877947"/>
-                <a:gd name="connsiteY8" fmla="*/ 93897 h 938973"/>
-              </a:gdLst>
-              <a:ahLst/>
-              <a:cxnLst>
-                <a:cxn ang="0">
-                  <a:pos x="connsiteX0" y="connsiteY0"/>
-                </a:cxn>
-                <a:cxn ang="0">
-                  <a:pos x="connsiteX1" y="connsiteY1"/>
-                </a:cxn>
-                <a:cxn ang="0">
-                  <a:pos x="connsiteX2" y="connsiteY2"/>
-                </a:cxn>
-                <a:cxn ang="0">
-                  <a:pos x="connsiteX3" y="connsiteY3"/>
-                </a:cxn>
-                <a:cxn ang="0">
-                  <a:pos x="connsiteX4" y="connsiteY4"/>
-                </a:cxn>
-                <a:cxn ang="0">
-                  <a:pos x="connsiteX5" y="connsiteY5"/>
-                </a:cxn>
-                <a:cxn ang="0">
-                  <a:pos x="connsiteX6" y="connsiteY6"/>
-                </a:cxn>
-                <a:cxn ang="0">
-                  <a:pos x="connsiteX7" y="connsiteY7"/>
-                </a:cxn>
-                <a:cxn ang="0">
-                  <a:pos x="connsiteX8" y="connsiteY8"/>
-                </a:cxn>
-              </a:cxnLst>
-              <a:rect l="l" t="t" r="r" b="b"/>
-              <a:pathLst>
-                <a:path w="1877947" h="938973">
-                  <a:moveTo>
-                    <a:pt x="0" y="93897"/>
-                  </a:moveTo>
-                  <a:cubicBezTo>
-                    <a:pt x="0" y="42039"/>
-                    <a:pt x="42039" y="0"/>
-                    <a:pt x="93897" y="0"/>
-                  </a:cubicBezTo>
-                  <a:lnTo>
-                    <a:pt x="1784050" y="0"/>
-                  </a:lnTo>
-                  <a:cubicBezTo>
-                    <a:pt x="1835908" y="0"/>
-                    <a:pt x="1877947" y="42039"/>
-                    <a:pt x="1877947" y="93897"/>
-                  </a:cubicBezTo>
-                  <a:lnTo>
-                    <a:pt x="1877947" y="845076"/>
-                  </a:lnTo>
-                  <a:cubicBezTo>
-                    <a:pt x="1877947" y="896934"/>
-                    <a:pt x="1835908" y="938973"/>
-                    <a:pt x="1784050" y="938973"/>
-                  </a:cubicBezTo>
-                  <a:lnTo>
-                    <a:pt x="93897" y="938973"/>
-                  </a:lnTo>
-                  <a:cubicBezTo>
-                    <a:pt x="42039" y="938973"/>
-                    <a:pt x="0" y="896934"/>
-                    <a:pt x="0" y="845076"/>
-                  </a:cubicBezTo>
-                  <a:lnTo>
-                    <a:pt x="0" y="93897"/>
-                  </a:lnTo>
-                  <a:close/>
-                </a:path>
-              </a:pathLst>
-            </a:custGeom>
-          </p:spPr>
-          <p:style>
-            <a:lnRef idx="2">
-              <a:schemeClr val="dk1">
-                <a:shade val="80000"/>
-                <a:hueOff val="0"/>
-                <a:satOff val="0"/>
-                <a:lumOff val="0"/>
-                <a:alphaOff val="0"/>
-              </a:schemeClr>
-            </a:lnRef>
-            <a:fillRef idx="1">
-              <a:schemeClr val="lt1">
-                <a:hueOff val="0"/>
-                <a:satOff val="0"/>
-                <a:lumOff val="0"/>
-                <a:alphaOff val="0"/>
-              </a:schemeClr>
-            </a:fillRef>
-            <a:effectRef idx="0">
-              <a:schemeClr val="lt1">
-                <a:hueOff val="0"/>
-                <a:satOff val="0"/>
-                <a:lumOff val="0"/>
-                <a:alphaOff val="0"/>
-              </a:schemeClr>
-            </a:effectRef>
-            <a:fontRef idx="minor">
-              <a:schemeClr val="dk1">
-                <a:hueOff val="0"/>
-                <a:satOff val="0"/>
-                <a:lumOff val="0"/>
-                <a:alphaOff val="0"/>
-              </a:schemeClr>
-            </a:fontRef>
-          </p:style>
-          <p:txBody>
-            <a:bodyPr spcFirstLastPara="0" vert="horz" wrap="square" lIns="57982" tIns="47822" rIns="57982" bIns="47822" numCol="1" spcCol="1270" anchor="ctr" anchorCtr="0">
-              <a:noAutofit/>
-            </a:bodyPr>
-            <a:lstStyle/>
-            <a:p>
-              <a:pPr marL="0" lvl="0" indent="0" algn="ctr" defTabSz="711200">
-                <a:lnSpc>
-                  <a:spcPct val="90000"/>
-                </a:lnSpc>
-                <a:spcBef>
-                  <a:spcPct val="0"/>
-                </a:spcBef>
-                <a:spcAft>
-                  <a:spcPct val="35000"/>
-                </a:spcAft>
-                <a:buNone/>
-              </a:pPr>
-              <a:r>
-                <a:rPr lang="pt-BR" sz="1600" kern="1200" dirty="0"/>
-                <a:t>Função com método de derivadas (</a:t>
-              </a:r>
-              <a:r>
-                <a:rPr lang="pt-BR" sz="1600" kern="1200" dirty="0" err="1"/>
-                <a:t>SpecialFunction</a:t>
-              </a:r>
-              <a:r>
-                <a:rPr lang="pt-BR" sz="1600" kern="1200" dirty="0"/>
-                <a:t>)</a:t>
-              </a:r>
-            </a:p>
-          </p:txBody>
-        </p:sp>
-        <p:sp>
-          <p:nvSpPr>
-            <p:cNvPr id="10" name="Forma Livre: Forma 9">
-              <a:extLst>
-                <a:ext uri="{FF2B5EF4-FFF2-40B4-BE49-F238E27FC236}">
-                  <a16:creationId xmlns:a16="http://schemas.microsoft.com/office/drawing/2014/main" id="{9521C0D9-8A3C-E9D6-1BDC-DB5954C6E2B6}"/>
-                </a:ext>
-              </a:extLst>
-            </p:cNvPr>
-            <p:cNvSpPr/>
-            <p:nvPr/>
-          </p:nvSpPr>
-          <p:spPr>
-            <a:xfrm>
-              <a:off x="2677821" y="1520336"/>
-              <a:ext cx="187794" cy="704230"/>
-            </a:xfrm>
-            <a:custGeom>
-              <a:avLst/>
-              <a:gdLst/>
-              <a:ahLst/>
-              <a:cxnLst/>
-              <a:rect l="0" t="0" r="0" b="0"/>
-              <a:pathLst>
-                <a:path>
-                  <a:moveTo>
-                    <a:pt x="0" y="0"/>
-                  </a:moveTo>
-                  <a:lnTo>
-                    <a:pt x="0" y="704230"/>
-                  </a:lnTo>
-                  <a:lnTo>
-                    <a:pt x="187794" y="704230"/>
-                  </a:lnTo>
-                </a:path>
-              </a:pathLst>
-            </a:custGeom>
-            <a:noFill/>
-          </p:spPr>
-          <p:style>
-            <a:lnRef idx="2">
-              <a:schemeClr val="dk1">
-                <a:shade val="60000"/>
-                <a:hueOff val="0"/>
-                <a:satOff val="0"/>
-                <a:lumOff val="0"/>
-                <a:alphaOff val="0"/>
-              </a:schemeClr>
-            </a:lnRef>
-            <a:fillRef idx="0">
-              <a:scrgbClr r="0" g="0" b="0"/>
-            </a:fillRef>
-            <a:effectRef idx="0">
-              <a:schemeClr val="dk1">
-                <a:hueOff val="0"/>
-                <a:satOff val="0"/>
-                <a:lumOff val="0"/>
-                <a:alphaOff val="0"/>
-              </a:schemeClr>
-            </a:effectRef>
-            <a:fontRef idx="minor">
-              <a:schemeClr val="tx1">
-                <a:hueOff val="0"/>
-                <a:satOff val="0"/>
-                <a:lumOff val="0"/>
-                <a:alphaOff val="0"/>
-              </a:schemeClr>
-            </a:fontRef>
-          </p:style>
-        </p:sp>
-        <p:sp>
-          <p:nvSpPr>
-            <p:cNvPr id="11" name="Forma Livre: Forma 10">
-              <a:extLst>
-                <a:ext uri="{FF2B5EF4-FFF2-40B4-BE49-F238E27FC236}">
-                  <a16:creationId xmlns:a16="http://schemas.microsoft.com/office/drawing/2014/main" id="{1FAD0DFE-B5B6-EC4D-4A68-A06765024935}"/>
-                </a:ext>
-              </a:extLst>
-            </p:cNvPr>
-            <p:cNvSpPr/>
-            <p:nvPr/>
-          </p:nvSpPr>
-          <p:spPr>
-            <a:xfrm>
-              <a:off x="2865615" y="1755080"/>
-              <a:ext cx="1502357" cy="938973"/>
-            </a:xfrm>
-            <a:custGeom>
-              <a:avLst/>
-              <a:gdLst>
-                <a:gd name="connsiteX0" fmla="*/ 0 w 1502357"/>
-                <a:gd name="connsiteY0" fmla="*/ 93897 h 938973"/>
-                <a:gd name="connsiteX1" fmla="*/ 93897 w 1502357"/>
-                <a:gd name="connsiteY1" fmla="*/ 0 h 938973"/>
-                <a:gd name="connsiteX2" fmla="*/ 1408460 w 1502357"/>
-                <a:gd name="connsiteY2" fmla="*/ 0 h 938973"/>
-                <a:gd name="connsiteX3" fmla="*/ 1502357 w 1502357"/>
-                <a:gd name="connsiteY3" fmla="*/ 93897 h 938973"/>
-                <a:gd name="connsiteX4" fmla="*/ 1502357 w 1502357"/>
-                <a:gd name="connsiteY4" fmla="*/ 845076 h 938973"/>
-                <a:gd name="connsiteX5" fmla="*/ 1408460 w 1502357"/>
-                <a:gd name="connsiteY5" fmla="*/ 938973 h 938973"/>
-                <a:gd name="connsiteX6" fmla="*/ 93897 w 1502357"/>
-                <a:gd name="connsiteY6" fmla="*/ 938973 h 938973"/>
-                <a:gd name="connsiteX7" fmla="*/ 0 w 1502357"/>
-                <a:gd name="connsiteY7" fmla="*/ 845076 h 938973"/>
-                <a:gd name="connsiteX8" fmla="*/ 0 w 1502357"/>
-                <a:gd name="connsiteY8" fmla="*/ 93897 h 938973"/>
-              </a:gdLst>
-              <a:ahLst/>
-              <a:cxnLst>
-                <a:cxn ang="0">
-                  <a:pos x="connsiteX0" y="connsiteY0"/>
-                </a:cxn>
-                <a:cxn ang="0">
-                  <a:pos x="connsiteX1" y="connsiteY1"/>
-                </a:cxn>
-                <a:cxn ang="0">
-                  <a:pos x="connsiteX2" y="connsiteY2"/>
-                </a:cxn>
-                <a:cxn ang="0">
-                  <a:pos x="connsiteX3" y="connsiteY3"/>
-                </a:cxn>
-                <a:cxn ang="0">
-                  <a:pos x="connsiteX4" y="connsiteY4"/>
-                </a:cxn>
-                <a:cxn ang="0">
-                  <a:pos x="connsiteX5" y="connsiteY5"/>
-                </a:cxn>
-                <a:cxn ang="0">
-                  <a:pos x="connsiteX6" y="connsiteY6"/>
-                </a:cxn>
-                <a:cxn ang="0">
-                  <a:pos x="connsiteX7" y="connsiteY7"/>
-                </a:cxn>
-                <a:cxn ang="0">
-                  <a:pos x="connsiteX8" y="connsiteY8"/>
-                </a:cxn>
-              </a:cxnLst>
-              <a:rect l="l" t="t" r="r" b="b"/>
-              <a:pathLst>
-                <a:path w="1502357" h="938973">
-                  <a:moveTo>
-                    <a:pt x="0" y="93897"/>
-                  </a:moveTo>
-                  <a:cubicBezTo>
-                    <a:pt x="0" y="42039"/>
-                    <a:pt x="42039" y="0"/>
-                    <a:pt x="93897" y="0"/>
-                  </a:cubicBezTo>
-                  <a:lnTo>
-                    <a:pt x="1408460" y="0"/>
-                  </a:lnTo>
-                  <a:cubicBezTo>
-                    <a:pt x="1460318" y="0"/>
-                    <a:pt x="1502357" y="42039"/>
-                    <a:pt x="1502357" y="93897"/>
-                  </a:cubicBezTo>
-                  <a:lnTo>
-                    <a:pt x="1502357" y="845076"/>
-                  </a:lnTo>
-                  <a:cubicBezTo>
-                    <a:pt x="1502357" y="896934"/>
-                    <a:pt x="1460318" y="938973"/>
-                    <a:pt x="1408460" y="938973"/>
-                  </a:cubicBezTo>
-                  <a:lnTo>
-                    <a:pt x="93897" y="938973"/>
-                  </a:lnTo>
-                  <a:cubicBezTo>
-                    <a:pt x="42039" y="938973"/>
-                    <a:pt x="0" y="896934"/>
-                    <a:pt x="0" y="845076"/>
-                  </a:cubicBezTo>
-                  <a:lnTo>
-                    <a:pt x="0" y="93897"/>
-                  </a:lnTo>
-                  <a:close/>
-                </a:path>
-              </a:pathLst>
-            </a:custGeom>
-          </p:spPr>
-          <p:style>
-            <a:lnRef idx="2">
-              <a:schemeClr val="dk1">
-                <a:hueOff val="0"/>
-                <a:satOff val="0"/>
-                <a:lumOff val="0"/>
-                <a:alphaOff val="0"/>
-              </a:schemeClr>
-            </a:lnRef>
-            <a:fillRef idx="1">
-              <a:schemeClr val="dk1">
-                <a:alpha val="90000"/>
-                <a:tint val="40000"/>
-                <a:hueOff val="0"/>
-                <a:satOff val="0"/>
-                <a:lumOff val="0"/>
-                <a:alphaOff val="0"/>
-              </a:schemeClr>
-            </a:fillRef>
-            <a:effectRef idx="0">
-              <a:schemeClr val="dk1">
-                <a:alpha val="90000"/>
-                <a:tint val="40000"/>
-                <a:hueOff val="0"/>
-                <a:satOff val="0"/>
-                <a:lumOff val="0"/>
-                <a:alphaOff val="0"/>
-              </a:schemeClr>
-            </a:effectRef>
-            <a:fontRef idx="minor">
-              <a:schemeClr val="dk1">
-                <a:hueOff val="0"/>
-                <a:satOff val="0"/>
-                <a:lumOff val="0"/>
-                <a:alphaOff val="0"/>
-              </a:schemeClr>
-            </a:fontRef>
-          </p:style>
-          <p:txBody>
-            <a:bodyPr spcFirstLastPara="0" vert="horz" wrap="square" lIns="50362" tIns="42742" rIns="50362" bIns="42742" numCol="1" spcCol="1270" anchor="ctr" anchorCtr="0">
-              <a:noAutofit/>
-            </a:bodyPr>
-            <a:lstStyle/>
-            <a:p>
-              <a:pPr marL="0" lvl="0" indent="0" algn="ctr" defTabSz="533400">
-                <a:lnSpc>
-                  <a:spcPct val="90000"/>
-                </a:lnSpc>
-                <a:spcBef>
-                  <a:spcPct val="0"/>
-                </a:spcBef>
-                <a:spcAft>
-                  <a:spcPct val="35000"/>
-                </a:spcAft>
-                <a:buNone/>
-              </a:pPr>
-              <a:r>
-                <a:rPr lang="pt-BR" sz="1200" kern="1200" dirty="0"/>
-                <a:t>Função com derivada analítica (</a:t>
-              </a:r>
-              <a:r>
-                <a:rPr lang="pt-BR" sz="1200" kern="1200" dirty="0" err="1"/>
-                <a:t>Analytical</a:t>
-              </a:r>
-              <a:r>
-                <a:rPr lang="pt-BR" sz="1200" kern="1200" dirty="0"/>
-                <a:t> </a:t>
-              </a:r>
-              <a:r>
-                <a:rPr lang="pt-BR" sz="1200" kern="1200" dirty="0" err="1"/>
-                <a:t>SpecialFunction</a:t>
-              </a:r>
-              <a:r>
-                <a:rPr lang="pt-BR" sz="1200" kern="1200" dirty="0"/>
-                <a:t>)</a:t>
-              </a:r>
-            </a:p>
-          </p:txBody>
-        </p:sp>
-        <p:sp>
-          <p:nvSpPr>
-            <p:cNvPr id="12" name="Forma Livre: Forma 11">
-              <a:extLst>
-                <a:ext uri="{FF2B5EF4-FFF2-40B4-BE49-F238E27FC236}">
-                  <a16:creationId xmlns:a16="http://schemas.microsoft.com/office/drawing/2014/main" id="{F25CC316-B0FD-49CC-3A85-3817986E7EB3}"/>
-                </a:ext>
-              </a:extLst>
-            </p:cNvPr>
-            <p:cNvSpPr/>
-            <p:nvPr/>
-          </p:nvSpPr>
-          <p:spPr>
-            <a:xfrm>
-              <a:off x="2677821" y="1520336"/>
-              <a:ext cx="187794" cy="1877947"/>
-            </a:xfrm>
-            <a:custGeom>
-              <a:avLst/>
-              <a:gdLst/>
-              <a:ahLst/>
-              <a:cxnLst/>
-              <a:rect l="0" t="0" r="0" b="0"/>
-              <a:pathLst>
-                <a:path>
-                  <a:moveTo>
-                    <a:pt x="0" y="0"/>
-                  </a:moveTo>
-                  <a:lnTo>
-                    <a:pt x="0" y="1877947"/>
-                  </a:lnTo>
-                  <a:lnTo>
-                    <a:pt x="187794" y="1877947"/>
-                  </a:lnTo>
-                </a:path>
-              </a:pathLst>
-            </a:custGeom>
-            <a:noFill/>
-          </p:spPr>
-          <p:style>
-            <a:lnRef idx="2">
-              <a:schemeClr val="dk1">
-                <a:shade val="60000"/>
-                <a:hueOff val="0"/>
-                <a:satOff val="0"/>
-                <a:lumOff val="0"/>
-                <a:alphaOff val="0"/>
-              </a:schemeClr>
-            </a:lnRef>
-            <a:fillRef idx="0">
-              <a:scrgbClr r="0" g="0" b="0"/>
-            </a:fillRef>
-            <a:effectRef idx="0">
-              <a:schemeClr val="dk1">
-                <a:hueOff val="0"/>
-                <a:satOff val="0"/>
-                <a:lumOff val="0"/>
-                <a:alphaOff val="0"/>
-              </a:schemeClr>
-            </a:effectRef>
-            <a:fontRef idx="minor">
-              <a:schemeClr val="tx1">
-                <a:hueOff val="0"/>
-                <a:satOff val="0"/>
-                <a:lumOff val="0"/>
-                <a:alphaOff val="0"/>
-              </a:schemeClr>
-            </a:fontRef>
-          </p:style>
-        </p:sp>
-        <p:sp>
-          <p:nvSpPr>
-            <p:cNvPr id="13" name="Forma Livre: Forma 12">
-              <a:extLst>
-                <a:ext uri="{FF2B5EF4-FFF2-40B4-BE49-F238E27FC236}">
-                  <a16:creationId xmlns:a16="http://schemas.microsoft.com/office/drawing/2014/main" id="{0D9E1DFD-D448-E086-86A6-E51BAAA4D981}"/>
-                </a:ext>
-              </a:extLst>
-            </p:cNvPr>
-            <p:cNvSpPr/>
-            <p:nvPr/>
-          </p:nvSpPr>
-          <p:spPr>
-            <a:xfrm>
-              <a:off x="2865615" y="2928797"/>
-              <a:ext cx="1502357" cy="938973"/>
-            </a:xfrm>
-            <a:custGeom>
-              <a:avLst/>
-              <a:gdLst>
-                <a:gd name="connsiteX0" fmla="*/ 0 w 1502357"/>
-                <a:gd name="connsiteY0" fmla="*/ 93897 h 938973"/>
-                <a:gd name="connsiteX1" fmla="*/ 93897 w 1502357"/>
-                <a:gd name="connsiteY1" fmla="*/ 0 h 938973"/>
-                <a:gd name="connsiteX2" fmla="*/ 1408460 w 1502357"/>
-                <a:gd name="connsiteY2" fmla="*/ 0 h 938973"/>
-                <a:gd name="connsiteX3" fmla="*/ 1502357 w 1502357"/>
-                <a:gd name="connsiteY3" fmla="*/ 93897 h 938973"/>
-                <a:gd name="connsiteX4" fmla="*/ 1502357 w 1502357"/>
-                <a:gd name="connsiteY4" fmla="*/ 845076 h 938973"/>
-                <a:gd name="connsiteX5" fmla="*/ 1408460 w 1502357"/>
-                <a:gd name="connsiteY5" fmla="*/ 938973 h 938973"/>
-                <a:gd name="connsiteX6" fmla="*/ 93897 w 1502357"/>
-                <a:gd name="connsiteY6" fmla="*/ 938973 h 938973"/>
-                <a:gd name="connsiteX7" fmla="*/ 0 w 1502357"/>
-                <a:gd name="connsiteY7" fmla="*/ 845076 h 938973"/>
-                <a:gd name="connsiteX8" fmla="*/ 0 w 1502357"/>
-                <a:gd name="connsiteY8" fmla="*/ 93897 h 938973"/>
-              </a:gdLst>
-              <a:ahLst/>
-              <a:cxnLst>
-                <a:cxn ang="0">
-                  <a:pos x="connsiteX0" y="connsiteY0"/>
-                </a:cxn>
-                <a:cxn ang="0">
-                  <a:pos x="connsiteX1" y="connsiteY1"/>
-                </a:cxn>
-                <a:cxn ang="0">
-                  <a:pos x="connsiteX2" y="connsiteY2"/>
-                </a:cxn>
-                <a:cxn ang="0">
-                  <a:pos x="connsiteX3" y="connsiteY3"/>
-                </a:cxn>
-                <a:cxn ang="0">
-                  <a:pos x="connsiteX4" y="connsiteY4"/>
-                </a:cxn>
-                <a:cxn ang="0">
-                  <a:pos x="connsiteX5" y="connsiteY5"/>
-                </a:cxn>
-                <a:cxn ang="0">
-                  <a:pos x="connsiteX6" y="connsiteY6"/>
-                </a:cxn>
-                <a:cxn ang="0">
-                  <a:pos x="connsiteX7" y="connsiteY7"/>
-                </a:cxn>
-                <a:cxn ang="0">
-                  <a:pos x="connsiteX8" y="connsiteY8"/>
-                </a:cxn>
-              </a:cxnLst>
-              <a:rect l="l" t="t" r="r" b="b"/>
-              <a:pathLst>
-                <a:path w="1502357" h="938973">
-                  <a:moveTo>
-                    <a:pt x="0" y="93897"/>
-                  </a:moveTo>
-                  <a:cubicBezTo>
-                    <a:pt x="0" y="42039"/>
-                    <a:pt x="42039" y="0"/>
-                    <a:pt x="93897" y="0"/>
-                  </a:cubicBezTo>
-                  <a:lnTo>
-                    <a:pt x="1408460" y="0"/>
-                  </a:lnTo>
-                  <a:cubicBezTo>
-                    <a:pt x="1460318" y="0"/>
-                    <a:pt x="1502357" y="42039"/>
-                    <a:pt x="1502357" y="93897"/>
-                  </a:cubicBezTo>
-                  <a:lnTo>
-                    <a:pt x="1502357" y="845076"/>
-                  </a:lnTo>
-                  <a:cubicBezTo>
-                    <a:pt x="1502357" y="896934"/>
-                    <a:pt x="1460318" y="938973"/>
-                    <a:pt x="1408460" y="938973"/>
-                  </a:cubicBezTo>
-                  <a:lnTo>
-                    <a:pt x="93897" y="938973"/>
-                  </a:lnTo>
-                  <a:cubicBezTo>
-                    <a:pt x="42039" y="938973"/>
-                    <a:pt x="0" y="896934"/>
-                    <a:pt x="0" y="845076"/>
-                  </a:cubicBezTo>
-                  <a:lnTo>
-                    <a:pt x="0" y="93897"/>
-                  </a:lnTo>
-                  <a:close/>
-                </a:path>
-              </a:pathLst>
-            </a:custGeom>
-          </p:spPr>
-          <p:style>
-            <a:lnRef idx="2">
-              <a:schemeClr val="dk1">
-                <a:hueOff val="0"/>
-                <a:satOff val="0"/>
-                <a:lumOff val="0"/>
-                <a:alphaOff val="0"/>
-              </a:schemeClr>
-            </a:lnRef>
-            <a:fillRef idx="1">
-              <a:schemeClr val="dk1">
-                <a:alpha val="90000"/>
-                <a:tint val="40000"/>
-                <a:hueOff val="0"/>
-                <a:satOff val="0"/>
-                <a:lumOff val="0"/>
-                <a:alphaOff val="0"/>
-              </a:schemeClr>
-            </a:fillRef>
-            <a:effectRef idx="0">
-              <a:schemeClr val="dk1">
-                <a:alpha val="90000"/>
-                <a:tint val="40000"/>
-                <a:hueOff val="0"/>
-                <a:satOff val="0"/>
-                <a:lumOff val="0"/>
-                <a:alphaOff val="0"/>
-              </a:schemeClr>
-            </a:effectRef>
-            <a:fontRef idx="minor">
-              <a:schemeClr val="dk1">
-                <a:hueOff val="0"/>
-                <a:satOff val="0"/>
-                <a:lumOff val="0"/>
-                <a:alphaOff val="0"/>
-              </a:schemeClr>
-            </a:fontRef>
-          </p:style>
-          <p:txBody>
-            <a:bodyPr spcFirstLastPara="0" vert="horz" wrap="square" lIns="50362" tIns="42742" rIns="50362" bIns="42742" numCol="1" spcCol="1270" anchor="ctr" anchorCtr="0">
-              <a:noAutofit/>
-            </a:bodyPr>
-            <a:lstStyle/>
-            <a:p>
-              <a:pPr marL="0" lvl="0" indent="0" algn="ctr" defTabSz="533400">
-                <a:lnSpc>
-                  <a:spcPct val="90000"/>
-                </a:lnSpc>
-                <a:spcBef>
-                  <a:spcPct val="0"/>
-                </a:spcBef>
-                <a:spcAft>
-                  <a:spcPct val="35000"/>
-                </a:spcAft>
-                <a:buNone/>
-              </a:pPr>
-              <a:r>
-                <a:rPr lang="pt-BR" sz="1200" kern="1200" dirty="0"/>
-                <a:t>Função com derivada numérica (</a:t>
-              </a:r>
-              <a:r>
-                <a:rPr lang="pt-BR" sz="1200" kern="1200" dirty="0" err="1"/>
-                <a:t>Numerical</a:t>
-              </a:r>
-              <a:r>
-                <a:rPr lang="pt-BR" sz="1200" kern="1200" dirty="0"/>
-                <a:t> </a:t>
-              </a:r>
-              <a:r>
-                <a:rPr lang="pt-BR" sz="1200" kern="1200" dirty="0" err="1"/>
-                <a:t>SpecialFunction</a:t>
-              </a:r>
-              <a:r>
-                <a:rPr lang="pt-BR" sz="1200" kern="1200" dirty="0"/>
-                <a:t>)</a:t>
-              </a:r>
-            </a:p>
-          </p:txBody>
-        </p:sp>
-        <p:sp>
-          <p:nvSpPr>
-            <p:cNvPr id="14" name="Forma Livre: Forma 13">
-              <a:extLst>
-                <a:ext uri="{FF2B5EF4-FFF2-40B4-BE49-F238E27FC236}">
-                  <a16:creationId xmlns:a16="http://schemas.microsoft.com/office/drawing/2014/main" id="{DBE9AF75-4A0E-96BA-F756-BBF925C2A408}"/>
-                </a:ext>
-              </a:extLst>
-            </p:cNvPr>
-            <p:cNvSpPr/>
-            <p:nvPr/>
-          </p:nvSpPr>
-          <p:spPr>
-            <a:xfrm>
-              <a:off x="4837460" y="581363"/>
-              <a:ext cx="1877947" cy="938973"/>
-            </a:xfrm>
-            <a:custGeom>
-              <a:avLst/>
-              <a:gdLst>
-                <a:gd name="connsiteX0" fmla="*/ 0 w 1877947"/>
-                <a:gd name="connsiteY0" fmla="*/ 93897 h 938973"/>
-                <a:gd name="connsiteX1" fmla="*/ 93897 w 1877947"/>
-                <a:gd name="connsiteY1" fmla="*/ 0 h 938973"/>
-                <a:gd name="connsiteX2" fmla="*/ 1784050 w 1877947"/>
-                <a:gd name="connsiteY2" fmla="*/ 0 h 938973"/>
-                <a:gd name="connsiteX3" fmla="*/ 1877947 w 1877947"/>
-                <a:gd name="connsiteY3" fmla="*/ 93897 h 938973"/>
-                <a:gd name="connsiteX4" fmla="*/ 1877947 w 1877947"/>
-                <a:gd name="connsiteY4" fmla="*/ 845076 h 938973"/>
-                <a:gd name="connsiteX5" fmla="*/ 1784050 w 1877947"/>
-                <a:gd name="connsiteY5" fmla="*/ 938973 h 938973"/>
-                <a:gd name="connsiteX6" fmla="*/ 93897 w 1877947"/>
-                <a:gd name="connsiteY6" fmla="*/ 938973 h 938973"/>
-                <a:gd name="connsiteX7" fmla="*/ 0 w 1877947"/>
-                <a:gd name="connsiteY7" fmla="*/ 845076 h 938973"/>
-                <a:gd name="connsiteX8" fmla="*/ 0 w 1877947"/>
-                <a:gd name="connsiteY8" fmla="*/ 93897 h 938973"/>
-              </a:gdLst>
-              <a:ahLst/>
-              <a:cxnLst>
-                <a:cxn ang="0">
-                  <a:pos x="connsiteX0" y="connsiteY0"/>
-                </a:cxn>
-                <a:cxn ang="0">
-                  <a:pos x="connsiteX1" y="connsiteY1"/>
-                </a:cxn>
-                <a:cxn ang="0">
-                  <a:pos x="connsiteX2" y="connsiteY2"/>
-                </a:cxn>
-                <a:cxn ang="0">
-                  <a:pos x="connsiteX3" y="connsiteY3"/>
-                </a:cxn>
-                <a:cxn ang="0">
-                  <a:pos x="connsiteX4" y="connsiteY4"/>
-                </a:cxn>
-                <a:cxn ang="0">
-                  <a:pos x="connsiteX5" y="connsiteY5"/>
-                </a:cxn>
-                <a:cxn ang="0">
-                  <a:pos x="connsiteX6" y="connsiteY6"/>
-                </a:cxn>
-                <a:cxn ang="0">
-                  <a:pos x="connsiteX7" y="connsiteY7"/>
-                </a:cxn>
-                <a:cxn ang="0">
-                  <a:pos x="connsiteX8" y="connsiteY8"/>
-                </a:cxn>
-              </a:cxnLst>
-              <a:rect l="l" t="t" r="r" b="b"/>
-              <a:pathLst>
-                <a:path w="1877947" h="938973">
-                  <a:moveTo>
-                    <a:pt x="0" y="93897"/>
-                  </a:moveTo>
-                  <a:cubicBezTo>
-                    <a:pt x="0" y="42039"/>
-                    <a:pt x="42039" y="0"/>
-                    <a:pt x="93897" y="0"/>
-                  </a:cubicBezTo>
-                  <a:lnTo>
-                    <a:pt x="1784050" y="0"/>
-                  </a:lnTo>
-                  <a:cubicBezTo>
-                    <a:pt x="1835908" y="0"/>
-                    <a:pt x="1877947" y="42039"/>
-                    <a:pt x="1877947" y="93897"/>
-                  </a:cubicBezTo>
-                  <a:lnTo>
-                    <a:pt x="1877947" y="845076"/>
-                  </a:lnTo>
-                  <a:cubicBezTo>
-                    <a:pt x="1877947" y="896934"/>
-                    <a:pt x="1835908" y="938973"/>
-                    <a:pt x="1784050" y="938973"/>
-                  </a:cubicBezTo>
-                  <a:lnTo>
-                    <a:pt x="93897" y="938973"/>
-                  </a:lnTo>
-                  <a:cubicBezTo>
-                    <a:pt x="42039" y="938973"/>
-                    <a:pt x="0" y="896934"/>
-                    <a:pt x="0" y="845076"/>
-                  </a:cubicBezTo>
-                  <a:lnTo>
-                    <a:pt x="0" y="93897"/>
-                  </a:lnTo>
-                  <a:close/>
-                </a:path>
-              </a:pathLst>
-            </a:custGeom>
-          </p:spPr>
-          <p:style>
-            <a:lnRef idx="2">
-              <a:schemeClr val="dk1">
-                <a:shade val="80000"/>
-                <a:hueOff val="0"/>
-                <a:satOff val="0"/>
-                <a:lumOff val="0"/>
-                <a:alphaOff val="0"/>
-              </a:schemeClr>
-            </a:lnRef>
-            <a:fillRef idx="1">
-              <a:schemeClr val="lt1">
-                <a:hueOff val="0"/>
-                <a:satOff val="0"/>
-                <a:lumOff val="0"/>
-                <a:alphaOff val="0"/>
-              </a:schemeClr>
-            </a:fillRef>
-            <a:effectRef idx="0">
-              <a:schemeClr val="lt1">
-                <a:hueOff val="0"/>
-                <a:satOff val="0"/>
-                <a:lumOff val="0"/>
-                <a:alphaOff val="0"/>
-              </a:schemeClr>
-            </a:effectRef>
-            <a:fontRef idx="minor">
-              <a:schemeClr val="dk1">
-                <a:hueOff val="0"/>
-                <a:satOff val="0"/>
-                <a:lumOff val="0"/>
-                <a:alphaOff val="0"/>
-              </a:schemeClr>
-            </a:fontRef>
-          </p:style>
-          <p:txBody>
-            <a:bodyPr spcFirstLastPara="0" vert="horz" wrap="square" lIns="57982" tIns="47822" rIns="57982" bIns="47822" numCol="1" spcCol="1270" anchor="ctr" anchorCtr="0">
-              <a:noAutofit/>
-            </a:bodyPr>
-            <a:lstStyle/>
-            <a:p>
-              <a:pPr marL="0" lvl="0" indent="0" algn="ctr" defTabSz="711200">
-                <a:lnSpc>
-                  <a:spcPct val="90000"/>
-                </a:lnSpc>
-                <a:spcBef>
-                  <a:spcPct val="0"/>
-                </a:spcBef>
-                <a:spcAft>
-                  <a:spcPct val="35000"/>
-                </a:spcAft>
-                <a:buNone/>
-              </a:pPr>
-              <a:r>
-                <a:rPr lang="pt-BR" sz="1600" kern="1200" dirty="0"/>
-                <a:t>Otimizador genérico (</a:t>
-              </a:r>
-              <a:r>
-                <a:rPr lang="pt-BR" sz="1600" kern="1200" dirty="0" err="1"/>
-                <a:t>GenericOptimizer</a:t>
-              </a:r>
-              <a:r>
-                <a:rPr lang="pt-BR" sz="1600" kern="1200" dirty="0"/>
-                <a:t>)</a:t>
-              </a:r>
-            </a:p>
-          </p:txBody>
-        </p:sp>
-        <p:sp>
-          <p:nvSpPr>
-            <p:cNvPr id="15" name="Forma Livre: Forma 14">
-              <a:extLst>
-                <a:ext uri="{FF2B5EF4-FFF2-40B4-BE49-F238E27FC236}">
-                  <a16:creationId xmlns:a16="http://schemas.microsoft.com/office/drawing/2014/main" id="{9CE54B87-8B85-185D-6AE2-815B4DF3D287}"/>
-                </a:ext>
-              </a:extLst>
-            </p:cNvPr>
-            <p:cNvSpPr/>
-            <p:nvPr/>
-          </p:nvSpPr>
-          <p:spPr>
-            <a:xfrm>
-              <a:off x="5025255" y="1520336"/>
-              <a:ext cx="187794" cy="704230"/>
-            </a:xfrm>
-            <a:custGeom>
-              <a:avLst/>
-              <a:gdLst/>
-              <a:ahLst/>
-              <a:cxnLst/>
-              <a:rect l="0" t="0" r="0" b="0"/>
-              <a:pathLst>
-                <a:path>
-                  <a:moveTo>
-                    <a:pt x="0" y="0"/>
-                  </a:moveTo>
-                  <a:lnTo>
-                    <a:pt x="0" y="704230"/>
-                  </a:lnTo>
-                  <a:lnTo>
-                    <a:pt x="187794" y="704230"/>
-                  </a:lnTo>
-                </a:path>
-              </a:pathLst>
-            </a:custGeom>
-            <a:noFill/>
-          </p:spPr>
-          <p:style>
-            <a:lnRef idx="2">
-              <a:schemeClr val="dk1">
-                <a:shade val="60000"/>
-                <a:hueOff val="0"/>
-                <a:satOff val="0"/>
-                <a:lumOff val="0"/>
-                <a:alphaOff val="0"/>
-              </a:schemeClr>
-            </a:lnRef>
-            <a:fillRef idx="0">
-              <a:scrgbClr r="0" g="0" b="0"/>
-            </a:fillRef>
-            <a:effectRef idx="0">
-              <a:schemeClr val="dk1">
-                <a:hueOff val="0"/>
-                <a:satOff val="0"/>
-                <a:lumOff val="0"/>
-                <a:alphaOff val="0"/>
-              </a:schemeClr>
-            </a:effectRef>
-            <a:fontRef idx="minor">
-              <a:schemeClr val="tx1">
-                <a:hueOff val="0"/>
-                <a:satOff val="0"/>
-                <a:lumOff val="0"/>
-                <a:alphaOff val="0"/>
-              </a:schemeClr>
-            </a:fontRef>
-          </p:style>
-        </p:sp>
-        <p:sp>
-          <p:nvSpPr>
-            <p:cNvPr id="16" name="Forma Livre: Forma 15">
-              <a:extLst>
-                <a:ext uri="{FF2B5EF4-FFF2-40B4-BE49-F238E27FC236}">
-                  <a16:creationId xmlns:a16="http://schemas.microsoft.com/office/drawing/2014/main" id="{DCEAE8CC-5E65-2FC7-D9DF-C65A13C3994C}"/>
-                </a:ext>
-              </a:extLst>
-            </p:cNvPr>
-            <p:cNvSpPr/>
-            <p:nvPr/>
-          </p:nvSpPr>
-          <p:spPr>
-            <a:xfrm>
-              <a:off x="5213049" y="1755080"/>
-              <a:ext cx="1502357" cy="938973"/>
-            </a:xfrm>
-            <a:custGeom>
-              <a:avLst/>
-              <a:gdLst>
-                <a:gd name="connsiteX0" fmla="*/ 0 w 1502357"/>
-                <a:gd name="connsiteY0" fmla="*/ 93897 h 938973"/>
-                <a:gd name="connsiteX1" fmla="*/ 93897 w 1502357"/>
-                <a:gd name="connsiteY1" fmla="*/ 0 h 938973"/>
-                <a:gd name="connsiteX2" fmla="*/ 1408460 w 1502357"/>
-                <a:gd name="connsiteY2" fmla="*/ 0 h 938973"/>
-                <a:gd name="connsiteX3" fmla="*/ 1502357 w 1502357"/>
-                <a:gd name="connsiteY3" fmla="*/ 93897 h 938973"/>
-                <a:gd name="connsiteX4" fmla="*/ 1502357 w 1502357"/>
-                <a:gd name="connsiteY4" fmla="*/ 845076 h 938973"/>
-                <a:gd name="connsiteX5" fmla="*/ 1408460 w 1502357"/>
-                <a:gd name="connsiteY5" fmla="*/ 938973 h 938973"/>
-                <a:gd name="connsiteX6" fmla="*/ 93897 w 1502357"/>
-                <a:gd name="connsiteY6" fmla="*/ 938973 h 938973"/>
-                <a:gd name="connsiteX7" fmla="*/ 0 w 1502357"/>
-                <a:gd name="connsiteY7" fmla="*/ 845076 h 938973"/>
-                <a:gd name="connsiteX8" fmla="*/ 0 w 1502357"/>
-                <a:gd name="connsiteY8" fmla="*/ 93897 h 938973"/>
-              </a:gdLst>
-              <a:ahLst/>
-              <a:cxnLst>
-                <a:cxn ang="0">
-                  <a:pos x="connsiteX0" y="connsiteY0"/>
-                </a:cxn>
-                <a:cxn ang="0">
-                  <a:pos x="connsiteX1" y="connsiteY1"/>
-                </a:cxn>
-                <a:cxn ang="0">
-                  <a:pos x="connsiteX2" y="connsiteY2"/>
-                </a:cxn>
-                <a:cxn ang="0">
-                  <a:pos x="connsiteX3" y="connsiteY3"/>
-                </a:cxn>
-                <a:cxn ang="0">
-                  <a:pos x="connsiteX4" y="connsiteY4"/>
-                </a:cxn>
-                <a:cxn ang="0">
-                  <a:pos x="connsiteX5" y="connsiteY5"/>
-                </a:cxn>
-                <a:cxn ang="0">
-                  <a:pos x="connsiteX6" y="connsiteY6"/>
-                </a:cxn>
-                <a:cxn ang="0">
-                  <a:pos x="connsiteX7" y="connsiteY7"/>
-                </a:cxn>
-                <a:cxn ang="0">
-                  <a:pos x="connsiteX8" y="connsiteY8"/>
-                </a:cxn>
-              </a:cxnLst>
-              <a:rect l="l" t="t" r="r" b="b"/>
-              <a:pathLst>
-                <a:path w="1502357" h="938973">
-                  <a:moveTo>
-                    <a:pt x="0" y="93897"/>
-                  </a:moveTo>
-                  <a:cubicBezTo>
-                    <a:pt x="0" y="42039"/>
-                    <a:pt x="42039" y="0"/>
-                    <a:pt x="93897" y="0"/>
-                  </a:cubicBezTo>
-                  <a:lnTo>
-                    <a:pt x="1408460" y="0"/>
-                  </a:lnTo>
-                  <a:cubicBezTo>
-                    <a:pt x="1460318" y="0"/>
-                    <a:pt x="1502357" y="42039"/>
-                    <a:pt x="1502357" y="93897"/>
-                  </a:cubicBezTo>
-                  <a:lnTo>
-                    <a:pt x="1502357" y="845076"/>
-                  </a:lnTo>
-                  <a:cubicBezTo>
-                    <a:pt x="1502357" y="896934"/>
-                    <a:pt x="1460318" y="938973"/>
-                    <a:pt x="1408460" y="938973"/>
-                  </a:cubicBezTo>
-                  <a:lnTo>
-                    <a:pt x="93897" y="938973"/>
-                  </a:lnTo>
-                  <a:cubicBezTo>
-                    <a:pt x="42039" y="938973"/>
-                    <a:pt x="0" y="896934"/>
-                    <a:pt x="0" y="845076"/>
-                  </a:cubicBezTo>
-                  <a:lnTo>
-                    <a:pt x="0" y="93897"/>
-                  </a:lnTo>
-                  <a:close/>
-                </a:path>
-              </a:pathLst>
-            </a:custGeom>
-          </p:spPr>
-          <p:style>
-            <a:lnRef idx="2">
-              <a:schemeClr val="dk1">
-                <a:hueOff val="0"/>
-                <a:satOff val="0"/>
-                <a:lumOff val="0"/>
-                <a:alphaOff val="0"/>
-              </a:schemeClr>
-            </a:lnRef>
-            <a:fillRef idx="1">
-              <a:schemeClr val="dk1">
-                <a:alpha val="90000"/>
-                <a:tint val="40000"/>
-                <a:hueOff val="0"/>
-                <a:satOff val="0"/>
-                <a:lumOff val="0"/>
-                <a:alphaOff val="0"/>
-              </a:schemeClr>
-            </a:fillRef>
-            <a:effectRef idx="0">
-              <a:schemeClr val="dk1">
-                <a:alpha val="90000"/>
-                <a:tint val="40000"/>
-                <a:hueOff val="0"/>
-                <a:satOff val="0"/>
-                <a:lumOff val="0"/>
-                <a:alphaOff val="0"/>
-              </a:schemeClr>
-            </a:effectRef>
-            <a:fontRef idx="minor">
-              <a:schemeClr val="dk1">
-                <a:hueOff val="0"/>
-                <a:satOff val="0"/>
-                <a:lumOff val="0"/>
-                <a:alphaOff val="0"/>
-              </a:schemeClr>
-            </a:fontRef>
-          </p:style>
-          <p:txBody>
-            <a:bodyPr spcFirstLastPara="0" vert="horz" wrap="square" lIns="50362" tIns="42742" rIns="50362" bIns="42742" numCol="1" spcCol="1270" anchor="ctr" anchorCtr="0">
-              <a:noAutofit/>
-            </a:bodyPr>
-            <a:lstStyle/>
-            <a:p>
-              <a:pPr marL="0" lvl="0" indent="0" algn="ctr" defTabSz="533400">
-                <a:lnSpc>
-                  <a:spcPct val="90000"/>
-                </a:lnSpc>
-                <a:spcBef>
-                  <a:spcPct val="0"/>
-                </a:spcBef>
-                <a:spcAft>
-                  <a:spcPct val="35000"/>
-                </a:spcAft>
-                <a:buNone/>
-              </a:pPr>
-              <a:r>
-                <a:rPr lang="pt-BR" sz="1200" kern="1200" dirty="0" err="1"/>
-                <a:t>Univariante</a:t>
-              </a:r>
-              <a:r>
-                <a:rPr lang="pt-BR" sz="1200" kern="1200" dirty="0"/>
-                <a:t> (</a:t>
-              </a:r>
-              <a:r>
-                <a:rPr lang="pt-BR" sz="1200" kern="1200" dirty="0" err="1"/>
-                <a:t>UnivariantOptimizer</a:t>
-              </a:r>
-              <a:r>
-                <a:rPr lang="pt-BR" sz="1200" kern="1200" dirty="0"/>
-                <a:t>)</a:t>
-              </a:r>
-            </a:p>
-          </p:txBody>
-        </p:sp>
-        <p:sp>
-          <p:nvSpPr>
-            <p:cNvPr id="17" name="Forma Livre: Forma 16">
-              <a:extLst>
-                <a:ext uri="{FF2B5EF4-FFF2-40B4-BE49-F238E27FC236}">
-                  <a16:creationId xmlns:a16="http://schemas.microsoft.com/office/drawing/2014/main" id="{A7ED3D0E-E63C-2B7A-C1E6-E0E94CF5DF11}"/>
-                </a:ext>
-              </a:extLst>
-            </p:cNvPr>
-            <p:cNvSpPr/>
-            <p:nvPr/>
-          </p:nvSpPr>
-          <p:spPr>
-            <a:xfrm>
-              <a:off x="5025255" y="1520336"/>
-              <a:ext cx="187794" cy="1877947"/>
-            </a:xfrm>
-            <a:custGeom>
-              <a:avLst/>
-              <a:gdLst/>
-              <a:ahLst/>
-              <a:cxnLst/>
-              <a:rect l="0" t="0" r="0" b="0"/>
-              <a:pathLst>
-                <a:path>
-                  <a:moveTo>
-                    <a:pt x="0" y="0"/>
-                  </a:moveTo>
-                  <a:lnTo>
-                    <a:pt x="0" y="1877947"/>
-                  </a:lnTo>
-                  <a:lnTo>
-                    <a:pt x="187794" y="1877947"/>
-                  </a:lnTo>
-                </a:path>
-              </a:pathLst>
-            </a:custGeom>
-            <a:noFill/>
-          </p:spPr>
-          <p:style>
-            <a:lnRef idx="2">
-              <a:schemeClr val="dk1">
-                <a:shade val="60000"/>
-                <a:hueOff val="0"/>
-                <a:satOff val="0"/>
-                <a:lumOff val="0"/>
-                <a:alphaOff val="0"/>
-              </a:schemeClr>
-            </a:lnRef>
-            <a:fillRef idx="0">
-              <a:scrgbClr r="0" g="0" b="0"/>
-            </a:fillRef>
-            <a:effectRef idx="0">
-              <a:schemeClr val="dk1">
-                <a:hueOff val="0"/>
-                <a:satOff val="0"/>
-                <a:lumOff val="0"/>
-                <a:alphaOff val="0"/>
-              </a:schemeClr>
-            </a:effectRef>
-            <a:fontRef idx="minor">
-              <a:schemeClr val="tx1">
-                <a:hueOff val="0"/>
-                <a:satOff val="0"/>
-                <a:lumOff val="0"/>
-                <a:alphaOff val="0"/>
-              </a:schemeClr>
-            </a:fontRef>
-          </p:style>
-        </p:sp>
-        <p:sp>
-          <p:nvSpPr>
-            <p:cNvPr id="18" name="Forma Livre: Forma 17">
-              <a:extLst>
-                <a:ext uri="{FF2B5EF4-FFF2-40B4-BE49-F238E27FC236}">
-                  <a16:creationId xmlns:a16="http://schemas.microsoft.com/office/drawing/2014/main" id="{8DBA9F04-F50F-7C33-4DC9-5A53FEB97835}"/>
-                </a:ext>
-              </a:extLst>
-            </p:cNvPr>
-            <p:cNvSpPr/>
-            <p:nvPr/>
-          </p:nvSpPr>
-          <p:spPr>
-            <a:xfrm>
-              <a:off x="5213049" y="2928797"/>
-              <a:ext cx="1502357" cy="938973"/>
-            </a:xfrm>
-            <a:custGeom>
-              <a:avLst/>
-              <a:gdLst>
-                <a:gd name="connsiteX0" fmla="*/ 0 w 1502357"/>
-                <a:gd name="connsiteY0" fmla="*/ 93897 h 938973"/>
-                <a:gd name="connsiteX1" fmla="*/ 93897 w 1502357"/>
-                <a:gd name="connsiteY1" fmla="*/ 0 h 938973"/>
-                <a:gd name="connsiteX2" fmla="*/ 1408460 w 1502357"/>
-                <a:gd name="connsiteY2" fmla="*/ 0 h 938973"/>
-                <a:gd name="connsiteX3" fmla="*/ 1502357 w 1502357"/>
-                <a:gd name="connsiteY3" fmla="*/ 93897 h 938973"/>
-                <a:gd name="connsiteX4" fmla="*/ 1502357 w 1502357"/>
-                <a:gd name="connsiteY4" fmla="*/ 845076 h 938973"/>
-                <a:gd name="connsiteX5" fmla="*/ 1408460 w 1502357"/>
-                <a:gd name="connsiteY5" fmla="*/ 938973 h 938973"/>
-                <a:gd name="connsiteX6" fmla="*/ 93897 w 1502357"/>
-                <a:gd name="connsiteY6" fmla="*/ 938973 h 938973"/>
-                <a:gd name="connsiteX7" fmla="*/ 0 w 1502357"/>
-                <a:gd name="connsiteY7" fmla="*/ 845076 h 938973"/>
-                <a:gd name="connsiteX8" fmla="*/ 0 w 1502357"/>
-                <a:gd name="connsiteY8" fmla="*/ 93897 h 938973"/>
-              </a:gdLst>
-              <a:ahLst/>
-              <a:cxnLst>
-                <a:cxn ang="0">
-                  <a:pos x="connsiteX0" y="connsiteY0"/>
-                </a:cxn>
-                <a:cxn ang="0">
-                  <a:pos x="connsiteX1" y="connsiteY1"/>
-                </a:cxn>
-                <a:cxn ang="0">
-                  <a:pos x="connsiteX2" y="connsiteY2"/>
-                </a:cxn>
-                <a:cxn ang="0">
-                  <a:pos x="connsiteX3" y="connsiteY3"/>
-                </a:cxn>
-                <a:cxn ang="0">
-                  <a:pos x="connsiteX4" y="connsiteY4"/>
-                </a:cxn>
-                <a:cxn ang="0">
-                  <a:pos x="connsiteX5" y="connsiteY5"/>
-                </a:cxn>
-                <a:cxn ang="0">
-                  <a:pos x="connsiteX6" y="connsiteY6"/>
-                </a:cxn>
-                <a:cxn ang="0">
-                  <a:pos x="connsiteX7" y="connsiteY7"/>
-                </a:cxn>
-                <a:cxn ang="0">
-                  <a:pos x="connsiteX8" y="connsiteY8"/>
-                </a:cxn>
-              </a:cxnLst>
-              <a:rect l="l" t="t" r="r" b="b"/>
-              <a:pathLst>
-                <a:path w="1502357" h="938973">
-                  <a:moveTo>
-                    <a:pt x="0" y="93897"/>
-                  </a:moveTo>
-                  <a:cubicBezTo>
-                    <a:pt x="0" y="42039"/>
-                    <a:pt x="42039" y="0"/>
-                    <a:pt x="93897" y="0"/>
-                  </a:cubicBezTo>
-                  <a:lnTo>
-                    <a:pt x="1408460" y="0"/>
-                  </a:lnTo>
-                  <a:cubicBezTo>
-                    <a:pt x="1460318" y="0"/>
-                    <a:pt x="1502357" y="42039"/>
-                    <a:pt x="1502357" y="93897"/>
-                  </a:cubicBezTo>
-                  <a:lnTo>
-                    <a:pt x="1502357" y="845076"/>
-                  </a:lnTo>
-                  <a:cubicBezTo>
-                    <a:pt x="1502357" y="896934"/>
-                    <a:pt x="1460318" y="938973"/>
-                    <a:pt x="1408460" y="938973"/>
-                  </a:cubicBezTo>
-                  <a:lnTo>
-                    <a:pt x="93897" y="938973"/>
-                  </a:lnTo>
-                  <a:cubicBezTo>
-                    <a:pt x="42039" y="938973"/>
-                    <a:pt x="0" y="896934"/>
-                    <a:pt x="0" y="845076"/>
-                  </a:cubicBezTo>
-                  <a:lnTo>
-                    <a:pt x="0" y="93897"/>
-                  </a:lnTo>
-                  <a:close/>
-                </a:path>
-              </a:pathLst>
-            </a:custGeom>
-          </p:spPr>
-          <p:style>
-            <a:lnRef idx="2">
-              <a:schemeClr val="dk1">
-                <a:hueOff val="0"/>
-                <a:satOff val="0"/>
-                <a:lumOff val="0"/>
-                <a:alphaOff val="0"/>
-              </a:schemeClr>
-            </a:lnRef>
-            <a:fillRef idx="1">
-              <a:schemeClr val="dk1">
-                <a:alpha val="90000"/>
-                <a:tint val="40000"/>
-                <a:hueOff val="0"/>
-                <a:satOff val="0"/>
-                <a:lumOff val="0"/>
-                <a:alphaOff val="0"/>
-              </a:schemeClr>
-            </a:fillRef>
-            <a:effectRef idx="0">
-              <a:schemeClr val="dk1">
-                <a:alpha val="90000"/>
-                <a:tint val="40000"/>
-                <a:hueOff val="0"/>
-                <a:satOff val="0"/>
-                <a:lumOff val="0"/>
-                <a:alphaOff val="0"/>
-              </a:schemeClr>
-            </a:effectRef>
-            <a:fontRef idx="minor">
-              <a:schemeClr val="dk1">
-                <a:hueOff val="0"/>
-                <a:satOff val="0"/>
-                <a:lumOff val="0"/>
-                <a:alphaOff val="0"/>
-              </a:schemeClr>
-            </a:fontRef>
-          </p:style>
-          <p:txBody>
-            <a:bodyPr spcFirstLastPara="0" vert="horz" wrap="square" lIns="50362" tIns="42742" rIns="50362" bIns="42742" numCol="1" spcCol="1270" anchor="ctr" anchorCtr="0">
-              <a:noAutofit/>
-            </a:bodyPr>
-            <a:lstStyle/>
-            <a:p>
-              <a:pPr marL="0" lvl="0" indent="0" algn="ctr" defTabSz="533400">
-                <a:lnSpc>
-                  <a:spcPct val="90000"/>
-                </a:lnSpc>
-                <a:spcBef>
-                  <a:spcPct val="0"/>
-                </a:spcBef>
-                <a:spcAft>
-                  <a:spcPct val="35000"/>
-                </a:spcAft>
-                <a:buNone/>
-              </a:pPr>
-              <a:r>
-                <a:rPr lang="pt-BR" sz="1200" kern="1200" dirty="0"/>
-                <a:t>Powell (</a:t>
-              </a:r>
-              <a:r>
-                <a:rPr lang="pt-BR" sz="1200" kern="1200" dirty="0" err="1"/>
-                <a:t>PowellOptimizer</a:t>
-              </a:r>
-              <a:r>
-                <a:rPr lang="pt-BR" sz="1200" kern="1200" dirty="0"/>
-                <a:t>)</a:t>
-              </a:r>
-            </a:p>
-          </p:txBody>
-        </p:sp>
-        <p:sp>
-          <p:nvSpPr>
-            <p:cNvPr id="19" name="Forma Livre: Forma 18">
-              <a:extLst>
-                <a:ext uri="{FF2B5EF4-FFF2-40B4-BE49-F238E27FC236}">
-                  <a16:creationId xmlns:a16="http://schemas.microsoft.com/office/drawing/2014/main" id="{9FD4B6DD-177C-DEC2-0122-69AF71058217}"/>
-                </a:ext>
-              </a:extLst>
-            </p:cNvPr>
-            <p:cNvSpPr/>
-            <p:nvPr/>
-          </p:nvSpPr>
-          <p:spPr>
-            <a:xfrm>
-              <a:off x="5025255" y="1520336"/>
-              <a:ext cx="187794" cy="3051664"/>
-            </a:xfrm>
-            <a:custGeom>
-              <a:avLst/>
-              <a:gdLst/>
-              <a:ahLst/>
-              <a:cxnLst/>
-              <a:rect l="0" t="0" r="0" b="0"/>
-              <a:pathLst>
-                <a:path>
-                  <a:moveTo>
-                    <a:pt x="0" y="0"/>
-                  </a:moveTo>
-                  <a:lnTo>
-                    <a:pt x="0" y="3051664"/>
-                  </a:lnTo>
-                  <a:lnTo>
-                    <a:pt x="187794" y="3051664"/>
-                  </a:lnTo>
-                </a:path>
-              </a:pathLst>
-            </a:custGeom>
-            <a:noFill/>
-          </p:spPr>
-          <p:style>
-            <a:lnRef idx="2">
-              <a:schemeClr val="dk1">
-                <a:shade val="60000"/>
-                <a:hueOff val="0"/>
-                <a:satOff val="0"/>
-                <a:lumOff val="0"/>
-                <a:alphaOff val="0"/>
-              </a:schemeClr>
-            </a:lnRef>
-            <a:fillRef idx="0">
-              <a:scrgbClr r="0" g="0" b="0"/>
-            </a:fillRef>
-            <a:effectRef idx="0">
-              <a:schemeClr val="dk1">
-                <a:hueOff val="0"/>
-                <a:satOff val="0"/>
-                <a:lumOff val="0"/>
-                <a:alphaOff val="0"/>
-              </a:schemeClr>
-            </a:effectRef>
-            <a:fontRef idx="minor">
-              <a:schemeClr val="tx1">
-                <a:hueOff val="0"/>
-                <a:satOff val="0"/>
-                <a:lumOff val="0"/>
-                <a:alphaOff val="0"/>
-              </a:schemeClr>
-            </a:fontRef>
-          </p:style>
-        </p:sp>
-        <p:sp>
-          <p:nvSpPr>
-            <p:cNvPr id="20" name="Forma Livre: Forma 19">
-              <a:extLst>
-                <a:ext uri="{FF2B5EF4-FFF2-40B4-BE49-F238E27FC236}">
-                  <a16:creationId xmlns:a16="http://schemas.microsoft.com/office/drawing/2014/main" id="{E8577315-A6FB-DD86-F611-75FDB131F38D}"/>
-                </a:ext>
-              </a:extLst>
-            </p:cNvPr>
-            <p:cNvSpPr/>
-            <p:nvPr/>
-          </p:nvSpPr>
-          <p:spPr>
-            <a:xfrm>
-              <a:off x="5213049" y="4102514"/>
-              <a:ext cx="1502357" cy="938973"/>
-            </a:xfrm>
-            <a:custGeom>
-              <a:avLst/>
-              <a:gdLst>
-                <a:gd name="connsiteX0" fmla="*/ 0 w 1502357"/>
-                <a:gd name="connsiteY0" fmla="*/ 93897 h 938973"/>
-                <a:gd name="connsiteX1" fmla="*/ 93897 w 1502357"/>
-                <a:gd name="connsiteY1" fmla="*/ 0 h 938973"/>
-                <a:gd name="connsiteX2" fmla="*/ 1408460 w 1502357"/>
-                <a:gd name="connsiteY2" fmla="*/ 0 h 938973"/>
-                <a:gd name="connsiteX3" fmla="*/ 1502357 w 1502357"/>
-                <a:gd name="connsiteY3" fmla="*/ 93897 h 938973"/>
-                <a:gd name="connsiteX4" fmla="*/ 1502357 w 1502357"/>
-                <a:gd name="connsiteY4" fmla="*/ 845076 h 938973"/>
-                <a:gd name="connsiteX5" fmla="*/ 1408460 w 1502357"/>
-                <a:gd name="connsiteY5" fmla="*/ 938973 h 938973"/>
-                <a:gd name="connsiteX6" fmla="*/ 93897 w 1502357"/>
-                <a:gd name="connsiteY6" fmla="*/ 938973 h 938973"/>
-                <a:gd name="connsiteX7" fmla="*/ 0 w 1502357"/>
-                <a:gd name="connsiteY7" fmla="*/ 845076 h 938973"/>
-                <a:gd name="connsiteX8" fmla="*/ 0 w 1502357"/>
-                <a:gd name="connsiteY8" fmla="*/ 93897 h 938973"/>
-              </a:gdLst>
-              <a:ahLst/>
-              <a:cxnLst>
-                <a:cxn ang="0">
-                  <a:pos x="connsiteX0" y="connsiteY0"/>
-                </a:cxn>
-                <a:cxn ang="0">
-                  <a:pos x="connsiteX1" y="connsiteY1"/>
-                </a:cxn>
-                <a:cxn ang="0">
-                  <a:pos x="connsiteX2" y="connsiteY2"/>
-                </a:cxn>
-                <a:cxn ang="0">
-                  <a:pos x="connsiteX3" y="connsiteY3"/>
-                </a:cxn>
-                <a:cxn ang="0">
-                  <a:pos x="connsiteX4" y="connsiteY4"/>
-                </a:cxn>
-                <a:cxn ang="0">
-                  <a:pos x="connsiteX5" y="connsiteY5"/>
-                </a:cxn>
-                <a:cxn ang="0">
-                  <a:pos x="connsiteX6" y="connsiteY6"/>
-                </a:cxn>
-                <a:cxn ang="0">
-                  <a:pos x="connsiteX7" y="connsiteY7"/>
-                </a:cxn>
-                <a:cxn ang="0">
-                  <a:pos x="connsiteX8" y="connsiteY8"/>
-                </a:cxn>
-              </a:cxnLst>
-              <a:rect l="l" t="t" r="r" b="b"/>
-              <a:pathLst>
-                <a:path w="1502357" h="938973">
-                  <a:moveTo>
-                    <a:pt x="0" y="93897"/>
-                  </a:moveTo>
-                  <a:cubicBezTo>
-                    <a:pt x="0" y="42039"/>
-                    <a:pt x="42039" y="0"/>
-                    <a:pt x="93897" y="0"/>
-                  </a:cubicBezTo>
-                  <a:lnTo>
-                    <a:pt x="1408460" y="0"/>
-                  </a:lnTo>
-                  <a:cubicBezTo>
-                    <a:pt x="1460318" y="0"/>
-                    <a:pt x="1502357" y="42039"/>
-                    <a:pt x="1502357" y="93897"/>
-                  </a:cubicBezTo>
-                  <a:lnTo>
-                    <a:pt x="1502357" y="845076"/>
-                  </a:lnTo>
-                  <a:cubicBezTo>
-                    <a:pt x="1502357" y="896934"/>
-                    <a:pt x="1460318" y="938973"/>
-                    <a:pt x="1408460" y="938973"/>
-                  </a:cubicBezTo>
-                  <a:lnTo>
-                    <a:pt x="93897" y="938973"/>
-                  </a:lnTo>
-                  <a:cubicBezTo>
-                    <a:pt x="42039" y="938973"/>
-                    <a:pt x="0" y="896934"/>
-                    <a:pt x="0" y="845076"/>
-                  </a:cubicBezTo>
-                  <a:lnTo>
-                    <a:pt x="0" y="93897"/>
-                  </a:lnTo>
-                  <a:close/>
-                </a:path>
-              </a:pathLst>
-            </a:custGeom>
-          </p:spPr>
-          <p:style>
-            <a:lnRef idx="2">
-              <a:schemeClr val="dk1">
-                <a:hueOff val="0"/>
-                <a:satOff val="0"/>
-                <a:lumOff val="0"/>
-                <a:alphaOff val="0"/>
-              </a:schemeClr>
-            </a:lnRef>
-            <a:fillRef idx="1">
-              <a:schemeClr val="dk1">
-                <a:alpha val="90000"/>
-                <a:tint val="40000"/>
-                <a:hueOff val="0"/>
-                <a:satOff val="0"/>
-                <a:lumOff val="0"/>
-                <a:alphaOff val="0"/>
-              </a:schemeClr>
-            </a:fillRef>
-            <a:effectRef idx="0">
-              <a:schemeClr val="dk1">
-                <a:alpha val="90000"/>
-                <a:tint val="40000"/>
-                <a:hueOff val="0"/>
-                <a:satOff val="0"/>
-                <a:lumOff val="0"/>
-                <a:alphaOff val="0"/>
-              </a:schemeClr>
-            </a:effectRef>
-            <a:fontRef idx="minor">
-              <a:schemeClr val="dk1">
-                <a:hueOff val="0"/>
-                <a:satOff val="0"/>
-                <a:lumOff val="0"/>
-                <a:alphaOff val="0"/>
-              </a:schemeClr>
-            </a:fontRef>
-          </p:style>
-          <p:txBody>
-            <a:bodyPr spcFirstLastPara="0" vert="horz" wrap="square" lIns="50362" tIns="42742" rIns="50362" bIns="42742" numCol="1" spcCol="1270" anchor="ctr" anchorCtr="0">
-              <a:noAutofit/>
-            </a:bodyPr>
-            <a:lstStyle/>
-            <a:p>
-              <a:pPr marL="0" lvl="0" indent="0" algn="ctr" defTabSz="533400">
-                <a:lnSpc>
-                  <a:spcPct val="90000"/>
-                </a:lnSpc>
-                <a:spcBef>
-                  <a:spcPct val="0"/>
-                </a:spcBef>
-                <a:spcAft>
-                  <a:spcPct val="35000"/>
-                </a:spcAft>
-                <a:buNone/>
-              </a:pPr>
-              <a:r>
-                <a:rPr lang="pt-BR" sz="1200" kern="1200" dirty="0"/>
-                <a:t>Máximo declive (</a:t>
-              </a:r>
-              <a:r>
-                <a:rPr lang="pt-BR" sz="1200" kern="1200" dirty="0" err="1"/>
-                <a:t>Steepest</a:t>
-              </a:r>
-              <a:r>
-                <a:rPr lang="pt-BR" sz="1200" kern="1200" dirty="0"/>
-                <a:t> </a:t>
-              </a:r>
-              <a:r>
-                <a:rPr lang="pt-BR" sz="1200" kern="1200" dirty="0" err="1"/>
-                <a:t>DescentOptimizer</a:t>
-              </a:r>
-              <a:r>
-                <a:rPr lang="pt-BR" sz="1200" kern="1200" dirty="0"/>
-                <a:t>)</a:t>
-              </a:r>
-            </a:p>
-          </p:txBody>
-        </p:sp>
-        <p:sp>
-          <p:nvSpPr>
-            <p:cNvPr id="21" name="Forma Livre: Forma 20">
-              <a:extLst>
-                <a:ext uri="{FF2B5EF4-FFF2-40B4-BE49-F238E27FC236}">
-                  <a16:creationId xmlns:a16="http://schemas.microsoft.com/office/drawing/2014/main" id="{DA14DDBA-4377-9A5E-C8F6-0134903AF61D}"/>
-                </a:ext>
-              </a:extLst>
-            </p:cNvPr>
-            <p:cNvSpPr/>
-            <p:nvPr/>
-          </p:nvSpPr>
-          <p:spPr>
-            <a:xfrm>
-              <a:off x="5025255" y="1520336"/>
-              <a:ext cx="187794" cy="4225381"/>
-            </a:xfrm>
-            <a:custGeom>
-              <a:avLst/>
-              <a:gdLst/>
-              <a:ahLst/>
-              <a:cxnLst/>
-              <a:rect l="0" t="0" r="0" b="0"/>
-              <a:pathLst>
-                <a:path>
-                  <a:moveTo>
-                    <a:pt x="0" y="0"/>
-                  </a:moveTo>
-                  <a:lnTo>
-                    <a:pt x="0" y="4225381"/>
-                  </a:lnTo>
-                  <a:lnTo>
-                    <a:pt x="187794" y="4225381"/>
-                  </a:lnTo>
-                </a:path>
-              </a:pathLst>
-            </a:custGeom>
-            <a:noFill/>
-          </p:spPr>
-          <p:style>
-            <a:lnRef idx="2">
-              <a:schemeClr val="dk1">
-                <a:shade val="60000"/>
-                <a:hueOff val="0"/>
-                <a:satOff val="0"/>
-                <a:lumOff val="0"/>
-                <a:alphaOff val="0"/>
-              </a:schemeClr>
-            </a:lnRef>
-            <a:fillRef idx="0">
-              <a:scrgbClr r="0" g="0" b="0"/>
-            </a:fillRef>
-            <a:effectRef idx="0">
-              <a:schemeClr val="dk1">
-                <a:hueOff val="0"/>
-                <a:satOff val="0"/>
-                <a:lumOff val="0"/>
-                <a:alphaOff val="0"/>
-              </a:schemeClr>
-            </a:effectRef>
-            <a:fontRef idx="minor">
-              <a:schemeClr val="tx1">
-                <a:hueOff val="0"/>
-                <a:satOff val="0"/>
-                <a:lumOff val="0"/>
-                <a:alphaOff val="0"/>
-              </a:schemeClr>
-            </a:fontRef>
-          </p:style>
-        </p:sp>
-        <p:sp>
-          <p:nvSpPr>
-            <p:cNvPr id="22" name="Forma Livre: Forma 21">
-              <a:extLst>
-                <a:ext uri="{FF2B5EF4-FFF2-40B4-BE49-F238E27FC236}">
-                  <a16:creationId xmlns:a16="http://schemas.microsoft.com/office/drawing/2014/main" id="{C8D241E0-BD18-6FC1-C873-E06741B84B67}"/>
-                </a:ext>
-              </a:extLst>
-            </p:cNvPr>
-            <p:cNvSpPr/>
-            <p:nvPr/>
-          </p:nvSpPr>
-          <p:spPr>
-            <a:xfrm>
-              <a:off x="5213049" y="5276231"/>
-              <a:ext cx="1502357" cy="938973"/>
-            </a:xfrm>
-            <a:custGeom>
-              <a:avLst/>
-              <a:gdLst>
-                <a:gd name="connsiteX0" fmla="*/ 0 w 1502357"/>
-                <a:gd name="connsiteY0" fmla="*/ 93897 h 938973"/>
-                <a:gd name="connsiteX1" fmla="*/ 93897 w 1502357"/>
-                <a:gd name="connsiteY1" fmla="*/ 0 h 938973"/>
-                <a:gd name="connsiteX2" fmla="*/ 1408460 w 1502357"/>
-                <a:gd name="connsiteY2" fmla="*/ 0 h 938973"/>
-                <a:gd name="connsiteX3" fmla="*/ 1502357 w 1502357"/>
-                <a:gd name="connsiteY3" fmla="*/ 93897 h 938973"/>
-                <a:gd name="connsiteX4" fmla="*/ 1502357 w 1502357"/>
-                <a:gd name="connsiteY4" fmla="*/ 845076 h 938973"/>
-                <a:gd name="connsiteX5" fmla="*/ 1408460 w 1502357"/>
-                <a:gd name="connsiteY5" fmla="*/ 938973 h 938973"/>
-                <a:gd name="connsiteX6" fmla="*/ 93897 w 1502357"/>
-                <a:gd name="connsiteY6" fmla="*/ 938973 h 938973"/>
-                <a:gd name="connsiteX7" fmla="*/ 0 w 1502357"/>
-                <a:gd name="connsiteY7" fmla="*/ 845076 h 938973"/>
-                <a:gd name="connsiteX8" fmla="*/ 0 w 1502357"/>
-                <a:gd name="connsiteY8" fmla="*/ 93897 h 938973"/>
-              </a:gdLst>
-              <a:ahLst/>
-              <a:cxnLst>
-                <a:cxn ang="0">
-                  <a:pos x="connsiteX0" y="connsiteY0"/>
-                </a:cxn>
-                <a:cxn ang="0">
-                  <a:pos x="connsiteX1" y="connsiteY1"/>
-                </a:cxn>
-                <a:cxn ang="0">
-                  <a:pos x="connsiteX2" y="connsiteY2"/>
-                </a:cxn>
-                <a:cxn ang="0">
-                  <a:pos x="connsiteX3" y="connsiteY3"/>
-                </a:cxn>
-                <a:cxn ang="0">
-                  <a:pos x="connsiteX4" y="connsiteY4"/>
-                </a:cxn>
-                <a:cxn ang="0">
-                  <a:pos x="connsiteX5" y="connsiteY5"/>
-                </a:cxn>
-                <a:cxn ang="0">
-                  <a:pos x="connsiteX6" y="connsiteY6"/>
-                </a:cxn>
-                <a:cxn ang="0">
-                  <a:pos x="connsiteX7" y="connsiteY7"/>
-                </a:cxn>
-                <a:cxn ang="0">
-                  <a:pos x="connsiteX8" y="connsiteY8"/>
-                </a:cxn>
-              </a:cxnLst>
-              <a:rect l="l" t="t" r="r" b="b"/>
-              <a:pathLst>
-                <a:path w="1502357" h="938973">
-                  <a:moveTo>
-                    <a:pt x="0" y="93897"/>
-                  </a:moveTo>
-                  <a:cubicBezTo>
-                    <a:pt x="0" y="42039"/>
-                    <a:pt x="42039" y="0"/>
-                    <a:pt x="93897" y="0"/>
-                  </a:cubicBezTo>
-                  <a:lnTo>
-                    <a:pt x="1408460" y="0"/>
-                  </a:lnTo>
-                  <a:cubicBezTo>
-                    <a:pt x="1460318" y="0"/>
-                    <a:pt x="1502357" y="42039"/>
-                    <a:pt x="1502357" y="93897"/>
-                  </a:cubicBezTo>
-                  <a:lnTo>
-                    <a:pt x="1502357" y="845076"/>
-                  </a:lnTo>
-                  <a:cubicBezTo>
-                    <a:pt x="1502357" y="896934"/>
-                    <a:pt x="1460318" y="938973"/>
-                    <a:pt x="1408460" y="938973"/>
-                  </a:cubicBezTo>
-                  <a:lnTo>
-                    <a:pt x="93897" y="938973"/>
-                  </a:lnTo>
-                  <a:cubicBezTo>
-                    <a:pt x="42039" y="938973"/>
-                    <a:pt x="0" y="896934"/>
-                    <a:pt x="0" y="845076"/>
-                  </a:cubicBezTo>
-                  <a:lnTo>
-                    <a:pt x="0" y="93897"/>
-                  </a:lnTo>
-                  <a:close/>
-                </a:path>
-              </a:pathLst>
-            </a:custGeom>
-          </p:spPr>
-          <p:style>
-            <a:lnRef idx="2">
-              <a:schemeClr val="dk1">
-                <a:hueOff val="0"/>
-                <a:satOff val="0"/>
-                <a:lumOff val="0"/>
-                <a:alphaOff val="0"/>
-              </a:schemeClr>
-            </a:lnRef>
-            <a:fillRef idx="1">
-              <a:schemeClr val="dk1">
-                <a:alpha val="90000"/>
-                <a:tint val="40000"/>
-                <a:hueOff val="0"/>
-                <a:satOff val="0"/>
-                <a:lumOff val="0"/>
-                <a:alphaOff val="0"/>
-              </a:schemeClr>
-            </a:fillRef>
-            <a:effectRef idx="0">
-              <a:schemeClr val="dk1">
-                <a:alpha val="90000"/>
-                <a:tint val="40000"/>
-                <a:hueOff val="0"/>
-                <a:satOff val="0"/>
-                <a:lumOff val="0"/>
-                <a:alphaOff val="0"/>
-              </a:schemeClr>
-            </a:effectRef>
-            <a:fontRef idx="minor">
-              <a:schemeClr val="dk1">
-                <a:hueOff val="0"/>
-                <a:satOff val="0"/>
-                <a:lumOff val="0"/>
-                <a:alphaOff val="0"/>
-              </a:schemeClr>
-            </a:fontRef>
-          </p:style>
-          <p:txBody>
-            <a:bodyPr spcFirstLastPara="0" vert="horz" wrap="square" lIns="50362" tIns="42742" rIns="50362" bIns="42742" numCol="1" spcCol="1270" anchor="ctr" anchorCtr="0">
-              <a:noAutofit/>
-            </a:bodyPr>
-            <a:lstStyle/>
-            <a:p>
-              <a:pPr marL="0" lvl="0" indent="0" algn="ctr" defTabSz="533400">
-                <a:lnSpc>
-                  <a:spcPct val="90000"/>
-                </a:lnSpc>
-                <a:spcBef>
-                  <a:spcPct val="0"/>
-                </a:spcBef>
-                <a:spcAft>
-                  <a:spcPct val="35000"/>
-                </a:spcAft>
-                <a:buNone/>
-              </a:pPr>
-              <a:r>
-                <a:rPr lang="pt-BR" sz="1200" kern="1200" dirty="0"/>
-                <a:t>Fletcher-Reeves (</a:t>
-              </a:r>
-              <a:r>
-                <a:rPr lang="pt-BR" sz="1200" kern="1200" dirty="0" err="1"/>
-                <a:t>FletcherReeves</a:t>
-              </a:r>
-              <a:r>
-                <a:rPr lang="pt-BR" sz="1200" kern="1200" dirty="0"/>
-                <a:t> </a:t>
-              </a:r>
-              <a:r>
-                <a:rPr lang="pt-BR" sz="1200" kern="1200" dirty="0" err="1"/>
-                <a:t>Optimizer</a:t>
-              </a:r>
-              <a:r>
-                <a:rPr lang="pt-BR" sz="1200" kern="1200" dirty="0"/>
-                <a:t>)</a:t>
-              </a:r>
-            </a:p>
-          </p:txBody>
-        </p:sp>
-        <p:sp>
-          <p:nvSpPr>
-            <p:cNvPr id="23" name="Forma Livre: Forma 22">
-              <a:extLst>
-                <a:ext uri="{FF2B5EF4-FFF2-40B4-BE49-F238E27FC236}">
-                  <a16:creationId xmlns:a16="http://schemas.microsoft.com/office/drawing/2014/main" id="{E66A0882-9650-6B69-A73B-8F72859313EC}"/>
-                </a:ext>
-              </a:extLst>
-            </p:cNvPr>
-            <p:cNvSpPr/>
-            <p:nvPr/>
-          </p:nvSpPr>
-          <p:spPr>
-            <a:xfrm>
-              <a:off x="5025255" y="1520336"/>
-              <a:ext cx="187794" cy="5399097"/>
-            </a:xfrm>
-            <a:custGeom>
-              <a:avLst/>
-              <a:gdLst/>
-              <a:ahLst/>
-              <a:cxnLst/>
-              <a:rect l="0" t="0" r="0" b="0"/>
-              <a:pathLst>
-                <a:path>
-                  <a:moveTo>
-                    <a:pt x="0" y="0"/>
-                  </a:moveTo>
-                  <a:lnTo>
-                    <a:pt x="0" y="5399097"/>
-                  </a:lnTo>
-                  <a:lnTo>
-                    <a:pt x="187794" y="5399097"/>
-                  </a:lnTo>
-                </a:path>
-              </a:pathLst>
-            </a:custGeom>
-            <a:noFill/>
-          </p:spPr>
-          <p:style>
-            <a:lnRef idx="2">
-              <a:schemeClr val="dk1">
-                <a:shade val="60000"/>
-                <a:hueOff val="0"/>
-                <a:satOff val="0"/>
-                <a:lumOff val="0"/>
-                <a:alphaOff val="0"/>
-              </a:schemeClr>
-            </a:lnRef>
-            <a:fillRef idx="0">
-              <a:scrgbClr r="0" g="0" b="0"/>
-            </a:fillRef>
-            <a:effectRef idx="0">
-              <a:schemeClr val="dk1">
-                <a:hueOff val="0"/>
-                <a:satOff val="0"/>
-                <a:lumOff val="0"/>
-                <a:alphaOff val="0"/>
-              </a:schemeClr>
-            </a:effectRef>
-            <a:fontRef idx="minor">
-              <a:schemeClr val="tx1">
-                <a:hueOff val="0"/>
-                <a:satOff val="0"/>
-                <a:lumOff val="0"/>
-                <a:alphaOff val="0"/>
-              </a:schemeClr>
-            </a:fontRef>
-          </p:style>
-        </p:sp>
-        <p:sp>
-          <p:nvSpPr>
-            <p:cNvPr id="24" name="Forma Livre: Forma 23">
-              <a:extLst>
-                <a:ext uri="{FF2B5EF4-FFF2-40B4-BE49-F238E27FC236}">
-                  <a16:creationId xmlns:a16="http://schemas.microsoft.com/office/drawing/2014/main" id="{DE0C1419-ED0D-76CF-2326-E2FE211D7477}"/>
-                </a:ext>
-              </a:extLst>
-            </p:cNvPr>
-            <p:cNvSpPr/>
-            <p:nvPr/>
-          </p:nvSpPr>
-          <p:spPr>
-            <a:xfrm>
-              <a:off x="5213049" y="6449948"/>
-              <a:ext cx="1502357" cy="938973"/>
-            </a:xfrm>
-            <a:custGeom>
-              <a:avLst/>
-              <a:gdLst>
-                <a:gd name="connsiteX0" fmla="*/ 0 w 1502357"/>
-                <a:gd name="connsiteY0" fmla="*/ 93897 h 938973"/>
-                <a:gd name="connsiteX1" fmla="*/ 93897 w 1502357"/>
-                <a:gd name="connsiteY1" fmla="*/ 0 h 938973"/>
-                <a:gd name="connsiteX2" fmla="*/ 1408460 w 1502357"/>
-                <a:gd name="connsiteY2" fmla="*/ 0 h 938973"/>
-                <a:gd name="connsiteX3" fmla="*/ 1502357 w 1502357"/>
-                <a:gd name="connsiteY3" fmla="*/ 93897 h 938973"/>
-                <a:gd name="connsiteX4" fmla="*/ 1502357 w 1502357"/>
-                <a:gd name="connsiteY4" fmla="*/ 845076 h 938973"/>
-                <a:gd name="connsiteX5" fmla="*/ 1408460 w 1502357"/>
-                <a:gd name="connsiteY5" fmla="*/ 938973 h 938973"/>
-                <a:gd name="connsiteX6" fmla="*/ 93897 w 1502357"/>
-                <a:gd name="connsiteY6" fmla="*/ 938973 h 938973"/>
-                <a:gd name="connsiteX7" fmla="*/ 0 w 1502357"/>
-                <a:gd name="connsiteY7" fmla="*/ 845076 h 938973"/>
-                <a:gd name="connsiteX8" fmla="*/ 0 w 1502357"/>
-                <a:gd name="connsiteY8" fmla="*/ 93897 h 938973"/>
-              </a:gdLst>
-              <a:ahLst/>
-              <a:cxnLst>
-                <a:cxn ang="0">
-                  <a:pos x="connsiteX0" y="connsiteY0"/>
-                </a:cxn>
-                <a:cxn ang="0">
-                  <a:pos x="connsiteX1" y="connsiteY1"/>
-                </a:cxn>
-                <a:cxn ang="0">
-                  <a:pos x="connsiteX2" y="connsiteY2"/>
-                </a:cxn>
-                <a:cxn ang="0">
-                  <a:pos x="connsiteX3" y="connsiteY3"/>
-                </a:cxn>
-                <a:cxn ang="0">
-                  <a:pos x="connsiteX4" y="connsiteY4"/>
-                </a:cxn>
-                <a:cxn ang="0">
-                  <a:pos x="connsiteX5" y="connsiteY5"/>
-                </a:cxn>
-                <a:cxn ang="0">
-                  <a:pos x="connsiteX6" y="connsiteY6"/>
-                </a:cxn>
-                <a:cxn ang="0">
-                  <a:pos x="connsiteX7" y="connsiteY7"/>
-                </a:cxn>
-                <a:cxn ang="0">
-                  <a:pos x="connsiteX8" y="connsiteY8"/>
-                </a:cxn>
-              </a:cxnLst>
-              <a:rect l="l" t="t" r="r" b="b"/>
-              <a:pathLst>
-                <a:path w="1502357" h="938973">
-                  <a:moveTo>
-                    <a:pt x="0" y="93897"/>
-                  </a:moveTo>
-                  <a:cubicBezTo>
-                    <a:pt x="0" y="42039"/>
-                    <a:pt x="42039" y="0"/>
-                    <a:pt x="93897" y="0"/>
-                  </a:cubicBezTo>
-                  <a:lnTo>
-                    <a:pt x="1408460" y="0"/>
-                  </a:lnTo>
-                  <a:cubicBezTo>
-                    <a:pt x="1460318" y="0"/>
-                    <a:pt x="1502357" y="42039"/>
-                    <a:pt x="1502357" y="93897"/>
-                  </a:cubicBezTo>
-                  <a:lnTo>
-                    <a:pt x="1502357" y="845076"/>
-                  </a:lnTo>
-                  <a:cubicBezTo>
-                    <a:pt x="1502357" y="896934"/>
-                    <a:pt x="1460318" y="938973"/>
-                    <a:pt x="1408460" y="938973"/>
-                  </a:cubicBezTo>
-                  <a:lnTo>
-                    <a:pt x="93897" y="938973"/>
-                  </a:lnTo>
-                  <a:cubicBezTo>
-                    <a:pt x="42039" y="938973"/>
-                    <a:pt x="0" y="896934"/>
-                    <a:pt x="0" y="845076"/>
-                  </a:cubicBezTo>
-                  <a:lnTo>
-                    <a:pt x="0" y="93897"/>
-                  </a:lnTo>
-                  <a:close/>
-                </a:path>
-              </a:pathLst>
-            </a:custGeom>
-          </p:spPr>
-          <p:style>
-            <a:lnRef idx="2">
-              <a:schemeClr val="dk1">
-                <a:hueOff val="0"/>
-                <a:satOff val="0"/>
-                <a:lumOff val="0"/>
-                <a:alphaOff val="0"/>
-              </a:schemeClr>
-            </a:lnRef>
-            <a:fillRef idx="1">
-              <a:schemeClr val="dk1">
-                <a:alpha val="90000"/>
-                <a:tint val="40000"/>
-                <a:hueOff val="0"/>
-                <a:satOff val="0"/>
-                <a:lumOff val="0"/>
-                <a:alphaOff val="0"/>
-              </a:schemeClr>
-            </a:fillRef>
-            <a:effectRef idx="0">
-              <a:schemeClr val="dk1">
-                <a:alpha val="90000"/>
-                <a:tint val="40000"/>
-                <a:hueOff val="0"/>
-                <a:satOff val="0"/>
-                <a:lumOff val="0"/>
-                <a:alphaOff val="0"/>
-              </a:schemeClr>
-            </a:effectRef>
-            <a:fontRef idx="minor">
-              <a:schemeClr val="dk1">
-                <a:hueOff val="0"/>
-                <a:satOff val="0"/>
-                <a:lumOff val="0"/>
-                <a:alphaOff val="0"/>
-              </a:schemeClr>
-            </a:fontRef>
-          </p:style>
-          <p:txBody>
-            <a:bodyPr spcFirstLastPara="0" vert="horz" wrap="square" lIns="50362" tIns="42742" rIns="50362" bIns="42742" numCol="1" spcCol="1270" anchor="ctr" anchorCtr="0">
-              <a:noAutofit/>
-            </a:bodyPr>
-            <a:lstStyle/>
-            <a:p>
-              <a:pPr marL="0" lvl="0" indent="0" algn="ctr" defTabSz="533400">
-                <a:lnSpc>
-                  <a:spcPct val="90000"/>
-                </a:lnSpc>
-                <a:spcBef>
-                  <a:spcPct val="0"/>
-                </a:spcBef>
-                <a:spcAft>
-                  <a:spcPct val="35000"/>
-                </a:spcAft>
-                <a:buNone/>
-              </a:pPr>
-              <a:r>
-                <a:rPr lang="pt-BR" sz="1200" kern="1200" dirty="0" err="1"/>
-                <a:t>Newtom-Raphson</a:t>
-              </a:r>
-              <a:r>
-                <a:rPr lang="pt-BR" sz="1200" kern="1200" dirty="0"/>
-                <a:t> (</a:t>
-              </a:r>
-              <a:r>
-                <a:rPr lang="pt-BR" sz="1200" kern="1200" dirty="0" err="1"/>
-                <a:t>NewtonRaphsonOptimizer</a:t>
-              </a:r>
-              <a:r>
-                <a:rPr lang="pt-BR" sz="1200" kern="1200" dirty="0"/>
-                <a:t>)</a:t>
-              </a:r>
-            </a:p>
-          </p:txBody>
-        </p:sp>
-        <p:sp>
-          <p:nvSpPr>
-            <p:cNvPr id="25" name="Forma Livre: Forma 24">
-              <a:extLst>
-                <a:ext uri="{FF2B5EF4-FFF2-40B4-BE49-F238E27FC236}">
-                  <a16:creationId xmlns:a16="http://schemas.microsoft.com/office/drawing/2014/main" id="{9F306A04-B805-0509-B912-300E643BAC51}"/>
-                </a:ext>
-              </a:extLst>
-            </p:cNvPr>
-            <p:cNvSpPr/>
-            <p:nvPr/>
-          </p:nvSpPr>
-          <p:spPr>
-            <a:xfrm>
-              <a:off x="5025255" y="1520336"/>
-              <a:ext cx="187794" cy="6572814"/>
-            </a:xfrm>
-            <a:custGeom>
-              <a:avLst/>
-              <a:gdLst/>
-              <a:ahLst/>
-              <a:cxnLst/>
-              <a:rect l="0" t="0" r="0" b="0"/>
-              <a:pathLst>
-                <a:path>
-                  <a:moveTo>
-                    <a:pt x="0" y="0"/>
-                  </a:moveTo>
-                  <a:lnTo>
-                    <a:pt x="0" y="6572814"/>
-                  </a:lnTo>
-                  <a:lnTo>
-                    <a:pt x="187794" y="6572814"/>
-                  </a:lnTo>
-                </a:path>
-              </a:pathLst>
-            </a:custGeom>
-            <a:noFill/>
-          </p:spPr>
-          <p:style>
-            <a:lnRef idx="2">
-              <a:schemeClr val="dk1">
-                <a:shade val="60000"/>
-                <a:hueOff val="0"/>
-                <a:satOff val="0"/>
-                <a:lumOff val="0"/>
-                <a:alphaOff val="0"/>
-              </a:schemeClr>
-            </a:lnRef>
-            <a:fillRef idx="0">
-              <a:scrgbClr r="0" g="0" b="0"/>
-            </a:fillRef>
-            <a:effectRef idx="0">
-              <a:schemeClr val="dk1">
-                <a:hueOff val="0"/>
-                <a:satOff val="0"/>
-                <a:lumOff val="0"/>
-                <a:alphaOff val="0"/>
-              </a:schemeClr>
-            </a:effectRef>
-            <a:fontRef idx="minor">
-              <a:schemeClr val="tx1">
-                <a:hueOff val="0"/>
-                <a:satOff val="0"/>
-                <a:lumOff val="0"/>
-                <a:alphaOff val="0"/>
-              </a:schemeClr>
-            </a:fontRef>
-          </p:style>
-        </p:sp>
-        <p:sp>
-          <p:nvSpPr>
-            <p:cNvPr id="26" name="Forma Livre: Forma 25">
-              <a:extLst>
-                <a:ext uri="{FF2B5EF4-FFF2-40B4-BE49-F238E27FC236}">
-                  <a16:creationId xmlns:a16="http://schemas.microsoft.com/office/drawing/2014/main" id="{C7360154-98F3-6863-8062-CC3068205769}"/>
-                </a:ext>
-              </a:extLst>
-            </p:cNvPr>
-            <p:cNvSpPr/>
-            <p:nvPr/>
-          </p:nvSpPr>
-          <p:spPr>
-            <a:xfrm>
-              <a:off x="5213049" y="7623665"/>
-              <a:ext cx="1502357" cy="938973"/>
-            </a:xfrm>
-            <a:custGeom>
-              <a:avLst/>
-              <a:gdLst>
-                <a:gd name="connsiteX0" fmla="*/ 0 w 1502357"/>
-                <a:gd name="connsiteY0" fmla="*/ 93897 h 938973"/>
-                <a:gd name="connsiteX1" fmla="*/ 93897 w 1502357"/>
-                <a:gd name="connsiteY1" fmla="*/ 0 h 938973"/>
-                <a:gd name="connsiteX2" fmla="*/ 1408460 w 1502357"/>
-                <a:gd name="connsiteY2" fmla="*/ 0 h 938973"/>
-                <a:gd name="connsiteX3" fmla="*/ 1502357 w 1502357"/>
-                <a:gd name="connsiteY3" fmla="*/ 93897 h 938973"/>
-                <a:gd name="connsiteX4" fmla="*/ 1502357 w 1502357"/>
-                <a:gd name="connsiteY4" fmla="*/ 845076 h 938973"/>
-                <a:gd name="connsiteX5" fmla="*/ 1408460 w 1502357"/>
-                <a:gd name="connsiteY5" fmla="*/ 938973 h 938973"/>
-                <a:gd name="connsiteX6" fmla="*/ 93897 w 1502357"/>
-                <a:gd name="connsiteY6" fmla="*/ 938973 h 938973"/>
-                <a:gd name="connsiteX7" fmla="*/ 0 w 1502357"/>
-                <a:gd name="connsiteY7" fmla="*/ 845076 h 938973"/>
-                <a:gd name="connsiteX8" fmla="*/ 0 w 1502357"/>
-                <a:gd name="connsiteY8" fmla="*/ 93897 h 938973"/>
-              </a:gdLst>
-              <a:ahLst/>
-              <a:cxnLst>
-                <a:cxn ang="0">
-                  <a:pos x="connsiteX0" y="connsiteY0"/>
-                </a:cxn>
-                <a:cxn ang="0">
-                  <a:pos x="connsiteX1" y="connsiteY1"/>
-                </a:cxn>
-                <a:cxn ang="0">
-                  <a:pos x="connsiteX2" y="connsiteY2"/>
-                </a:cxn>
-                <a:cxn ang="0">
-                  <a:pos x="connsiteX3" y="connsiteY3"/>
-                </a:cxn>
-                <a:cxn ang="0">
-                  <a:pos x="connsiteX4" y="connsiteY4"/>
-                </a:cxn>
-                <a:cxn ang="0">
-                  <a:pos x="connsiteX5" y="connsiteY5"/>
-                </a:cxn>
-                <a:cxn ang="0">
-                  <a:pos x="connsiteX6" y="connsiteY6"/>
-                </a:cxn>
-                <a:cxn ang="0">
-                  <a:pos x="connsiteX7" y="connsiteY7"/>
-                </a:cxn>
-                <a:cxn ang="0">
-                  <a:pos x="connsiteX8" y="connsiteY8"/>
-                </a:cxn>
-              </a:cxnLst>
-              <a:rect l="l" t="t" r="r" b="b"/>
-              <a:pathLst>
-                <a:path w="1502357" h="938973">
-                  <a:moveTo>
-                    <a:pt x="0" y="93897"/>
-                  </a:moveTo>
-                  <a:cubicBezTo>
-                    <a:pt x="0" y="42039"/>
-                    <a:pt x="42039" y="0"/>
-                    <a:pt x="93897" y="0"/>
-                  </a:cubicBezTo>
-                  <a:lnTo>
-                    <a:pt x="1408460" y="0"/>
-                  </a:lnTo>
-                  <a:cubicBezTo>
-                    <a:pt x="1460318" y="0"/>
-                    <a:pt x="1502357" y="42039"/>
-                    <a:pt x="1502357" y="93897"/>
-                  </a:cubicBezTo>
-                  <a:lnTo>
-                    <a:pt x="1502357" y="845076"/>
-                  </a:lnTo>
-                  <a:cubicBezTo>
-                    <a:pt x="1502357" y="896934"/>
-                    <a:pt x="1460318" y="938973"/>
-                    <a:pt x="1408460" y="938973"/>
-                  </a:cubicBezTo>
-                  <a:lnTo>
-                    <a:pt x="93897" y="938973"/>
-                  </a:lnTo>
-                  <a:cubicBezTo>
-                    <a:pt x="42039" y="938973"/>
-                    <a:pt x="0" y="896934"/>
-                    <a:pt x="0" y="845076"/>
-                  </a:cubicBezTo>
-                  <a:lnTo>
-                    <a:pt x="0" y="93897"/>
-                  </a:lnTo>
-                  <a:close/>
-                </a:path>
-              </a:pathLst>
-            </a:custGeom>
-          </p:spPr>
-          <p:style>
-            <a:lnRef idx="2">
-              <a:schemeClr val="dk1">
-                <a:hueOff val="0"/>
-                <a:satOff val="0"/>
-                <a:lumOff val="0"/>
-                <a:alphaOff val="0"/>
-              </a:schemeClr>
-            </a:lnRef>
-            <a:fillRef idx="1">
-              <a:schemeClr val="dk1">
-                <a:alpha val="90000"/>
-                <a:tint val="40000"/>
-                <a:hueOff val="0"/>
-                <a:satOff val="0"/>
-                <a:lumOff val="0"/>
-                <a:alphaOff val="0"/>
-              </a:schemeClr>
-            </a:fillRef>
-            <a:effectRef idx="0">
-              <a:schemeClr val="dk1">
-                <a:alpha val="90000"/>
-                <a:tint val="40000"/>
-                <a:hueOff val="0"/>
-                <a:satOff val="0"/>
-                <a:lumOff val="0"/>
-                <a:alphaOff val="0"/>
-              </a:schemeClr>
-            </a:effectRef>
-            <a:fontRef idx="minor">
-              <a:schemeClr val="dk1">
-                <a:hueOff val="0"/>
-                <a:satOff val="0"/>
-                <a:lumOff val="0"/>
-                <a:alphaOff val="0"/>
-              </a:schemeClr>
-            </a:fontRef>
-          </p:style>
-          <p:txBody>
-            <a:bodyPr spcFirstLastPara="0" vert="horz" wrap="square" lIns="50362" tIns="42742" rIns="50362" bIns="42742" numCol="1" spcCol="1270" anchor="ctr" anchorCtr="0">
-              <a:noAutofit/>
-            </a:bodyPr>
-            <a:lstStyle/>
-            <a:p>
-              <a:pPr marL="0" lvl="0" indent="0" algn="ctr" defTabSz="533400">
-                <a:lnSpc>
-                  <a:spcPct val="90000"/>
-                </a:lnSpc>
-                <a:spcBef>
-                  <a:spcPct val="0"/>
-                </a:spcBef>
-                <a:spcAft>
-                  <a:spcPct val="35000"/>
-                </a:spcAft>
-                <a:buNone/>
-              </a:pPr>
-              <a:r>
-                <a:rPr lang="pt-BR" sz="1200" kern="1200" dirty="0"/>
-                <a:t>BFGS (</a:t>
-              </a:r>
-              <a:r>
-                <a:rPr lang="pt-BR" sz="1200" kern="1200" dirty="0" err="1"/>
-                <a:t>BFGSOptimizer</a:t>
-              </a:r>
-              <a:r>
-                <a:rPr lang="pt-BR" sz="1200" kern="1200" dirty="0"/>
-                <a:t>)</a:t>
-              </a:r>
-            </a:p>
-          </p:txBody>
-        </p:sp>
-      </p:grpSp>
-      <p:cxnSp>
-        <p:nvCxnSpPr>
-          <p:cNvPr id="30" name="Conector: Angulado 29">
-            <a:extLst>
-              <a:ext uri="{FF2B5EF4-FFF2-40B4-BE49-F238E27FC236}">
-                <a16:creationId xmlns:a16="http://schemas.microsoft.com/office/drawing/2014/main" id="{EBFD0694-8FE4-B3EA-BD64-F579C3C742D7}"/>
-              </a:ext>
-            </a:extLst>
-          </p:cNvPr>
-          <p:cNvCxnSpPr>
-            <a:stCxn id="3" idx="2"/>
-            <a:endCxn id="9" idx="0"/>
-          </p:cNvCxnSpPr>
-          <p:nvPr/>
-        </p:nvCxnSpPr>
-        <p:spPr>
-          <a:xfrm>
-            <a:off x="1926642" y="581363"/>
-            <a:ext cx="657281" cy="12700"/>
-          </a:xfrm>
-          <a:prstGeom prst="bentConnector5">
-            <a:avLst>
-              <a:gd name="adj1" fmla="val 2255"/>
-              <a:gd name="adj2" fmla="val -2665819"/>
-              <a:gd name="adj3" fmla="val 99560"/>
-            </a:avLst>
-          </a:prstGeom>
-          <a:ln>
-            <a:solidFill>
-              <a:schemeClr val="tx1"/>
-            </a:solidFill>
-            <a:prstDash val="lgDash"/>
-            <a:tailEnd type="triangle"/>
-          </a:ln>
-        </p:spPr>
-        <p:style>
-          <a:lnRef idx="1">
-            <a:schemeClr val="accent1"/>
-          </a:lnRef>
-          <a:fillRef idx="0">
-            <a:schemeClr val="accent1"/>
-          </a:fillRef>
-          <a:effectRef idx="0">
-            <a:schemeClr val="accent1"/>
-          </a:effectRef>
-          <a:fontRef idx="minor">
-            <a:schemeClr val="tx1"/>
-          </a:fontRef>
-        </p:style>
-      </p:cxnSp>
-      <p:cxnSp>
-        <p:nvCxnSpPr>
-          <p:cNvPr id="34" name="Conector: Angulado 33">
-            <a:extLst>
-              <a:ext uri="{FF2B5EF4-FFF2-40B4-BE49-F238E27FC236}">
-                <a16:creationId xmlns:a16="http://schemas.microsoft.com/office/drawing/2014/main" id="{7D4A2AB4-7402-8EBB-6CE4-ED9704DB7D9E}"/>
-              </a:ext>
-            </a:extLst>
-          </p:cNvPr>
-          <p:cNvCxnSpPr>
-            <a:cxnSpLocks/>
-            <a:stCxn id="9" idx="2"/>
-            <a:endCxn id="14" idx="1"/>
-          </p:cNvCxnSpPr>
-          <p:nvPr/>
-        </p:nvCxnSpPr>
-        <p:spPr>
-          <a:xfrm>
-            <a:off x="4274076" y="581363"/>
-            <a:ext cx="657281" cy="12700"/>
-          </a:xfrm>
-          <a:prstGeom prst="bentConnector5">
-            <a:avLst>
-              <a:gd name="adj1" fmla="val 494"/>
-              <a:gd name="adj2" fmla="val -2665819"/>
-              <a:gd name="adj3" fmla="val 100963"/>
-            </a:avLst>
-          </a:prstGeom>
-          <a:ln>
-            <a:solidFill>
-              <a:schemeClr val="tx1"/>
-            </a:solidFill>
-            <a:prstDash val="lgDash"/>
-            <a:tailEnd type="triangle"/>
-          </a:ln>
-        </p:spPr>
-        <p:style>
-          <a:lnRef idx="1">
-            <a:schemeClr val="accent1"/>
-          </a:lnRef>
-          <a:fillRef idx="0">
-            <a:schemeClr val="accent1"/>
-          </a:fillRef>
-          <a:effectRef idx="0">
-            <a:schemeClr val="accent1"/>
-          </a:effectRef>
-          <a:fontRef idx="minor">
-            <a:schemeClr val="tx1"/>
-          </a:fontRef>
-        </p:style>
-      </p:cxnSp>
-      <p:sp>
-        <p:nvSpPr>
-          <p:cNvPr id="43" name="Retângulo 42">
-            <a:extLst>
-              <a:ext uri="{FF2B5EF4-FFF2-40B4-BE49-F238E27FC236}">
-                <a16:creationId xmlns:a16="http://schemas.microsoft.com/office/drawing/2014/main" id="{6FB90A2E-D8A8-0F51-BC41-8A2D31E1C9FB}"/>
-              </a:ext>
-            </a:extLst>
-          </p:cNvPr>
-          <p:cNvSpPr/>
-          <p:nvPr/>
-        </p:nvSpPr>
-        <p:spPr>
-          <a:xfrm>
-            <a:off x="902825" y="4942391"/>
-            <a:ext cx="2526175" cy="1121619"/>
-          </a:xfrm>
-          <a:prstGeom prst="rect">
-            <a:avLst/>
-          </a:prstGeom>
-          <a:noFill/>
-          <a:ln>
-            <a:solidFill>
-              <a:schemeClr val="tx1"/>
-            </a:solidFill>
-          </a:ln>
-        </p:spPr>
-        <p:style>
-          <a:lnRef idx="2">
-            <a:schemeClr val="accent1">
-              <a:shade val="50000"/>
-            </a:schemeClr>
-          </a:lnRef>
-          <a:fillRef idx="1">
-            <a:schemeClr val="accent1"/>
-          </a:fillRef>
-          <a:effectRef idx="0">
-            <a:schemeClr val="accent1"/>
-          </a:effectRef>
-          <a:fontRef idx="minor">
-            <a:schemeClr val="lt1"/>
-          </a:fontRef>
-        </p:style>
-        <p:txBody>
-          <a:bodyPr rtlCol="0" anchor="ctr"/>
-          <a:lstStyle/>
-          <a:p>
-            <a:pPr algn="ctr"/>
-            <a:endParaRPr lang="pt-BR"/>
-          </a:p>
-        </p:txBody>
-      </p:sp>
-      <p:cxnSp>
-        <p:nvCxnSpPr>
-          <p:cNvPr id="45" name="Conector reto 44">
-            <a:extLst>
-              <a:ext uri="{FF2B5EF4-FFF2-40B4-BE49-F238E27FC236}">
-                <a16:creationId xmlns:a16="http://schemas.microsoft.com/office/drawing/2014/main" id="{6A47A76F-F6F2-36D8-39FB-D9CF985A7C83}"/>
-              </a:ext>
-            </a:extLst>
-          </p:cNvPr>
-          <p:cNvCxnSpPr/>
-          <p:nvPr/>
-        </p:nvCxnSpPr>
-        <p:spPr>
-          <a:xfrm>
-            <a:off x="1111170" y="5276231"/>
-            <a:ext cx="909368" cy="0"/>
-          </a:xfrm>
-          <a:prstGeom prst="line">
-            <a:avLst/>
-          </a:prstGeom>
-          <a:ln>
-            <a:solidFill>
-              <a:schemeClr val="tx1"/>
-            </a:solidFill>
-          </a:ln>
-        </p:spPr>
-        <p:style>
-          <a:lnRef idx="1">
-            <a:schemeClr val="accent1"/>
-          </a:lnRef>
-          <a:fillRef idx="0">
-            <a:schemeClr val="accent1"/>
-          </a:fillRef>
-          <a:effectRef idx="0">
-            <a:schemeClr val="accent1"/>
-          </a:effectRef>
-          <a:fontRef idx="minor">
-            <a:schemeClr val="tx1"/>
-          </a:fontRef>
-        </p:style>
-      </p:cxnSp>
-      <p:cxnSp>
-        <p:nvCxnSpPr>
-          <p:cNvPr id="46" name="Conector reto 45">
-            <a:extLst>
-              <a:ext uri="{FF2B5EF4-FFF2-40B4-BE49-F238E27FC236}">
-                <a16:creationId xmlns:a16="http://schemas.microsoft.com/office/drawing/2014/main" id="{9132CD80-370C-C709-073D-00914FE7BA66}"/>
-              </a:ext>
-            </a:extLst>
-          </p:cNvPr>
-          <p:cNvCxnSpPr/>
-          <p:nvPr/>
-        </p:nvCxnSpPr>
-        <p:spPr>
-          <a:xfrm>
-            <a:off x="1134320" y="5796690"/>
-            <a:ext cx="909368" cy="0"/>
-          </a:xfrm>
-          <a:prstGeom prst="line">
-            <a:avLst/>
-          </a:prstGeom>
-          <a:ln>
-            <a:solidFill>
-              <a:schemeClr val="tx1"/>
-            </a:solidFill>
-            <a:prstDash val="lgDash"/>
-          </a:ln>
-        </p:spPr>
-        <p:style>
-          <a:lnRef idx="1">
-            <a:schemeClr val="accent1"/>
-          </a:lnRef>
-          <a:fillRef idx="0">
-            <a:schemeClr val="accent1"/>
-          </a:fillRef>
-          <a:effectRef idx="0">
-            <a:schemeClr val="accent1"/>
-          </a:effectRef>
-          <a:fontRef idx="minor">
-            <a:schemeClr val="tx1"/>
-          </a:fontRef>
-        </p:style>
-      </p:cxnSp>
-      <p:sp>
-        <p:nvSpPr>
-          <p:cNvPr id="47" name="CaixaDeTexto 46">
-            <a:extLst>
-              <a:ext uri="{FF2B5EF4-FFF2-40B4-BE49-F238E27FC236}">
-                <a16:creationId xmlns:a16="http://schemas.microsoft.com/office/drawing/2014/main" id="{E3697DC0-116F-6AE0-D6E8-5887F563FDA1}"/>
-              </a:ext>
-            </a:extLst>
-          </p:cNvPr>
-          <p:cNvSpPr txBox="1"/>
-          <p:nvPr/>
-        </p:nvSpPr>
-        <p:spPr>
-          <a:xfrm>
-            <a:off x="2338086" y="5041487"/>
-            <a:ext cx="1090914" cy="923330"/>
-          </a:xfrm>
-          <a:prstGeom prst="rect">
-            <a:avLst/>
-          </a:prstGeom>
-          <a:noFill/>
-        </p:spPr>
-        <p:txBody>
-          <a:bodyPr wrap="square" rtlCol="0">
-            <a:spAutoFit/>
-          </a:bodyPr>
-          <a:lstStyle/>
-          <a:p>
-            <a:r>
-              <a:rPr lang="pt-BR" dirty="0"/>
-              <a:t>Herda</a:t>
-            </a:r>
-          </a:p>
-          <a:p>
-            <a:endParaRPr lang="pt-BR" dirty="0"/>
-          </a:p>
-          <a:p>
-            <a:r>
-              <a:rPr lang="pt-BR" dirty="0"/>
-              <a:t>É usada</a:t>
-            </a:r>
-          </a:p>
-        </p:txBody>
-      </p:sp>
-    </p:spTree>
-    <p:extLst>
-      <p:ext uri="{BB962C8B-B14F-4D97-AF65-F5344CB8AC3E}">
-        <p14:creationId xmlns:p14="http://schemas.microsoft.com/office/powerpoint/2010/main" val="850315732"/>
-      </p:ext>
-    </p:extLst>
-  </p:cSld>
-  <p:clrMapOvr>
-    <a:masterClrMapping/>
-  </p:clrMapOvr>
-</p:sld>
-</file>
-
 <file path=ppt/theme/theme1.xml><?xml version="1.0" encoding="utf-8"?>
 <a:theme xmlns:a="http://schemas.openxmlformats.org/drawingml/2006/main" name="Tema do Office">
   <a:themeElements>

--- a/general/canvas.pptx
+++ b/general/canvas.pptx
@@ -2,13 +2,13 @@
 <file path=ppt/presentation.xml><?xml version="1.0" encoding="utf-8"?>
 <p:presentation xmlns:a="http://schemas.openxmlformats.org/drawingml/2006/main" xmlns:r="http://schemas.openxmlformats.org/officeDocument/2006/relationships" xmlns:p="http://schemas.openxmlformats.org/presentationml/2006/main" saveSubsetFonts="1">
   <p:sldMasterIdLst>
-    <p:sldMasterId id="2147483672" r:id="rId1"/>
+    <p:sldMasterId id="2147483696" r:id="rId1"/>
   </p:sldMasterIdLst>
   <p:sldIdLst>
     <p:sldId id="256" r:id="rId2"/>
     <p:sldId id="257" r:id="rId3"/>
   </p:sldIdLst>
-  <p:sldSz cx="6858000" cy="9144000" type="screen4x3"/>
+  <p:sldSz cx="9144000" cy="6858000" type="letter"/>
   <p:notesSz cx="7104063" cy="10234613"/>
   <p:defaultTextStyle>
     <a:defPPr>
@@ -116,7 +116,7 @@
 <file path=ppt/revisionInfo.xml><?xml version="1.0" encoding="utf-8"?>
 <p1510:revInfo xmlns:a="http://schemas.openxmlformats.org/drawingml/2006/main" xmlns:r="http://schemas.openxmlformats.org/officeDocument/2006/relationships" xmlns:p1510="http://schemas.microsoft.com/office/powerpoint/2015/10/main">
   <p1510:revLst>
-    <p1510:client id="{9450B43F-FA21-4154-A1B1-5A9A0609EEE8}" v="492" dt="2023-04-06T21:50:32.081"/>
+    <p1510:client id="{9450B43F-FA21-4154-A1B1-5A9A0609EEE8}" v="608" dt="2023-05-01T12:18:13.134"/>
   </p1510:revLst>
 </p1510:revInfo>
 </file>
@@ -125,13 +125,13 @@
 <pc:chgInfo xmlns:a="http://schemas.openxmlformats.org/drawingml/2006/main" xmlns:r="http://schemas.openxmlformats.org/officeDocument/2006/relationships" xmlns:ac="http://schemas.microsoft.com/office/drawing/2013/main/command" xmlns:pc="http://schemas.microsoft.com/office/powerpoint/2013/main/command">
   <pc:docChgLst>
     <pc:chgData name="Pedro Paulo" userId="30e065abc1f3b4a5" providerId="LiveId" clId="{9450B43F-FA21-4154-A1B1-5A9A0609EEE8}"/>
-    <pc:docChg chg="undo custSel addSld delSld modSld">
-      <pc:chgData name="Pedro Paulo" userId="30e065abc1f3b4a5" providerId="LiveId" clId="{9450B43F-FA21-4154-A1B1-5A9A0609EEE8}" dt="2023-04-06T21:50:51.645" v="585" actId="47"/>
+    <pc:docChg chg="undo custSel addSld delSld modSld modMainMaster">
+      <pc:chgData name="Pedro Paulo" userId="30e065abc1f3b4a5" providerId="LiveId" clId="{9450B43F-FA21-4154-A1B1-5A9A0609EEE8}" dt="2023-05-01T12:19:22.324" v="742" actId="1076"/>
       <pc:docMkLst>
         <pc:docMk/>
       </pc:docMkLst>
       <pc:sldChg chg="addSp delSp modSp mod">
-        <pc:chgData name="Pedro Paulo" userId="30e065abc1f3b4a5" providerId="LiveId" clId="{9450B43F-FA21-4154-A1B1-5A9A0609EEE8}" dt="2023-04-06T21:38:13.531" v="494" actId="14100"/>
+        <pc:chgData name="Pedro Paulo" userId="30e065abc1f3b4a5" providerId="LiveId" clId="{9450B43F-FA21-4154-A1B1-5A9A0609EEE8}" dt="2023-05-01T12:19:22.324" v="742" actId="1076"/>
         <pc:sldMkLst>
           <pc:docMk/>
           <pc:sldMk cId="4068330789" sldId="256"/>
@@ -153,7 +153,7 @@
           </ac:spMkLst>
         </pc:spChg>
         <pc:graphicFrameChg chg="mod">
-          <ac:chgData name="Pedro Paulo" userId="30e065abc1f3b4a5" providerId="LiveId" clId="{9450B43F-FA21-4154-A1B1-5A9A0609EEE8}" dt="2023-04-06T21:38:13.531" v="494" actId="14100"/>
+          <ac:chgData name="Pedro Paulo" userId="30e065abc1f3b4a5" providerId="LiveId" clId="{9450B43F-FA21-4154-A1B1-5A9A0609EEE8}" dt="2023-05-01T12:19:22.324" v="742" actId="1076"/>
           <ac:graphicFrameMkLst>
             <pc:docMk/>
             <pc:sldMk cId="4068330789" sldId="256"/>
@@ -162,13 +162,21 @@
         </pc:graphicFrameChg>
       </pc:sldChg>
       <pc:sldChg chg="addSp delSp modSp add mod">
-        <pc:chgData name="Pedro Paulo" userId="30e065abc1f3b4a5" providerId="LiveId" clId="{9450B43F-FA21-4154-A1B1-5A9A0609EEE8}" dt="2023-04-06T21:42:45.186" v="518" actId="14100"/>
+        <pc:chgData name="Pedro Paulo" userId="30e065abc1f3b4a5" providerId="LiveId" clId="{9450B43F-FA21-4154-A1B1-5A9A0609EEE8}" dt="2023-05-01T12:19:03.505" v="738" actId="1076"/>
         <pc:sldMkLst>
           <pc:docMk/>
           <pc:sldMk cId="3509999973" sldId="257"/>
         </pc:sldMkLst>
+        <pc:graphicFrameChg chg="add mod">
+          <ac:chgData name="Pedro Paulo" userId="30e065abc1f3b4a5" providerId="LiveId" clId="{9450B43F-FA21-4154-A1B1-5A9A0609EEE8}" dt="2023-05-01T12:19:03.505" v="738" actId="1076"/>
+          <ac:graphicFrameMkLst>
+            <pc:docMk/>
+            <pc:sldMk cId="3509999973" sldId="257"/>
+            <ac:graphicFrameMk id="2" creationId="{7C07C08E-367E-CD38-F5CD-A139C2713224}"/>
+          </ac:graphicFrameMkLst>
+        </pc:graphicFrameChg>
         <pc:graphicFrameChg chg="mod modGraphic">
-          <ac:chgData name="Pedro Paulo" userId="30e065abc1f3b4a5" providerId="LiveId" clId="{9450B43F-FA21-4154-A1B1-5A9A0609EEE8}" dt="2023-04-06T21:42:45.186" v="518" actId="14100"/>
+          <ac:chgData name="Pedro Paulo" userId="30e065abc1f3b4a5" providerId="LiveId" clId="{9450B43F-FA21-4154-A1B1-5A9A0609EEE8}" dt="2023-05-01T12:18:57.029" v="737" actId="1076"/>
           <ac:graphicFrameMkLst>
             <pc:docMk/>
             <pc:sldMk cId="3509999973" sldId="257"/>
@@ -478,6 +486,280 @@
           <pc:sldMk cId="850315732" sldId="259"/>
         </pc:sldMkLst>
       </pc:sldChg>
+      <pc:sldMasterChg chg="modSp modSldLayout">
+        <pc:chgData name="Pedro Paulo" userId="30e065abc1f3b4a5" providerId="LiveId" clId="{9450B43F-FA21-4154-A1B1-5A9A0609EEE8}" dt="2023-05-01T11:59:42.803" v="691"/>
+        <pc:sldMasterMkLst>
+          <pc:docMk/>
+          <pc:sldMasterMk cId="3113807850" sldId="2147483672"/>
+        </pc:sldMasterMkLst>
+        <pc:spChg chg="mod">
+          <ac:chgData name="Pedro Paulo" userId="30e065abc1f3b4a5" providerId="LiveId" clId="{9450B43F-FA21-4154-A1B1-5A9A0609EEE8}" dt="2023-05-01T11:59:42.803" v="691"/>
+          <ac:spMkLst>
+            <pc:docMk/>
+            <pc:sldMasterMk cId="3113807850" sldId="2147483672"/>
+            <ac:spMk id="2" creationId="{00000000-0000-0000-0000-000000000000}"/>
+          </ac:spMkLst>
+        </pc:spChg>
+        <pc:spChg chg="mod">
+          <ac:chgData name="Pedro Paulo" userId="30e065abc1f3b4a5" providerId="LiveId" clId="{9450B43F-FA21-4154-A1B1-5A9A0609EEE8}" dt="2023-05-01T11:59:42.803" v="691"/>
+          <ac:spMkLst>
+            <pc:docMk/>
+            <pc:sldMasterMk cId="3113807850" sldId="2147483672"/>
+            <ac:spMk id="3" creationId="{00000000-0000-0000-0000-000000000000}"/>
+          </ac:spMkLst>
+        </pc:spChg>
+        <pc:spChg chg="mod">
+          <ac:chgData name="Pedro Paulo" userId="30e065abc1f3b4a5" providerId="LiveId" clId="{9450B43F-FA21-4154-A1B1-5A9A0609EEE8}" dt="2023-05-01T11:59:42.803" v="691"/>
+          <ac:spMkLst>
+            <pc:docMk/>
+            <pc:sldMasterMk cId="3113807850" sldId="2147483672"/>
+            <ac:spMk id="4" creationId="{00000000-0000-0000-0000-000000000000}"/>
+          </ac:spMkLst>
+        </pc:spChg>
+        <pc:spChg chg="mod">
+          <ac:chgData name="Pedro Paulo" userId="30e065abc1f3b4a5" providerId="LiveId" clId="{9450B43F-FA21-4154-A1B1-5A9A0609EEE8}" dt="2023-05-01T11:59:42.803" v="691"/>
+          <ac:spMkLst>
+            <pc:docMk/>
+            <pc:sldMasterMk cId="3113807850" sldId="2147483672"/>
+            <ac:spMk id="5" creationId="{00000000-0000-0000-0000-000000000000}"/>
+          </ac:spMkLst>
+        </pc:spChg>
+        <pc:spChg chg="mod">
+          <ac:chgData name="Pedro Paulo" userId="30e065abc1f3b4a5" providerId="LiveId" clId="{9450B43F-FA21-4154-A1B1-5A9A0609EEE8}" dt="2023-05-01T11:59:42.803" v="691"/>
+          <ac:spMkLst>
+            <pc:docMk/>
+            <pc:sldMasterMk cId="3113807850" sldId="2147483672"/>
+            <ac:spMk id="6" creationId="{00000000-0000-0000-0000-000000000000}"/>
+          </ac:spMkLst>
+        </pc:spChg>
+        <pc:sldLayoutChg chg="modSp">
+          <pc:chgData name="Pedro Paulo" userId="30e065abc1f3b4a5" providerId="LiveId" clId="{9450B43F-FA21-4154-A1B1-5A9A0609EEE8}" dt="2023-05-01T11:59:42.803" v="691"/>
+          <pc:sldLayoutMkLst>
+            <pc:docMk/>
+            <pc:sldMasterMk cId="3113807850" sldId="2147483672"/>
+            <pc:sldLayoutMk cId="2141562224" sldId="2147483673"/>
+          </pc:sldLayoutMkLst>
+          <pc:spChg chg="mod">
+            <ac:chgData name="Pedro Paulo" userId="30e065abc1f3b4a5" providerId="LiveId" clId="{9450B43F-FA21-4154-A1B1-5A9A0609EEE8}" dt="2023-05-01T11:59:42.803" v="691"/>
+            <ac:spMkLst>
+              <pc:docMk/>
+              <pc:sldMasterMk cId="3113807850" sldId="2147483672"/>
+              <pc:sldLayoutMk cId="2141562224" sldId="2147483673"/>
+              <ac:spMk id="2" creationId="{00000000-0000-0000-0000-000000000000}"/>
+            </ac:spMkLst>
+          </pc:spChg>
+          <pc:spChg chg="mod">
+            <ac:chgData name="Pedro Paulo" userId="30e065abc1f3b4a5" providerId="LiveId" clId="{9450B43F-FA21-4154-A1B1-5A9A0609EEE8}" dt="2023-05-01T11:59:42.803" v="691"/>
+            <ac:spMkLst>
+              <pc:docMk/>
+              <pc:sldMasterMk cId="3113807850" sldId="2147483672"/>
+              <pc:sldLayoutMk cId="2141562224" sldId="2147483673"/>
+              <ac:spMk id="3" creationId="{00000000-0000-0000-0000-000000000000}"/>
+            </ac:spMkLst>
+          </pc:spChg>
+        </pc:sldLayoutChg>
+        <pc:sldLayoutChg chg="modSp">
+          <pc:chgData name="Pedro Paulo" userId="30e065abc1f3b4a5" providerId="LiveId" clId="{9450B43F-FA21-4154-A1B1-5A9A0609EEE8}" dt="2023-05-01T11:59:42.803" v="691"/>
+          <pc:sldLayoutMkLst>
+            <pc:docMk/>
+            <pc:sldMasterMk cId="3113807850" sldId="2147483672"/>
+            <pc:sldLayoutMk cId="695342041" sldId="2147483675"/>
+          </pc:sldLayoutMkLst>
+          <pc:spChg chg="mod">
+            <ac:chgData name="Pedro Paulo" userId="30e065abc1f3b4a5" providerId="LiveId" clId="{9450B43F-FA21-4154-A1B1-5A9A0609EEE8}" dt="2023-05-01T11:59:42.803" v="691"/>
+            <ac:spMkLst>
+              <pc:docMk/>
+              <pc:sldMasterMk cId="3113807850" sldId="2147483672"/>
+              <pc:sldLayoutMk cId="695342041" sldId="2147483675"/>
+              <ac:spMk id="2" creationId="{00000000-0000-0000-0000-000000000000}"/>
+            </ac:spMkLst>
+          </pc:spChg>
+          <pc:spChg chg="mod">
+            <ac:chgData name="Pedro Paulo" userId="30e065abc1f3b4a5" providerId="LiveId" clId="{9450B43F-FA21-4154-A1B1-5A9A0609EEE8}" dt="2023-05-01T11:59:42.803" v="691"/>
+            <ac:spMkLst>
+              <pc:docMk/>
+              <pc:sldMasterMk cId="3113807850" sldId="2147483672"/>
+              <pc:sldLayoutMk cId="695342041" sldId="2147483675"/>
+              <ac:spMk id="3" creationId="{00000000-0000-0000-0000-000000000000}"/>
+            </ac:spMkLst>
+          </pc:spChg>
+        </pc:sldLayoutChg>
+        <pc:sldLayoutChg chg="modSp">
+          <pc:chgData name="Pedro Paulo" userId="30e065abc1f3b4a5" providerId="LiveId" clId="{9450B43F-FA21-4154-A1B1-5A9A0609EEE8}" dt="2023-05-01T11:59:42.803" v="691"/>
+          <pc:sldLayoutMkLst>
+            <pc:docMk/>
+            <pc:sldMasterMk cId="3113807850" sldId="2147483672"/>
+            <pc:sldLayoutMk cId="214566693" sldId="2147483676"/>
+          </pc:sldLayoutMkLst>
+          <pc:spChg chg="mod">
+            <ac:chgData name="Pedro Paulo" userId="30e065abc1f3b4a5" providerId="LiveId" clId="{9450B43F-FA21-4154-A1B1-5A9A0609EEE8}" dt="2023-05-01T11:59:42.803" v="691"/>
+            <ac:spMkLst>
+              <pc:docMk/>
+              <pc:sldMasterMk cId="3113807850" sldId="2147483672"/>
+              <pc:sldLayoutMk cId="214566693" sldId="2147483676"/>
+              <ac:spMk id="3" creationId="{00000000-0000-0000-0000-000000000000}"/>
+            </ac:spMkLst>
+          </pc:spChg>
+          <pc:spChg chg="mod">
+            <ac:chgData name="Pedro Paulo" userId="30e065abc1f3b4a5" providerId="LiveId" clId="{9450B43F-FA21-4154-A1B1-5A9A0609EEE8}" dt="2023-05-01T11:59:42.803" v="691"/>
+            <ac:spMkLst>
+              <pc:docMk/>
+              <pc:sldMasterMk cId="3113807850" sldId="2147483672"/>
+              <pc:sldLayoutMk cId="214566693" sldId="2147483676"/>
+              <ac:spMk id="4" creationId="{00000000-0000-0000-0000-000000000000}"/>
+            </ac:spMkLst>
+          </pc:spChg>
+        </pc:sldLayoutChg>
+        <pc:sldLayoutChg chg="modSp">
+          <pc:chgData name="Pedro Paulo" userId="30e065abc1f3b4a5" providerId="LiveId" clId="{9450B43F-FA21-4154-A1B1-5A9A0609EEE8}" dt="2023-05-01T11:59:42.803" v="691"/>
+          <pc:sldLayoutMkLst>
+            <pc:docMk/>
+            <pc:sldMasterMk cId="3113807850" sldId="2147483672"/>
+            <pc:sldLayoutMk cId="139108911" sldId="2147483677"/>
+          </pc:sldLayoutMkLst>
+          <pc:spChg chg="mod">
+            <ac:chgData name="Pedro Paulo" userId="30e065abc1f3b4a5" providerId="LiveId" clId="{9450B43F-FA21-4154-A1B1-5A9A0609EEE8}" dt="2023-05-01T11:59:42.803" v="691"/>
+            <ac:spMkLst>
+              <pc:docMk/>
+              <pc:sldMasterMk cId="3113807850" sldId="2147483672"/>
+              <pc:sldLayoutMk cId="139108911" sldId="2147483677"/>
+              <ac:spMk id="2" creationId="{00000000-0000-0000-0000-000000000000}"/>
+            </ac:spMkLst>
+          </pc:spChg>
+          <pc:spChg chg="mod">
+            <ac:chgData name="Pedro Paulo" userId="30e065abc1f3b4a5" providerId="LiveId" clId="{9450B43F-FA21-4154-A1B1-5A9A0609EEE8}" dt="2023-05-01T11:59:42.803" v="691"/>
+            <ac:spMkLst>
+              <pc:docMk/>
+              <pc:sldMasterMk cId="3113807850" sldId="2147483672"/>
+              <pc:sldLayoutMk cId="139108911" sldId="2147483677"/>
+              <ac:spMk id="3" creationId="{00000000-0000-0000-0000-000000000000}"/>
+            </ac:spMkLst>
+          </pc:spChg>
+          <pc:spChg chg="mod">
+            <ac:chgData name="Pedro Paulo" userId="30e065abc1f3b4a5" providerId="LiveId" clId="{9450B43F-FA21-4154-A1B1-5A9A0609EEE8}" dt="2023-05-01T11:59:42.803" v="691"/>
+            <ac:spMkLst>
+              <pc:docMk/>
+              <pc:sldMasterMk cId="3113807850" sldId="2147483672"/>
+              <pc:sldLayoutMk cId="139108911" sldId="2147483677"/>
+              <ac:spMk id="4" creationId="{00000000-0000-0000-0000-000000000000}"/>
+            </ac:spMkLst>
+          </pc:spChg>
+          <pc:spChg chg="mod">
+            <ac:chgData name="Pedro Paulo" userId="30e065abc1f3b4a5" providerId="LiveId" clId="{9450B43F-FA21-4154-A1B1-5A9A0609EEE8}" dt="2023-05-01T11:59:42.803" v="691"/>
+            <ac:spMkLst>
+              <pc:docMk/>
+              <pc:sldMasterMk cId="3113807850" sldId="2147483672"/>
+              <pc:sldLayoutMk cId="139108911" sldId="2147483677"/>
+              <ac:spMk id="5" creationId="{00000000-0000-0000-0000-000000000000}"/>
+            </ac:spMkLst>
+          </pc:spChg>
+          <pc:spChg chg="mod">
+            <ac:chgData name="Pedro Paulo" userId="30e065abc1f3b4a5" providerId="LiveId" clId="{9450B43F-FA21-4154-A1B1-5A9A0609EEE8}" dt="2023-05-01T11:59:42.803" v="691"/>
+            <ac:spMkLst>
+              <pc:docMk/>
+              <pc:sldMasterMk cId="3113807850" sldId="2147483672"/>
+              <pc:sldLayoutMk cId="139108911" sldId="2147483677"/>
+              <ac:spMk id="6" creationId="{00000000-0000-0000-0000-000000000000}"/>
+            </ac:spMkLst>
+          </pc:spChg>
+        </pc:sldLayoutChg>
+        <pc:sldLayoutChg chg="modSp">
+          <pc:chgData name="Pedro Paulo" userId="30e065abc1f3b4a5" providerId="LiveId" clId="{9450B43F-FA21-4154-A1B1-5A9A0609EEE8}" dt="2023-05-01T11:59:42.803" v="691"/>
+          <pc:sldLayoutMkLst>
+            <pc:docMk/>
+            <pc:sldMasterMk cId="3113807850" sldId="2147483672"/>
+            <pc:sldLayoutMk cId="3391742945" sldId="2147483680"/>
+          </pc:sldLayoutMkLst>
+          <pc:spChg chg="mod">
+            <ac:chgData name="Pedro Paulo" userId="30e065abc1f3b4a5" providerId="LiveId" clId="{9450B43F-FA21-4154-A1B1-5A9A0609EEE8}" dt="2023-05-01T11:59:42.803" v="691"/>
+            <ac:spMkLst>
+              <pc:docMk/>
+              <pc:sldMasterMk cId="3113807850" sldId="2147483672"/>
+              <pc:sldLayoutMk cId="3391742945" sldId="2147483680"/>
+              <ac:spMk id="2" creationId="{00000000-0000-0000-0000-000000000000}"/>
+            </ac:spMkLst>
+          </pc:spChg>
+          <pc:spChg chg="mod">
+            <ac:chgData name="Pedro Paulo" userId="30e065abc1f3b4a5" providerId="LiveId" clId="{9450B43F-FA21-4154-A1B1-5A9A0609EEE8}" dt="2023-05-01T11:59:42.803" v="691"/>
+            <ac:spMkLst>
+              <pc:docMk/>
+              <pc:sldMasterMk cId="3113807850" sldId="2147483672"/>
+              <pc:sldLayoutMk cId="3391742945" sldId="2147483680"/>
+              <ac:spMk id="3" creationId="{00000000-0000-0000-0000-000000000000}"/>
+            </ac:spMkLst>
+          </pc:spChg>
+          <pc:spChg chg="mod">
+            <ac:chgData name="Pedro Paulo" userId="30e065abc1f3b4a5" providerId="LiveId" clId="{9450B43F-FA21-4154-A1B1-5A9A0609EEE8}" dt="2023-05-01T11:59:42.803" v="691"/>
+            <ac:spMkLst>
+              <pc:docMk/>
+              <pc:sldMasterMk cId="3113807850" sldId="2147483672"/>
+              <pc:sldLayoutMk cId="3391742945" sldId="2147483680"/>
+              <ac:spMk id="4" creationId="{00000000-0000-0000-0000-000000000000}"/>
+            </ac:spMkLst>
+          </pc:spChg>
+        </pc:sldLayoutChg>
+        <pc:sldLayoutChg chg="modSp">
+          <pc:chgData name="Pedro Paulo" userId="30e065abc1f3b4a5" providerId="LiveId" clId="{9450B43F-FA21-4154-A1B1-5A9A0609EEE8}" dt="2023-05-01T11:59:42.803" v="691"/>
+          <pc:sldLayoutMkLst>
+            <pc:docMk/>
+            <pc:sldMasterMk cId="3113807850" sldId="2147483672"/>
+            <pc:sldLayoutMk cId="2687504178" sldId="2147483681"/>
+          </pc:sldLayoutMkLst>
+          <pc:spChg chg="mod">
+            <ac:chgData name="Pedro Paulo" userId="30e065abc1f3b4a5" providerId="LiveId" clId="{9450B43F-FA21-4154-A1B1-5A9A0609EEE8}" dt="2023-05-01T11:59:42.803" v="691"/>
+            <ac:spMkLst>
+              <pc:docMk/>
+              <pc:sldMasterMk cId="3113807850" sldId="2147483672"/>
+              <pc:sldLayoutMk cId="2687504178" sldId="2147483681"/>
+              <ac:spMk id="2" creationId="{00000000-0000-0000-0000-000000000000}"/>
+            </ac:spMkLst>
+          </pc:spChg>
+          <pc:spChg chg="mod">
+            <ac:chgData name="Pedro Paulo" userId="30e065abc1f3b4a5" providerId="LiveId" clId="{9450B43F-FA21-4154-A1B1-5A9A0609EEE8}" dt="2023-05-01T11:59:42.803" v="691"/>
+            <ac:spMkLst>
+              <pc:docMk/>
+              <pc:sldMasterMk cId="3113807850" sldId="2147483672"/>
+              <pc:sldLayoutMk cId="2687504178" sldId="2147483681"/>
+              <ac:spMk id="3" creationId="{00000000-0000-0000-0000-000000000000}"/>
+            </ac:spMkLst>
+          </pc:spChg>
+          <pc:spChg chg="mod">
+            <ac:chgData name="Pedro Paulo" userId="30e065abc1f3b4a5" providerId="LiveId" clId="{9450B43F-FA21-4154-A1B1-5A9A0609EEE8}" dt="2023-05-01T11:59:42.803" v="691"/>
+            <ac:spMkLst>
+              <pc:docMk/>
+              <pc:sldMasterMk cId="3113807850" sldId="2147483672"/>
+              <pc:sldLayoutMk cId="2687504178" sldId="2147483681"/>
+              <ac:spMk id="4" creationId="{00000000-0000-0000-0000-000000000000}"/>
+            </ac:spMkLst>
+          </pc:spChg>
+        </pc:sldLayoutChg>
+        <pc:sldLayoutChg chg="modSp">
+          <pc:chgData name="Pedro Paulo" userId="30e065abc1f3b4a5" providerId="LiveId" clId="{9450B43F-FA21-4154-A1B1-5A9A0609EEE8}" dt="2023-05-01T11:59:42.803" v="691"/>
+          <pc:sldLayoutMkLst>
+            <pc:docMk/>
+            <pc:sldMasterMk cId="3113807850" sldId="2147483672"/>
+            <pc:sldLayoutMk cId="2482122719" sldId="2147483683"/>
+          </pc:sldLayoutMkLst>
+          <pc:spChg chg="mod">
+            <ac:chgData name="Pedro Paulo" userId="30e065abc1f3b4a5" providerId="LiveId" clId="{9450B43F-FA21-4154-A1B1-5A9A0609EEE8}" dt="2023-05-01T11:59:42.803" v="691"/>
+            <ac:spMkLst>
+              <pc:docMk/>
+              <pc:sldMasterMk cId="3113807850" sldId="2147483672"/>
+              <pc:sldLayoutMk cId="2482122719" sldId="2147483683"/>
+              <ac:spMk id="2" creationId="{00000000-0000-0000-0000-000000000000}"/>
+            </ac:spMkLst>
+          </pc:spChg>
+          <pc:spChg chg="mod">
+            <ac:chgData name="Pedro Paulo" userId="30e065abc1f3b4a5" providerId="LiveId" clId="{9450B43F-FA21-4154-A1B1-5A9A0609EEE8}" dt="2023-05-01T11:59:42.803" v="691"/>
+            <ac:spMkLst>
+              <pc:docMk/>
+              <pc:sldMasterMk cId="3113807850" sldId="2147483672"/>
+              <pc:sldLayoutMk cId="2482122719" sldId="2147483683"/>
+              <ac:spMk id="3" creationId="{00000000-0000-0000-0000-000000000000}"/>
+            </ac:spMkLst>
+          </pc:spChg>
+        </pc:sldLayoutChg>
+      </pc:sldMasterChg>
     </pc:docChg>
   </pc:docChgLst>
 </pc:chgInfo>
@@ -1291,6 +1573,813 @@
 </file>
 
 <file path=ppt/diagrams/colors2.xml><?xml version="1.0" encoding="utf-8"?>
+<dgm:colorsDef xmlns:dgm="http://schemas.openxmlformats.org/drawingml/2006/diagram" xmlns:a="http://schemas.openxmlformats.org/drawingml/2006/main" uniqueId="urn:microsoft.com/office/officeart/2005/8/colors/accent0_1">
+  <dgm:title val=""/>
+  <dgm:desc val=""/>
+  <dgm:catLst>
+    <dgm:cat type="mainScheme" pri="10100"/>
+  </dgm:catLst>
+  <dgm:styleLbl name="node0">
+    <dgm:fillClrLst meth="repeat">
+      <a:schemeClr val="lt1"/>
+    </dgm:fillClrLst>
+    <dgm:linClrLst meth="repeat">
+      <a:schemeClr val="dk1">
+        <a:shade val="80000"/>
+      </a:schemeClr>
+    </dgm:linClrLst>
+    <dgm:effectClrLst/>
+    <dgm:txLinClrLst/>
+    <dgm:txFillClrLst meth="repeat">
+      <a:schemeClr val="dk1"/>
+    </dgm:txFillClrLst>
+    <dgm:txEffectClrLst/>
+  </dgm:styleLbl>
+  <dgm:styleLbl name="node1">
+    <dgm:fillClrLst meth="repeat">
+      <a:schemeClr val="lt1"/>
+    </dgm:fillClrLst>
+    <dgm:linClrLst meth="repeat">
+      <a:schemeClr val="dk1">
+        <a:shade val="80000"/>
+      </a:schemeClr>
+    </dgm:linClrLst>
+    <dgm:effectClrLst/>
+    <dgm:txLinClrLst/>
+    <dgm:txFillClrLst meth="repeat">
+      <a:schemeClr val="dk1"/>
+    </dgm:txFillClrLst>
+    <dgm:txEffectClrLst/>
+  </dgm:styleLbl>
+  <dgm:styleLbl name="alignNode1">
+    <dgm:fillClrLst meth="repeat">
+      <a:schemeClr val="lt1"/>
+    </dgm:fillClrLst>
+    <dgm:linClrLst meth="repeat">
+      <a:schemeClr val="dk1">
+        <a:shade val="80000"/>
+      </a:schemeClr>
+    </dgm:linClrLst>
+    <dgm:effectClrLst/>
+    <dgm:txLinClrLst/>
+    <dgm:txFillClrLst meth="repeat">
+      <a:schemeClr val="dk1"/>
+    </dgm:txFillClrLst>
+    <dgm:txEffectClrLst/>
+  </dgm:styleLbl>
+  <dgm:styleLbl name="lnNode1">
+    <dgm:fillClrLst meth="repeat">
+      <a:schemeClr val="lt1"/>
+    </dgm:fillClrLst>
+    <dgm:linClrLst meth="repeat">
+      <a:schemeClr val="dk1">
+        <a:shade val="80000"/>
+      </a:schemeClr>
+    </dgm:linClrLst>
+    <dgm:effectClrLst/>
+    <dgm:txLinClrLst/>
+    <dgm:txFillClrLst meth="repeat">
+      <a:schemeClr val="dk1"/>
+    </dgm:txFillClrLst>
+    <dgm:txEffectClrLst/>
+  </dgm:styleLbl>
+  <dgm:styleLbl name="vennNode1">
+    <dgm:fillClrLst meth="repeat">
+      <a:schemeClr val="lt1">
+        <a:alpha val="50000"/>
+      </a:schemeClr>
+    </dgm:fillClrLst>
+    <dgm:linClrLst meth="repeat">
+      <a:schemeClr val="dk1">
+        <a:shade val="80000"/>
+      </a:schemeClr>
+    </dgm:linClrLst>
+    <dgm:effectClrLst/>
+    <dgm:txLinClrLst/>
+    <dgm:txFillClrLst/>
+    <dgm:txEffectClrLst/>
+  </dgm:styleLbl>
+  <dgm:styleLbl name="node2">
+    <dgm:fillClrLst meth="repeat">
+      <a:schemeClr val="lt1"/>
+    </dgm:fillClrLst>
+    <dgm:linClrLst meth="repeat">
+      <a:schemeClr val="dk1">
+        <a:shade val="80000"/>
+      </a:schemeClr>
+    </dgm:linClrLst>
+    <dgm:effectClrLst/>
+    <dgm:txLinClrLst/>
+    <dgm:txFillClrLst meth="repeat">
+      <a:schemeClr val="dk1"/>
+    </dgm:txFillClrLst>
+    <dgm:txEffectClrLst/>
+  </dgm:styleLbl>
+  <dgm:styleLbl name="node3">
+    <dgm:fillClrLst meth="repeat">
+      <a:schemeClr val="lt1"/>
+    </dgm:fillClrLst>
+    <dgm:linClrLst meth="repeat">
+      <a:schemeClr val="dk1">
+        <a:shade val="80000"/>
+      </a:schemeClr>
+    </dgm:linClrLst>
+    <dgm:effectClrLst/>
+    <dgm:txLinClrLst/>
+    <dgm:txFillClrLst meth="repeat">
+      <a:schemeClr val="dk1"/>
+    </dgm:txFillClrLst>
+    <dgm:txEffectClrLst/>
+  </dgm:styleLbl>
+  <dgm:styleLbl name="node4">
+    <dgm:fillClrLst meth="repeat">
+      <a:schemeClr val="lt1"/>
+    </dgm:fillClrLst>
+    <dgm:linClrLst meth="repeat">
+      <a:schemeClr val="dk1">
+        <a:shade val="80000"/>
+      </a:schemeClr>
+    </dgm:linClrLst>
+    <dgm:effectClrLst/>
+    <dgm:txLinClrLst/>
+    <dgm:txFillClrLst meth="repeat">
+      <a:schemeClr val="dk1"/>
+    </dgm:txFillClrLst>
+    <dgm:txEffectClrLst/>
+  </dgm:styleLbl>
+  <dgm:styleLbl name="fgImgPlace1">
+    <dgm:fillClrLst meth="repeat">
+      <a:schemeClr val="dk1">
+        <a:tint val="40000"/>
+      </a:schemeClr>
+    </dgm:fillClrLst>
+    <dgm:linClrLst meth="repeat">
+      <a:schemeClr val="dk1">
+        <a:shade val="80000"/>
+      </a:schemeClr>
+    </dgm:linClrLst>
+    <dgm:effectClrLst/>
+    <dgm:txLinClrLst/>
+    <dgm:txFillClrLst meth="repeat">
+      <a:schemeClr val="lt1"/>
+    </dgm:txFillClrLst>
+    <dgm:txEffectClrLst/>
+  </dgm:styleLbl>
+  <dgm:styleLbl name="alignImgPlace1">
+    <dgm:fillClrLst meth="repeat">
+      <a:schemeClr val="dk1">
+        <a:tint val="40000"/>
+      </a:schemeClr>
+    </dgm:fillClrLst>
+    <dgm:linClrLst meth="repeat">
+      <a:schemeClr val="dk1">
+        <a:shade val="80000"/>
+      </a:schemeClr>
+    </dgm:linClrLst>
+    <dgm:effectClrLst/>
+    <dgm:txLinClrLst/>
+    <dgm:txFillClrLst meth="repeat">
+      <a:schemeClr val="lt1"/>
+    </dgm:txFillClrLst>
+    <dgm:txEffectClrLst/>
+  </dgm:styleLbl>
+  <dgm:styleLbl name="bgImgPlace1">
+    <dgm:fillClrLst meth="repeat">
+      <a:schemeClr val="dk1">
+        <a:tint val="40000"/>
+      </a:schemeClr>
+    </dgm:fillClrLst>
+    <dgm:linClrLst meth="repeat">
+      <a:schemeClr val="dk1">
+        <a:shade val="80000"/>
+      </a:schemeClr>
+    </dgm:linClrLst>
+    <dgm:effectClrLst/>
+    <dgm:txLinClrLst/>
+    <dgm:txFillClrLst meth="repeat">
+      <a:schemeClr val="lt1"/>
+    </dgm:txFillClrLst>
+    <dgm:txEffectClrLst/>
+  </dgm:styleLbl>
+  <dgm:styleLbl name="sibTrans2D1">
+    <dgm:fillClrLst meth="repeat">
+      <a:schemeClr val="dk1">
+        <a:tint val="60000"/>
+      </a:schemeClr>
+    </dgm:fillClrLst>
+    <dgm:linClrLst meth="repeat">
+      <a:schemeClr val="dk1">
+        <a:tint val="60000"/>
+      </a:schemeClr>
+    </dgm:linClrLst>
+    <dgm:effectClrLst/>
+    <dgm:txLinClrLst/>
+    <dgm:txFillClrLst meth="repeat">
+      <a:schemeClr val="dk1"/>
+    </dgm:txFillClrLst>
+    <dgm:txEffectClrLst/>
+  </dgm:styleLbl>
+  <dgm:styleLbl name="fgSibTrans2D1">
+    <dgm:fillClrLst meth="repeat">
+      <a:schemeClr val="dk1">
+        <a:tint val="60000"/>
+      </a:schemeClr>
+    </dgm:fillClrLst>
+    <dgm:linClrLst meth="repeat">
+      <a:schemeClr val="dk1">
+        <a:tint val="60000"/>
+      </a:schemeClr>
+    </dgm:linClrLst>
+    <dgm:effectClrLst/>
+    <dgm:txLinClrLst/>
+    <dgm:txFillClrLst meth="repeat">
+      <a:schemeClr val="dk1"/>
+    </dgm:txFillClrLst>
+    <dgm:txEffectClrLst/>
+  </dgm:styleLbl>
+  <dgm:styleLbl name="bgSibTrans2D1">
+    <dgm:fillClrLst meth="repeat">
+      <a:schemeClr val="dk1">
+        <a:tint val="60000"/>
+      </a:schemeClr>
+    </dgm:fillClrLst>
+    <dgm:linClrLst meth="repeat">
+      <a:schemeClr val="dk1">
+        <a:tint val="60000"/>
+      </a:schemeClr>
+    </dgm:linClrLst>
+    <dgm:effectClrLst/>
+    <dgm:txLinClrLst/>
+    <dgm:txFillClrLst meth="repeat">
+      <a:schemeClr val="dk1"/>
+    </dgm:txFillClrLst>
+    <dgm:txEffectClrLst/>
+  </dgm:styleLbl>
+  <dgm:styleLbl name="sibTrans1D1">
+    <dgm:fillClrLst meth="repeat">
+      <a:schemeClr val="dk1"/>
+    </dgm:fillClrLst>
+    <dgm:linClrLst meth="repeat">
+      <a:schemeClr val="dk1"/>
+    </dgm:linClrLst>
+    <dgm:effectClrLst/>
+    <dgm:txLinClrLst/>
+    <dgm:txFillClrLst meth="repeat">
+      <a:schemeClr val="tx1"/>
+    </dgm:txFillClrLst>
+    <dgm:txEffectClrLst/>
+  </dgm:styleLbl>
+  <dgm:styleLbl name="callout">
+    <dgm:fillClrLst meth="repeat">
+      <a:schemeClr val="dk1"/>
+    </dgm:fillClrLst>
+    <dgm:linClrLst meth="repeat">
+      <a:schemeClr val="dk1"/>
+    </dgm:linClrLst>
+    <dgm:effectClrLst/>
+    <dgm:txLinClrLst/>
+    <dgm:txFillClrLst meth="repeat">
+      <a:schemeClr val="tx1"/>
+    </dgm:txFillClrLst>
+    <dgm:txEffectClrLst/>
+  </dgm:styleLbl>
+  <dgm:styleLbl name="asst0">
+    <dgm:fillClrLst meth="repeat">
+      <a:schemeClr val="lt1"/>
+    </dgm:fillClrLst>
+    <dgm:linClrLst meth="repeat">
+      <a:schemeClr val="dk1">
+        <a:shade val="80000"/>
+      </a:schemeClr>
+    </dgm:linClrLst>
+    <dgm:effectClrLst/>
+    <dgm:txLinClrLst/>
+    <dgm:txFillClrLst meth="repeat">
+      <a:schemeClr val="dk1"/>
+    </dgm:txFillClrLst>
+    <dgm:txEffectClrLst/>
+  </dgm:styleLbl>
+  <dgm:styleLbl name="asst1">
+    <dgm:fillClrLst meth="repeat">
+      <a:schemeClr val="lt1"/>
+    </dgm:fillClrLst>
+    <dgm:linClrLst meth="repeat">
+      <a:schemeClr val="dk1">
+        <a:shade val="80000"/>
+      </a:schemeClr>
+    </dgm:linClrLst>
+    <dgm:effectClrLst/>
+    <dgm:txLinClrLst/>
+    <dgm:txFillClrLst meth="repeat">
+      <a:schemeClr val="dk1"/>
+    </dgm:txFillClrLst>
+    <dgm:txEffectClrLst/>
+  </dgm:styleLbl>
+  <dgm:styleLbl name="asst2">
+    <dgm:fillClrLst meth="repeat">
+      <a:schemeClr val="lt1"/>
+    </dgm:fillClrLst>
+    <dgm:linClrLst meth="repeat">
+      <a:schemeClr val="dk1">
+        <a:shade val="80000"/>
+      </a:schemeClr>
+    </dgm:linClrLst>
+    <dgm:effectClrLst/>
+    <dgm:txLinClrLst/>
+    <dgm:txFillClrLst meth="repeat">
+      <a:schemeClr val="dk1"/>
+    </dgm:txFillClrLst>
+    <dgm:txEffectClrLst/>
+  </dgm:styleLbl>
+  <dgm:styleLbl name="asst3">
+    <dgm:fillClrLst meth="repeat">
+      <a:schemeClr val="lt1"/>
+    </dgm:fillClrLst>
+    <dgm:linClrLst meth="repeat">
+      <a:schemeClr val="dk1">
+        <a:shade val="80000"/>
+      </a:schemeClr>
+    </dgm:linClrLst>
+    <dgm:effectClrLst/>
+    <dgm:txLinClrLst/>
+    <dgm:txFillClrLst meth="repeat">
+      <a:schemeClr val="dk1"/>
+    </dgm:txFillClrLst>
+    <dgm:txEffectClrLst/>
+  </dgm:styleLbl>
+  <dgm:styleLbl name="asst4">
+    <dgm:fillClrLst meth="repeat">
+      <a:schemeClr val="lt1"/>
+    </dgm:fillClrLst>
+    <dgm:linClrLst meth="repeat">
+      <a:schemeClr val="dk1">
+        <a:shade val="80000"/>
+      </a:schemeClr>
+    </dgm:linClrLst>
+    <dgm:effectClrLst/>
+    <dgm:txLinClrLst/>
+    <dgm:txFillClrLst meth="repeat">
+      <a:schemeClr val="dk1"/>
+    </dgm:txFillClrLst>
+    <dgm:txEffectClrLst/>
+  </dgm:styleLbl>
+  <dgm:styleLbl name="parChTrans2D1">
+    <dgm:fillClrLst meth="repeat">
+      <a:schemeClr val="dk1">
+        <a:tint val="60000"/>
+      </a:schemeClr>
+    </dgm:fillClrLst>
+    <dgm:linClrLst meth="repeat">
+      <a:schemeClr val="dk1">
+        <a:tint val="60000"/>
+      </a:schemeClr>
+    </dgm:linClrLst>
+    <dgm:effectClrLst/>
+    <dgm:txLinClrLst/>
+    <dgm:txFillClrLst/>
+    <dgm:txEffectClrLst/>
+  </dgm:styleLbl>
+  <dgm:styleLbl name="parChTrans2D2">
+    <dgm:fillClrLst meth="repeat">
+      <a:schemeClr val="dk1"/>
+    </dgm:fillClrLst>
+    <dgm:linClrLst meth="repeat">
+      <a:schemeClr val="dk1"/>
+    </dgm:linClrLst>
+    <dgm:effectClrLst/>
+    <dgm:txLinClrLst/>
+    <dgm:txFillClrLst/>
+    <dgm:txEffectClrLst/>
+  </dgm:styleLbl>
+  <dgm:styleLbl name="parChTrans2D3">
+    <dgm:fillClrLst meth="repeat">
+      <a:schemeClr val="dk1"/>
+    </dgm:fillClrLst>
+    <dgm:linClrLst meth="repeat">
+      <a:schemeClr val="dk1"/>
+    </dgm:linClrLst>
+    <dgm:effectClrLst/>
+    <dgm:txLinClrLst/>
+    <dgm:txFillClrLst/>
+    <dgm:txEffectClrLst/>
+  </dgm:styleLbl>
+  <dgm:styleLbl name="parChTrans2D4">
+    <dgm:fillClrLst meth="repeat">
+      <a:schemeClr val="dk1"/>
+    </dgm:fillClrLst>
+    <dgm:linClrLst meth="repeat">
+      <a:schemeClr val="dk1"/>
+    </dgm:linClrLst>
+    <dgm:effectClrLst/>
+    <dgm:txLinClrLst/>
+    <dgm:txFillClrLst meth="repeat">
+      <a:schemeClr val="lt1"/>
+    </dgm:txFillClrLst>
+    <dgm:txEffectClrLst/>
+  </dgm:styleLbl>
+  <dgm:styleLbl name="parChTrans1D1">
+    <dgm:fillClrLst meth="repeat">
+      <a:schemeClr val="dk1"/>
+    </dgm:fillClrLst>
+    <dgm:linClrLst meth="repeat">
+      <a:schemeClr val="dk1">
+        <a:shade val="60000"/>
+      </a:schemeClr>
+    </dgm:linClrLst>
+    <dgm:effectClrLst/>
+    <dgm:txLinClrLst/>
+    <dgm:txFillClrLst meth="repeat">
+      <a:schemeClr val="tx1"/>
+    </dgm:txFillClrLst>
+    <dgm:txEffectClrLst/>
+  </dgm:styleLbl>
+  <dgm:styleLbl name="parChTrans1D2">
+    <dgm:fillClrLst meth="repeat">
+      <a:schemeClr val="dk1"/>
+    </dgm:fillClrLst>
+    <dgm:linClrLst meth="repeat">
+      <a:schemeClr val="dk1">
+        <a:shade val="60000"/>
+      </a:schemeClr>
+    </dgm:linClrLst>
+    <dgm:effectClrLst/>
+    <dgm:txLinClrLst/>
+    <dgm:txFillClrLst meth="repeat">
+      <a:schemeClr val="tx1"/>
+    </dgm:txFillClrLst>
+    <dgm:txEffectClrLst/>
+  </dgm:styleLbl>
+  <dgm:styleLbl name="parChTrans1D3">
+    <dgm:fillClrLst meth="repeat">
+      <a:schemeClr val="dk1"/>
+    </dgm:fillClrLst>
+    <dgm:linClrLst meth="repeat">
+      <a:schemeClr val="dk1">
+        <a:shade val="80000"/>
+      </a:schemeClr>
+    </dgm:linClrLst>
+    <dgm:effectClrLst/>
+    <dgm:txLinClrLst/>
+    <dgm:txFillClrLst meth="repeat">
+      <a:schemeClr val="tx1"/>
+    </dgm:txFillClrLst>
+    <dgm:txEffectClrLst/>
+  </dgm:styleLbl>
+  <dgm:styleLbl name="parChTrans1D4">
+    <dgm:fillClrLst meth="repeat">
+      <a:schemeClr val="dk1"/>
+    </dgm:fillClrLst>
+    <dgm:linClrLst meth="repeat">
+      <a:schemeClr val="dk1">
+        <a:shade val="80000"/>
+      </a:schemeClr>
+    </dgm:linClrLst>
+    <dgm:effectClrLst/>
+    <dgm:txLinClrLst/>
+    <dgm:txFillClrLst meth="repeat">
+      <a:schemeClr val="tx1"/>
+    </dgm:txFillClrLst>
+    <dgm:txEffectClrLst/>
+  </dgm:styleLbl>
+  <dgm:styleLbl name="fgAcc1">
+    <dgm:fillClrLst meth="repeat">
+      <a:schemeClr val="dk1">
+        <a:alpha val="90000"/>
+        <a:tint val="40000"/>
+      </a:schemeClr>
+    </dgm:fillClrLst>
+    <dgm:linClrLst meth="repeat">
+      <a:schemeClr val="dk1"/>
+    </dgm:linClrLst>
+    <dgm:effectClrLst/>
+    <dgm:txLinClrLst/>
+    <dgm:txFillClrLst meth="repeat">
+      <a:schemeClr val="dk1"/>
+    </dgm:txFillClrLst>
+    <dgm:txEffectClrLst/>
+  </dgm:styleLbl>
+  <dgm:styleLbl name="conFgAcc1">
+    <dgm:fillClrLst meth="repeat">
+      <a:schemeClr val="dk1">
+        <a:alpha val="90000"/>
+        <a:tint val="40000"/>
+      </a:schemeClr>
+    </dgm:fillClrLst>
+    <dgm:linClrLst meth="repeat">
+      <a:schemeClr val="dk1"/>
+    </dgm:linClrLst>
+    <dgm:effectClrLst/>
+    <dgm:txLinClrLst/>
+    <dgm:txFillClrLst meth="repeat">
+      <a:schemeClr val="dk1"/>
+    </dgm:txFillClrLst>
+    <dgm:txEffectClrLst/>
+  </dgm:styleLbl>
+  <dgm:styleLbl name="alignAcc1">
+    <dgm:fillClrLst meth="repeat">
+      <a:schemeClr val="dk1">
+        <a:alpha val="90000"/>
+        <a:tint val="40000"/>
+      </a:schemeClr>
+    </dgm:fillClrLst>
+    <dgm:linClrLst meth="repeat">
+      <a:schemeClr val="dk1"/>
+    </dgm:linClrLst>
+    <dgm:effectClrLst/>
+    <dgm:txLinClrLst/>
+    <dgm:txFillClrLst meth="repeat">
+      <a:schemeClr val="dk1"/>
+    </dgm:txFillClrLst>
+    <dgm:txEffectClrLst/>
+  </dgm:styleLbl>
+  <dgm:styleLbl name="trAlignAcc1">
+    <dgm:fillClrLst meth="repeat">
+      <a:schemeClr val="dk1">
+        <a:alpha val="40000"/>
+        <a:tint val="40000"/>
+      </a:schemeClr>
+    </dgm:fillClrLst>
+    <dgm:linClrLst meth="repeat">
+      <a:schemeClr val="dk1"/>
+    </dgm:linClrLst>
+    <dgm:effectClrLst/>
+    <dgm:txLinClrLst/>
+    <dgm:txFillClrLst meth="repeat">
+      <a:schemeClr val="dk1"/>
+    </dgm:txFillClrLst>
+    <dgm:txEffectClrLst/>
+  </dgm:styleLbl>
+  <dgm:styleLbl name="bgAcc1">
+    <dgm:fillClrLst meth="repeat">
+      <a:schemeClr val="dk1">
+        <a:alpha val="90000"/>
+        <a:tint val="40000"/>
+      </a:schemeClr>
+    </dgm:fillClrLst>
+    <dgm:linClrLst meth="repeat">
+      <a:schemeClr val="dk1"/>
+    </dgm:linClrLst>
+    <dgm:effectClrLst/>
+    <dgm:txLinClrLst/>
+    <dgm:txFillClrLst meth="repeat">
+      <a:schemeClr val="dk1"/>
+    </dgm:txFillClrLst>
+    <dgm:txEffectClrLst/>
+  </dgm:styleLbl>
+  <dgm:styleLbl name="solidFgAcc1">
+    <dgm:fillClrLst meth="repeat">
+      <a:schemeClr val="lt1"/>
+    </dgm:fillClrLst>
+    <dgm:linClrLst meth="repeat">
+      <a:schemeClr val="dk1"/>
+    </dgm:linClrLst>
+    <dgm:effectClrLst/>
+    <dgm:txLinClrLst/>
+    <dgm:txFillClrLst meth="repeat">
+      <a:schemeClr val="dk1"/>
+    </dgm:txFillClrLst>
+    <dgm:txEffectClrLst/>
+  </dgm:styleLbl>
+  <dgm:styleLbl name="solidAlignAcc1">
+    <dgm:fillClrLst meth="repeat">
+      <a:schemeClr val="lt1"/>
+    </dgm:fillClrLst>
+    <dgm:linClrLst meth="repeat">
+      <a:schemeClr val="dk1"/>
+    </dgm:linClrLst>
+    <dgm:effectClrLst/>
+    <dgm:txLinClrLst/>
+    <dgm:txFillClrLst meth="repeat">
+      <a:schemeClr val="dk1"/>
+    </dgm:txFillClrLst>
+    <dgm:txEffectClrLst/>
+  </dgm:styleLbl>
+  <dgm:styleLbl name="solidBgAcc1">
+    <dgm:fillClrLst meth="repeat">
+      <a:schemeClr val="lt1"/>
+    </dgm:fillClrLst>
+    <dgm:linClrLst meth="repeat">
+      <a:schemeClr val="dk1"/>
+    </dgm:linClrLst>
+    <dgm:effectClrLst/>
+    <dgm:txLinClrLst/>
+    <dgm:txFillClrLst meth="repeat">
+      <a:schemeClr val="dk1"/>
+    </dgm:txFillClrLst>
+    <dgm:txEffectClrLst/>
+  </dgm:styleLbl>
+  <dgm:styleLbl name="fgAccFollowNode1">
+    <dgm:fillClrLst meth="repeat">
+      <a:schemeClr val="lt1">
+        <a:alpha val="90000"/>
+        <a:tint val="40000"/>
+      </a:schemeClr>
+    </dgm:fillClrLst>
+    <dgm:linClrLst meth="repeat">
+      <a:schemeClr val="dk1">
+        <a:alpha val="90000"/>
+      </a:schemeClr>
+    </dgm:linClrLst>
+    <dgm:effectClrLst/>
+    <dgm:txLinClrLst/>
+    <dgm:txFillClrLst meth="repeat">
+      <a:schemeClr val="dk1"/>
+    </dgm:txFillClrLst>
+    <dgm:txEffectClrLst/>
+  </dgm:styleLbl>
+  <dgm:styleLbl name="alignAccFollowNode1">
+    <dgm:fillClrLst meth="repeat">
+      <a:schemeClr val="lt1">
+        <a:alpha val="90000"/>
+        <a:tint val="40000"/>
+      </a:schemeClr>
+    </dgm:fillClrLst>
+    <dgm:linClrLst meth="repeat">
+      <a:schemeClr val="dk1">
+        <a:alpha val="90000"/>
+      </a:schemeClr>
+    </dgm:linClrLst>
+    <dgm:effectClrLst/>
+    <dgm:txLinClrLst/>
+    <dgm:txFillClrLst meth="repeat">
+      <a:schemeClr val="dk1"/>
+    </dgm:txFillClrLst>
+    <dgm:txEffectClrLst/>
+  </dgm:styleLbl>
+  <dgm:styleLbl name="bgAccFollowNode1">
+    <dgm:fillClrLst meth="repeat">
+      <a:schemeClr val="lt1">
+        <a:alpha val="90000"/>
+        <a:tint val="40000"/>
+      </a:schemeClr>
+    </dgm:fillClrLst>
+    <dgm:linClrLst meth="repeat">
+      <a:schemeClr val="dk1">
+        <a:alpha val="90000"/>
+      </a:schemeClr>
+    </dgm:linClrLst>
+    <dgm:effectClrLst/>
+    <dgm:txLinClrLst/>
+    <dgm:txFillClrLst meth="repeat">
+      <a:schemeClr val="dk1"/>
+    </dgm:txFillClrLst>
+    <dgm:txEffectClrLst/>
+  </dgm:styleLbl>
+  <dgm:styleLbl name="fgAcc0">
+    <dgm:fillClrLst meth="repeat">
+      <a:schemeClr val="dk1">
+        <a:alpha val="90000"/>
+        <a:tint val="40000"/>
+      </a:schemeClr>
+    </dgm:fillClrLst>
+    <dgm:linClrLst meth="repeat">
+      <a:schemeClr val="dk1"/>
+    </dgm:linClrLst>
+    <dgm:effectClrLst/>
+    <dgm:txLinClrLst/>
+    <dgm:txFillClrLst meth="repeat">
+      <a:schemeClr val="dk1"/>
+    </dgm:txFillClrLst>
+    <dgm:txEffectClrLst/>
+  </dgm:styleLbl>
+  <dgm:styleLbl name="fgAcc2">
+    <dgm:fillClrLst meth="repeat">
+      <a:schemeClr val="dk1">
+        <a:alpha val="90000"/>
+        <a:tint val="40000"/>
+      </a:schemeClr>
+    </dgm:fillClrLst>
+    <dgm:linClrLst meth="repeat">
+      <a:schemeClr val="dk1"/>
+    </dgm:linClrLst>
+    <dgm:effectClrLst/>
+    <dgm:txLinClrLst/>
+    <dgm:txFillClrLst meth="repeat">
+      <a:schemeClr val="dk1"/>
+    </dgm:txFillClrLst>
+    <dgm:txEffectClrLst/>
+  </dgm:styleLbl>
+  <dgm:styleLbl name="fgAcc3">
+    <dgm:fillClrLst meth="repeat">
+      <a:schemeClr val="dk1">
+        <a:alpha val="90000"/>
+        <a:tint val="40000"/>
+      </a:schemeClr>
+    </dgm:fillClrLst>
+    <dgm:linClrLst meth="repeat">
+      <a:schemeClr val="dk1"/>
+    </dgm:linClrLst>
+    <dgm:effectClrLst/>
+    <dgm:txLinClrLst/>
+    <dgm:txFillClrLst meth="repeat">
+      <a:schemeClr val="dk1"/>
+    </dgm:txFillClrLst>
+    <dgm:txEffectClrLst/>
+  </dgm:styleLbl>
+  <dgm:styleLbl name="fgAcc4">
+    <dgm:fillClrLst meth="repeat">
+      <a:schemeClr val="dk1">
+        <a:alpha val="90000"/>
+        <a:tint val="40000"/>
+      </a:schemeClr>
+    </dgm:fillClrLst>
+    <dgm:linClrLst meth="repeat">
+      <a:schemeClr val="dk1"/>
+    </dgm:linClrLst>
+    <dgm:effectClrLst/>
+    <dgm:txLinClrLst/>
+    <dgm:txFillClrLst meth="repeat">
+      <a:schemeClr val="dk1"/>
+    </dgm:txFillClrLst>
+    <dgm:txEffectClrLst/>
+  </dgm:styleLbl>
+  <dgm:styleLbl name="bgShp">
+    <dgm:fillClrLst meth="repeat">
+      <a:schemeClr val="dk1">
+        <a:tint val="40000"/>
+      </a:schemeClr>
+    </dgm:fillClrLst>
+    <dgm:linClrLst meth="repeat">
+      <a:schemeClr val="dk1"/>
+    </dgm:linClrLst>
+    <dgm:effectClrLst/>
+    <dgm:txLinClrLst/>
+    <dgm:txFillClrLst meth="repeat">
+      <a:schemeClr val="dk1"/>
+    </dgm:txFillClrLst>
+    <dgm:txEffectClrLst/>
+  </dgm:styleLbl>
+  <dgm:styleLbl name="dkBgShp">
+    <dgm:fillClrLst meth="repeat">
+      <a:schemeClr val="dk1">
+        <a:shade val="80000"/>
+      </a:schemeClr>
+    </dgm:fillClrLst>
+    <dgm:linClrLst meth="repeat">
+      <a:schemeClr val="dk1"/>
+    </dgm:linClrLst>
+    <dgm:effectClrLst/>
+    <dgm:txLinClrLst/>
+    <dgm:txFillClrLst meth="repeat">
+      <a:schemeClr val="lt1"/>
+    </dgm:txFillClrLst>
+    <dgm:txEffectClrLst/>
+  </dgm:styleLbl>
+  <dgm:styleLbl name="trBgShp">
+    <dgm:fillClrLst meth="repeat">
+      <a:schemeClr val="dk1">
+        <a:tint val="50000"/>
+        <a:alpha val="40000"/>
+      </a:schemeClr>
+    </dgm:fillClrLst>
+    <dgm:linClrLst meth="repeat">
+      <a:schemeClr val="dk1"/>
+    </dgm:linClrLst>
+    <dgm:effectClrLst/>
+    <dgm:txLinClrLst/>
+    <dgm:txFillClrLst meth="repeat">
+      <a:schemeClr val="lt1"/>
+    </dgm:txFillClrLst>
+    <dgm:txEffectClrLst/>
+  </dgm:styleLbl>
+  <dgm:styleLbl name="fgShp">
+    <dgm:fillClrLst meth="repeat">
+      <a:schemeClr val="dk1">
+        <a:tint val="60000"/>
+      </a:schemeClr>
+    </dgm:fillClrLst>
+    <dgm:linClrLst meth="repeat">
+      <a:schemeClr val="lt1"/>
+    </dgm:linClrLst>
+    <dgm:effectClrLst/>
+    <dgm:txLinClrLst/>
+    <dgm:txFillClrLst meth="repeat">
+      <a:schemeClr val="dk1"/>
+    </dgm:txFillClrLst>
+    <dgm:txEffectClrLst/>
+  </dgm:styleLbl>
+  <dgm:styleLbl name="revTx">
+    <dgm:fillClrLst meth="repeat">
+      <a:schemeClr val="lt1">
+        <a:alpha val="0"/>
+      </a:schemeClr>
+    </dgm:fillClrLst>
+    <dgm:linClrLst meth="repeat">
+      <a:schemeClr val="dk1">
+        <a:alpha val="0"/>
+      </a:schemeClr>
+    </dgm:linClrLst>
+    <dgm:effectClrLst/>
+    <dgm:txLinClrLst/>
+    <dgm:txFillClrLst meth="repeat">
+      <a:schemeClr val="tx1"/>
+    </dgm:txFillClrLst>
+    <dgm:txEffectClrLst/>
+  </dgm:styleLbl>
+</dgm:colorsDef>
+</file>
+
+<file path=ppt/diagrams/colors3.xml><?xml version="1.0" encoding="utf-8"?>
 <dgm:colorsDef xmlns:dgm="http://schemas.openxmlformats.org/drawingml/2006/diagram" xmlns:a="http://schemas.openxmlformats.org/drawingml/2006/main" uniqueId="urn:microsoft.com/office/officeart/2005/8/colors/accent0_1">
   <dgm:title val=""/>
   <dgm:desc val=""/>
@@ -2341,7 +3430,7 @@
 <dgm:dataModel xmlns:dgm="http://schemas.openxmlformats.org/drawingml/2006/diagram" xmlns:a="http://schemas.openxmlformats.org/drawingml/2006/main">
   <dgm:ptLst>
     <dgm:pt modelId="{06C89439-4D6B-42D3-BA97-6A86F7EB8644}" type="doc">
-      <dgm:prSet loTypeId="urn:microsoft.com/office/officeart/2005/8/layout/hierarchy3" loCatId="hierarchy" qsTypeId="urn:microsoft.com/office/officeart/2005/8/quickstyle/simple1" qsCatId="simple" csTypeId="urn:microsoft.com/office/officeart/2005/8/colors/accent0_1" csCatId="mainScheme" phldr="1"/>
+      <dgm:prSet loTypeId="urn:microsoft.com/office/officeart/2005/8/layout/hierarchy1" loCatId="hierarchy" qsTypeId="urn:microsoft.com/office/officeart/2005/8/quickstyle/simple1" qsCatId="simple" csTypeId="urn:microsoft.com/office/officeart/2005/8/colors/accent0_1" csCatId="mainScheme" phldr="1"/>
       <dgm:spPr/>
       <dgm:t>
         <a:bodyPr/>
@@ -2352,22 +3441,46 @@
       </dgm:t>
     </dgm:pt>
     <dgm:pt modelId="{58B8B21E-2C0A-44B0-B949-F22B623965E1}">
-      <dgm:prSet phldrT="[Texto]"/>
-      <dgm:spPr/>
+      <dgm:prSet phldrT="[Texto]" custT="1"/>
+      <dgm:spPr>
+        <a:solidFill>
+          <a:prstClr val="black">
+            <a:alpha val="90000"/>
+            <a:tint val="40000"/>
+            <a:hueOff val="0"/>
+            <a:satOff val="0"/>
+            <a:lumOff val="0"/>
+            <a:alphaOff val="0"/>
+          </a:prstClr>
+        </a:solidFill>
+        <a:ln w="12700" cap="flat" cmpd="sng" algn="ctr">
+          <a:solidFill>
+            <a:prstClr val="black">
+              <a:hueOff val="0"/>
+              <a:satOff val="0"/>
+              <a:lumOff val="0"/>
+              <a:alphaOff val="0"/>
+            </a:prstClr>
+          </a:solidFill>
+          <a:prstDash val="solid"/>
+          <a:miter lim="800000"/>
+        </a:ln>
+        <a:effectLst/>
+      </dgm:spPr>
       <dgm:t>
-        <a:bodyPr/>
+        <a:bodyPr spcFirstLastPara="0" vert="horz" wrap="square" lIns="22860" tIns="15240" rIns="22860" bIns="15240" numCol="1" spcCol="1270" anchor="ctr" anchorCtr="0"/>
         <a:lstStyle/>
         <a:p>
           <a:r>
-            <a:rPr lang="pt-BR" dirty="0"/>
+            <a:rPr lang="pt-BR" sz="900" kern="1200" dirty="0"/>
             <a:t>Passo Constante (</a:t>
           </a:r>
           <a:r>
-            <a:rPr lang="pt-BR" dirty="0" err="1"/>
+            <a:rPr lang="pt-BR" sz="900" kern="1200" dirty="0" err="1"/>
             <a:t>ConstantStep</a:t>
           </a:r>
           <a:r>
-            <a:rPr lang="pt-BR" dirty="0"/>
+            <a:rPr lang="pt-BR" sz="900" kern="1200" dirty="0"/>
             <a:t>)</a:t>
           </a:r>
         </a:p>
@@ -2380,7 +3493,7 @@
         <a:bodyPr/>
         <a:lstStyle/>
         <a:p>
-          <a:endParaRPr lang="pt-BR"/>
+          <a:endParaRPr lang="pt-BR" sz="900"/>
         </a:p>
       </dgm:t>
     </dgm:pt>
@@ -2391,27 +3504,51 @@
         <a:bodyPr/>
         <a:lstStyle/>
         <a:p>
-          <a:endParaRPr lang="pt-BR"/>
+          <a:endParaRPr lang="pt-BR" sz="900"/>
         </a:p>
       </dgm:t>
     </dgm:pt>
     <dgm:pt modelId="{BF12851A-3123-4988-A83B-AEBF46B0CD0B}">
       <dgm:prSet phldrT="[Texto]" custT="1"/>
-      <dgm:spPr/>
+      <dgm:spPr>
+        <a:solidFill>
+          <a:prstClr val="black">
+            <a:alpha val="90000"/>
+            <a:tint val="40000"/>
+            <a:hueOff val="0"/>
+            <a:satOff val="0"/>
+            <a:lumOff val="0"/>
+            <a:alphaOff val="0"/>
+          </a:prstClr>
+        </a:solidFill>
+        <a:ln w="12700" cap="flat" cmpd="sng" algn="ctr">
+          <a:solidFill>
+            <a:prstClr val="black">
+              <a:hueOff val="0"/>
+              <a:satOff val="0"/>
+              <a:lumOff val="0"/>
+              <a:alphaOff val="0"/>
+            </a:prstClr>
+          </a:solidFill>
+          <a:prstDash val="solid"/>
+          <a:miter lim="800000"/>
+        </a:ln>
+        <a:effectLst/>
+      </dgm:spPr>
       <dgm:t>
-        <a:bodyPr/>
+        <a:bodyPr spcFirstLastPara="0" vert="horz" wrap="square" lIns="22860" tIns="15240" rIns="22860" bIns="15240" numCol="1" spcCol="1270" anchor="ctr" anchorCtr="0"/>
         <a:lstStyle/>
         <a:p>
           <a:r>
-            <a:rPr lang="pt-BR" sz="1200" dirty="0"/>
+            <a:rPr lang="pt-BR" sz="900" kern="1200" dirty="0"/>
             <a:t>Bisseção (</a:t>
           </a:r>
           <a:r>
-            <a:rPr lang="pt-BR" sz="1200" dirty="0" err="1"/>
+            <a:rPr lang="pt-BR" sz="900" kern="1200" dirty="0" err="1"/>
             <a:t>BissectionStep</a:t>
           </a:r>
           <a:r>
-            <a:rPr lang="pt-BR" sz="1200" dirty="0"/>
+            <a:rPr lang="pt-BR" sz="900" kern="1200" dirty="0"/>
             <a:t>)</a:t>
           </a:r>
         </a:p>
@@ -2424,7 +3561,7 @@
         <a:bodyPr/>
         <a:lstStyle/>
         <a:p>
-          <a:endParaRPr lang="pt-BR"/>
+          <a:endParaRPr lang="pt-BR" sz="900"/>
         </a:p>
       </dgm:t>
     </dgm:pt>
@@ -2435,33 +3572,57 @@
         <a:bodyPr/>
         <a:lstStyle/>
         <a:p>
-          <a:endParaRPr lang="pt-BR"/>
+          <a:endParaRPr lang="pt-BR" sz="900"/>
         </a:p>
       </dgm:t>
     </dgm:pt>
     <dgm:pt modelId="{1667559B-7401-4CF3-AC32-ABE5ECF2B872}">
       <dgm:prSet phldrT="[Texto]" custT="1"/>
-      <dgm:spPr/>
+      <dgm:spPr>
+        <a:solidFill>
+          <a:prstClr val="black">
+            <a:alpha val="90000"/>
+            <a:tint val="40000"/>
+            <a:hueOff val="0"/>
+            <a:satOff val="0"/>
+            <a:lumOff val="0"/>
+            <a:alphaOff val="0"/>
+          </a:prstClr>
+        </a:solidFill>
+        <a:ln w="12700" cap="flat" cmpd="sng" algn="ctr">
+          <a:solidFill>
+            <a:prstClr val="black">
+              <a:hueOff val="0"/>
+              <a:satOff val="0"/>
+              <a:lumOff val="0"/>
+              <a:alphaOff val="0"/>
+            </a:prstClr>
+          </a:solidFill>
+          <a:prstDash val="solid"/>
+          <a:miter lim="800000"/>
+        </a:ln>
+        <a:effectLst/>
+      </dgm:spPr>
       <dgm:t>
-        <a:bodyPr/>
+        <a:bodyPr spcFirstLastPara="0" vert="horz" wrap="square" lIns="22860" tIns="15240" rIns="22860" bIns="15240" numCol="1" spcCol="1270" anchor="ctr" anchorCtr="0"/>
         <a:lstStyle/>
         <a:p>
           <a:r>
-            <a:rPr lang="pt-BR" sz="1200" dirty="0"/>
+            <a:rPr lang="pt-BR" sz="900" kern="1200" dirty="0"/>
             <a:t>Seção Áurea</a:t>
           </a:r>
         </a:p>
         <a:p>
           <a:r>
-            <a:rPr lang="pt-BR" sz="1200" dirty="0"/>
+            <a:rPr lang="pt-BR" sz="900" kern="1200" dirty="0"/>
             <a:t>(</a:t>
           </a:r>
           <a:r>
-            <a:rPr lang="pt-BR" sz="1200" dirty="0" err="1"/>
+            <a:rPr lang="pt-BR" sz="900" kern="1200" dirty="0" err="1"/>
             <a:t>GoldenSectionStep</a:t>
           </a:r>
           <a:r>
-            <a:rPr lang="pt-BR" sz="1200" dirty="0"/>
+            <a:rPr lang="pt-BR" sz="900" kern="1200" dirty="0"/>
             <a:t>)</a:t>
           </a:r>
         </a:p>
@@ -2474,7 +3635,7 @@
         <a:bodyPr/>
         <a:lstStyle/>
         <a:p>
-          <a:endParaRPr lang="pt-BR"/>
+          <a:endParaRPr lang="pt-BR" sz="900"/>
         </a:p>
       </dgm:t>
     </dgm:pt>
@@ -2485,27 +3646,27 @@
         <a:bodyPr/>
         <a:lstStyle/>
         <a:p>
-          <a:endParaRPr lang="pt-BR"/>
+          <a:endParaRPr lang="pt-BR" sz="900"/>
         </a:p>
       </dgm:t>
     </dgm:pt>
     <dgm:pt modelId="{7BC63D8A-FD7D-43CC-8CA3-B5E478F63F2C}">
-      <dgm:prSet phldrT="[Texto]"/>
+      <dgm:prSet phldrT="[Texto]" custT="1"/>
       <dgm:spPr/>
       <dgm:t>
         <a:bodyPr/>
         <a:lstStyle/>
         <a:p>
           <a:r>
-            <a:rPr lang="pt-BR" dirty="0"/>
+            <a:rPr lang="pt-BR" sz="900" dirty="0"/>
             <a:t>Função com método de derivadas (</a:t>
           </a:r>
           <a:r>
-            <a:rPr lang="pt-BR" dirty="0" err="1"/>
+            <a:rPr lang="pt-BR" sz="900" dirty="0" err="1"/>
             <a:t>SpecialFunction</a:t>
           </a:r>
           <a:r>
-            <a:rPr lang="pt-BR" dirty="0"/>
+            <a:rPr lang="pt-BR" sz="900" dirty="0"/>
             <a:t>)</a:t>
           </a:r>
         </a:p>
@@ -2518,7 +3679,7 @@
         <a:bodyPr/>
         <a:lstStyle/>
         <a:p>
-          <a:endParaRPr lang="pt-BR"/>
+          <a:endParaRPr lang="pt-BR" sz="900"/>
         </a:p>
       </dgm:t>
     </dgm:pt>
@@ -2529,7 +3690,7 @@
         <a:bodyPr/>
         <a:lstStyle/>
         <a:p>
-          <a:endParaRPr lang="pt-BR"/>
+          <a:endParaRPr lang="pt-BR" sz="900"/>
         </a:p>
       </dgm:t>
     </dgm:pt>
@@ -2541,23 +3702,23 @@
         <a:lstStyle/>
         <a:p>
           <a:r>
-            <a:rPr lang="pt-BR" sz="1200" dirty="0"/>
+            <a:rPr lang="pt-BR" sz="900" dirty="0"/>
             <a:t>Função com derivada analítica (</a:t>
           </a:r>
           <a:r>
-            <a:rPr lang="pt-BR" sz="1200" dirty="0" err="1"/>
+            <a:rPr lang="pt-BR" sz="900" dirty="0" err="1"/>
             <a:t>Analytical</a:t>
           </a:r>
           <a:r>
-            <a:rPr lang="pt-BR" sz="1200" dirty="0"/>
+            <a:rPr lang="pt-BR" sz="900" dirty="0"/>
             <a:t> </a:t>
           </a:r>
           <a:r>
-            <a:rPr lang="pt-BR" sz="1200" dirty="0" err="1"/>
+            <a:rPr lang="pt-BR" sz="900" dirty="0" err="1"/>
             <a:t>SpecialFunction</a:t>
           </a:r>
           <a:r>
-            <a:rPr lang="pt-BR" sz="1200" dirty="0"/>
+            <a:rPr lang="pt-BR" sz="900" dirty="0"/>
             <a:t>)</a:t>
           </a:r>
         </a:p>
@@ -2570,7 +3731,7 @@
         <a:bodyPr/>
         <a:lstStyle/>
         <a:p>
-          <a:endParaRPr lang="pt-BR"/>
+          <a:endParaRPr lang="pt-BR" sz="900"/>
         </a:p>
       </dgm:t>
     </dgm:pt>
@@ -2581,7 +3742,7 @@
         <a:bodyPr/>
         <a:lstStyle/>
         <a:p>
-          <a:endParaRPr lang="pt-BR"/>
+          <a:endParaRPr lang="pt-BR" sz="900"/>
         </a:p>
       </dgm:t>
     </dgm:pt>
@@ -2593,23 +3754,23 @@
         <a:lstStyle/>
         <a:p>
           <a:r>
-            <a:rPr lang="pt-BR" sz="1200" dirty="0"/>
+            <a:rPr lang="pt-BR" sz="900" dirty="0"/>
             <a:t>Função com derivada numérica (</a:t>
           </a:r>
           <a:r>
-            <a:rPr lang="pt-BR" sz="1200" dirty="0" err="1"/>
+            <a:rPr lang="pt-BR" sz="900" dirty="0" err="1"/>
             <a:t>Numerical</a:t>
           </a:r>
           <a:r>
-            <a:rPr lang="pt-BR" sz="1200" dirty="0"/>
+            <a:rPr lang="pt-BR" sz="900" dirty="0"/>
             <a:t> </a:t>
           </a:r>
           <a:r>
-            <a:rPr lang="pt-BR" sz="1200" dirty="0" err="1"/>
+            <a:rPr lang="pt-BR" sz="900" dirty="0" err="1"/>
             <a:t>SpecialFunction</a:t>
           </a:r>
           <a:r>
-            <a:rPr lang="pt-BR" sz="1200" dirty="0"/>
+            <a:rPr lang="pt-BR" sz="900" dirty="0"/>
             <a:t>)</a:t>
           </a:r>
         </a:p>
@@ -2622,7 +3783,7 @@
         <a:bodyPr/>
         <a:lstStyle/>
         <a:p>
-          <a:endParaRPr lang="pt-BR"/>
+          <a:endParaRPr lang="pt-BR" sz="900"/>
         </a:p>
       </dgm:t>
     </dgm:pt>
@@ -2633,27 +3794,439 @@
         <a:bodyPr/>
         <a:lstStyle/>
         <a:p>
-          <a:endParaRPr lang="pt-BR"/>
+          <a:endParaRPr lang="pt-BR" sz="900"/>
         </a:p>
       </dgm:t>
     </dgm:pt>
-    <dgm:pt modelId="{C4B509FB-A342-491C-AC4D-2E013B94BE0D}">
-      <dgm:prSet phldrT="[Texto]"/>
+    <dgm:pt modelId="{FFC2104F-C270-4564-808F-7D3224F26AA3}">
+      <dgm:prSet phldrT="[Texto]" custT="1"/>
       <dgm:spPr/>
       <dgm:t>
         <a:bodyPr/>
         <a:lstStyle/>
         <a:p>
           <a:r>
-            <a:rPr lang="pt-BR" dirty="0"/>
+            <a:rPr lang="pt-BR" sz="900" dirty="0"/>
+            <a:t>Passo Genérico (</a:t>
+          </a:r>
+          <a:r>
+            <a:rPr lang="pt-BR" sz="900" dirty="0" err="1"/>
+            <a:t>GenericStep</a:t>
+          </a:r>
+          <a:r>
+            <a:rPr lang="pt-BR" sz="900" dirty="0"/>
+            <a:t>)</a:t>
+          </a:r>
+        </a:p>
+      </dgm:t>
+    </dgm:pt>
+    <dgm:pt modelId="{14BE787D-B053-4398-91D9-ACD7C6E078AD}" type="parTrans" cxnId="{C1E756EC-5BC4-4C4F-A285-DA817515A845}">
+      <dgm:prSet/>
+      <dgm:spPr/>
+      <dgm:t>
+        <a:bodyPr/>
+        <a:lstStyle/>
+        <a:p>
+          <a:endParaRPr lang="pt-BR" sz="900"/>
+        </a:p>
+      </dgm:t>
+    </dgm:pt>
+    <dgm:pt modelId="{94DB80CB-CF40-4F29-9F98-1FA631516686}" type="sibTrans" cxnId="{C1E756EC-5BC4-4C4F-A285-DA817515A845}">
+      <dgm:prSet/>
+      <dgm:spPr/>
+      <dgm:t>
+        <a:bodyPr/>
+        <a:lstStyle/>
+        <a:p>
+          <a:endParaRPr lang="pt-BR" sz="900"/>
+        </a:p>
+      </dgm:t>
+    </dgm:pt>
+    <dgm:pt modelId="{2136699E-94AB-45FD-B881-FEB01E92E7E9}">
+      <dgm:prSet phldrT="[Texto]" custT="1"/>
+      <dgm:spPr/>
+      <dgm:t>
+        <a:bodyPr/>
+        <a:lstStyle/>
+        <a:p>
+          <a:r>
+            <a:rPr lang="pt-BR" sz="900" dirty="0"/>
+            <a:t>Passo Analítico (</a:t>
+          </a:r>
+          <a:r>
+            <a:rPr lang="pt-BR" sz="900" dirty="0" err="1"/>
+            <a:t>AnalyticalStep</a:t>
+          </a:r>
+          <a:r>
+            <a:rPr lang="pt-BR" sz="900" dirty="0"/>
+            <a:t>)</a:t>
+          </a:r>
+        </a:p>
+      </dgm:t>
+    </dgm:pt>
+    <dgm:pt modelId="{D441BEF6-52A4-48C2-8BD1-A21B4C61265B}" type="parTrans" cxnId="{7D39DCC8-D7D6-4C44-90EA-19B413566CDE}">
+      <dgm:prSet/>
+      <dgm:spPr/>
+      <dgm:t>
+        <a:bodyPr/>
+        <a:lstStyle/>
+        <a:p>
+          <a:endParaRPr lang="pt-BR" sz="900"/>
+        </a:p>
+      </dgm:t>
+    </dgm:pt>
+    <dgm:pt modelId="{7141D845-1DC9-46BC-B406-35E57D1942B6}" type="sibTrans" cxnId="{7D39DCC8-D7D6-4C44-90EA-19B413566CDE}">
+      <dgm:prSet/>
+      <dgm:spPr/>
+      <dgm:t>
+        <a:bodyPr/>
+        <a:lstStyle/>
+        <a:p>
+          <a:endParaRPr lang="pt-BR" sz="900"/>
+        </a:p>
+      </dgm:t>
+    </dgm:pt>
+    <dgm:pt modelId="{6F529C61-5733-47B0-86F7-68C50622A6EC}" type="pres">
+      <dgm:prSet presAssocID="{06C89439-4D6B-42D3-BA97-6A86F7EB8644}" presName="hierChild1" presStyleCnt="0">
+        <dgm:presLayoutVars>
+          <dgm:chPref val="1"/>
+          <dgm:dir/>
+          <dgm:animOne val="branch"/>
+          <dgm:animLvl val="lvl"/>
+          <dgm:resizeHandles/>
+        </dgm:presLayoutVars>
+      </dgm:prSet>
+      <dgm:spPr/>
+    </dgm:pt>
+    <dgm:pt modelId="{77A2E3C1-EBE3-4755-A0D9-41A619EA5688}" type="pres">
+      <dgm:prSet presAssocID="{FFC2104F-C270-4564-808F-7D3224F26AA3}" presName="hierRoot1" presStyleCnt="0"/>
+      <dgm:spPr/>
+    </dgm:pt>
+    <dgm:pt modelId="{96C8356C-9795-473F-83E6-2BC1F7B7A1E0}" type="pres">
+      <dgm:prSet presAssocID="{FFC2104F-C270-4564-808F-7D3224F26AA3}" presName="composite" presStyleCnt="0"/>
+      <dgm:spPr/>
+    </dgm:pt>
+    <dgm:pt modelId="{558C2001-B997-4C02-BF1D-AB9D6A16150F}" type="pres">
+      <dgm:prSet presAssocID="{FFC2104F-C270-4564-808F-7D3224F26AA3}" presName="background" presStyleLbl="node0" presStyleIdx="0" presStyleCnt="2"/>
+      <dgm:spPr/>
+    </dgm:pt>
+    <dgm:pt modelId="{0DFDE87B-6500-4503-9538-C57113152415}" type="pres">
+      <dgm:prSet presAssocID="{FFC2104F-C270-4564-808F-7D3224F26AA3}" presName="text" presStyleLbl="fgAcc0" presStyleIdx="0" presStyleCnt="2">
+        <dgm:presLayoutVars>
+          <dgm:chPref val="3"/>
+        </dgm:presLayoutVars>
+      </dgm:prSet>
+      <dgm:spPr/>
+    </dgm:pt>
+    <dgm:pt modelId="{F890FD72-84F9-47DD-A032-BEC24AF6A0F2}" type="pres">
+      <dgm:prSet presAssocID="{FFC2104F-C270-4564-808F-7D3224F26AA3}" presName="hierChild2" presStyleCnt="0"/>
+      <dgm:spPr/>
+    </dgm:pt>
+    <dgm:pt modelId="{9EEF5DCF-7DED-4DDF-8040-34A428B4FC33}" type="pres">
+      <dgm:prSet presAssocID="{EBAB62B6-4B93-4F2C-B115-9920293D2A95}" presName="Name10" presStyleLbl="parChTrans1D2" presStyleIdx="0" presStyleCnt="4"/>
+      <dgm:spPr/>
+    </dgm:pt>
+    <dgm:pt modelId="{03E05640-A7EE-4FF3-93FB-24AA68E89E33}" type="pres">
+      <dgm:prSet presAssocID="{58B8B21E-2C0A-44B0-B949-F22B623965E1}" presName="hierRoot2" presStyleCnt="0"/>
+      <dgm:spPr/>
+    </dgm:pt>
+    <dgm:pt modelId="{8B2926DA-EFAA-46BC-AAE0-A5B262469582}" type="pres">
+      <dgm:prSet presAssocID="{58B8B21E-2C0A-44B0-B949-F22B623965E1}" presName="composite2" presStyleCnt="0"/>
+      <dgm:spPr/>
+    </dgm:pt>
+    <dgm:pt modelId="{8D0BFE71-BB62-4D42-AA18-5F664AB6222C}" type="pres">
+      <dgm:prSet presAssocID="{58B8B21E-2C0A-44B0-B949-F22B623965E1}" presName="background2" presStyleLbl="node2" presStyleIdx="0" presStyleCnt="4"/>
+      <dgm:spPr/>
+    </dgm:pt>
+    <dgm:pt modelId="{69E9D026-B53D-4F38-9B76-CD2CFAF03232}" type="pres">
+      <dgm:prSet presAssocID="{58B8B21E-2C0A-44B0-B949-F22B623965E1}" presName="text2" presStyleLbl="fgAcc2" presStyleIdx="0" presStyleCnt="4">
+        <dgm:presLayoutVars>
+          <dgm:chPref val="3"/>
+        </dgm:presLayoutVars>
+      </dgm:prSet>
+      <dgm:spPr/>
+    </dgm:pt>
+    <dgm:pt modelId="{4F1257CC-C795-421E-AAD9-C0D204E8B21A}" type="pres">
+      <dgm:prSet presAssocID="{58B8B21E-2C0A-44B0-B949-F22B623965E1}" presName="hierChild3" presStyleCnt="0"/>
+      <dgm:spPr/>
+    </dgm:pt>
+    <dgm:pt modelId="{7A5B8C62-802F-4DD8-8568-DBC9846BBC1B}" type="pres">
+      <dgm:prSet presAssocID="{C7BF2BD9-A288-4892-A162-1DD635D8074C}" presName="Name17" presStyleLbl="parChTrans1D3" presStyleIdx="0" presStyleCnt="2"/>
+      <dgm:spPr/>
+    </dgm:pt>
+    <dgm:pt modelId="{3288D3E3-C4F1-44BA-AA62-69767A027194}" type="pres">
+      <dgm:prSet presAssocID="{BF12851A-3123-4988-A83B-AEBF46B0CD0B}" presName="hierRoot3" presStyleCnt="0"/>
+      <dgm:spPr/>
+    </dgm:pt>
+    <dgm:pt modelId="{A74C6FF0-26B8-42D7-93BE-3CB0AA1DE2A8}" type="pres">
+      <dgm:prSet presAssocID="{BF12851A-3123-4988-A83B-AEBF46B0CD0B}" presName="composite3" presStyleCnt="0"/>
+      <dgm:spPr/>
+    </dgm:pt>
+    <dgm:pt modelId="{4BE981C2-7CAA-4D11-B144-2005E3D6D9A5}" type="pres">
+      <dgm:prSet presAssocID="{BF12851A-3123-4988-A83B-AEBF46B0CD0B}" presName="background3" presStyleLbl="node3" presStyleIdx="0" presStyleCnt="2"/>
+      <dgm:spPr/>
+    </dgm:pt>
+    <dgm:pt modelId="{5C498125-60E6-4AF7-B49D-818139A3C034}" type="pres">
+      <dgm:prSet presAssocID="{BF12851A-3123-4988-A83B-AEBF46B0CD0B}" presName="text3" presStyleLbl="fgAcc3" presStyleIdx="0" presStyleCnt="2">
+        <dgm:presLayoutVars>
+          <dgm:chPref val="3"/>
+        </dgm:presLayoutVars>
+      </dgm:prSet>
+      <dgm:spPr/>
+    </dgm:pt>
+    <dgm:pt modelId="{4BB3C480-DAF2-48C9-BF03-C525CEF8C139}" type="pres">
+      <dgm:prSet presAssocID="{BF12851A-3123-4988-A83B-AEBF46B0CD0B}" presName="hierChild4" presStyleCnt="0"/>
+      <dgm:spPr/>
+    </dgm:pt>
+    <dgm:pt modelId="{85A213E9-BFCF-4092-B43A-07282C326C51}" type="pres">
+      <dgm:prSet presAssocID="{7FB82633-B895-473A-A75C-78B4553B11D3}" presName="Name17" presStyleLbl="parChTrans1D3" presStyleIdx="1" presStyleCnt="2"/>
+      <dgm:spPr/>
+    </dgm:pt>
+    <dgm:pt modelId="{D3D1DC3A-7BC2-44CB-BEA1-3B5BDA623641}" type="pres">
+      <dgm:prSet presAssocID="{1667559B-7401-4CF3-AC32-ABE5ECF2B872}" presName="hierRoot3" presStyleCnt="0"/>
+      <dgm:spPr/>
+    </dgm:pt>
+    <dgm:pt modelId="{422DFE9A-68FC-48D5-B2EC-D32BD7331FEA}" type="pres">
+      <dgm:prSet presAssocID="{1667559B-7401-4CF3-AC32-ABE5ECF2B872}" presName="composite3" presStyleCnt="0"/>
+      <dgm:spPr/>
+    </dgm:pt>
+    <dgm:pt modelId="{9FF21327-1CD0-4838-8DBE-6E9FC9FED9FC}" type="pres">
+      <dgm:prSet presAssocID="{1667559B-7401-4CF3-AC32-ABE5ECF2B872}" presName="background3" presStyleLbl="node3" presStyleIdx="1" presStyleCnt="2"/>
+      <dgm:spPr/>
+    </dgm:pt>
+    <dgm:pt modelId="{D5910FC3-6A1E-4A26-B354-99FEBFF83837}" type="pres">
+      <dgm:prSet presAssocID="{1667559B-7401-4CF3-AC32-ABE5ECF2B872}" presName="text3" presStyleLbl="fgAcc3" presStyleIdx="1" presStyleCnt="2">
+        <dgm:presLayoutVars>
+          <dgm:chPref val="3"/>
+        </dgm:presLayoutVars>
+      </dgm:prSet>
+      <dgm:spPr/>
+    </dgm:pt>
+    <dgm:pt modelId="{78DE406D-4DE1-4A7D-9A15-042743C2E0BB}" type="pres">
+      <dgm:prSet presAssocID="{1667559B-7401-4CF3-AC32-ABE5ECF2B872}" presName="hierChild4" presStyleCnt="0"/>
+      <dgm:spPr/>
+    </dgm:pt>
+    <dgm:pt modelId="{2E43C850-C97A-40D5-860A-D0DFC5A4A341}" type="pres">
+      <dgm:prSet presAssocID="{D441BEF6-52A4-48C2-8BD1-A21B4C61265B}" presName="Name10" presStyleLbl="parChTrans1D2" presStyleIdx="1" presStyleCnt="4"/>
+      <dgm:spPr/>
+    </dgm:pt>
+    <dgm:pt modelId="{0D74ED6B-90F3-48E7-9D7D-2D66E13B6F28}" type="pres">
+      <dgm:prSet presAssocID="{2136699E-94AB-45FD-B881-FEB01E92E7E9}" presName="hierRoot2" presStyleCnt="0"/>
+      <dgm:spPr/>
+    </dgm:pt>
+    <dgm:pt modelId="{A79C3A01-6C44-43A8-AB59-3B4A558A4A86}" type="pres">
+      <dgm:prSet presAssocID="{2136699E-94AB-45FD-B881-FEB01E92E7E9}" presName="composite2" presStyleCnt="0"/>
+      <dgm:spPr/>
+    </dgm:pt>
+    <dgm:pt modelId="{DAF6E9DF-0ECA-4E7B-98EB-C83913F86A18}" type="pres">
+      <dgm:prSet presAssocID="{2136699E-94AB-45FD-B881-FEB01E92E7E9}" presName="background2" presStyleLbl="node2" presStyleIdx="1" presStyleCnt="4"/>
+      <dgm:spPr/>
+    </dgm:pt>
+    <dgm:pt modelId="{A38D195C-33C1-4F30-AA16-31F63E20819B}" type="pres">
+      <dgm:prSet presAssocID="{2136699E-94AB-45FD-B881-FEB01E92E7E9}" presName="text2" presStyleLbl="fgAcc2" presStyleIdx="1" presStyleCnt="4">
+        <dgm:presLayoutVars>
+          <dgm:chPref val="3"/>
+        </dgm:presLayoutVars>
+      </dgm:prSet>
+      <dgm:spPr/>
+    </dgm:pt>
+    <dgm:pt modelId="{8EC56FDF-6196-4BF1-BEB3-B2123FFE610F}" type="pres">
+      <dgm:prSet presAssocID="{2136699E-94AB-45FD-B881-FEB01E92E7E9}" presName="hierChild3" presStyleCnt="0"/>
+      <dgm:spPr/>
+    </dgm:pt>
+    <dgm:pt modelId="{24679DD7-A8FE-4016-9EE2-8DB656D89C2C}" type="pres">
+      <dgm:prSet presAssocID="{7BC63D8A-FD7D-43CC-8CA3-B5E478F63F2C}" presName="hierRoot1" presStyleCnt="0"/>
+      <dgm:spPr/>
+    </dgm:pt>
+    <dgm:pt modelId="{95EE9DCE-348D-4C3B-84C8-2B869CCB3397}" type="pres">
+      <dgm:prSet presAssocID="{7BC63D8A-FD7D-43CC-8CA3-B5E478F63F2C}" presName="composite" presStyleCnt="0"/>
+      <dgm:spPr/>
+    </dgm:pt>
+    <dgm:pt modelId="{B0B1A96D-BAB4-400D-95E7-87AE45AC4EB3}" type="pres">
+      <dgm:prSet presAssocID="{7BC63D8A-FD7D-43CC-8CA3-B5E478F63F2C}" presName="background" presStyleLbl="node0" presStyleIdx="1" presStyleCnt="2"/>
+      <dgm:spPr/>
+    </dgm:pt>
+    <dgm:pt modelId="{EEDCC506-AE82-4D4B-B483-F69A30BA0259}" type="pres">
+      <dgm:prSet presAssocID="{7BC63D8A-FD7D-43CC-8CA3-B5E478F63F2C}" presName="text" presStyleLbl="fgAcc0" presStyleIdx="1" presStyleCnt="2">
+        <dgm:presLayoutVars>
+          <dgm:chPref val="3"/>
+        </dgm:presLayoutVars>
+      </dgm:prSet>
+      <dgm:spPr/>
+    </dgm:pt>
+    <dgm:pt modelId="{212A56D5-F38B-403F-8984-6E3E9C37D959}" type="pres">
+      <dgm:prSet presAssocID="{7BC63D8A-FD7D-43CC-8CA3-B5E478F63F2C}" presName="hierChild2" presStyleCnt="0"/>
+      <dgm:spPr/>
+    </dgm:pt>
+    <dgm:pt modelId="{B8E997FA-C63E-467E-BAC2-BF8C418F0356}" type="pres">
+      <dgm:prSet presAssocID="{A5B42785-4BEF-4325-A1C0-29F7A7ABC591}" presName="Name10" presStyleLbl="parChTrans1D2" presStyleIdx="2" presStyleCnt="4"/>
+      <dgm:spPr/>
+    </dgm:pt>
+    <dgm:pt modelId="{0F45BC6F-83FB-4404-87A0-D38B3FD47CC1}" type="pres">
+      <dgm:prSet presAssocID="{9183C376-3C35-4969-A59D-6004C3706A50}" presName="hierRoot2" presStyleCnt="0"/>
+      <dgm:spPr/>
+    </dgm:pt>
+    <dgm:pt modelId="{C701139E-CE94-48E2-A44A-CBAB3AB67A5C}" type="pres">
+      <dgm:prSet presAssocID="{9183C376-3C35-4969-A59D-6004C3706A50}" presName="composite2" presStyleCnt="0"/>
+      <dgm:spPr/>
+    </dgm:pt>
+    <dgm:pt modelId="{9C9B0FEA-5E4B-4CF6-AD38-D4C754AE2351}" type="pres">
+      <dgm:prSet presAssocID="{9183C376-3C35-4969-A59D-6004C3706A50}" presName="background2" presStyleLbl="node2" presStyleIdx="2" presStyleCnt="4"/>
+      <dgm:spPr/>
+    </dgm:pt>
+    <dgm:pt modelId="{1FEB7835-7BE7-4DC2-BE05-980C6BBB4A93}" type="pres">
+      <dgm:prSet presAssocID="{9183C376-3C35-4969-A59D-6004C3706A50}" presName="text2" presStyleLbl="fgAcc2" presStyleIdx="2" presStyleCnt="4">
+        <dgm:presLayoutVars>
+          <dgm:chPref val="3"/>
+        </dgm:presLayoutVars>
+      </dgm:prSet>
+      <dgm:spPr/>
+    </dgm:pt>
+    <dgm:pt modelId="{F9C5800C-E630-4B98-AF27-B7A3BA08B482}" type="pres">
+      <dgm:prSet presAssocID="{9183C376-3C35-4969-A59D-6004C3706A50}" presName="hierChild3" presStyleCnt="0"/>
+      <dgm:spPr/>
+    </dgm:pt>
+    <dgm:pt modelId="{245F4E94-73A0-48F5-824D-D2E784A6D3ED}" type="pres">
+      <dgm:prSet presAssocID="{3187B43C-801B-4375-AC7A-2F387334BC9A}" presName="Name10" presStyleLbl="parChTrans1D2" presStyleIdx="3" presStyleCnt="4"/>
+      <dgm:spPr/>
+    </dgm:pt>
+    <dgm:pt modelId="{30E41666-BAB0-4BD3-87F0-65E4AE304291}" type="pres">
+      <dgm:prSet presAssocID="{D4962005-D526-48EA-8A7D-BAABBD3C91E1}" presName="hierRoot2" presStyleCnt="0"/>
+      <dgm:spPr/>
+    </dgm:pt>
+    <dgm:pt modelId="{48683643-C261-48B6-BB68-E7CDDB746C52}" type="pres">
+      <dgm:prSet presAssocID="{D4962005-D526-48EA-8A7D-BAABBD3C91E1}" presName="composite2" presStyleCnt="0"/>
+      <dgm:spPr/>
+    </dgm:pt>
+    <dgm:pt modelId="{5E0844BE-8E5F-4A28-A26A-31B325027ADD}" type="pres">
+      <dgm:prSet presAssocID="{D4962005-D526-48EA-8A7D-BAABBD3C91E1}" presName="background2" presStyleLbl="node2" presStyleIdx="3" presStyleCnt="4"/>
+      <dgm:spPr/>
+    </dgm:pt>
+    <dgm:pt modelId="{D6BDF4F4-811D-467F-853E-051EC0598C1C}" type="pres">
+      <dgm:prSet presAssocID="{D4962005-D526-48EA-8A7D-BAABBD3C91E1}" presName="text2" presStyleLbl="fgAcc2" presStyleIdx="3" presStyleCnt="4">
+        <dgm:presLayoutVars>
+          <dgm:chPref val="3"/>
+        </dgm:presLayoutVars>
+      </dgm:prSet>
+      <dgm:spPr/>
+    </dgm:pt>
+    <dgm:pt modelId="{98655FDD-A59B-42DB-A45B-AF403626843D}" type="pres">
+      <dgm:prSet presAssocID="{D4962005-D526-48EA-8A7D-BAABBD3C91E1}" presName="hierChild3" presStyleCnt="0"/>
+      <dgm:spPr/>
+    </dgm:pt>
+  </dgm:ptLst>
+  <dgm:cxnLst>
+    <dgm:cxn modelId="{2A8DBE0B-A2A2-4907-8FDF-92752E0636D6}" type="presOf" srcId="{2136699E-94AB-45FD-B881-FEB01E92E7E9}" destId="{A38D195C-33C1-4F30-AA16-31F63E20819B}" srcOrd="0" destOrd="0" presId="urn:microsoft.com/office/officeart/2005/8/layout/hierarchy1"/>
+    <dgm:cxn modelId="{F836F31B-A978-4B30-B9C1-39C2AFBDA01F}" type="presOf" srcId="{C7BF2BD9-A288-4892-A162-1DD635D8074C}" destId="{7A5B8C62-802F-4DD8-8568-DBC9846BBC1B}" srcOrd="0" destOrd="0" presId="urn:microsoft.com/office/officeart/2005/8/layout/hierarchy1"/>
+    <dgm:cxn modelId="{45D9B61C-A835-40ED-9F91-5E6BA1B914D7}" srcId="{58B8B21E-2C0A-44B0-B949-F22B623965E1}" destId="{1667559B-7401-4CF3-AC32-ABE5ECF2B872}" srcOrd="1" destOrd="0" parTransId="{7FB82633-B895-473A-A75C-78B4553B11D3}" sibTransId="{72D27445-74AD-457D-866B-F4828C1855F4}"/>
+    <dgm:cxn modelId="{21ED9922-6AC6-4B3C-89A4-8EACAB6B2342}" type="presOf" srcId="{D4962005-D526-48EA-8A7D-BAABBD3C91E1}" destId="{D6BDF4F4-811D-467F-853E-051EC0598C1C}" srcOrd="0" destOrd="0" presId="urn:microsoft.com/office/officeart/2005/8/layout/hierarchy1"/>
+    <dgm:cxn modelId="{A9BA3D27-B69F-432A-998F-18675F05B09D}" type="presOf" srcId="{9183C376-3C35-4969-A59D-6004C3706A50}" destId="{1FEB7835-7BE7-4DC2-BE05-980C6BBB4A93}" srcOrd="0" destOrd="0" presId="urn:microsoft.com/office/officeart/2005/8/layout/hierarchy1"/>
+    <dgm:cxn modelId="{AF5FAA29-C0BF-4D97-94C2-DB638BCF630E}" type="presOf" srcId="{06C89439-4D6B-42D3-BA97-6A86F7EB8644}" destId="{6F529C61-5733-47B0-86F7-68C50622A6EC}" srcOrd="0" destOrd="0" presId="urn:microsoft.com/office/officeart/2005/8/layout/hierarchy1"/>
+    <dgm:cxn modelId="{4287DE30-5750-4317-BD2B-3B6BB7435692}" type="presOf" srcId="{D441BEF6-52A4-48C2-8BD1-A21B4C61265B}" destId="{2E43C850-C97A-40D5-860A-D0DFC5A4A341}" srcOrd="0" destOrd="0" presId="urn:microsoft.com/office/officeart/2005/8/layout/hierarchy1"/>
+    <dgm:cxn modelId="{ED514A39-6CFE-47D2-BC97-A0F87EEF1F1E}" type="presOf" srcId="{BF12851A-3123-4988-A83B-AEBF46B0CD0B}" destId="{5C498125-60E6-4AF7-B49D-818139A3C034}" srcOrd="0" destOrd="0" presId="urn:microsoft.com/office/officeart/2005/8/layout/hierarchy1"/>
+    <dgm:cxn modelId="{D539783B-C5ED-404A-9174-A5621082F0EF}" type="presOf" srcId="{1667559B-7401-4CF3-AC32-ABE5ECF2B872}" destId="{D5910FC3-6A1E-4A26-B354-99FEBFF83837}" srcOrd="0" destOrd="0" presId="urn:microsoft.com/office/officeart/2005/8/layout/hierarchy1"/>
+    <dgm:cxn modelId="{5617093E-B704-4541-B8E4-B29B9B8CFA0C}" srcId="{06C89439-4D6B-42D3-BA97-6A86F7EB8644}" destId="{7BC63D8A-FD7D-43CC-8CA3-B5E478F63F2C}" srcOrd="1" destOrd="0" parTransId="{386D6EE6-3A37-4BD5-99F0-A3FF78122A5A}" sibTransId="{848DC82C-BB4E-4667-B231-FF84DE9CE777}"/>
+    <dgm:cxn modelId="{C6DE2B3F-5372-40BE-8EB6-E5930D823790}" type="presOf" srcId="{7BC63D8A-FD7D-43CC-8CA3-B5E478F63F2C}" destId="{EEDCC506-AE82-4D4B-B483-F69A30BA0259}" srcOrd="0" destOrd="0" presId="urn:microsoft.com/office/officeart/2005/8/layout/hierarchy1"/>
+    <dgm:cxn modelId="{99F1245E-6E65-4265-BF12-CE8FAF6E1893}" type="presOf" srcId="{3187B43C-801B-4375-AC7A-2F387334BC9A}" destId="{245F4E94-73A0-48F5-824D-D2E784A6D3ED}" srcOrd="0" destOrd="0" presId="urn:microsoft.com/office/officeart/2005/8/layout/hierarchy1"/>
+    <dgm:cxn modelId="{1E8F0471-4B1B-439E-AE13-4773A2B4D4C2}" type="presOf" srcId="{EBAB62B6-4B93-4F2C-B115-9920293D2A95}" destId="{9EEF5DCF-7DED-4DDF-8040-34A428B4FC33}" srcOrd="0" destOrd="0" presId="urn:microsoft.com/office/officeart/2005/8/layout/hierarchy1"/>
+    <dgm:cxn modelId="{06D02455-40D8-405F-B347-54D7FA2E680F}" type="presOf" srcId="{7FB82633-B895-473A-A75C-78B4553B11D3}" destId="{85A213E9-BFCF-4092-B43A-07282C326C51}" srcOrd="0" destOrd="0" presId="urn:microsoft.com/office/officeart/2005/8/layout/hierarchy1"/>
+    <dgm:cxn modelId="{458801A0-53B4-46C1-BE4D-55F542BF830C}" type="presOf" srcId="{58B8B21E-2C0A-44B0-B949-F22B623965E1}" destId="{69E9D026-B53D-4F38-9B76-CD2CFAF03232}" srcOrd="0" destOrd="0" presId="urn:microsoft.com/office/officeart/2005/8/layout/hierarchy1"/>
+    <dgm:cxn modelId="{521910B8-7509-4DD4-9DDD-EB464232B098}" srcId="{FFC2104F-C270-4564-808F-7D3224F26AA3}" destId="{58B8B21E-2C0A-44B0-B949-F22B623965E1}" srcOrd="0" destOrd="0" parTransId="{EBAB62B6-4B93-4F2C-B115-9920293D2A95}" sibTransId="{41206B1E-DAF1-4D78-92ED-BF4F67910E55}"/>
+    <dgm:cxn modelId="{DEFC2BBF-9EA8-41A6-A600-3567ED68045C}" srcId="{7BC63D8A-FD7D-43CC-8CA3-B5E478F63F2C}" destId="{D4962005-D526-48EA-8A7D-BAABBD3C91E1}" srcOrd="1" destOrd="0" parTransId="{3187B43C-801B-4375-AC7A-2F387334BC9A}" sibTransId="{92E9FDC6-5F7E-4D1A-A465-46B3297FC3CE}"/>
+    <dgm:cxn modelId="{7D39DCC8-D7D6-4C44-90EA-19B413566CDE}" srcId="{FFC2104F-C270-4564-808F-7D3224F26AA3}" destId="{2136699E-94AB-45FD-B881-FEB01E92E7E9}" srcOrd="1" destOrd="0" parTransId="{D441BEF6-52A4-48C2-8BD1-A21B4C61265B}" sibTransId="{7141D845-1DC9-46BC-B406-35E57D1942B6}"/>
+    <dgm:cxn modelId="{C1E756EC-5BC4-4C4F-A285-DA817515A845}" srcId="{06C89439-4D6B-42D3-BA97-6A86F7EB8644}" destId="{FFC2104F-C270-4564-808F-7D3224F26AA3}" srcOrd="0" destOrd="0" parTransId="{14BE787D-B053-4398-91D9-ACD7C6E078AD}" sibTransId="{94DB80CB-CF40-4F29-9F98-1FA631516686}"/>
+    <dgm:cxn modelId="{424B1CF0-4D62-4928-A4BC-B03C70F873E8}" srcId="{58B8B21E-2C0A-44B0-B949-F22B623965E1}" destId="{BF12851A-3123-4988-A83B-AEBF46B0CD0B}" srcOrd="0" destOrd="0" parTransId="{C7BF2BD9-A288-4892-A162-1DD635D8074C}" sibTransId="{E4CC2909-F7F4-4635-9BA7-A2611314373F}"/>
+    <dgm:cxn modelId="{5421F0F2-C9F1-4543-9C50-94F8CE36FBB6}" type="presOf" srcId="{FFC2104F-C270-4564-808F-7D3224F26AA3}" destId="{0DFDE87B-6500-4503-9538-C57113152415}" srcOrd="0" destOrd="0" presId="urn:microsoft.com/office/officeart/2005/8/layout/hierarchy1"/>
+    <dgm:cxn modelId="{258DA0F6-20D7-4D70-81A7-83E442AB87EF}" type="presOf" srcId="{A5B42785-4BEF-4325-A1C0-29F7A7ABC591}" destId="{B8E997FA-C63E-467E-BAC2-BF8C418F0356}" srcOrd="0" destOrd="0" presId="urn:microsoft.com/office/officeart/2005/8/layout/hierarchy1"/>
+    <dgm:cxn modelId="{872EC5FD-D069-45F1-9B94-AA07E3DCB399}" srcId="{7BC63D8A-FD7D-43CC-8CA3-B5E478F63F2C}" destId="{9183C376-3C35-4969-A59D-6004C3706A50}" srcOrd="0" destOrd="0" parTransId="{A5B42785-4BEF-4325-A1C0-29F7A7ABC591}" sibTransId="{31A2B562-BE3A-45D9-84FC-00B4ADCC294D}"/>
+    <dgm:cxn modelId="{AA1B4D8A-C3D9-410F-AD24-3623631B3745}" type="presParOf" srcId="{6F529C61-5733-47B0-86F7-68C50622A6EC}" destId="{77A2E3C1-EBE3-4755-A0D9-41A619EA5688}" srcOrd="0" destOrd="0" presId="urn:microsoft.com/office/officeart/2005/8/layout/hierarchy1"/>
+    <dgm:cxn modelId="{7A0B3DFB-B1B2-4F41-9BFB-0C2D3FD8684C}" type="presParOf" srcId="{77A2E3C1-EBE3-4755-A0D9-41A619EA5688}" destId="{96C8356C-9795-473F-83E6-2BC1F7B7A1E0}" srcOrd="0" destOrd="0" presId="urn:microsoft.com/office/officeart/2005/8/layout/hierarchy1"/>
+    <dgm:cxn modelId="{5C52F571-B5A4-4D17-A66D-2B1C13E3D731}" type="presParOf" srcId="{96C8356C-9795-473F-83E6-2BC1F7B7A1E0}" destId="{558C2001-B997-4C02-BF1D-AB9D6A16150F}" srcOrd="0" destOrd="0" presId="urn:microsoft.com/office/officeart/2005/8/layout/hierarchy1"/>
+    <dgm:cxn modelId="{E06D2477-41F4-468C-A964-0AC6E9737FC2}" type="presParOf" srcId="{96C8356C-9795-473F-83E6-2BC1F7B7A1E0}" destId="{0DFDE87B-6500-4503-9538-C57113152415}" srcOrd="1" destOrd="0" presId="urn:microsoft.com/office/officeart/2005/8/layout/hierarchy1"/>
+    <dgm:cxn modelId="{747645BC-504E-4407-8900-5E9C8156F0C9}" type="presParOf" srcId="{77A2E3C1-EBE3-4755-A0D9-41A619EA5688}" destId="{F890FD72-84F9-47DD-A032-BEC24AF6A0F2}" srcOrd="1" destOrd="0" presId="urn:microsoft.com/office/officeart/2005/8/layout/hierarchy1"/>
+    <dgm:cxn modelId="{DC6BDB5D-9E21-495F-863D-FE8871545B2F}" type="presParOf" srcId="{F890FD72-84F9-47DD-A032-BEC24AF6A0F2}" destId="{9EEF5DCF-7DED-4DDF-8040-34A428B4FC33}" srcOrd="0" destOrd="0" presId="urn:microsoft.com/office/officeart/2005/8/layout/hierarchy1"/>
+    <dgm:cxn modelId="{5FAD07BB-252C-43B7-85BC-C47839C43BE3}" type="presParOf" srcId="{F890FD72-84F9-47DD-A032-BEC24AF6A0F2}" destId="{03E05640-A7EE-4FF3-93FB-24AA68E89E33}" srcOrd="1" destOrd="0" presId="urn:microsoft.com/office/officeart/2005/8/layout/hierarchy1"/>
+    <dgm:cxn modelId="{2092E824-FCC4-4D69-94BC-2EBFBDD90EE5}" type="presParOf" srcId="{03E05640-A7EE-4FF3-93FB-24AA68E89E33}" destId="{8B2926DA-EFAA-46BC-AAE0-A5B262469582}" srcOrd="0" destOrd="0" presId="urn:microsoft.com/office/officeart/2005/8/layout/hierarchy1"/>
+    <dgm:cxn modelId="{91D5EF45-A0B9-4C91-9BF5-200012FC51B1}" type="presParOf" srcId="{8B2926DA-EFAA-46BC-AAE0-A5B262469582}" destId="{8D0BFE71-BB62-4D42-AA18-5F664AB6222C}" srcOrd="0" destOrd="0" presId="urn:microsoft.com/office/officeart/2005/8/layout/hierarchy1"/>
+    <dgm:cxn modelId="{2238B24C-4C77-4951-AF58-18711474CE00}" type="presParOf" srcId="{8B2926DA-EFAA-46BC-AAE0-A5B262469582}" destId="{69E9D026-B53D-4F38-9B76-CD2CFAF03232}" srcOrd="1" destOrd="0" presId="urn:microsoft.com/office/officeart/2005/8/layout/hierarchy1"/>
+    <dgm:cxn modelId="{BC0572A6-DB10-4385-A772-7E6ABBE47F54}" type="presParOf" srcId="{03E05640-A7EE-4FF3-93FB-24AA68E89E33}" destId="{4F1257CC-C795-421E-AAD9-C0D204E8B21A}" srcOrd="1" destOrd="0" presId="urn:microsoft.com/office/officeart/2005/8/layout/hierarchy1"/>
+    <dgm:cxn modelId="{49C62E68-C444-4BC6-97E6-47A2B3982551}" type="presParOf" srcId="{4F1257CC-C795-421E-AAD9-C0D204E8B21A}" destId="{7A5B8C62-802F-4DD8-8568-DBC9846BBC1B}" srcOrd="0" destOrd="0" presId="urn:microsoft.com/office/officeart/2005/8/layout/hierarchy1"/>
+    <dgm:cxn modelId="{C0E2F573-1109-4199-A872-3B9785DC94AE}" type="presParOf" srcId="{4F1257CC-C795-421E-AAD9-C0D204E8B21A}" destId="{3288D3E3-C4F1-44BA-AA62-69767A027194}" srcOrd="1" destOrd="0" presId="urn:microsoft.com/office/officeart/2005/8/layout/hierarchy1"/>
+    <dgm:cxn modelId="{4B922D72-58A7-4AB0-9C9F-F06D8A99B4C1}" type="presParOf" srcId="{3288D3E3-C4F1-44BA-AA62-69767A027194}" destId="{A74C6FF0-26B8-42D7-93BE-3CB0AA1DE2A8}" srcOrd="0" destOrd="0" presId="urn:microsoft.com/office/officeart/2005/8/layout/hierarchy1"/>
+    <dgm:cxn modelId="{0579A710-35E4-4DF4-A104-6FF245674B72}" type="presParOf" srcId="{A74C6FF0-26B8-42D7-93BE-3CB0AA1DE2A8}" destId="{4BE981C2-7CAA-4D11-B144-2005E3D6D9A5}" srcOrd="0" destOrd="0" presId="urn:microsoft.com/office/officeart/2005/8/layout/hierarchy1"/>
+    <dgm:cxn modelId="{846CCA20-7326-41D6-A73D-4E4C60EAEA03}" type="presParOf" srcId="{A74C6FF0-26B8-42D7-93BE-3CB0AA1DE2A8}" destId="{5C498125-60E6-4AF7-B49D-818139A3C034}" srcOrd="1" destOrd="0" presId="urn:microsoft.com/office/officeart/2005/8/layout/hierarchy1"/>
+    <dgm:cxn modelId="{AA4C20AB-E380-498E-B96F-B1883569B3C7}" type="presParOf" srcId="{3288D3E3-C4F1-44BA-AA62-69767A027194}" destId="{4BB3C480-DAF2-48C9-BF03-C525CEF8C139}" srcOrd="1" destOrd="0" presId="urn:microsoft.com/office/officeart/2005/8/layout/hierarchy1"/>
+    <dgm:cxn modelId="{BF063630-EA46-4BD8-AC83-8E0BDE3793EE}" type="presParOf" srcId="{4F1257CC-C795-421E-AAD9-C0D204E8B21A}" destId="{85A213E9-BFCF-4092-B43A-07282C326C51}" srcOrd="2" destOrd="0" presId="urn:microsoft.com/office/officeart/2005/8/layout/hierarchy1"/>
+    <dgm:cxn modelId="{E0409E91-B92F-4466-9480-2637BA5C73A0}" type="presParOf" srcId="{4F1257CC-C795-421E-AAD9-C0D204E8B21A}" destId="{D3D1DC3A-7BC2-44CB-BEA1-3B5BDA623641}" srcOrd="3" destOrd="0" presId="urn:microsoft.com/office/officeart/2005/8/layout/hierarchy1"/>
+    <dgm:cxn modelId="{761C5E56-F85B-4C68-A359-9C869BE1A0D7}" type="presParOf" srcId="{D3D1DC3A-7BC2-44CB-BEA1-3B5BDA623641}" destId="{422DFE9A-68FC-48D5-B2EC-D32BD7331FEA}" srcOrd="0" destOrd="0" presId="urn:microsoft.com/office/officeart/2005/8/layout/hierarchy1"/>
+    <dgm:cxn modelId="{D9CBC13F-63BF-4239-8A72-EDB4A76F8B72}" type="presParOf" srcId="{422DFE9A-68FC-48D5-B2EC-D32BD7331FEA}" destId="{9FF21327-1CD0-4838-8DBE-6E9FC9FED9FC}" srcOrd="0" destOrd="0" presId="urn:microsoft.com/office/officeart/2005/8/layout/hierarchy1"/>
+    <dgm:cxn modelId="{F40B5FD3-1C8E-435B-AD09-FF29B7BE0F2D}" type="presParOf" srcId="{422DFE9A-68FC-48D5-B2EC-D32BD7331FEA}" destId="{D5910FC3-6A1E-4A26-B354-99FEBFF83837}" srcOrd="1" destOrd="0" presId="urn:microsoft.com/office/officeart/2005/8/layout/hierarchy1"/>
+    <dgm:cxn modelId="{B1B2F6D1-8349-40F4-9EED-A546C220109F}" type="presParOf" srcId="{D3D1DC3A-7BC2-44CB-BEA1-3B5BDA623641}" destId="{78DE406D-4DE1-4A7D-9A15-042743C2E0BB}" srcOrd="1" destOrd="0" presId="urn:microsoft.com/office/officeart/2005/8/layout/hierarchy1"/>
+    <dgm:cxn modelId="{02C8FAA3-08CC-4034-97F8-A510C8893EFF}" type="presParOf" srcId="{F890FD72-84F9-47DD-A032-BEC24AF6A0F2}" destId="{2E43C850-C97A-40D5-860A-D0DFC5A4A341}" srcOrd="2" destOrd="0" presId="urn:microsoft.com/office/officeart/2005/8/layout/hierarchy1"/>
+    <dgm:cxn modelId="{CFE4674D-3FD2-492C-A790-9BE7965A387B}" type="presParOf" srcId="{F890FD72-84F9-47DD-A032-BEC24AF6A0F2}" destId="{0D74ED6B-90F3-48E7-9D7D-2D66E13B6F28}" srcOrd="3" destOrd="0" presId="urn:microsoft.com/office/officeart/2005/8/layout/hierarchy1"/>
+    <dgm:cxn modelId="{E59860D1-D6C1-4B1C-82BA-9ACB7F35AB7F}" type="presParOf" srcId="{0D74ED6B-90F3-48E7-9D7D-2D66E13B6F28}" destId="{A79C3A01-6C44-43A8-AB59-3B4A558A4A86}" srcOrd="0" destOrd="0" presId="urn:microsoft.com/office/officeart/2005/8/layout/hierarchy1"/>
+    <dgm:cxn modelId="{43E1128C-10B0-4B56-9D11-D47A6F521D4A}" type="presParOf" srcId="{A79C3A01-6C44-43A8-AB59-3B4A558A4A86}" destId="{DAF6E9DF-0ECA-4E7B-98EB-C83913F86A18}" srcOrd="0" destOrd="0" presId="urn:microsoft.com/office/officeart/2005/8/layout/hierarchy1"/>
+    <dgm:cxn modelId="{D912257E-8662-461D-9FCB-4645D19438A4}" type="presParOf" srcId="{A79C3A01-6C44-43A8-AB59-3B4A558A4A86}" destId="{A38D195C-33C1-4F30-AA16-31F63E20819B}" srcOrd="1" destOrd="0" presId="urn:microsoft.com/office/officeart/2005/8/layout/hierarchy1"/>
+    <dgm:cxn modelId="{BD9ED7A7-10C7-45C0-98C4-C627C504A7B0}" type="presParOf" srcId="{0D74ED6B-90F3-48E7-9D7D-2D66E13B6F28}" destId="{8EC56FDF-6196-4BF1-BEB3-B2123FFE610F}" srcOrd="1" destOrd="0" presId="urn:microsoft.com/office/officeart/2005/8/layout/hierarchy1"/>
+    <dgm:cxn modelId="{2E31F8E1-602D-4325-B56E-6D2D9A26A5A7}" type="presParOf" srcId="{6F529C61-5733-47B0-86F7-68C50622A6EC}" destId="{24679DD7-A8FE-4016-9EE2-8DB656D89C2C}" srcOrd="1" destOrd="0" presId="urn:microsoft.com/office/officeart/2005/8/layout/hierarchy1"/>
+    <dgm:cxn modelId="{46AF5447-1125-42C2-B12F-9164F7204F76}" type="presParOf" srcId="{24679DD7-A8FE-4016-9EE2-8DB656D89C2C}" destId="{95EE9DCE-348D-4C3B-84C8-2B869CCB3397}" srcOrd="0" destOrd="0" presId="urn:microsoft.com/office/officeart/2005/8/layout/hierarchy1"/>
+    <dgm:cxn modelId="{E4193AF3-5C82-4C50-9FC3-78E3EB3814DF}" type="presParOf" srcId="{95EE9DCE-348D-4C3B-84C8-2B869CCB3397}" destId="{B0B1A96D-BAB4-400D-95E7-87AE45AC4EB3}" srcOrd="0" destOrd="0" presId="urn:microsoft.com/office/officeart/2005/8/layout/hierarchy1"/>
+    <dgm:cxn modelId="{C574A34F-4038-4BA3-AC8B-1BA349EF767A}" type="presParOf" srcId="{95EE9DCE-348D-4C3B-84C8-2B869CCB3397}" destId="{EEDCC506-AE82-4D4B-B483-F69A30BA0259}" srcOrd="1" destOrd="0" presId="urn:microsoft.com/office/officeart/2005/8/layout/hierarchy1"/>
+    <dgm:cxn modelId="{18E1DB52-112A-4C87-908A-E52154D98633}" type="presParOf" srcId="{24679DD7-A8FE-4016-9EE2-8DB656D89C2C}" destId="{212A56D5-F38B-403F-8984-6E3E9C37D959}" srcOrd="1" destOrd="0" presId="urn:microsoft.com/office/officeart/2005/8/layout/hierarchy1"/>
+    <dgm:cxn modelId="{6A508398-737D-4959-B339-4589405CC6A8}" type="presParOf" srcId="{212A56D5-F38B-403F-8984-6E3E9C37D959}" destId="{B8E997FA-C63E-467E-BAC2-BF8C418F0356}" srcOrd="0" destOrd="0" presId="urn:microsoft.com/office/officeart/2005/8/layout/hierarchy1"/>
+    <dgm:cxn modelId="{39AAFB32-BACE-422E-801C-3A198C86D98A}" type="presParOf" srcId="{212A56D5-F38B-403F-8984-6E3E9C37D959}" destId="{0F45BC6F-83FB-4404-87A0-D38B3FD47CC1}" srcOrd="1" destOrd="0" presId="urn:microsoft.com/office/officeart/2005/8/layout/hierarchy1"/>
+    <dgm:cxn modelId="{FBDE0A47-4F19-44C3-917C-2F25D1D38A66}" type="presParOf" srcId="{0F45BC6F-83FB-4404-87A0-D38B3FD47CC1}" destId="{C701139E-CE94-48E2-A44A-CBAB3AB67A5C}" srcOrd="0" destOrd="0" presId="urn:microsoft.com/office/officeart/2005/8/layout/hierarchy1"/>
+    <dgm:cxn modelId="{87CD8506-4849-4984-B524-7F03976368E3}" type="presParOf" srcId="{C701139E-CE94-48E2-A44A-CBAB3AB67A5C}" destId="{9C9B0FEA-5E4B-4CF6-AD38-D4C754AE2351}" srcOrd="0" destOrd="0" presId="urn:microsoft.com/office/officeart/2005/8/layout/hierarchy1"/>
+    <dgm:cxn modelId="{5D136846-94B5-4762-948B-C1C5099EBBB8}" type="presParOf" srcId="{C701139E-CE94-48E2-A44A-CBAB3AB67A5C}" destId="{1FEB7835-7BE7-4DC2-BE05-980C6BBB4A93}" srcOrd="1" destOrd="0" presId="urn:microsoft.com/office/officeart/2005/8/layout/hierarchy1"/>
+    <dgm:cxn modelId="{FDDC8515-3EDC-4EFB-8D00-150682FCF787}" type="presParOf" srcId="{0F45BC6F-83FB-4404-87A0-D38B3FD47CC1}" destId="{F9C5800C-E630-4B98-AF27-B7A3BA08B482}" srcOrd="1" destOrd="0" presId="urn:microsoft.com/office/officeart/2005/8/layout/hierarchy1"/>
+    <dgm:cxn modelId="{724C0309-0E04-49C3-AC86-A418883C8E20}" type="presParOf" srcId="{212A56D5-F38B-403F-8984-6E3E9C37D959}" destId="{245F4E94-73A0-48F5-824D-D2E784A6D3ED}" srcOrd="2" destOrd="0" presId="urn:microsoft.com/office/officeart/2005/8/layout/hierarchy1"/>
+    <dgm:cxn modelId="{A3A3DE05-7EF5-4199-91EF-46BDD4450DB5}" type="presParOf" srcId="{212A56D5-F38B-403F-8984-6E3E9C37D959}" destId="{30E41666-BAB0-4BD3-87F0-65E4AE304291}" srcOrd="3" destOrd="0" presId="urn:microsoft.com/office/officeart/2005/8/layout/hierarchy1"/>
+    <dgm:cxn modelId="{BA0CFB49-AA3C-49EA-8758-4F189988CD7D}" type="presParOf" srcId="{30E41666-BAB0-4BD3-87F0-65E4AE304291}" destId="{48683643-C261-48B6-BB68-E7CDDB746C52}" srcOrd="0" destOrd="0" presId="urn:microsoft.com/office/officeart/2005/8/layout/hierarchy1"/>
+    <dgm:cxn modelId="{BED068ED-8E13-4503-B99D-62F255A51A80}" type="presParOf" srcId="{48683643-C261-48B6-BB68-E7CDDB746C52}" destId="{5E0844BE-8E5F-4A28-A26A-31B325027ADD}" srcOrd="0" destOrd="0" presId="urn:microsoft.com/office/officeart/2005/8/layout/hierarchy1"/>
+    <dgm:cxn modelId="{5C9E93C8-F14E-45F6-B52E-381869BB1D05}" type="presParOf" srcId="{48683643-C261-48B6-BB68-E7CDDB746C52}" destId="{D6BDF4F4-811D-467F-853E-051EC0598C1C}" srcOrd="1" destOrd="0" presId="urn:microsoft.com/office/officeart/2005/8/layout/hierarchy1"/>
+    <dgm:cxn modelId="{AEFE09F2-E6A8-4621-BE7B-DCBFC382B741}" type="presParOf" srcId="{30E41666-BAB0-4BD3-87F0-65E4AE304291}" destId="{98655FDD-A59B-42DB-A45B-AF403626843D}" srcOrd="1" destOrd="0" presId="urn:microsoft.com/office/officeart/2005/8/layout/hierarchy1"/>
+  </dgm:cxnLst>
+  <dgm:bg/>
+  <dgm:whole/>
+  <dgm:extLst>
+    <a:ext uri="http://schemas.microsoft.com/office/drawing/2008/diagram">
+      <dsp:dataModelExt xmlns:dsp="http://schemas.microsoft.com/office/drawing/2008/diagram" relId="rId6" minVer="http://schemas.openxmlformats.org/drawingml/2006/diagram"/>
+    </a:ext>
+  </dgm:extLst>
+</dgm:dataModel>
+</file>
+
+<file path=ppt/diagrams/data3.xml><?xml version="1.0" encoding="utf-8"?>
+<dgm:dataModel xmlns:dgm="http://schemas.openxmlformats.org/drawingml/2006/diagram" xmlns:a="http://schemas.openxmlformats.org/drawingml/2006/main">
+  <dgm:ptLst>
+    <dgm:pt modelId="{06C89439-4D6B-42D3-BA97-6A86F7EB8644}" type="doc">
+      <dgm:prSet loTypeId="urn:microsoft.com/office/officeart/2005/8/layout/hierarchy1" loCatId="hierarchy" qsTypeId="urn:microsoft.com/office/officeart/2005/8/quickstyle/simple1" qsCatId="simple" csTypeId="urn:microsoft.com/office/officeart/2005/8/colors/accent0_1" csCatId="mainScheme" phldr="1"/>
+      <dgm:spPr/>
+      <dgm:t>
+        <a:bodyPr/>
+        <a:lstStyle/>
+        <a:p>
+          <a:endParaRPr lang="pt-BR"/>
+        </a:p>
+      </dgm:t>
+    </dgm:pt>
+    <dgm:pt modelId="{C4B509FB-A342-491C-AC4D-2E013B94BE0D}">
+      <dgm:prSet phldrT="[Texto]" custT="1"/>
+      <dgm:spPr/>
+      <dgm:t>
+        <a:bodyPr/>
+        <a:lstStyle/>
+        <a:p>
+          <a:r>
+            <a:rPr lang="pt-BR" sz="900" dirty="0"/>
             <a:t>Otimizador genérico (</a:t>
           </a:r>
           <a:r>
-            <a:rPr lang="pt-BR" dirty="0" err="1"/>
+            <a:rPr lang="pt-BR" sz="900" dirty="0" err="1"/>
             <a:t>GenericOptimizer</a:t>
           </a:r>
           <a:r>
-            <a:rPr lang="pt-BR" dirty="0"/>
+            <a:rPr lang="pt-BR" sz="900" dirty="0"/>
             <a:t>)</a:t>
           </a:r>
         </a:p>
@@ -2666,7 +4239,7 @@
         <a:bodyPr/>
         <a:lstStyle/>
         <a:p>
-          <a:endParaRPr lang="pt-BR"/>
+          <a:endParaRPr lang="pt-BR" sz="900"/>
         </a:p>
       </dgm:t>
     </dgm:pt>
@@ -2677,7 +4250,7 @@
         <a:bodyPr/>
         <a:lstStyle/>
         <a:p>
-          <a:endParaRPr lang="pt-BR"/>
+          <a:endParaRPr lang="pt-BR" sz="900"/>
         </a:p>
       </dgm:t>
     </dgm:pt>
@@ -2689,19 +4262,19 @@
         <a:lstStyle/>
         <a:p>
           <a:r>
-            <a:rPr lang="pt-BR" sz="1200" dirty="0" err="1"/>
+            <a:rPr lang="pt-BR" sz="900" dirty="0" err="1"/>
             <a:t>Univariante</a:t>
           </a:r>
           <a:r>
-            <a:rPr lang="pt-BR" sz="1200" dirty="0"/>
+            <a:rPr lang="pt-BR" sz="900" dirty="0"/>
             <a:t> (</a:t>
           </a:r>
           <a:r>
-            <a:rPr lang="pt-BR" sz="1200" dirty="0" err="1"/>
+            <a:rPr lang="pt-BR" sz="900" dirty="0" err="1"/>
             <a:t>UnivariantOptimizer</a:t>
           </a:r>
           <a:r>
-            <a:rPr lang="pt-BR" sz="1200" dirty="0"/>
+            <a:rPr lang="pt-BR" sz="900" dirty="0"/>
             <a:t>)</a:t>
           </a:r>
         </a:p>
@@ -2714,7 +4287,7 @@
         <a:bodyPr/>
         <a:lstStyle/>
         <a:p>
-          <a:endParaRPr lang="pt-BR"/>
+          <a:endParaRPr lang="pt-BR" sz="900"/>
         </a:p>
       </dgm:t>
     </dgm:pt>
@@ -2725,7 +4298,7 @@
         <a:bodyPr/>
         <a:lstStyle/>
         <a:p>
-          <a:endParaRPr lang="pt-BR"/>
+          <a:endParaRPr lang="pt-BR" sz="900"/>
         </a:p>
       </dgm:t>
     </dgm:pt>
@@ -2737,15 +4310,15 @@
         <a:lstStyle/>
         <a:p>
           <a:r>
-            <a:rPr lang="pt-BR" sz="1200" dirty="0"/>
+            <a:rPr lang="pt-BR" sz="900" dirty="0"/>
             <a:t>Powell (</a:t>
           </a:r>
           <a:r>
-            <a:rPr lang="pt-BR" sz="1200" dirty="0" err="1"/>
+            <a:rPr lang="pt-BR" sz="900" dirty="0" err="1"/>
             <a:t>PowellOptimizer</a:t>
           </a:r>
           <a:r>
-            <a:rPr lang="pt-BR" sz="1200" dirty="0"/>
+            <a:rPr lang="pt-BR" sz="900" dirty="0"/>
             <a:t>)</a:t>
           </a:r>
         </a:p>
@@ -2758,7 +4331,7 @@
         <a:bodyPr/>
         <a:lstStyle/>
         <a:p>
-          <a:endParaRPr lang="pt-BR"/>
+          <a:endParaRPr lang="pt-BR" sz="900"/>
         </a:p>
       </dgm:t>
     </dgm:pt>
@@ -2769,7 +4342,7 @@
         <a:bodyPr/>
         <a:lstStyle/>
         <a:p>
-          <a:endParaRPr lang="pt-BR"/>
+          <a:endParaRPr lang="pt-BR" sz="900"/>
         </a:p>
       </dgm:t>
     </dgm:pt>
@@ -2781,23 +4354,23 @@
         <a:lstStyle/>
         <a:p>
           <a:r>
-            <a:rPr lang="pt-BR" sz="1200" dirty="0"/>
+            <a:rPr lang="pt-BR" sz="900" dirty="0"/>
             <a:t>Máximo declive (</a:t>
           </a:r>
           <a:r>
-            <a:rPr lang="pt-BR" sz="1200" dirty="0" err="1"/>
+            <a:rPr lang="pt-BR" sz="900" dirty="0" err="1"/>
             <a:t>Steepest</a:t>
           </a:r>
           <a:r>
-            <a:rPr lang="pt-BR" sz="1200" dirty="0"/>
+            <a:rPr lang="pt-BR" sz="900" dirty="0"/>
             <a:t> </a:t>
           </a:r>
           <a:r>
-            <a:rPr lang="pt-BR" sz="1200" dirty="0" err="1"/>
+            <a:rPr lang="pt-BR" sz="900" dirty="0" err="1"/>
             <a:t>DescentOptimizer</a:t>
           </a:r>
           <a:r>
-            <a:rPr lang="pt-BR" sz="1200" dirty="0"/>
+            <a:rPr lang="pt-BR" sz="900" dirty="0"/>
             <a:t>)</a:t>
           </a:r>
         </a:p>
@@ -2810,7 +4383,7 @@
         <a:bodyPr/>
         <a:lstStyle/>
         <a:p>
-          <a:endParaRPr lang="pt-BR"/>
+          <a:endParaRPr lang="pt-BR" sz="900"/>
         </a:p>
       </dgm:t>
     </dgm:pt>
@@ -2821,7 +4394,7 @@
         <a:bodyPr/>
         <a:lstStyle/>
         <a:p>
-          <a:endParaRPr lang="pt-BR"/>
+          <a:endParaRPr lang="pt-BR" sz="900"/>
         </a:p>
       </dgm:t>
     </dgm:pt>
@@ -2833,23 +4406,23 @@
         <a:lstStyle/>
         <a:p>
           <a:r>
-            <a:rPr lang="pt-BR" sz="1200" dirty="0"/>
+            <a:rPr lang="pt-BR" sz="900" dirty="0"/>
             <a:t>Fletcher-Reeves (</a:t>
           </a:r>
           <a:r>
-            <a:rPr lang="pt-BR" sz="1200" dirty="0" err="1"/>
+            <a:rPr lang="pt-BR" sz="900" dirty="0" err="1"/>
             <a:t>FletcherReeves</a:t>
           </a:r>
           <a:r>
-            <a:rPr lang="pt-BR" sz="1200" dirty="0"/>
+            <a:rPr lang="pt-BR" sz="900" dirty="0"/>
             <a:t> </a:t>
           </a:r>
           <a:r>
-            <a:rPr lang="pt-BR" sz="1200" dirty="0" err="1"/>
+            <a:rPr lang="pt-BR" sz="900" dirty="0" err="1"/>
             <a:t>Optimizer</a:t>
           </a:r>
           <a:r>
-            <a:rPr lang="pt-BR" sz="1200" dirty="0"/>
+            <a:rPr lang="pt-BR" sz="900" dirty="0"/>
             <a:t>)</a:t>
           </a:r>
         </a:p>
@@ -2862,7 +4435,7 @@
         <a:bodyPr/>
         <a:lstStyle/>
         <a:p>
-          <a:endParaRPr lang="pt-BR"/>
+          <a:endParaRPr lang="pt-BR" sz="900"/>
         </a:p>
       </dgm:t>
     </dgm:pt>
@@ -2873,7 +4446,7 @@
         <a:bodyPr/>
         <a:lstStyle/>
         <a:p>
-          <a:endParaRPr lang="pt-BR"/>
+          <a:endParaRPr lang="pt-BR" sz="900"/>
         </a:p>
       </dgm:t>
     </dgm:pt>
@@ -2885,19 +4458,19 @@
         <a:lstStyle/>
         <a:p>
           <a:r>
-            <a:rPr lang="pt-BR" sz="1200" dirty="0" err="1"/>
+            <a:rPr lang="pt-BR" sz="900" dirty="0" err="1"/>
             <a:t>Newtom-Raphson</a:t>
           </a:r>
           <a:r>
-            <a:rPr lang="pt-BR" sz="1200" dirty="0"/>
+            <a:rPr lang="pt-BR" sz="900" dirty="0"/>
             <a:t> (</a:t>
           </a:r>
           <a:r>
-            <a:rPr lang="pt-BR" sz="1200" dirty="0" err="1"/>
+            <a:rPr lang="pt-BR" sz="900" dirty="0" err="1"/>
             <a:t>NewtonRaphsonOptimizer</a:t>
           </a:r>
           <a:r>
-            <a:rPr lang="pt-BR" sz="1200" dirty="0"/>
+            <a:rPr lang="pt-BR" sz="900" dirty="0"/>
             <a:t>)</a:t>
           </a:r>
         </a:p>
@@ -2910,7 +4483,7 @@
         <a:bodyPr/>
         <a:lstStyle/>
         <a:p>
-          <a:endParaRPr lang="pt-BR"/>
+          <a:endParaRPr lang="pt-BR" sz="900"/>
         </a:p>
       </dgm:t>
     </dgm:pt>
@@ -2921,7 +4494,7 @@
         <a:bodyPr/>
         <a:lstStyle/>
         <a:p>
-          <a:endParaRPr lang="pt-BR"/>
+          <a:endParaRPr lang="pt-BR" sz="900"/>
         </a:p>
       </dgm:t>
     </dgm:pt>
@@ -2933,15 +4506,15 @@
         <a:lstStyle/>
         <a:p>
           <a:r>
-            <a:rPr lang="pt-BR" sz="1200" dirty="0"/>
+            <a:rPr lang="pt-BR" sz="900" dirty="0"/>
             <a:t>BFGS (</a:t>
           </a:r>
           <a:r>
-            <a:rPr lang="pt-BR" sz="1200" dirty="0" err="1"/>
+            <a:rPr lang="pt-BR" sz="900" dirty="0" err="1"/>
             <a:t>BFGSOptimizer</a:t>
           </a:r>
           <a:r>
-            <a:rPr lang="pt-BR" sz="1200" dirty="0"/>
+            <a:rPr lang="pt-BR" sz="900" dirty="0"/>
             <a:t>)</a:t>
           </a:r>
         </a:p>
@@ -2954,7 +4527,7 @@
         <a:bodyPr/>
         <a:lstStyle/>
         <a:p>
-          <a:endParaRPr lang="pt-BR"/>
+          <a:endParaRPr lang="pt-BR" sz="900"/>
         </a:p>
       </dgm:t>
     </dgm:pt>
@@ -2965,12 +4538,12 @@
         <a:bodyPr/>
         <a:lstStyle/>
         <a:p>
-          <a:endParaRPr lang="pt-BR"/>
+          <a:endParaRPr lang="pt-BR" sz="900"/>
         </a:p>
       </dgm:t>
     </dgm:pt>
-    <dgm:pt modelId="{24634ADF-73BA-47ED-BBCA-B9AC64C376C7}" type="pres">
-      <dgm:prSet presAssocID="{06C89439-4D6B-42D3-BA97-6A86F7EB8644}" presName="diagram" presStyleCnt="0">
+    <dgm:pt modelId="{6F529C61-5733-47B0-86F7-68C50622A6EC}" type="pres">
+      <dgm:prSet presAssocID="{06C89439-4D6B-42D3-BA97-6A86F7EB8644}" presName="hierChild1" presStyleCnt="0">
         <dgm:presLayoutVars>
           <dgm:chPref val="1"/>
           <dgm:dir/>
@@ -2981,269 +4554,268 @@
       </dgm:prSet>
       <dgm:spPr/>
     </dgm:pt>
-    <dgm:pt modelId="{3E09E40D-60F0-4A84-B5A9-5AC4E1D92456}" type="pres">
-      <dgm:prSet presAssocID="{58B8B21E-2C0A-44B0-B949-F22B623965E1}" presName="root" presStyleCnt="0"/>
+    <dgm:pt modelId="{0C558881-D83F-49F3-A59B-C2AEEB5B194B}" type="pres">
+      <dgm:prSet presAssocID="{C4B509FB-A342-491C-AC4D-2E013B94BE0D}" presName="hierRoot1" presStyleCnt="0"/>
       <dgm:spPr/>
     </dgm:pt>
-    <dgm:pt modelId="{37A43A03-B074-4EE0-835F-52925C41262D}" type="pres">
-      <dgm:prSet presAssocID="{58B8B21E-2C0A-44B0-B949-F22B623965E1}" presName="rootComposite" presStyleCnt="0"/>
+    <dgm:pt modelId="{654B6195-6CFA-4BE2-868C-981227FE61FC}" type="pres">
+      <dgm:prSet presAssocID="{C4B509FB-A342-491C-AC4D-2E013B94BE0D}" presName="composite" presStyleCnt="0"/>
       <dgm:spPr/>
     </dgm:pt>
-    <dgm:pt modelId="{05B70A39-C7BB-4E1B-9235-959B6C7CFA76}" type="pres">
-      <dgm:prSet presAssocID="{58B8B21E-2C0A-44B0-B949-F22B623965E1}" presName="rootText" presStyleLbl="node1" presStyleIdx="0" presStyleCnt="3"/>
+    <dgm:pt modelId="{C0A7C836-BE76-4191-A0F1-B1999318E524}" type="pres">
+      <dgm:prSet presAssocID="{C4B509FB-A342-491C-AC4D-2E013B94BE0D}" presName="background" presStyleLbl="node0" presStyleIdx="0" presStyleCnt="1"/>
       <dgm:spPr/>
     </dgm:pt>
-    <dgm:pt modelId="{DB5AE962-A890-432D-8D3E-8E045065B433}" type="pres">
-      <dgm:prSet presAssocID="{58B8B21E-2C0A-44B0-B949-F22B623965E1}" presName="rootConnector" presStyleLbl="node1" presStyleIdx="0" presStyleCnt="3"/>
-      <dgm:spPr/>
-    </dgm:pt>
-    <dgm:pt modelId="{6E46B3A7-1E55-4F0D-BA8E-9E10088EB641}" type="pres">
-      <dgm:prSet presAssocID="{58B8B21E-2C0A-44B0-B949-F22B623965E1}" presName="childShape" presStyleCnt="0"/>
-      <dgm:spPr/>
-    </dgm:pt>
-    <dgm:pt modelId="{40FBDA63-C110-4BDD-9044-250326CDB623}" type="pres">
-      <dgm:prSet presAssocID="{C7BF2BD9-A288-4892-A162-1DD635D8074C}" presName="Name13" presStyleLbl="parChTrans1D2" presStyleIdx="0" presStyleCnt="10"/>
-      <dgm:spPr/>
-    </dgm:pt>
-    <dgm:pt modelId="{E103B686-DDE2-4BE9-B9A2-D5694C250680}" type="pres">
-      <dgm:prSet presAssocID="{BF12851A-3123-4988-A83B-AEBF46B0CD0B}" presName="childText" presStyleLbl="bgAcc1" presStyleIdx="0" presStyleCnt="10">
+    <dgm:pt modelId="{C8E40494-9B46-4280-B5EC-640554C554D7}" type="pres">
+      <dgm:prSet presAssocID="{C4B509FB-A342-491C-AC4D-2E013B94BE0D}" presName="text" presStyleLbl="fgAcc0" presStyleIdx="0" presStyleCnt="1">
         <dgm:presLayoutVars>
-          <dgm:bulletEnabled val="1"/>
+          <dgm:chPref val="3"/>
         </dgm:presLayoutVars>
       </dgm:prSet>
       <dgm:spPr/>
     </dgm:pt>
-    <dgm:pt modelId="{D6A2FBB2-0811-41D8-AEB1-64CFE26E41DD}" type="pres">
-      <dgm:prSet presAssocID="{7FB82633-B895-473A-A75C-78B4553B11D3}" presName="Name13" presStyleLbl="parChTrans1D2" presStyleIdx="1" presStyleCnt="10"/>
+    <dgm:pt modelId="{B0813A88-A305-4F8A-90C5-D3AD1AF9DBF5}" type="pres">
+      <dgm:prSet presAssocID="{C4B509FB-A342-491C-AC4D-2E013B94BE0D}" presName="hierChild2" presStyleCnt="0"/>
       <dgm:spPr/>
     </dgm:pt>
-    <dgm:pt modelId="{8C277BDD-A852-4E64-AB77-4F025B0D0A35}" type="pres">
-      <dgm:prSet presAssocID="{1667559B-7401-4CF3-AC32-ABE5ECF2B872}" presName="childText" presStyleLbl="bgAcc1" presStyleIdx="1" presStyleCnt="10">
+    <dgm:pt modelId="{9D9021A8-5313-4DEF-A6A4-C307A51E3746}" type="pres">
+      <dgm:prSet presAssocID="{2AA0F97E-40D8-440C-830E-83578A1E7124}" presName="Name10" presStyleLbl="parChTrans1D2" presStyleIdx="0" presStyleCnt="6"/>
+      <dgm:spPr/>
+    </dgm:pt>
+    <dgm:pt modelId="{47C5E925-9839-4CC0-B8F3-1CF2425F2BB9}" type="pres">
+      <dgm:prSet presAssocID="{A0E7FF07-2E10-43A5-8739-1C986738B841}" presName="hierRoot2" presStyleCnt="0"/>
+      <dgm:spPr/>
+    </dgm:pt>
+    <dgm:pt modelId="{A29C59B5-754D-4D64-B236-53922CB7818F}" type="pres">
+      <dgm:prSet presAssocID="{A0E7FF07-2E10-43A5-8739-1C986738B841}" presName="composite2" presStyleCnt="0"/>
+      <dgm:spPr/>
+    </dgm:pt>
+    <dgm:pt modelId="{CC720FEA-E3D2-4941-A84D-2A8D48598A0A}" type="pres">
+      <dgm:prSet presAssocID="{A0E7FF07-2E10-43A5-8739-1C986738B841}" presName="background2" presStyleLbl="node2" presStyleIdx="0" presStyleCnt="6"/>
+      <dgm:spPr/>
+    </dgm:pt>
+    <dgm:pt modelId="{D890647F-8962-4E30-BE53-A986D7A618FE}" type="pres">
+      <dgm:prSet presAssocID="{A0E7FF07-2E10-43A5-8739-1C986738B841}" presName="text2" presStyleLbl="fgAcc2" presStyleIdx="0" presStyleCnt="6">
         <dgm:presLayoutVars>
-          <dgm:bulletEnabled val="1"/>
+          <dgm:chPref val="3"/>
         </dgm:presLayoutVars>
       </dgm:prSet>
       <dgm:spPr/>
     </dgm:pt>
-    <dgm:pt modelId="{75E2B64C-9B36-4325-8EC5-0902ACD7620B}" type="pres">
-      <dgm:prSet presAssocID="{7BC63D8A-FD7D-43CC-8CA3-B5E478F63F2C}" presName="root" presStyleCnt="0"/>
+    <dgm:pt modelId="{555FB463-9724-4DE3-A084-9603B0BF1881}" type="pres">
+      <dgm:prSet presAssocID="{A0E7FF07-2E10-43A5-8739-1C986738B841}" presName="hierChild3" presStyleCnt="0"/>
       <dgm:spPr/>
     </dgm:pt>
-    <dgm:pt modelId="{E8060DEF-9DC4-4A7A-80ED-FA267A056A4C}" type="pres">
-      <dgm:prSet presAssocID="{7BC63D8A-FD7D-43CC-8CA3-B5E478F63F2C}" presName="rootComposite" presStyleCnt="0"/>
+    <dgm:pt modelId="{AF266748-9517-48FD-B5CA-AD7D0926C2DB}" type="pres">
+      <dgm:prSet presAssocID="{D4B3CF3A-8D34-465B-9501-982B216B3C08}" presName="Name10" presStyleLbl="parChTrans1D2" presStyleIdx="1" presStyleCnt="6"/>
       <dgm:spPr/>
     </dgm:pt>
-    <dgm:pt modelId="{09759D94-5E5C-4BC7-8D72-48DC0EEF551C}" type="pres">
-      <dgm:prSet presAssocID="{7BC63D8A-FD7D-43CC-8CA3-B5E478F63F2C}" presName="rootText" presStyleLbl="node1" presStyleIdx="1" presStyleCnt="3"/>
+    <dgm:pt modelId="{FDA36B5B-2C7E-41A8-B1EB-C0AB0A05D740}" type="pres">
+      <dgm:prSet presAssocID="{9812BB34-A191-4524-A3B8-82B6E286C335}" presName="hierRoot2" presStyleCnt="0"/>
       <dgm:spPr/>
     </dgm:pt>
-    <dgm:pt modelId="{ACABDCCE-38FE-4711-91FD-E416DB146C48}" type="pres">
-      <dgm:prSet presAssocID="{7BC63D8A-FD7D-43CC-8CA3-B5E478F63F2C}" presName="rootConnector" presStyleLbl="node1" presStyleIdx="1" presStyleCnt="3"/>
+    <dgm:pt modelId="{A402AA29-DAEA-416E-8886-DF3D0D72D7FF}" type="pres">
+      <dgm:prSet presAssocID="{9812BB34-A191-4524-A3B8-82B6E286C335}" presName="composite2" presStyleCnt="0"/>
       <dgm:spPr/>
     </dgm:pt>
-    <dgm:pt modelId="{EF75CA4F-1895-4006-97A9-F27AA998BA92}" type="pres">
-      <dgm:prSet presAssocID="{7BC63D8A-FD7D-43CC-8CA3-B5E478F63F2C}" presName="childShape" presStyleCnt="0"/>
+    <dgm:pt modelId="{C9ABD2AF-7B26-493E-BCE0-2B97F7497073}" type="pres">
+      <dgm:prSet presAssocID="{9812BB34-A191-4524-A3B8-82B6E286C335}" presName="background2" presStyleLbl="node2" presStyleIdx="1" presStyleCnt="6"/>
       <dgm:spPr/>
     </dgm:pt>
-    <dgm:pt modelId="{6E29E440-DF3A-4081-98B8-8285B11E78AD}" type="pres">
-      <dgm:prSet presAssocID="{A5B42785-4BEF-4325-A1C0-29F7A7ABC591}" presName="Name13" presStyleLbl="parChTrans1D2" presStyleIdx="2" presStyleCnt="10"/>
-      <dgm:spPr/>
-    </dgm:pt>
-    <dgm:pt modelId="{DBBC727F-7E38-4BFA-96EC-E2C11A318E39}" type="pres">
-      <dgm:prSet presAssocID="{9183C376-3C35-4969-A59D-6004C3706A50}" presName="childText" presStyleLbl="bgAcc1" presStyleIdx="2" presStyleCnt="10">
+    <dgm:pt modelId="{D8CF571D-2E3B-4356-8F14-5077C8900E7C}" type="pres">
+      <dgm:prSet presAssocID="{9812BB34-A191-4524-A3B8-82B6E286C335}" presName="text2" presStyleLbl="fgAcc2" presStyleIdx="1" presStyleCnt="6">
         <dgm:presLayoutVars>
-          <dgm:bulletEnabled val="1"/>
+          <dgm:chPref val="3"/>
         </dgm:presLayoutVars>
       </dgm:prSet>
       <dgm:spPr/>
     </dgm:pt>
-    <dgm:pt modelId="{8CDE74CE-3E5D-4EEF-9B9A-794F9D4F2F8C}" type="pres">
-      <dgm:prSet presAssocID="{3187B43C-801B-4375-AC7A-2F387334BC9A}" presName="Name13" presStyleLbl="parChTrans1D2" presStyleIdx="3" presStyleCnt="10"/>
+    <dgm:pt modelId="{F7788491-8B6F-48B6-B998-F832C183D3B2}" type="pres">
+      <dgm:prSet presAssocID="{9812BB34-A191-4524-A3B8-82B6E286C335}" presName="hierChild3" presStyleCnt="0"/>
       <dgm:spPr/>
     </dgm:pt>
-    <dgm:pt modelId="{AB5E171C-2EE6-412D-B86A-B26FF7E26E76}" type="pres">
-      <dgm:prSet presAssocID="{D4962005-D526-48EA-8A7D-BAABBD3C91E1}" presName="childText" presStyleLbl="bgAcc1" presStyleIdx="3" presStyleCnt="10">
+    <dgm:pt modelId="{06C9EB99-AF94-4071-BA36-941045B94726}" type="pres">
+      <dgm:prSet presAssocID="{87D325B8-41DF-4768-8B1C-53F55290425D}" presName="Name10" presStyleLbl="parChTrans1D2" presStyleIdx="2" presStyleCnt="6"/>
+      <dgm:spPr/>
+    </dgm:pt>
+    <dgm:pt modelId="{5FEFBE1E-D0DD-4AEB-95EE-316CC35E3E8C}" type="pres">
+      <dgm:prSet presAssocID="{9DE2A7AF-3FEE-4553-AF7F-3706DCE58A4C}" presName="hierRoot2" presStyleCnt="0"/>
+      <dgm:spPr/>
+    </dgm:pt>
+    <dgm:pt modelId="{788238F0-9B32-46FE-BA78-1F36AA01EAB2}" type="pres">
+      <dgm:prSet presAssocID="{9DE2A7AF-3FEE-4553-AF7F-3706DCE58A4C}" presName="composite2" presStyleCnt="0"/>
+      <dgm:spPr/>
+    </dgm:pt>
+    <dgm:pt modelId="{7B68587C-EDAF-4034-8726-EFC61875A8AE}" type="pres">
+      <dgm:prSet presAssocID="{9DE2A7AF-3FEE-4553-AF7F-3706DCE58A4C}" presName="background2" presStyleLbl="node2" presStyleIdx="2" presStyleCnt="6"/>
+      <dgm:spPr/>
+    </dgm:pt>
+    <dgm:pt modelId="{FADC836C-11E8-4504-8C3E-84AE7D727703}" type="pres">
+      <dgm:prSet presAssocID="{9DE2A7AF-3FEE-4553-AF7F-3706DCE58A4C}" presName="text2" presStyleLbl="fgAcc2" presStyleIdx="2" presStyleCnt="6">
         <dgm:presLayoutVars>
-          <dgm:bulletEnabled val="1"/>
+          <dgm:chPref val="3"/>
         </dgm:presLayoutVars>
       </dgm:prSet>
       <dgm:spPr/>
     </dgm:pt>
-    <dgm:pt modelId="{9835E15A-9407-48E7-9FEB-8E5EEB1F50D0}" type="pres">
-      <dgm:prSet presAssocID="{C4B509FB-A342-491C-AC4D-2E013B94BE0D}" presName="root" presStyleCnt="0"/>
+    <dgm:pt modelId="{E4FC3B4D-4D3B-4D01-B6FA-93E2F86ACFF0}" type="pres">
+      <dgm:prSet presAssocID="{9DE2A7AF-3FEE-4553-AF7F-3706DCE58A4C}" presName="hierChild3" presStyleCnt="0"/>
       <dgm:spPr/>
     </dgm:pt>
-    <dgm:pt modelId="{2B2221A2-0470-4936-895D-FC512A1A649B}" type="pres">
-      <dgm:prSet presAssocID="{C4B509FB-A342-491C-AC4D-2E013B94BE0D}" presName="rootComposite" presStyleCnt="0"/>
+    <dgm:pt modelId="{617C281C-AD5B-448A-8B44-F02D69907BC6}" type="pres">
+      <dgm:prSet presAssocID="{6529051A-E6C9-47D7-8D12-0FAB974C9CC1}" presName="Name10" presStyleLbl="parChTrans1D2" presStyleIdx="3" presStyleCnt="6"/>
       <dgm:spPr/>
     </dgm:pt>
-    <dgm:pt modelId="{088F5D64-C4F7-4204-A437-9F93970ED5B6}" type="pres">
-      <dgm:prSet presAssocID="{C4B509FB-A342-491C-AC4D-2E013B94BE0D}" presName="rootText" presStyleLbl="node1" presStyleIdx="2" presStyleCnt="3"/>
+    <dgm:pt modelId="{FA93630D-3333-4ADB-836C-27B7221ADF9E}" type="pres">
+      <dgm:prSet presAssocID="{80BD62B4-4867-497F-9509-297909985636}" presName="hierRoot2" presStyleCnt="0"/>
       <dgm:spPr/>
     </dgm:pt>
-    <dgm:pt modelId="{03C5B529-CD6F-4CB3-BA53-C849D810EF1A}" type="pres">
-      <dgm:prSet presAssocID="{C4B509FB-A342-491C-AC4D-2E013B94BE0D}" presName="rootConnector" presStyleLbl="node1" presStyleIdx="2" presStyleCnt="3"/>
+    <dgm:pt modelId="{94113907-3656-4062-AF4E-6958257359B2}" type="pres">
+      <dgm:prSet presAssocID="{80BD62B4-4867-497F-9509-297909985636}" presName="composite2" presStyleCnt="0"/>
       <dgm:spPr/>
     </dgm:pt>
-    <dgm:pt modelId="{A6F8F00A-BA22-46F9-84C0-8DE452D55E60}" type="pres">
-      <dgm:prSet presAssocID="{C4B509FB-A342-491C-AC4D-2E013B94BE0D}" presName="childShape" presStyleCnt="0"/>
+    <dgm:pt modelId="{F3E3B70A-FD34-46F6-ACD0-7EC6A1B776D3}" type="pres">
+      <dgm:prSet presAssocID="{80BD62B4-4867-497F-9509-297909985636}" presName="background2" presStyleLbl="node2" presStyleIdx="3" presStyleCnt="6"/>
       <dgm:spPr/>
     </dgm:pt>
-    <dgm:pt modelId="{57E121F1-8029-4315-9AC8-A65C56863819}" type="pres">
-      <dgm:prSet presAssocID="{2AA0F97E-40D8-440C-830E-83578A1E7124}" presName="Name13" presStyleLbl="parChTrans1D2" presStyleIdx="4" presStyleCnt="10"/>
-      <dgm:spPr/>
-    </dgm:pt>
-    <dgm:pt modelId="{E5DE8510-36CC-4929-BD2D-749ED212F441}" type="pres">
-      <dgm:prSet presAssocID="{A0E7FF07-2E10-43A5-8739-1C986738B841}" presName="childText" presStyleLbl="bgAcc1" presStyleIdx="4" presStyleCnt="10">
+    <dgm:pt modelId="{E393C3B8-14C4-439C-92DD-8DDBDD27F8AC}" type="pres">
+      <dgm:prSet presAssocID="{80BD62B4-4867-497F-9509-297909985636}" presName="text2" presStyleLbl="fgAcc2" presStyleIdx="3" presStyleCnt="6">
         <dgm:presLayoutVars>
-          <dgm:bulletEnabled val="1"/>
+          <dgm:chPref val="3"/>
         </dgm:presLayoutVars>
       </dgm:prSet>
       <dgm:spPr/>
     </dgm:pt>
-    <dgm:pt modelId="{E2BACBAF-DF53-48F7-A22B-0CC069B060D0}" type="pres">
-      <dgm:prSet presAssocID="{D4B3CF3A-8D34-465B-9501-982B216B3C08}" presName="Name13" presStyleLbl="parChTrans1D2" presStyleIdx="5" presStyleCnt="10"/>
+    <dgm:pt modelId="{D4CC2954-DE65-459A-91FB-572D23060BF5}" type="pres">
+      <dgm:prSet presAssocID="{80BD62B4-4867-497F-9509-297909985636}" presName="hierChild3" presStyleCnt="0"/>
       <dgm:spPr/>
     </dgm:pt>
-    <dgm:pt modelId="{58CB7C9A-F6F2-4762-801C-63BAA67A2108}" type="pres">
-      <dgm:prSet presAssocID="{9812BB34-A191-4524-A3B8-82B6E286C335}" presName="childText" presStyleLbl="bgAcc1" presStyleIdx="5" presStyleCnt="10">
+    <dgm:pt modelId="{2D091E0B-7C38-4EA6-BE09-11B4014BFA5D}" type="pres">
+      <dgm:prSet presAssocID="{CE0A4A5F-F2F0-484E-A301-4990215F2F7C}" presName="Name10" presStyleLbl="parChTrans1D2" presStyleIdx="4" presStyleCnt="6"/>
+      <dgm:spPr/>
+    </dgm:pt>
+    <dgm:pt modelId="{421FF1E1-519E-4205-9E2D-68C74CF06D1E}" type="pres">
+      <dgm:prSet presAssocID="{6C22005C-9166-422D-9BCE-60326D96804C}" presName="hierRoot2" presStyleCnt="0"/>
+      <dgm:spPr/>
+    </dgm:pt>
+    <dgm:pt modelId="{55478F9D-4BCD-44F7-8794-057377C94B79}" type="pres">
+      <dgm:prSet presAssocID="{6C22005C-9166-422D-9BCE-60326D96804C}" presName="composite2" presStyleCnt="0"/>
+      <dgm:spPr/>
+    </dgm:pt>
+    <dgm:pt modelId="{766AF136-3E9B-45FC-B742-D187A3CD64F4}" type="pres">
+      <dgm:prSet presAssocID="{6C22005C-9166-422D-9BCE-60326D96804C}" presName="background2" presStyleLbl="node2" presStyleIdx="4" presStyleCnt="6"/>
+      <dgm:spPr/>
+    </dgm:pt>
+    <dgm:pt modelId="{AC7196D4-F58C-4F49-AF49-A2206983928E}" type="pres">
+      <dgm:prSet presAssocID="{6C22005C-9166-422D-9BCE-60326D96804C}" presName="text2" presStyleLbl="fgAcc2" presStyleIdx="4" presStyleCnt="6">
         <dgm:presLayoutVars>
-          <dgm:bulletEnabled val="1"/>
+          <dgm:chPref val="3"/>
         </dgm:presLayoutVars>
       </dgm:prSet>
       <dgm:spPr/>
     </dgm:pt>
-    <dgm:pt modelId="{9F8338D1-75B8-4420-ADEF-DDA616D8CB5F}" type="pres">
-      <dgm:prSet presAssocID="{87D325B8-41DF-4768-8B1C-53F55290425D}" presName="Name13" presStyleLbl="parChTrans1D2" presStyleIdx="6" presStyleCnt="10"/>
+    <dgm:pt modelId="{FF30981E-5812-451B-938B-F9659A43156E}" type="pres">
+      <dgm:prSet presAssocID="{6C22005C-9166-422D-9BCE-60326D96804C}" presName="hierChild3" presStyleCnt="0"/>
       <dgm:spPr/>
     </dgm:pt>
-    <dgm:pt modelId="{22738A92-9B01-4966-B5CA-5F69EAE844F1}" type="pres">
-      <dgm:prSet presAssocID="{9DE2A7AF-3FEE-4553-AF7F-3706DCE58A4C}" presName="childText" presStyleLbl="bgAcc1" presStyleIdx="6" presStyleCnt="10">
+    <dgm:pt modelId="{02102430-A255-4B70-A374-76968785855C}" type="pres">
+      <dgm:prSet presAssocID="{86E8A69F-1719-4D10-A972-7EF7F9DCC685}" presName="Name10" presStyleLbl="parChTrans1D2" presStyleIdx="5" presStyleCnt="6"/>
+      <dgm:spPr/>
+    </dgm:pt>
+    <dgm:pt modelId="{0AB56927-E067-4879-A232-F913030DBA3A}" type="pres">
+      <dgm:prSet presAssocID="{7743134E-673F-4617-85A3-738B888F92EB}" presName="hierRoot2" presStyleCnt="0"/>
+      <dgm:spPr/>
+    </dgm:pt>
+    <dgm:pt modelId="{3BBF5768-33E9-4AE1-9BB8-A1ABE7D7B102}" type="pres">
+      <dgm:prSet presAssocID="{7743134E-673F-4617-85A3-738B888F92EB}" presName="composite2" presStyleCnt="0"/>
+      <dgm:spPr/>
+    </dgm:pt>
+    <dgm:pt modelId="{10ED3BCD-F42E-4A6C-92DF-ACBD092904AD}" type="pres">
+      <dgm:prSet presAssocID="{7743134E-673F-4617-85A3-738B888F92EB}" presName="background2" presStyleLbl="node2" presStyleIdx="5" presStyleCnt="6"/>
+      <dgm:spPr/>
+    </dgm:pt>
+    <dgm:pt modelId="{677EB6D1-4838-487B-892D-E4525F187847}" type="pres">
+      <dgm:prSet presAssocID="{7743134E-673F-4617-85A3-738B888F92EB}" presName="text2" presStyleLbl="fgAcc2" presStyleIdx="5" presStyleCnt="6">
         <dgm:presLayoutVars>
-          <dgm:bulletEnabled val="1"/>
+          <dgm:chPref val="3"/>
         </dgm:presLayoutVars>
       </dgm:prSet>
       <dgm:spPr/>
     </dgm:pt>
-    <dgm:pt modelId="{6BC7B850-4D08-49C6-B24E-2644CDF2ACC6}" type="pres">
-      <dgm:prSet presAssocID="{6529051A-E6C9-47D7-8D12-0FAB974C9CC1}" presName="Name13" presStyleLbl="parChTrans1D2" presStyleIdx="7" presStyleCnt="10"/>
-      <dgm:spPr/>
-    </dgm:pt>
-    <dgm:pt modelId="{FBD1DFEC-2BA3-4722-AE79-0D290D4FD86E}" type="pres">
-      <dgm:prSet presAssocID="{80BD62B4-4867-497F-9509-297909985636}" presName="childText" presStyleLbl="bgAcc1" presStyleIdx="7" presStyleCnt="10">
-        <dgm:presLayoutVars>
-          <dgm:bulletEnabled val="1"/>
-        </dgm:presLayoutVars>
-      </dgm:prSet>
-      <dgm:spPr/>
-    </dgm:pt>
-    <dgm:pt modelId="{E8751070-BE25-46F2-8C24-46B2C37F6B56}" type="pres">
-      <dgm:prSet presAssocID="{CE0A4A5F-F2F0-484E-A301-4990215F2F7C}" presName="Name13" presStyleLbl="parChTrans1D2" presStyleIdx="8" presStyleCnt="10"/>
-      <dgm:spPr/>
-    </dgm:pt>
-    <dgm:pt modelId="{AAE56372-7258-4234-8CEF-0D5E0A9EC5E7}" type="pres">
-      <dgm:prSet presAssocID="{6C22005C-9166-422D-9BCE-60326D96804C}" presName="childText" presStyleLbl="bgAcc1" presStyleIdx="8" presStyleCnt="10">
-        <dgm:presLayoutVars>
-          <dgm:bulletEnabled val="1"/>
-        </dgm:presLayoutVars>
-      </dgm:prSet>
-      <dgm:spPr/>
-    </dgm:pt>
-    <dgm:pt modelId="{6CC4FE34-86A8-49C6-8108-B3B16C20D3A6}" type="pres">
-      <dgm:prSet presAssocID="{86E8A69F-1719-4D10-A972-7EF7F9DCC685}" presName="Name13" presStyleLbl="parChTrans1D2" presStyleIdx="9" presStyleCnt="10"/>
-      <dgm:spPr/>
-    </dgm:pt>
-    <dgm:pt modelId="{C23A6124-F8B4-471D-A524-AE688CD48AA4}" type="pres">
-      <dgm:prSet presAssocID="{7743134E-673F-4617-85A3-738B888F92EB}" presName="childText" presStyleLbl="bgAcc1" presStyleIdx="9" presStyleCnt="10">
-        <dgm:presLayoutVars>
-          <dgm:bulletEnabled val="1"/>
-        </dgm:presLayoutVars>
-      </dgm:prSet>
+    <dgm:pt modelId="{70200DAF-3F36-45D4-98E2-17B809299F96}" type="pres">
+      <dgm:prSet presAssocID="{7743134E-673F-4617-85A3-738B888F92EB}" presName="hierChild3" presStyleCnt="0"/>
       <dgm:spPr/>
     </dgm:pt>
   </dgm:ptLst>
   <dgm:cxnLst>
-    <dgm:cxn modelId="{C856BD11-06D4-4FC3-B42F-D8577D0DE18E}" type="presOf" srcId="{06C89439-4D6B-42D3-BA97-6A86F7EB8644}" destId="{24634ADF-73BA-47ED-BBCA-B9AC64C376C7}" srcOrd="0" destOrd="0" presId="urn:microsoft.com/office/officeart/2005/8/layout/hierarchy3"/>
-    <dgm:cxn modelId="{BD1E3C1B-731E-4715-9901-AEE7856BB4BC}" type="presOf" srcId="{58B8B21E-2C0A-44B0-B949-F22B623965E1}" destId="{DB5AE962-A890-432D-8D3E-8E045065B433}" srcOrd="1" destOrd="0" presId="urn:microsoft.com/office/officeart/2005/8/layout/hierarchy3"/>
-    <dgm:cxn modelId="{45D9B61C-A835-40ED-9F91-5E6BA1B914D7}" srcId="{58B8B21E-2C0A-44B0-B949-F22B623965E1}" destId="{1667559B-7401-4CF3-AC32-ABE5ECF2B872}" srcOrd="1" destOrd="0" parTransId="{7FB82633-B895-473A-A75C-78B4553B11D3}" sibTransId="{72D27445-74AD-457D-866B-F4828C1855F4}"/>
+    <dgm:cxn modelId="{AF5FAA29-C0BF-4D97-94C2-DB638BCF630E}" type="presOf" srcId="{06C89439-4D6B-42D3-BA97-6A86F7EB8644}" destId="{6F529C61-5733-47B0-86F7-68C50622A6EC}" srcOrd="0" destOrd="0" presId="urn:microsoft.com/office/officeart/2005/8/layout/hierarchy1"/>
     <dgm:cxn modelId="{33009D2E-6EDD-4899-A28E-4AC26A441FBB}" srcId="{C4B509FB-A342-491C-AC4D-2E013B94BE0D}" destId="{7743134E-673F-4617-85A3-738B888F92EB}" srcOrd="5" destOrd="0" parTransId="{86E8A69F-1719-4D10-A972-7EF7F9DCC685}" sibTransId="{49B13305-87D6-4DB0-AD77-25A4F615C080}"/>
-    <dgm:cxn modelId="{DF78AE33-27C8-4F29-B95A-860C72857153}" type="presOf" srcId="{6C22005C-9166-422D-9BCE-60326D96804C}" destId="{AAE56372-7258-4234-8CEF-0D5E0A9EC5E7}" srcOrd="0" destOrd="0" presId="urn:microsoft.com/office/officeart/2005/8/layout/hierarchy3"/>
-    <dgm:cxn modelId="{5617093E-B704-4541-B8E4-B29B9B8CFA0C}" srcId="{06C89439-4D6B-42D3-BA97-6A86F7EB8644}" destId="{7BC63D8A-FD7D-43CC-8CA3-B5E478F63F2C}" srcOrd="1" destOrd="0" parTransId="{386D6EE6-3A37-4BD5-99F0-A3FF78122A5A}" sibTransId="{848DC82C-BB4E-4667-B231-FF84DE9CE777}"/>
-    <dgm:cxn modelId="{C35DCF46-464C-4AD7-8078-1D5480017DDD}" type="presOf" srcId="{1667559B-7401-4CF3-AC32-ABE5ECF2B872}" destId="{8C277BDD-A852-4E64-AB77-4F025B0D0A35}" srcOrd="0" destOrd="0" presId="urn:microsoft.com/office/officeart/2005/8/layout/hierarchy3"/>
-    <dgm:cxn modelId="{BA000367-A6BE-4862-8767-0840606B624D}" type="presOf" srcId="{7BC63D8A-FD7D-43CC-8CA3-B5E478F63F2C}" destId="{09759D94-5E5C-4BC7-8D72-48DC0EEF551C}" srcOrd="0" destOrd="0" presId="urn:microsoft.com/office/officeart/2005/8/layout/hierarchy3"/>
-    <dgm:cxn modelId="{8BDA844A-F9FE-449B-B7D6-E4253885613E}" type="presOf" srcId="{6529051A-E6C9-47D7-8D12-0FAB974C9CC1}" destId="{6BC7B850-4D08-49C6-B24E-2644CDF2ACC6}" srcOrd="0" destOrd="0" presId="urn:microsoft.com/office/officeart/2005/8/layout/hierarchy3"/>
-    <dgm:cxn modelId="{DBC1B16C-69AE-4350-B887-01321F9659A4}" type="presOf" srcId="{A0E7FF07-2E10-43A5-8739-1C986738B841}" destId="{E5DE8510-36CC-4929-BD2D-749ED212F441}" srcOrd="0" destOrd="0" presId="urn:microsoft.com/office/officeart/2005/8/layout/hierarchy3"/>
-    <dgm:cxn modelId="{2E69746E-C8B8-4402-B1EF-F404F47B07D4}" type="presOf" srcId="{58B8B21E-2C0A-44B0-B949-F22B623965E1}" destId="{05B70A39-C7BB-4E1B-9235-959B6C7CFA76}" srcOrd="0" destOrd="0" presId="urn:microsoft.com/office/officeart/2005/8/layout/hierarchy3"/>
+    <dgm:cxn modelId="{7A7A6248-26CD-4262-9EDF-47011191E5B7}" type="presOf" srcId="{6C22005C-9166-422D-9BCE-60326D96804C}" destId="{AC7196D4-F58C-4F49-AF49-A2206983928E}" srcOrd="0" destOrd="0" presId="urn:microsoft.com/office/officeart/2005/8/layout/hierarchy1"/>
+    <dgm:cxn modelId="{45CA6369-6196-474C-BBA4-304D6C6736FF}" type="presOf" srcId="{A0E7FF07-2E10-43A5-8739-1C986738B841}" destId="{D890647F-8962-4E30-BE53-A986D7A618FE}" srcOrd="0" destOrd="0" presId="urn:microsoft.com/office/officeart/2005/8/layout/hierarchy1"/>
+    <dgm:cxn modelId="{7CAE0D6B-761E-4FD4-91CE-5A46C5325AB9}" type="presOf" srcId="{87D325B8-41DF-4768-8B1C-53F55290425D}" destId="{06C9EB99-AF94-4071-BA36-941045B94726}" srcOrd="0" destOrd="0" presId="urn:microsoft.com/office/officeart/2005/8/layout/hierarchy1"/>
     <dgm:cxn modelId="{EDFA584E-1418-40D0-8A0F-6CADC18E8403}" srcId="{C4B509FB-A342-491C-AC4D-2E013B94BE0D}" destId="{6C22005C-9166-422D-9BCE-60326D96804C}" srcOrd="4" destOrd="0" parTransId="{CE0A4A5F-F2F0-484E-A301-4990215F2F7C}" sibTransId="{DD234BB7-1970-4FBF-90E3-E090052F827C}"/>
-    <dgm:cxn modelId="{F9EBEB50-DA53-4383-9D86-8B2A8468832D}" type="presOf" srcId="{9DE2A7AF-3FEE-4553-AF7F-3706DCE58A4C}" destId="{22738A92-9B01-4966-B5CA-5F69EAE844F1}" srcOrd="0" destOrd="0" presId="urn:microsoft.com/office/officeart/2005/8/layout/hierarchy3"/>
-    <dgm:cxn modelId="{38BCEF57-76CF-4E0A-952E-09AF16396C5D}" srcId="{06C89439-4D6B-42D3-BA97-6A86F7EB8644}" destId="{C4B509FB-A342-491C-AC4D-2E013B94BE0D}" srcOrd="2" destOrd="0" parTransId="{8F6436C2-6146-40D1-932A-2A5C058B6F87}" sibTransId="{2D9B0129-3DFD-411F-9DAE-F53E12383F97}"/>
-    <dgm:cxn modelId="{F231FD77-B04C-4B22-B7B4-94FB87376F90}" type="presOf" srcId="{CE0A4A5F-F2F0-484E-A301-4990215F2F7C}" destId="{E8751070-BE25-46F2-8C24-46B2C37F6B56}" srcOrd="0" destOrd="0" presId="urn:microsoft.com/office/officeart/2005/8/layout/hierarchy3"/>
-    <dgm:cxn modelId="{635E427D-67F8-4260-8A1C-CC104AB50979}" type="presOf" srcId="{3187B43C-801B-4375-AC7A-2F387334BC9A}" destId="{8CDE74CE-3E5D-4EEF-9B9A-794F9D4F2F8C}" srcOrd="0" destOrd="0" presId="urn:microsoft.com/office/officeart/2005/8/layout/hierarchy3"/>
-    <dgm:cxn modelId="{3218A381-4E54-417D-B11C-615E44AC38B8}" type="presOf" srcId="{C7BF2BD9-A288-4892-A162-1DD635D8074C}" destId="{40FBDA63-C110-4BDD-9044-250326CDB623}" srcOrd="0" destOrd="0" presId="urn:microsoft.com/office/officeart/2005/8/layout/hierarchy3"/>
+    <dgm:cxn modelId="{DAC7416F-176D-4D4E-AB6D-9597E2AA4F57}" type="presOf" srcId="{CE0A4A5F-F2F0-484E-A301-4990215F2F7C}" destId="{2D091E0B-7C38-4EA6-BE09-11B4014BFA5D}" srcOrd="0" destOrd="0" presId="urn:microsoft.com/office/officeart/2005/8/layout/hierarchy1"/>
+    <dgm:cxn modelId="{38BCEF57-76CF-4E0A-952E-09AF16396C5D}" srcId="{06C89439-4D6B-42D3-BA97-6A86F7EB8644}" destId="{C4B509FB-A342-491C-AC4D-2E013B94BE0D}" srcOrd="0" destOrd="0" parTransId="{8F6436C2-6146-40D1-932A-2A5C058B6F87}" sibTransId="{2D9B0129-3DFD-411F-9DAE-F53E12383F97}"/>
     <dgm:cxn modelId="{D1673382-6E56-460F-8C64-704504572CFB}" srcId="{C4B509FB-A342-491C-AC4D-2E013B94BE0D}" destId="{9812BB34-A191-4524-A3B8-82B6E286C335}" srcOrd="1" destOrd="0" parTransId="{D4B3CF3A-8D34-465B-9501-982B216B3C08}" sibTransId="{276AC8F9-9887-4BF4-9C14-58E4582E96B2}"/>
     <dgm:cxn modelId="{86839885-1B20-4832-85D5-F0454DCB0AE8}" srcId="{C4B509FB-A342-491C-AC4D-2E013B94BE0D}" destId="{80BD62B4-4867-497F-9509-297909985636}" srcOrd="3" destOrd="0" parTransId="{6529051A-E6C9-47D7-8D12-0FAB974C9CC1}" sibTransId="{D77E4A54-CE7D-4EDD-9CE2-D8E05D5EE4A3}"/>
-    <dgm:cxn modelId="{1B8BE887-872E-413F-9FFE-47CEE14383EB}" type="presOf" srcId="{9812BB34-A191-4524-A3B8-82B6E286C335}" destId="{58CB7C9A-F6F2-4762-801C-63BAA67A2108}" srcOrd="0" destOrd="0" presId="urn:microsoft.com/office/officeart/2005/8/layout/hierarchy3"/>
-    <dgm:cxn modelId="{2D57898D-9C33-424F-836F-4D69B490D523}" type="presOf" srcId="{D4B3CF3A-8D34-465B-9501-982B216B3C08}" destId="{E2BACBAF-DF53-48F7-A22B-0CC069B060D0}" srcOrd="0" destOrd="0" presId="urn:microsoft.com/office/officeart/2005/8/layout/hierarchy3"/>
-    <dgm:cxn modelId="{A0536993-1032-483F-842E-F94A4AACC342}" type="presOf" srcId="{A5B42785-4BEF-4325-A1C0-29F7A7ABC591}" destId="{6E29E440-DF3A-4081-98B8-8285B11E78AD}" srcOrd="0" destOrd="0" presId="urn:microsoft.com/office/officeart/2005/8/layout/hierarchy3"/>
-    <dgm:cxn modelId="{48EFC393-BFA6-4025-8931-B1E25E1DC612}" type="presOf" srcId="{7FB82633-B895-473A-A75C-78B4553B11D3}" destId="{D6A2FBB2-0811-41D8-AEB1-64CFE26E41DD}" srcOrd="0" destOrd="0" presId="urn:microsoft.com/office/officeart/2005/8/layout/hierarchy3"/>
+    <dgm:cxn modelId="{92598F8A-87F6-4883-B740-6D701B9BBA14}" type="presOf" srcId="{2AA0F97E-40D8-440C-830E-83578A1E7124}" destId="{9D9021A8-5313-4DEF-A6A4-C307A51E3746}" srcOrd="0" destOrd="0" presId="urn:microsoft.com/office/officeart/2005/8/layout/hierarchy1"/>
+    <dgm:cxn modelId="{ABEEC28F-01EA-4DC5-8B57-BFB5C731A3ED}" type="presOf" srcId="{D4B3CF3A-8D34-465B-9501-982B216B3C08}" destId="{AF266748-9517-48FD-B5CA-AD7D0926C2DB}" srcOrd="0" destOrd="0" presId="urn:microsoft.com/office/officeart/2005/8/layout/hierarchy1"/>
+    <dgm:cxn modelId="{CD503E93-D8C9-4CF2-8D47-8C404E9532F3}" type="presOf" srcId="{9812BB34-A191-4524-A3B8-82B6E286C335}" destId="{D8CF571D-2E3B-4356-8F14-5077C8900E7C}" srcOrd="0" destOrd="0" presId="urn:microsoft.com/office/officeart/2005/8/layout/hierarchy1"/>
     <dgm:cxn modelId="{D6C99F99-2BBF-4B4D-AE6E-1CDC967DEFE4}" srcId="{C4B509FB-A342-491C-AC4D-2E013B94BE0D}" destId="{A0E7FF07-2E10-43A5-8739-1C986738B841}" srcOrd="0" destOrd="0" parTransId="{2AA0F97E-40D8-440C-830E-83578A1E7124}" sibTransId="{19198C22-8280-4898-8FF5-14EA3BC6658E}"/>
-    <dgm:cxn modelId="{CBB4509E-51B4-4F28-95F0-A301A2E3969C}" type="presOf" srcId="{80BD62B4-4867-497F-9509-297909985636}" destId="{FBD1DFEC-2BA3-4722-AE79-0D290D4FD86E}" srcOrd="0" destOrd="0" presId="urn:microsoft.com/office/officeart/2005/8/layout/hierarchy3"/>
-    <dgm:cxn modelId="{117F3CA0-4E1D-4482-9509-84F324FDE3FD}" type="presOf" srcId="{7743134E-673F-4617-85A3-738B888F92EB}" destId="{C23A6124-F8B4-471D-A524-AE688CD48AA4}" srcOrd="0" destOrd="0" presId="urn:microsoft.com/office/officeart/2005/8/layout/hierarchy3"/>
-    <dgm:cxn modelId="{09D7C3A8-3E0C-4B40-BFA9-01305B926C37}" type="presOf" srcId="{7BC63D8A-FD7D-43CC-8CA3-B5E478F63F2C}" destId="{ACABDCCE-38FE-4711-91FD-E416DB146C48}" srcOrd="1" destOrd="0" presId="urn:microsoft.com/office/officeart/2005/8/layout/hierarchy3"/>
-    <dgm:cxn modelId="{6E8C3EAF-393A-401D-8734-E746466BF200}" type="presOf" srcId="{86E8A69F-1719-4D10-A972-7EF7F9DCC685}" destId="{6CC4FE34-86A8-49C6-8108-B3B16C20D3A6}" srcOrd="0" destOrd="0" presId="urn:microsoft.com/office/officeart/2005/8/layout/hierarchy3"/>
-    <dgm:cxn modelId="{521910B8-7509-4DD4-9DDD-EB464232B098}" srcId="{06C89439-4D6B-42D3-BA97-6A86F7EB8644}" destId="{58B8B21E-2C0A-44B0-B949-F22B623965E1}" srcOrd="0" destOrd="0" parTransId="{EBAB62B6-4B93-4F2C-B115-9920293D2A95}" sibTransId="{41206B1E-DAF1-4D78-92ED-BF4F67910E55}"/>
-    <dgm:cxn modelId="{4934F4B9-21E2-427A-97ED-54A3EBF6C3B0}" type="presOf" srcId="{9183C376-3C35-4969-A59D-6004C3706A50}" destId="{DBBC727F-7E38-4BFA-96EC-E2C11A318E39}" srcOrd="0" destOrd="0" presId="urn:microsoft.com/office/officeart/2005/8/layout/hierarchy3"/>
-    <dgm:cxn modelId="{C2BC53BE-C65F-4380-BAFF-13A0716A9B47}" type="presOf" srcId="{87D325B8-41DF-4768-8B1C-53F55290425D}" destId="{9F8338D1-75B8-4420-ADEF-DDA616D8CB5F}" srcOrd="0" destOrd="0" presId="urn:microsoft.com/office/officeart/2005/8/layout/hierarchy3"/>
-    <dgm:cxn modelId="{DEFC2BBF-9EA8-41A6-A600-3567ED68045C}" srcId="{7BC63D8A-FD7D-43CC-8CA3-B5E478F63F2C}" destId="{D4962005-D526-48EA-8A7D-BAABBD3C91E1}" srcOrd="1" destOrd="0" parTransId="{3187B43C-801B-4375-AC7A-2F387334BC9A}" sibTransId="{92E9FDC6-5F7E-4D1A-A465-46B3297FC3CE}"/>
-    <dgm:cxn modelId="{E8C580CF-B989-49E0-99E8-2FC53CA8F190}" type="presOf" srcId="{C4B509FB-A342-491C-AC4D-2E013B94BE0D}" destId="{088F5D64-C4F7-4204-A437-9F93970ED5B6}" srcOrd="0" destOrd="0" presId="urn:microsoft.com/office/officeart/2005/8/layout/hierarchy3"/>
-    <dgm:cxn modelId="{A7D682E2-A009-4874-B9A8-7769E9C8497C}" type="presOf" srcId="{BF12851A-3123-4988-A83B-AEBF46B0CD0B}" destId="{E103B686-DDE2-4BE9-B9A2-D5694C250680}" srcOrd="0" destOrd="0" presId="urn:microsoft.com/office/officeart/2005/8/layout/hierarchy3"/>
-    <dgm:cxn modelId="{3FD7E0E3-0E76-4D95-A2DE-574F666CBC1D}" type="presOf" srcId="{D4962005-D526-48EA-8A7D-BAABBD3C91E1}" destId="{AB5E171C-2EE6-412D-B86A-B26FF7E26E76}" srcOrd="0" destOrd="0" presId="urn:microsoft.com/office/officeart/2005/8/layout/hierarchy3"/>
+    <dgm:cxn modelId="{706466B4-A005-44F3-809C-19169A3D5AE6}" type="presOf" srcId="{6529051A-E6C9-47D7-8D12-0FAB974C9CC1}" destId="{617C281C-AD5B-448A-8B44-F02D69907BC6}" srcOrd="0" destOrd="0" presId="urn:microsoft.com/office/officeart/2005/8/layout/hierarchy1"/>
+    <dgm:cxn modelId="{3090ECC1-6468-4785-B557-7C73284B70B6}" type="presOf" srcId="{80BD62B4-4867-497F-9509-297909985636}" destId="{E393C3B8-14C4-439C-92DD-8DDBDD27F8AC}" srcOrd="0" destOrd="0" presId="urn:microsoft.com/office/officeart/2005/8/layout/hierarchy1"/>
+    <dgm:cxn modelId="{95BAE6C5-8472-4B13-997D-D7498714F161}" type="presOf" srcId="{86E8A69F-1719-4D10-A972-7EF7F9DCC685}" destId="{02102430-A255-4B70-A374-76968785855C}" srcOrd="0" destOrd="0" presId="urn:microsoft.com/office/officeart/2005/8/layout/hierarchy1"/>
+    <dgm:cxn modelId="{E7514FE3-35AF-449B-B287-91486975B2B5}" type="presOf" srcId="{7743134E-673F-4617-85A3-738B888F92EB}" destId="{677EB6D1-4838-487B-892D-E4525F187847}" srcOrd="0" destOrd="0" presId="urn:microsoft.com/office/officeart/2005/8/layout/hierarchy1"/>
     <dgm:cxn modelId="{F31512EA-511C-4EC7-84AE-0EC50A249574}" srcId="{C4B509FB-A342-491C-AC4D-2E013B94BE0D}" destId="{9DE2A7AF-3FEE-4553-AF7F-3706DCE58A4C}" srcOrd="2" destOrd="0" parTransId="{87D325B8-41DF-4768-8B1C-53F55290425D}" sibTransId="{5388971A-C388-4576-8CD8-3EFF6FA3AD90}"/>
-    <dgm:cxn modelId="{424B1CF0-4D62-4928-A4BC-B03C70F873E8}" srcId="{58B8B21E-2C0A-44B0-B949-F22B623965E1}" destId="{BF12851A-3123-4988-A83B-AEBF46B0CD0B}" srcOrd="0" destOrd="0" parTransId="{C7BF2BD9-A288-4892-A162-1DD635D8074C}" sibTransId="{E4CC2909-F7F4-4635-9BA7-A2611314373F}"/>
-    <dgm:cxn modelId="{B8DE74F3-A5D1-4251-BF71-3875F2125DB5}" type="presOf" srcId="{2AA0F97E-40D8-440C-830E-83578A1E7124}" destId="{57E121F1-8029-4315-9AC8-A65C56863819}" srcOrd="0" destOrd="0" presId="urn:microsoft.com/office/officeart/2005/8/layout/hierarchy3"/>
-    <dgm:cxn modelId="{758B1AFB-C5F7-4E8E-91A3-062D921845FD}" type="presOf" srcId="{C4B509FB-A342-491C-AC4D-2E013B94BE0D}" destId="{03C5B529-CD6F-4CB3-BA53-C849D810EF1A}" srcOrd="1" destOrd="0" presId="urn:microsoft.com/office/officeart/2005/8/layout/hierarchy3"/>
-    <dgm:cxn modelId="{872EC5FD-D069-45F1-9B94-AA07E3DCB399}" srcId="{7BC63D8A-FD7D-43CC-8CA3-B5E478F63F2C}" destId="{9183C376-3C35-4969-A59D-6004C3706A50}" srcOrd="0" destOrd="0" parTransId="{A5B42785-4BEF-4325-A1C0-29F7A7ABC591}" sibTransId="{31A2B562-BE3A-45D9-84FC-00B4ADCC294D}"/>
-    <dgm:cxn modelId="{414B73E5-F051-4837-A618-FB551CF5C5CE}" type="presParOf" srcId="{24634ADF-73BA-47ED-BBCA-B9AC64C376C7}" destId="{3E09E40D-60F0-4A84-B5A9-5AC4E1D92456}" srcOrd="0" destOrd="0" presId="urn:microsoft.com/office/officeart/2005/8/layout/hierarchy3"/>
-    <dgm:cxn modelId="{BECEDB2F-2712-4A59-A856-FAB46F86F017}" type="presParOf" srcId="{3E09E40D-60F0-4A84-B5A9-5AC4E1D92456}" destId="{37A43A03-B074-4EE0-835F-52925C41262D}" srcOrd="0" destOrd="0" presId="urn:microsoft.com/office/officeart/2005/8/layout/hierarchy3"/>
-    <dgm:cxn modelId="{959DF9E0-0D1B-404D-AD61-D5BDC4D787C4}" type="presParOf" srcId="{37A43A03-B074-4EE0-835F-52925C41262D}" destId="{05B70A39-C7BB-4E1B-9235-959B6C7CFA76}" srcOrd="0" destOrd="0" presId="urn:microsoft.com/office/officeart/2005/8/layout/hierarchy3"/>
-    <dgm:cxn modelId="{6FA0237C-8A4F-4EE5-8EE2-A1399B064B5A}" type="presParOf" srcId="{37A43A03-B074-4EE0-835F-52925C41262D}" destId="{DB5AE962-A890-432D-8D3E-8E045065B433}" srcOrd="1" destOrd="0" presId="urn:microsoft.com/office/officeart/2005/8/layout/hierarchy3"/>
-    <dgm:cxn modelId="{80F1384E-AF19-4331-A004-33A3CA835D63}" type="presParOf" srcId="{3E09E40D-60F0-4A84-B5A9-5AC4E1D92456}" destId="{6E46B3A7-1E55-4F0D-BA8E-9E10088EB641}" srcOrd="1" destOrd="0" presId="urn:microsoft.com/office/officeart/2005/8/layout/hierarchy3"/>
-    <dgm:cxn modelId="{575ED43E-8515-4D68-9E9A-BF4217CE72E1}" type="presParOf" srcId="{6E46B3A7-1E55-4F0D-BA8E-9E10088EB641}" destId="{40FBDA63-C110-4BDD-9044-250326CDB623}" srcOrd="0" destOrd="0" presId="urn:microsoft.com/office/officeart/2005/8/layout/hierarchy3"/>
-    <dgm:cxn modelId="{4F456F7D-23BE-4428-9F07-80F3FBEB3542}" type="presParOf" srcId="{6E46B3A7-1E55-4F0D-BA8E-9E10088EB641}" destId="{E103B686-DDE2-4BE9-B9A2-D5694C250680}" srcOrd="1" destOrd="0" presId="urn:microsoft.com/office/officeart/2005/8/layout/hierarchy3"/>
-    <dgm:cxn modelId="{67C2D8C3-C482-48D4-91BC-2AEBB4B03203}" type="presParOf" srcId="{6E46B3A7-1E55-4F0D-BA8E-9E10088EB641}" destId="{D6A2FBB2-0811-41D8-AEB1-64CFE26E41DD}" srcOrd="2" destOrd="0" presId="urn:microsoft.com/office/officeart/2005/8/layout/hierarchy3"/>
-    <dgm:cxn modelId="{E6ABD424-3062-49A9-8E69-41C74FC54DE5}" type="presParOf" srcId="{6E46B3A7-1E55-4F0D-BA8E-9E10088EB641}" destId="{8C277BDD-A852-4E64-AB77-4F025B0D0A35}" srcOrd="3" destOrd="0" presId="urn:microsoft.com/office/officeart/2005/8/layout/hierarchy3"/>
-    <dgm:cxn modelId="{F5310676-5573-4DB2-BE0E-D61D0962574A}" type="presParOf" srcId="{24634ADF-73BA-47ED-BBCA-B9AC64C376C7}" destId="{75E2B64C-9B36-4325-8EC5-0902ACD7620B}" srcOrd="1" destOrd="0" presId="urn:microsoft.com/office/officeart/2005/8/layout/hierarchy3"/>
-    <dgm:cxn modelId="{4CA46F9B-904E-4854-8546-CF859AB3C4D7}" type="presParOf" srcId="{75E2B64C-9B36-4325-8EC5-0902ACD7620B}" destId="{E8060DEF-9DC4-4A7A-80ED-FA267A056A4C}" srcOrd="0" destOrd="0" presId="urn:microsoft.com/office/officeart/2005/8/layout/hierarchy3"/>
-    <dgm:cxn modelId="{063FFD84-B01B-4BD4-929F-D60861C5288D}" type="presParOf" srcId="{E8060DEF-9DC4-4A7A-80ED-FA267A056A4C}" destId="{09759D94-5E5C-4BC7-8D72-48DC0EEF551C}" srcOrd="0" destOrd="0" presId="urn:microsoft.com/office/officeart/2005/8/layout/hierarchy3"/>
-    <dgm:cxn modelId="{B6D48ED1-4FD8-468A-9CA8-2D1F90C7491D}" type="presParOf" srcId="{E8060DEF-9DC4-4A7A-80ED-FA267A056A4C}" destId="{ACABDCCE-38FE-4711-91FD-E416DB146C48}" srcOrd="1" destOrd="0" presId="urn:microsoft.com/office/officeart/2005/8/layout/hierarchy3"/>
-    <dgm:cxn modelId="{F68AEE55-2054-4004-A0A8-9A780A63DEE6}" type="presParOf" srcId="{75E2B64C-9B36-4325-8EC5-0902ACD7620B}" destId="{EF75CA4F-1895-4006-97A9-F27AA998BA92}" srcOrd="1" destOrd="0" presId="urn:microsoft.com/office/officeart/2005/8/layout/hierarchy3"/>
-    <dgm:cxn modelId="{37BB80FF-8AB0-4689-8662-0BBAEB2EE1BE}" type="presParOf" srcId="{EF75CA4F-1895-4006-97A9-F27AA998BA92}" destId="{6E29E440-DF3A-4081-98B8-8285B11E78AD}" srcOrd="0" destOrd="0" presId="urn:microsoft.com/office/officeart/2005/8/layout/hierarchy3"/>
-    <dgm:cxn modelId="{E841BE9F-7EA9-4E9A-9F18-448CADD7C618}" type="presParOf" srcId="{EF75CA4F-1895-4006-97A9-F27AA998BA92}" destId="{DBBC727F-7E38-4BFA-96EC-E2C11A318E39}" srcOrd="1" destOrd="0" presId="urn:microsoft.com/office/officeart/2005/8/layout/hierarchy3"/>
-    <dgm:cxn modelId="{7B507582-A373-4717-A4C9-4A52E7331E8F}" type="presParOf" srcId="{EF75CA4F-1895-4006-97A9-F27AA998BA92}" destId="{8CDE74CE-3E5D-4EEF-9B9A-794F9D4F2F8C}" srcOrd="2" destOrd="0" presId="urn:microsoft.com/office/officeart/2005/8/layout/hierarchy3"/>
-    <dgm:cxn modelId="{20CD0C78-D3F2-46BB-9A5A-A4648A427659}" type="presParOf" srcId="{EF75CA4F-1895-4006-97A9-F27AA998BA92}" destId="{AB5E171C-2EE6-412D-B86A-B26FF7E26E76}" srcOrd="3" destOrd="0" presId="urn:microsoft.com/office/officeart/2005/8/layout/hierarchy3"/>
-    <dgm:cxn modelId="{901F6504-96E2-4DBD-8FD9-E1E3A79445C9}" type="presParOf" srcId="{24634ADF-73BA-47ED-BBCA-B9AC64C376C7}" destId="{9835E15A-9407-48E7-9FEB-8E5EEB1F50D0}" srcOrd="2" destOrd="0" presId="urn:microsoft.com/office/officeart/2005/8/layout/hierarchy3"/>
-    <dgm:cxn modelId="{302B5013-DBF1-4C20-A499-E9BE7A217871}" type="presParOf" srcId="{9835E15A-9407-48E7-9FEB-8E5EEB1F50D0}" destId="{2B2221A2-0470-4936-895D-FC512A1A649B}" srcOrd="0" destOrd="0" presId="urn:microsoft.com/office/officeart/2005/8/layout/hierarchy3"/>
-    <dgm:cxn modelId="{FC1E4557-93B0-4455-AF7E-3BD0DD281644}" type="presParOf" srcId="{2B2221A2-0470-4936-895D-FC512A1A649B}" destId="{088F5D64-C4F7-4204-A437-9F93970ED5B6}" srcOrd="0" destOrd="0" presId="urn:microsoft.com/office/officeart/2005/8/layout/hierarchy3"/>
-    <dgm:cxn modelId="{9970585D-C7F0-4E86-BED9-D2F9596383BC}" type="presParOf" srcId="{2B2221A2-0470-4936-895D-FC512A1A649B}" destId="{03C5B529-CD6F-4CB3-BA53-C849D810EF1A}" srcOrd="1" destOrd="0" presId="urn:microsoft.com/office/officeart/2005/8/layout/hierarchy3"/>
-    <dgm:cxn modelId="{001B96E7-388E-470D-B3AC-24DF166A0FA2}" type="presParOf" srcId="{9835E15A-9407-48E7-9FEB-8E5EEB1F50D0}" destId="{A6F8F00A-BA22-46F9-84C0-8DE452D55E60}" srcOrd="1" destOrd="0" presId="urn:microsoft.com/office/officeart/2005/8/layout/hierarchy3"/>
-    <dgm:cxn modelId="{3A7352CE-B558-419B-AEE1-5C35BA064FAD}" type="presParOf" srcId="{A6F8F00A-BA22-46F9-84C0-8DE452D55E60}" destId="{57E121F1-8029-4315-9AC8-A65C56863819}" srcOrd="0" destOrd="0" presId="urn:microsoft.com/office/officeart/2005/8/layout/hierarchy3"/>
-    <dgm:cxn modelId="{3FE014B1-CEF3-4292-9824-1461BAF9BF38}" type="presParOf" srcId="{A6F8F00A-BA22-46F9-84C0-8DE452D55E60}" destId="{E5DE8510-36CC-4929-BD2D-749ED212F441}" srcOrd="1" destOrd="0" presId="urn:microsoft.com/office/officeart/2005/8/layout/hierarchy3"/>
-    <dgm:cxn modelId="{B643402E-1F92-4651-902F-39BA29259D5D}" type="presParOf" srcId="{A6F8F00A-BA22-46F9-84C0-8DE452D55E60}" destId="{E2BACBAF-DF53-48F7-A22B-0CC069B060D0}" srcOrd="2" destOrd="0" presId="urn:microsoft.com/office/officeart/2005/8/layout/hierarchy3"/>
-    <dgm:cxn modelId="{4BAF835A-6053-496E-9C74-E5F2ED8ED782}" type="presParOf" srcId="{A6F8F00A-BA22-46F9-84C0-8DE452D55E60}" destId="{58CB7C9A-F6F2-4762-801C-63BAA67A2108}" srcOrd="3" destOrd="0" presId="urn:microsoft.com/office/officeart/2005/8/layout/hierarchy3"/>
-    <dgm:cxn modelId="{E4032ABE-4469-4CA3-B0F3-FC804DDDDBBA}" type="presParOf" srcId="{A6F8F00A-BA22-46F9-84C0-8DE452D55E60}" destId="{9F8338D1-75B8-4420-ADEF-DDA616D8CB5F}" srcOrd="4" destOrd="0" presId="urn:microsoft.com/office/officeart/2005/8/layout/hierarchy3"/>
-    <dgm:cxn modelId="{D7DFD091-4F78-4FA7-ABD9-622728B55749}" type="presParOf" srcId="{A6F8F00A-BA22-46F9-84C0-8DE452D55E60}" destId="{22738A92-9B01-4966-B5CA-5F69EAE844F1}" srcOrd="5" destOrd="0" presId="urn:microsoft.com/office/officeart/2005/8/layout/hierarchy3"/>
-    <dgm:cxn modelId="{592242C0-2AB0-4243-A3EE-787E0B5DEB89}" type="presParOf" srcId="{A6F8F00A-BA22-46F9-84C0-8DE452D55E60}" destId="{6BC7B850-4D08-49C6-B24E-2644CDF2ACC6}" srcOrd="6" destOrd="0" presId="urn:microsoft.com/office/officeart/2005/8/layout/hierarchy3"/>
-    <dgm:cxn modelId="{DC4A96D7-F119-47D9-937C-8DDFC25ADE26}" type="presParOf" srcId="{A6F8F00A-BA22-46F9-84C0-8DE452D55E60}" destId="{FBD1DFEC-2BA3-4722-AE79-0D290D4FD86E}" srcOrd="7" destOrd="0" presId="urn:microsoft.com/office/officeart/2005/8/layout/hierarchy3"/>
-    <dgm:cxn modelId="{D2C06B5D-2909-456F-B70F-58EE3A62B154}" type="presParOf" srcId="{A6F8F00A-BA22-46F9-84C0-8DE452D55E60}" destId="{E8751070-BE25-46F2-8C24-46B2C37F6B56}" srcOrd="8" destOrd="0" presId="urn:microsoft.com/office/officeart/2005/8/layout/hierarchy3"/>
-    <dgm:cxn modelId="{5A73A677-CF4B-4B53-BE87-C95FA9A2D91C}" type="presParOf" srcId="{A6F8F00A-BA22-46F9-84C0-8DE452D55E60}" destId="{AAE56372-7258-4234-8CEF-0D5E0A9EC5E7}" srcOrd="9" destOrd="0" presId="urn:microsoft.com/office/officeart/2005/8/layout/hierarchy3"/>
-    <dgm:cxn modelId="{326521C6-369B-44FF-9B36-B111D08FCBB9}" type="presParOf" srcId="{A6F8F00A-BA22-46F9-84C0-8DE452D55E60}" destId="{6CC4FE34-86A8-49C6-8108-B3B16C20D3A6}" srcOrd="10" destOrd="0" presId="urn:microsoft.com/office/officeart/2005/8/layout/hierarchy3"/>
-    <dgm:cxn modelId="{D2448311-D356-4F59-AAA9-0324938DCFFB}" type="presParOf" srcId="{A6F8F00A-BA22-46F9-84C0-8DE452D55E60}" destId="{C23A6124-F8B4-471D-A524-AE688CD48AA4}" srcOrd="11" destOrd="0" presId="urn:microsoft.com/office/officeart/2005/8/layout/hierarchy3"/>
+    <dgm:cxn modelId="{28B539FB-52B0-4EBB-90E8-D7EEE9ECB90A}" type="presOf" srcId="{9DE2A7AF-3FEE-4553-AF7F-3706DCE58A4C}" destId="{FADC836C-11E8-4504-8C3E-84AE7D727703}" srcOrd="0" destOrd="0" presId="urn:microsoft.com/office/officeart/2005/8/layout/hierarchy1"/>
+    <dgm:cxn modelId="{B0E2FEFF-AF66-4568-A5DE-0DA49D797F89}" type="presOf" srcId="{C4B509FB-A342-491C-AC4D-2E013B94BE0D}" destId="{C8E40494-9B46-4280-B5EC-640554C554D7}" srcOrd="0" destOrd="0" presId="urn:microsoft.com/office/officeart/2005/8/layout/hierarchy1"/>
+    <dgm:cxn modelId="{AD17BB5D-22A5-4C96-927D-C6156137842C}" type="presParOf" srcId="{6F529C61-5733-47B0-86F7-68C50622A6EC}" destId="{0C558881-D83F-49F3-A59B-C2AEEB5B194B}" srcOrd="0" destOrd="0" presId="urn:microsoft.com/office/officeart/2005/8/layout/hierarchy1"/>
+    <dgm:cxn modelId="{5E6C73FF-948B-45BE-A8B5-702B89957617}" type="presParOf" srcId="{0C558881-D83F-49F3-A59B-C2AEEB5B194B}" destId="{654B6195-6CFA-4BE2-868C-981227FE61FC}" srcOrd="0" destOrd="0" presId="urn:microsoft.com/office/officeart/2005/8/layout/hierarchy1"/>
+    <dgm:cxn modelId="{EB39A0F5-82F9-40A6-AB67-1F988C91041D}" type="presParOf" srcId="{654B6195-6CFA-4BE2-868C-981227FE61FC}" destId="{C0A7C836-BE76-4191-A0F1-B1999318E524}" srcOrd="0" destOrd="0" presId="urn:microsoft.com/office/officeart/2005/8/layout/hierarchy1"/>
+    <dgm:cxn modelId="{F8D9CFF8-2E4D-43A8-B694-A3AAADEFCEAF}" type="presParOf" srcId="{654B6195-6CFA-4BE2-868C-981227FE61FC}" destId="{C8E40494-9B46-4280-B5EC-640554C554D7}" srcOrd="1" destOrd="0" presId="urn:microsoft.com/office/officeart/2005/8/layout/hierarchy1"/>
+    <dgm:cxn modelId="{93AD3156-4B15-4044-A433-9DAC254EE9B9}" type="presParOf" srcId="{0C558881-D83F-49F3-A59B-C2AEEB5B194B}" destId="{B0813A88-A305-4F8A-90C5-D3AD1AF9DBF5}" srcOrd="1" destOrd="0" presId="urn:microsoft.com/office/officeart/2005/8/layout/hierarchy1"/>
+    <dgm:cxn modelId="{8C329A41-0236-44FE-BE3F-5B150C42FE2E}" type="presParOf" srcId="{B0813A88-A305-4F8A-90C5-D3AD1AF9DBF5}" destId="{9D9021A8-5313-4DEF-A6A4-C307A51E3746}" srcOrd="0" destOrd="0" presId="urn:microsoft.com/office/officeart/2005/8/layout/hierarchy1"/>
+    <dgm:cxn modelId="{69E00883-9F42-4DF8-B42B-AAEF557136F3}" type="presParOf" srcId="{B0813A88-A305-4F8A-90C5-D3AD1AF9DBF5}" destId="{47C5E925-9839-4CC0-B8F3-1CF2425F2BB9}" srcOrd="1" destOrd="0" presId="urn:microsoft.com/office/officeart/2005/8/layout/hierarchy1"/>
+    <dgm:cxn modelId="{BF37A339-8C2D-4D40-9606-9CA29F44AAA6}" type="presParOf" srcId="{47C5E925-9839-4CC0-B8F3-1CF2425F2BB9}" destId="{A29C59B5-754D-4D64-B236-53922CB7818F}" srcOrd="0" destOrd="0" presId="urn:microsoft.com/office/officeart/2005/8/layout/hierarchy1"/>
+    <dgm:cxn modelId="{7D58266E-744C-4784-95D7-514ADD66E9AF}" type="presParOf" srcId="{A29C59B5-754D-4D64-B236-53922CB7818F}" destId="{CC720FEA-E3D2-4941-A84D-2A8D48598A0A}" srcOrd="0" destOrd="0" presId="urn:microsoft.com/office/officeart/2005/8/layout/hierarchy1"/>
+    <dgm:cxn modelId="{B9086D8C-C8C6-458A-84F2-0C16954E3C63}" type="presParOf" srcId="{A29C59B5-754D-4D64-B236-53922CB7818F}" destId="{D890647F-8962-4E30-BE53-A986D7A618FE}" srcOrd="1" destOrd="0" presId="urn:microsoft.com/office/officeart/2005/8/layout/hierarchy1"/>
+    <dgm:cxn modelId="{28854502-2113-4843-A94B-EB547BEB4BD6}" type="presParOf" srcId="{47C5E925-9839-4CC0-B8F3-1CF2425F2BB9}" destId="{555FB463-9724-4DE3-A084-9603B0BF1881}" srcOrd="1" destOrd="0" presId="urn:microsoft.com/office/officeart/2005/8/layout/hierarchy1"/>
+    <dgm:cxn modelId="{48477932-1CBC-4E3D-A73E-4195A7EC6070}" type="presParOf" srcId="{B0813A88-A305-4F8A-90C5-D3AD1AF9DBF5}" destId="{AF266748-9517-48FD-B5CA-AD7D0926C2DB}" srcOrd="2" destOrd="0" presId="urn:microsoft.com/office/officeart/2005/8/layout/hierarchy1"/>
+    <dgm:cxn modelId="{5DDADCBE-D86D-458C-9AD0-673BEE796E37}" type="presParOf" srcId="{B0813A88-A305-4F8A-90C5-D3AD1AF9DBF5}" destId="{FDA36B5B-2C7E-41A8-B1EB-C0AB0A05D740}" srcOrd="3" destOrd="0" presId="urn:microsoft.com/office/officeart/2005/8/layout/hierarchy1"/>
+    <dgm:cxn modelId="{DCD1E123-A97A-4D80-AD66-890E2216A294}" type="presParOf" srcId="{FDA36B5B-2C7E-41A8-B1EB-C0AB0A05D740}" destId="{A402AA29-DAEA-416E-8886-DF3D0D72D7FF}" srcOrd="0" destOrd="0" presId="urn:microsoft.com/office/officeart/2005/8/layout/hierarchy1"/>
+    <dgm:cxn modelId="{457B0B8F-4CE1-4BC4-A877-5AFE949FB4A4}" type="presParOf" srcId="{A402AA29-DAEA-416E-8886-DF3D0D72D7FF}" destId="{C9ABD2AF-7B26-493E-BCE0-2B97F7497073}" srcOrd="0" destOrd="0" presId="urn:microsoft.com/office/officeart/2005/8/layout/hierarchy1"/>
+    <dgm:cxn modelId="{BBA9DD1F-6B92-4C83-AAB7-67A32070F7C7}" type="presParOf" srcId="{A402AA29-DAEA-416E-8886-DF3D0D72D7FF}" destId="{D8CF571D-2E3B-4356-8F14-5077C8900E7C}" srcOrd="1" destOrd="0" presId="urn:microsoft.com/office/officeart/2005/8/layout/hierarchy1"/>
+    <dgm:cxn modelId="{C9BF2274-ED5C-4B94-B79C-670E5B08D958}" type="presParOf" srcId="{FDA36B5B-2C7E-41A8-B1EB-C0AB0A05D740}" destId="{F7788491-8B6F-48B6-B998-F832C183D3B2}" srcOrd="1" destOrd="0" presId="urn:microsoft.com/office/officeart/2005/8/layout/hierarchy1"/>
+    <dgm:cxn modelId="{6FA60DCA-7938-4B64-B705-5C3E70B93F78}" type="presParOf" srcId="{B0813A88-A305-4F8A-90C5-D3AD1AF9DBF5}" destId="{06C9EB99-AF94-4071-BA36-941045B94726}" srcOrd="4" destOrd="0" presId="urn:microsoft.com/office/officeart/2005/8/layout/hierarchy1"/>
+    <dgm:cxn modelId="{84E56468-F1A6-4531-905D-992544FEF50E}" type="presParOf" srcId="{B0813A88-A305-4F8A-90C5-D3AD1AF9DBF5}" destId="{5FEFBE1E-D0DD-4AEB-95EE-316CC35E3E8C}" srcOrd="5" destOrd="0" presId="urn:microsoft.com/office/officeart/2005/8/layout/hierarchy1"/>
+    <dgm:cxn modelId="{3A44E4F0-3A52-4598-819F-833BBF888956}" type="presParOf" srcId="{5FEFBE1E-D0DD-4AEB-95EE-316CC35E3E8C}" destId="{788238F0-9B32-46FE-BA78-1F36AA01EAB2}" srcOrd="0" destOrd="0" presId="urn:microsoft.com/office/officeart/2005/8/layout/hierarchy1"/>
+    <dgm:cxn modelId="{2574B455-BCBC-4480-8354-89DA3C87BB73}" type="presParOf" srcId="{788238F0-9B32-46FE-BA78-1F36AA01EAB2}" destId="{7B68587C-EDAF-4034-8726-EFC61875A8AE}" srcOrd="0" destOrd="0" presId="urn:microsoft.com/office/officeart/2005/8/layout/hierarchy1"/>
+    <dgm:cxn modelId="{6EB273DE-B843-420C-BC37-0A0D5AF648D6}" type="presParOf" srcId="{788238F0-9B32-46FE-BA78-1F36AA01EAB2}" destId="{FADC836C-11E8-4504-8C3E-84AE7D727703}" srcOrd="1" destOrd="0" presId="urn:microsoft.com/office/officeart/2005/8/layout/hierarchy1"/>
+    <dgm:cxn modelId="{6B48E97A-ECE6-4D01-9204-507C8EB7F85A}" type="presParOf" srcId="{5FEFBE1E-D0DD-4AEB-95EE-316CC35E3E8C}" destId="{E4FC3B4D-4D3B-4D01-B6FA-93E2F86ACFF0}" srcOrd="1" destOrd="0" presId="urn:microsoft.com/office/officeart/2005/8/layout/hierarchy1"/>
+    <dgm:cxn modelId="{D6339680-A42D-4D99-9113-8B56BD7D5AC8}" type="presParOf" srcId="{B0813A88-A305-4F8A-90C5-D3AD1AF9DBF5}" destId="{617C281C-AD5B-448A-8B44-F02D69907BC6}" srcOrd="6" destOrd="0" presId="urn:microsoft.com/office/officeart/2005/8/layout/hierarchy1"/>
+    <dgm:cxn modelId="{554F1F93-D1F1-409D-981C-916DFF84130C}" type="presParOf" srcId="{B0813A88-A305-4F8A-90C5-D3AD1AF9DBF5}" destId="{FA93630D-3333-4ADB-836C-27B7221ADF9E}" srcOrd="7" destOrd="0" presId="urn:microsoft.com/office/officeart/2005/8/layout/hierarchy1"/>
+    <dgm:cxn modelId="{B716605D-C0C0-48B0-84EB-A2CA5CE90C1F}" type="presParOf" srcId="{FA93630D-3333-4ADB-836C-27B7221ADF9E}" destId="{94113907-3656-4062-AF4E-6958257359B2}" srcOrd="0" destOrd="0" presId="urn:microsoft.com/office/officeart/2005/8/layout/hierarchy1"/>
+    <dgm:cxn modelId="{E35316E2-1B94-4AD8-9D4B-A0048B20E240}" type="presParOf" srcId="{94113907-3656-4062-AF4E-6958257359B2}" destId="{F3E3B70A-FD34-46F6-ACD0-7EC6A1B776D3}" srcOrd="0" destOrd="0" presId="urn:microsoft.com/office/officeart/2005/8/layout/hierarchy1"/>
+    <dgm:cxn modelId="{19FF24AA-2870-4C52-BA32-CF38ED061EF5}" type="presParOf" srcId="{94113907-3656-4062-AF4E-6958257359B2}" destId="{E393C3B8-14C4-439C-92DD-8DDBDD27F8AC}" srcOrd="1" destOrd="0" presId="urn:microsoft.com/office/officeart/2005/8/layout/hierarchy1"/>
+    <dgm:cxn modelId="{A2D001CC-15F9-429F-B9A7-1CD5CF0F10AF}" type="presParOf" srcId="{FA93630D-3333-4ADB-836C-27B7221ADF9E}" destId="{D4CC2954-DE65-459A-91FB-572D23060BF5}" srcOrd="1" destOrd="0" presId="urn:microsoft.com/office/officeart/2005/8/layout/hierarchy1"/>
+    <dgm:cxn modelId="{C8CFDF44-18D8-4B65-A0DE-2506BED9B211}" type="presParOf" srcId="{B0813A88-A305-4F8A-90C5-D3AD1AF9DBF5}" destId="{2D091E0B-7C38-4EA6-BE09-11B4014BFA5D}" srcOrd="8" destOrd="0" presId="urn:microsoft.com/office/officeart/2005/8/layout/hierarchy1"/>
+    <dgm:cxn modelId="{C55B23B6-8739-4981-BF44-A56AF70657A6}" type="presParOf" srcId="{B0813A88-A305-4F8A-90C5-D3AD1AF9DBF5}" destId="{421FF1E1-519E-4205-9E2D-68C74CF06D1E}" srcOrd="9" destOrd="0" presId="urn:microsoft.com/office/officeart/2005/8/layout/hierarchy1"/>
+    <dgm:cxn modelId="{2CCC8F8A-2AE9-446A-9C71-E95D5897F975}" type="presParOf" srcId="{421FF1E1-519E-4205-9E2D-68C74CF06D1E}" destId="{55478F9D-4BCD-44F7-8794-057377C94B79}" srcOrd="0" destOrd="0" presId="urn:microsoft.com/office/officeart/2005/8/layout/hierarchy1"/>
+    <dgm:cxn modelId="{D65DF4D5-FC35-417E-885C-7CADBC5BA8D0}" type="presParOf" srcId="{55478F9D-4BCD-44F7-8794-057377C94B79}" destId="{766AF136-3E9B-45FC-B742-D187A3CD64F4}" srcOrd="0" destOrd="0" presId="urn:microsoft.com/office/officeart/2005/8/layout/hierarchy1"/>
+    <dgm:cxn modelId="{670A34D4-F5D7-4980-91CB-77C6F654A025}" type="presParOf" srcId="{55478F9D-4BCD-44F7-8794-057377C94B79}" destId="{AC7196D4-F58C-4F49-AF49-A2206983928E}" srcOrd="1" destOrd="0" presId="urn:microsoft.com/office/officeart/2005/8/layout/hierarchy1"/>
+    <dgm:cxn modelId="{9C0030EA-0675-4547-8AC1-A683E7F2A488}" type="presParOf" srcId="{421FF1E1-519E-4205-9E2D-68C74CF06D1E}" destId="{FF30981E-5812-451B-938B-F9659A43156E}" srcOrd="1" destOrd="0" presId="urn:microsoft.com/office/officeart/2005/8/layout/hierarchy1"/>
+    <dgm:cxn modelId="{38EF8152-D100-48A5-A2F7-04BBCB9D65D2}" type="presParOf" srcId="{B0813A88-A305-4F8A-90C5-D3AD1AF9DBF5}" destId="{02102430-A255-4B70-A374-76968785855C}" srcOrd="10" destOrd="0" presId="urn:microsoft.com/office/officeart/2005/8/layout/hierarchy1"/>
+    <dgm:cxn modelId="{728CDAE9-1155-4B9C-BFFF-75277E1E64B2}" type="presParOf" srcId="{B0813A88-A305-4F8A-90C5-D3AD1AF9DBF5}" destId="{0AB56927-E067-4879-A232-F913030DBA3A}" srcOrd="11" destOrd="0" presId="urn:microsoft.com/office/officeart/2005/8/layout/hierarchy1"/>
+    <dgm:cxn modelId="{7A6F688B-420D-4E8E-B7B8-682D6E0488B3}" type="presParOf" srcId="{0AB56927-E067-4879-A232-F913030DBA3A}" destId="{3BBF5768-33E9-4AE1-9BB8-A1ABE7D7B102}" srcOrd="0" destOrd="0" presId="urn:microsoft.com/office/officeart/2005/8/layout/hierarchy1"/>
+    <dgm:cxn modelId="{82A34092-2A10-4CA2-AA06-330FD6AAB098}" type="presParOf" srcId="{3BBF5768-33E9-4AE1-9BB8-A1ABE7D7B102}" destId="{10ED3BCD-F42E-4A6C-92DF-ACBD092904AD}" srcOrd="0" destOrd="0" presId="urn:microsoft.com/office/officeart/2005/8/layout/hierarchy1"/>
+    <dgm:cxn modelId="{1993479D-DD8C-459C-8BFB-D60DFEC9FD2C}" type="presParOf" srcId="{3BBF5768-33E9-4AE1-9BB8-A1ABE7D7B102}" destId="{677EB6D1-4838-487B-892D-E4525F187847}" srcOrd="1" destOrd="0" presId="urn:microsoft.com/office/officeart/2005/8/layout/hierarchy1"/>
+    <dgm:cxn modelId="{A4FC974D-4643-430B-93D0-4B8298FD01A6}" type="presParOf" srcId="{0AB56927-E067-4879-A232-F913030DBA3A}" destId="{70200DAF-3F36-45D4-98E2-17B809299F96}" srcOrd="1" destOrd="0" presId="urn:microsoft.com/office/officeart/2005/8/layout/hierarchy1"/>
   </dgm:cxnLst>
   <dgm:bg/>
   <dgm:whole/>
   <dgm:extLst>
     <a:ext uri="http://schemas.microsoft.com/office/drawing/2008/diagram">
-      <dsp:dataModelExt xmlns:dsp="http://schemas.microsoft.com/office/drawing/2008/diagram" relId="rId6" minVer="http://schemas.openxmlformats.org/drawingml/2006/diagram"/>
+      <dsp:dataModelExt xmlns:dsp="http://schemas.microsoft.com/office/drawing/2008/diagram" relId="rId11" minVer="http://schemas.openxmlformats.org/drawingml/2006/diagram"/>
     </a:ext>
   </dgm:extLst>
 </dgm:dataModel>
@@ -3264,8 +4836,8 @@
       </dsp:nvSpPr>
       <dsp:spPr>
         <a:xfrm>
-          <a:off x="847204" y="1771"/>
-          <a:ext cx="5163591" cy="2581795"/>
+          <a:off x="2721322" y="1313"/>
+          <a:ext cx="3701355" cy="1850677"/>
         </a:xfrm>
         <a:prstGeom prst="roundRect">
           <a:avLst>
@@ -3310,12 +4882,12 @@
         </a:fontRef>
       </dsp:style>
       <dsp:txBody>
-        <a:bodyPr spcFirstLastPara="0" vert="horz" wrap="square" lIns="108585" tIns="72390" rIns="108585" bIns="72390" numCol="1" spcCol="1270" anchor="ctr" anchorCtr="0">
+        <a:bodyPr spcFirstLastPara="0" vert="horz" wrap="square" lIns="76200" tIns="50800" rIns="76200" bIns="50800" numCol="1" spcCol="1270" anchor="ctr" anchorCtr="0">
           <a:noAutofit/>
         </a:bodyPr>
         <a:lstStyle/>
         <a:p>
-          <a:pPr marL="0" lvl="0" indent="0" algn="ctr" defTabSz="2533650">
+          <a:pPr marL="0" lvl="0" indent="0" algn="ctr" defTabSz="1778000">
             <a:lnSpc>
               <a:spcPct val="90000"/>
             </a:lnSpc>
@@ -3328,22 +4900,22 @@
             <a:buNone/>
           </a:pPr>
           <a:r>
-            <a:rPr lang="pt-BR" sz="5700" kern="1200" dirty="0"/>
+            <a:rPr lang="pt-BR" sz="4000" kern="1200" dirty="0"/>
             <a:t>Passo Constante (</a:t>
           </a:r>
           <a:r>
-            <a:rPr lang="pt-BR" sz="5700" kern="1200" dirty="0" err="1"/>
+            <a:rPr lang="pt-BR" sz="4000" kern="1200" dirty="0" err="1"/>
             <a:t>ConstantStep</a:t>
           </a:r>
           <a:r>
-            <a:rPr lang="pt-BR" sz="5700" kern="1200" dirty="0"/>
+            <a:rPr lang="pt-BR" sz="4000" kern="1200" dirty="0"/>
             <a:t>)</a:t>
           </a:r>
         </a:p>
       </dsp:txBody>
       <dsp:txXfrm>
-        <a:off x="922822" y="77389"/>
-        <a:ext cx="5012355" cy="2430559"/>
+        <a:off x="2775526" y="55517"/>
+        <a:ext cx="3592947" cy="1742269"/>
       </dsp:txXfrm>
     </dsp:sp>
     <dsp:sp modelId="{40FBDA63-C110-4BDD-9044-250326CDB623}">
@@ -3353,8 +4925,8 @@
       </dsp:nvSpPr>
       <dsp:spPr>
         <a:xfrm>
-          <a:off x="1363563" y="2583567"/>
-          <a:ext cx="516359" cy="1936346"/>
+          <a:off x="3091457" y="1851991"/>
+          <a:ext cx="370135" cy="1388008"/>
         </a:xfrm>
         <a:custGeom>
           <a:avLst/>
@@ -3368,10 +4940,10 @@
                 <a:pt x="0" y="0"/>
               </a:moveTo>
               <a:lnTo>
-                <a:pt x="0" y="1936346"/>
+                <a:pt x="0" y="1388008"/>
               </a:lnTo>
               <a:lnTo>
-                <a:pt x="516359" y="1936346"/>
+                <a:pt x="370135" y="1388008"/>
               </a:lnTo>
             </a:path>
           </a:pathLst>
@@ -3412,8 +4984,8 @@
       </dsp:nvSpPr>
       <dsp:spPr>
         <a:xfrm>
-          <a:off x="1879922" y="3229016"/>
-          <a:ext cx="4130873" cy="2581795"/>
+          <a:off x="3461593" y="2314661"/>
+          <a:ext cx="2961084" cy="1850677"/>
         </a:xfrm>
         <a:prstGeom prst="roundRect">
           <a:avLst>
@@ -3457,12 +5029,12 @@
         <a:fontRef idx="minor"/>
       </dsp:style>
       <dsp:txBody>
-        <a:bodyPr spcFirstLastPara="0" vert="horz" wrap="square" lIns="68580" tIns="45720" rIns="68580" bIns="45720" numCol="1" spcCol="1270" anchor="ctr" anchorCtr="0">
+        <a:bodyPr spcFirstLastPara="0" vert="horz" wrap="square" lIns="47625" tIns="31750" rIns="47625" bIns="31750" numCol="1" spcCol="1270" anchor="ctr" anchorCtr="0">
           <a:noAutofit/>
         </a:bodyPr>
         <a:lstStyle/>
         <a:p>
-          <a:pPr marL="0" lvl="0" indent="0" algn="ctr" defTabSz="1600200">
+          <a:pPr marL="0" lvl="0" indent="0" algn="ctr" defTabSz="1111250">
             <a:lnSpc>
               <a:spcPct val="90000"/>
             </a:lnSpc>
@@ -3475,22 +5047,22 @@
             <a:buNone/>
           </a:pPr>
           <a:r>
-            <a:rPr lang="pt-BR" sz="3600" kern="1200" dirty="0"/>
+            <a:rPr lang="pt-BR" sz="2500" kern="1200" dirty="0"/>
             <a:t>Bisseção (</a:t>
           </a:r>
           <a:r>
-            <a:rPr lang="pt-BR" sz="3600" kern="1200" dirty="0" err="1"/>
+            <a:rPr lang="pt-BR" sz="2500" kern="1200" dirty="0" err="1"/>
             <a:t>BissectionStep</a:t>
           </a:r>
           <a:r>
-            <a:rPr lang="pt-BR" sz="3600" kern="1200" dirty="0"/>
+            <a:rPr lang="pt-BR" sz="2500" kern="1200" dirty="0"/>
             <a:t>)</a:t>
           </a:r>
         </a:p>
       </dsp:txBody>
       <dsp:txXfrm>
-        <a:off x="1955540" y="3304634"/>
-        <a:ext cx="3979637" cy="2430559"/>
+        <a:off x="3515797" y="2368865"/>
+        <a:ext cx="2852676" cy="1742269"/>
       </dsp:txXfrm>
     </dsp:sp>
     <dsp:sp modelId="{D6A2FBB2-0811-41D8-AEB1-64CFE26E41DD}">
@@ -3500,8 +5072,8 @@
       </dsp:nvSpPr>
       <dsp:spPr>
         <a:xfrm>
-          <a:off x="1363563" y="2583567"/>
-          <a:ext cx="516359" cy="5163591"/>
+          <a:off x="3091457" y="1851991"/>
+          <a:ext cx="370135" cy="3701355"/>
         </a:xfrm>
         <a:custGeom>
           <a:avLst/>
@@ -3515,10 +5087,10 @@
                 <a:pt x="0" y="0"/>
               </a:moveTo>
               <a:lnTo>
-                <a:pt x="0" y="5163591"/>
+                <a:pt x="0" y="3701355"/>
               </a:lnTo>
               <a:lnTo>
-                <a:pt x="516359" y="5163591"/>
+                <a:pt x="370135" y="3701355"/>
               </a:lnTo>
             </a:path>
           </a:pathLst>
@@ -3559,8 +5131,8 @@
       </dsp:nvSpPr>
       <dsp:spPr>
         <a:xfrm>
-          <a:off x="1879922" y="6456260"/>
-          <a:ext cx="4130873" cy="2581795"/>
+          <a:off x="3461593" y="4628008"/>
+          <a:ext cx="2961084" cy="1850677"/>
         </a:xfrm>
         <a:prstGeom prst="roundRect">
           <a:avLst>
@@ -3604,12 +5176,12 @@
         <a:fontRef idx="minor"/>
       </dsp:style>
       <dsp:txBody>
-        <a:bodyPr spcFirstLastPara="0" vert="horz" wrap="square" lIns="68580" tIns="45720" rIns="68580" bIns="45720" numCol="1" spcCol="1270" anchor="ctr" anchorCtr="0">
+        <a:bodyPr spcFirstLastPara="0" vert="horz" wrap="square" lIns="47625" tIns="31750" rIns="47625" bIns="31750" numCol="1" spcCol="1270" anchor="ctr" anchorCtr="0">
           <a:noAutofit/>
         </a:bodyPr>
         <a:lstStyle/>
         <a:p>
-          <a:pPr marL="0" lvl="0" indent="0" algn="ctr" defTabSz="1600200">
+          <a:pPr marL="0" lvl="0" indent="0" algn="ctr" defTabSz="1111250">
             <a:lnSpc>
               <a:spcPct val="90000"/>
             </a:lnSpc>
@@ -3622,12 +5194,12 @@
             <a:buNone/>
           </a:pPr>
           <a:r>
-            <a:rPr lang="pt-BR" sz="3600" kern="1200" dirty="0"/>
+            <a:rPr lang="pt-BR" sz="2500" kern="1200" dirty="0"/>
             <a:t>Seção Áurea</a:t>
           </a:r>
         </a:p>
         <a:p>
-          <a:pPr marL="0" lvl="0" indent="0" algn="ctr" defTabSz="1600200">
+          <a:pPr marL="0" lvl="0" indent="0" algn="ctr" defTabSz="1111250">
             <a:lnSpc>
               <a:spcPct val="90000"/>
             </a:lnSpc>
@@ -3640,22 +5212,22 @@
             <a:buNone/>
           </a:pPr>
           <a:r>
-            <a:rPr lang="pt-BR" sz="3600" kern="1200" dirty="0"/>
+            <a:rPr lang="pt-BR" sz="2500" kern="1200" dirty="0"/>
             <a:t>(</a:t>
           </a:r>
           <a:r>
-            <a:rPr lang="pt-BR" sz="3600" kern="1200" dirty="0" err="1"/>
+            <a:rPr lang="pt-BR" sz="2500" kern="1200" dirty="0" err="1"/>
             <a:t>GoldenSectionStep</a:t>
           </a:r>
           <a:r>
-            <a:rPr lang="pt-BR" sz="3600" kern="1200" dirty="0"/>
+            <a:rPr lang="pt-BR" sz="2500" kern="1200" dirty="0"/>
             <a:t>)</a:t>
           </a:r>
         </a:p>
       </dsp:txBody>
       <dsp:txXfrm>
-        <a:off x="1955540" y="6531878"/>
-        <a:ext cx="3979637" cy="2430559"/>
+        <a:off x="3515797" y="4682212"/>
+        <a:ext cx="2852676" cy="1742269"/>
       </dsp:txXfrm>
     </dsp:sp>
   </dsp:spTree>
@@ -3670,15 +5242,387 @@
       <dsp:cNvGrpSpPr/>
     </dsp:nvGrpSpPr>
     <dsp:grpSpPr/>
-    <dsp:sp modelId="{05B70A39-C7BB-4E1B-9235-959B6C7CFA76}">
+    <dsp:sp modelId="{245F4E94-73A0-48F5-824D-D2E784A6D3ED}">
       <dsp:nvSpPr>
         <dsp:cNvPr id="0" name=""/>
         <dsp:cNvSpPr/>
       </dsp:nvSpPr>
       <dsp:spPr>
         <a:xfrm>
-          <a:off x="802" y="581362"/>
-          <a:ext cx="1877947" cy="938973"/>
+          <a:off x="6114654" y="773719"/>
+          <a:ext cx="744038" cy="354094"/>
+        </a:xfrm>
+        <a:custGeom>
+          <a:avLst/>
+          <a:gdLst/>
+          <a:ahLst/>
+          <a:cxnLst/>
+          <a:rect l="0" t="0" r="0" b="0"/>
+          <a:pathLst>
+            <a:path>
+              <a:moveTo>
+                <a:pt x="0" y="0"/>
+              </a:moveTo>
+              <a:lnTo>
+                <a:pt x="0" y="241305"/>
+              </a:lnTo>
+              <a:lnTo>
+                <a:pt x="744038" y="241305"/>
+              </a:lnTo>
+              <a:lnTo>
+                <a:pt x="744038" y="354094"/>
+              </a:lnTo>
+            </a:path>
+          </a:pathLst>
+        </a:custGeom>
+        <a:noFill/>
+        <a:ln w="12700" cap="flat" cmpd="sng" algn="ctr">
+          <a:solidFill>
+            <a:schemeClr val="dk1">
+              <a:shade val="60000"/>
+              <a:hueOff val="0"/>
+              <a:satOff val="0"/>
+              <a:lumOff val="0"/>
+              <a:alphaOff val="0"/>
+            </a:schemeClr>
+          </a:solidFill>
+          <a:prstDash val="solid"/>
+          <a:miter lim="800000"/>
+        </a:ln>
+        <a:effectLst/>
+      </dsp:spPr>
+      <dsp:style>
+        <a:lnRef idx="2">
+          <a:scrgbClr r="0" g="0" b="0"/>
+        </a:lnRef>
+        <a:fillRef idx="0">
+          <a:scrgbClr r="0" g="0" b="0"/>
+        </a:fillRef>
+        <a:effectRef idx="0">
+          <a:scrgbClr r="0" g="0" b="0"/>
+        </a:effectRef>
+        <a:fontRef idx="minor"/>
+      </dsp:style>
+    </dsp:sp>
+    <dsp:sp modelId="{B8E997FA-C63E-467E-BAC2-BF8C418F0356}">
+      <dsp:nvSpPr>
+        <dsp:cNvPr id="0" name=""/>
+        <dsp:cNvSpPr/>
+      </dsp:nvSpPr>
+      <dsp:spPr>
+        <a:xfrm>
+          <a:off x="5370615" y="773719"/>
+          <a:ext cx="744038" cy="354094"/>
+        </a:xfrm>
+        <a:custGeom>
+          <a:avLst/>
+          <a:gdLst/>
+          <a:ahLst/>
+          <a:cxnLst/>
+          <a:rect l="0" t="0" r="0" b="0"/>
+          <a:pathLst>
+            <a:path>
+              <a:moveTo>
+                <a:pt x="744038" y="0"/>
+              </a:moveTo>
+              <a:lnTo>
+                <a:pt x="744038" y="241305"/>
+              </a:lnTo>
+              <a:lnTo>
+                <a:pt x="0" y="241305"/>
+              </a:lnTo>
+              <a:lnTo>
+                <a:pt x="0" y="354094"/>
+              </a:lnTo>
+            </a:path>
+          </a:pathLst>
+        </a:custGeom>
+        <a:noFill/>
+        <a:ln w="12700" cap="flat" cmpd="sng" algn="ctr">
+          <a:solidFill>
+            <a:schemeClr val="dk1">
+              <a:shade val="60000"/>
+              <a:hueOff val="0"/>
+              <a:satOff val="0"/>
+              <a:lumOff val="0"/>
+              <a:alphaOff val="0"/>
+            </a:schemeClr>
+          </a:solidFill>
+          <a:prstDash val="solid"/>
+          <a:miter lim="800000"/>
+        </a:ln>
+        <a:effectLst/>
+      </dsp:spPr>
+      <dsp:style>
+        <a:lnRef idx="2">
+          <a:scrgbClr r="0" g="0" b="0"/>
+        </a:lnRef>
+        <a:fillRef idx="0">
+          <a:scrgbClr r="0" g="0" b="0"/>
+        </a:fillRef>
+        <a:effectRef idx="0">
+          <a:scrgbClr r="0" g="0" b="0"/>
+        </a:effectRef>
+        <a:fontRef idx="minor"/>
+      </dsp:style>
+    </dsp:sp>
+    <dsp:sp modelId="{2E43C850-C97A-40D5-860A-D0DFC5A4A341}">
+      <dsp:nvSpPr>
+        <dsp:cNvPr id="0" name=""/>
+        <dsp:cNvSpPr/>
+      </dsp:nvSpPr>
+      <dsp:spPr>
+        <a:xfrm>
+          <a:off x="3138500" y="773719"/>
+          <a:ext cx="744038" cy="354094"/>
+        </a:xfrm>
+        <a:custGeom>
+          <a:avLst/>
+          <a:gdLst/>
+          <a:ahLst/>
+          <a:cxnLst/>
+          <a:rect l="0" t="0" r="0" b="0"/>
+          <a:pathLst>
+            <a:path>
+              <a:moveTo>
+                <a:pt x="0" y="0"/>
+              </a:moveTo>
+              <a:lnTo>
+                <a:pt x="0" y="241305"/>
+              </a:lnTo>
+              <a:lnTo>
+                <a:pt x="744038" y="241305"/>
+              </a:lnTo>
+              <a:lnTo>
+                <a:pt x="744038" y="354094"/>
+              </a:lnTo>
+            </a:path>
+          </a:pathLst>
+        </a:custGeom>
+        <a:noFill/>
+        <a:ln w="12700" cap="flat" cmpd="sng" algn="ctr">
+          <a:solidFill>
+            <a:schemeClr val="dk1">
+              <a:shade val="60000"/>
+              <a:hueOff val="0"/>
+              <a:satOff val="0"/>
+              <a:lumOff val="0"/>
+              <a:alphaOff val="0"/>
+            </a:schemeClr>
+          </a:solidFill>
+          <a:prstDash val="solid"/>
+          <a:miter lim="800000"/>
+        </a:ln>
+        <a:effectLst/>
+      </dsp:spPr>
+      <dsp:style>
+        <a:lnRef idx="2">
+          <a:scrgbClr r="0" g="0" b="0"/>
+        </a:lnRef>
+        <a:fillRef idx="0">
+          <a:scrgbClr r="0" g="0" b="0"/>
+        </a:fillRef>
+        <a:effectRef idx="0">
+          <a:scrgbClr r="0" g="0" b="0"/>
+        </a:effectRef>
+        <a:fontRef idx="minor"/>
+      </dsp:style>
+    </dsp:sp>
+    <dsp:sp modelId="{85A213E9-BFCF-4092-B43A-07282C326C51}">
+      <dsp:nvSpPr>
+        <dsp:cNvPr id="0" name=""/>
+        <dsp:cNvSpPr/>
+      </dsp:nvSpPr>
+      <dsp:spPr>
+        <a:xfrm>
+          <a:off x="2394461" y="1900937"/>
+          <a:ext cx="744038" cy="354094"/>
+        </a:xfrm>
+        <a:custGeom>
+          <a:avLst/>
+          <a:gdLst/>
+          <a:ahLst/>
+          <a:cxnLst/>
+          <a:rect l="0" t="0" r="0" b="0"/>
+          <a:pathLst>
+            <a:path>
+              <a:moveTo>
+                <a:pt x="0" y="0"/>
+              </a:moveTo>
+              <a:lnTo>
+                <a:pt x="0" y="241305"/>
+              </a:lnTo>
+              <a:lnTo>
+                <a:pt x="744038" y="241305"/>
+              </a:lnTo>
+              <a:lnTo>
+                <a:pt x="744038" y="354094"/>
+              </a:lnTo>
+            </a:path>
+          </a:pathLst>
+        </a:custGeom>
+        <a:noFill/>
+        <a:ln w="12700" cap="flat" cmpd="sng" algn="ctr">
+          <a:solidFill>
+            <a:schemeClr val="dk1">
+              <a:shade val="80000"/>
+              <a:hueOff val="0"/>
+              <a:satOff val="0"/>
+              <a:lumOff val="0"/>
+              <a:alphaOff val="0"/>
+            </a:schemeClr>
+          </a:solidFill>
+          <a:prstDash val="solid"/>
+          <a:miter lim="800000"/>
+        </a:ln>
+        <a:effectLst/>
+      </dsp:spPr>
+      <dsp:style>
+        <a:lnRef idx="2">
+          <a:scrgbClr r="0" g="0" b="0"/>
+        </a:lnRef>
+        <a:fillRef idx="0">
+          <a:scrgbClr r="0" g="0" b="0"/>
+        </a:fillRef>
+        <a:effectRef idx="0">
+          <a:scrgbClr r="0" g="0" b="0"/>
+        </a:effectRef>
+        <a:fontRef idx="minor"/>
+      </dsp:style>
+    </dsp:sp>
+    <dsp:sp modelId="{7A5B8C62-802F-4DD8-8568-DBC9846BBC1B}">
+      <dsp:nvSpPr>
+        <dsp:cNvPr id="0" name=""/>
+        <dsp:cNvSpPr/>
+      </dsp:nvSpPr>
+      <dsp:spPr>
+        <a:xfrm>
+          <a:off x="1650423" y="1900937"/>
+          <a:ext cx="744038" cy="354094"/>
+        </a:xfrm>
+        <a:custGeom>
+          <a:avLst/>
+          <a:gdLst/>
+          <a:ahLst/>
+          <a:cxnLst/>
+          <a:rect l="0" t="0" r="0" b="0"/>
+          <a:pathLst>
+            <a:path>
+              <a:moveTo>
+                <a:pt x="744038" y="0"/>
+              </a:moveTo>
+              <a:lnTo>
+                <a:pt x="744038" y="241305"/>
+              </a:lnTo>
+              <a:lnTo>
+                <a:pt x="0" y="241305"/>
+              </a:lnTo>
+              <a:lnTo>
+                <a:pt x="0" y="354094"/>
+              </a:lnTo>
+            </a:path>
+          </a:pathLst>
+        </a:custGeom>
+        <a:noFill/>
+        <a:ln w="12700" cap="flat" cmpd="sng" algn="ctr">
+          <a:solidFill>
+            <a:schemeClr val="dk1">
+              <a:shade val="80000"/>
+              <a:hueOff val="0"/>
+              <a:satOff val="0"/>
+              <a:lumOff val="0"/>
+              <a:alphaOff val="0"/>
+            </a:schemeClr>
+          </a:solidFill>
+          <a:prstDash val="solid"/>
+          <a:miter lim="800000"/>
+        </a:ln>
+        <a:effectLst/>
+      </dsp:spPr>
+      <dsp:style>
+        <a:lnRef idx="2">
+          <a:scrgbClr r="0" g="0" b="0"/>
+        </a:lnRef>
+        <a:fillRef idx="0">
+          <a:scrgbClr r="0" g="0" b="0"/>
+        </a:fillRef>
+        <a:effectRef idx="0">
+          <a:scrgbClr r="0" g="0" b="0"/>
+        </a:effectRef>
+        <a:fontRef idx="minor"/>
+      </dsp:style>
+    </dsp:sp>
+    <dsp:sp modelId="{9EEF5DCF-7DED-4DDF-8040-34A428B4FC33}">
+      <dsp:nvSpPr>
+        <dsp:cNvPr id="0" name=""/>
+        <dsp:cNvSpPr/>
+      </dsp:nvSpPr>
+      <dsp:spPr>
+        <a:xfrm>
+          <a:off x="2394461" y="773719"/>
+          <a:ext cx="744038" cy="354094"/>
+        </a:xfrm>
+        <a:custGeom>
+          <a:avLst/>
+          <a:gdLst/>
+          <a:ahLst/>
+          <a:cxnLst/>
+          <a:rect l="0" t="0" r="0" b="0"/>
+          <a:pathLst>
+            <a:path>
+              <a:moveTo>
+                <a:pt x="744038" y="0"/>
+              </a:moveTo>
+              <a:lnTo>
+                <a:pt x="744038" y="241305"/>
+              </a:lnTo>
+              <a:lnTo>
+                <a:pt x="0" y="241305"/>
+              </a:lnTo>
+              <a:lnTo>
+                <a:pt x="0" y="354094"/>
+              </a:lnTo>
+            </a:path>
+          </a:pathLst>
+        </a:custGeom>
+        <a:noFill/>
+        <a:ln w="12700" cap="flat" cmpd="sng" algn="ctr">
+          <a:solidFill>
+            <a:schemeClr val="dk1">
+              <a:shade val="60000"/>
+              <a:hueOff val="0"/>
+              <a:satOff val="0"/>
+              <a:lumOff val="0"/>
+              <a:alphaOff val="0"/>
+            </a:schemeClr>
+          </a:solidFill>
+          <a:prstDash val="solid"/>
+          <a:miter lim="800000"/>
+        </a:ln>
+        <a:effectLst/>
+      </dsp:spPr>
+      <dsp:style>
+        <a:lnRef idx="2">
+          <a:scrgbClr r="0" g="0" b="0"/>
+        </a:lnRef>
+        <a:fillRef idx="0">
+          <a:scrgbClr r="0" g="0" b="0"/>
+        </a:fillRef>
+        <a:effectRef idx="0">
+          <a:scrgbClr r="0" g="0" b="0"/>
+        </a:effectRef>
+        <a:fontRef idx="minor"/>
+      </dsp:style>
+    </dsp:sp>
+    <dsp:sp modelId="{558C2001-B997-4C02-BF1D-AB9D6A16150F}">
+      <dsp:nvSpPr>
+        <dsp:cNvPr id="0" name=""/>
+        <dsp:cNvSpPr/>
+      </dsp:nvSpPr>
+      <dsp:spPr>
+        <a:xfrm>
+          <a:off x="2529741" y="595"/>
+          <a:ext cx="1217517" cy="773123"/>
         </a:xfrm>
         <a:prstGeom prst="roundRect">
           <a:avLst>
@@ -3722,111 +5666,16 @@
           <a:schemeClr val="lt1"/>
         </a:fontRef>
       </dsp:style>
-      <dsp:txBody>
-        <a:bodyPr spcFirstLastPara="0" vert="horz" wrap="square" lIns="30480" tIns="20320" rIns="30480" bIns="20320" numCol="1" spcCol="1270" anchor="ctr" anchorCtr="0">
-          <a:noAutofit/>
-        </a:bodyPr>
-        <a:lstStyle/>
-        <a:p>
-          <a:pPr marL="0" lvl="0" indent="0" algn="ctr" defTabSz="711200">
-            <a:lnSpc>
-              <a:spcPct val="90000"/>
-            </a:lnSpc>
-            <a:spcBef>
-              <a:spcPct val="0"/>
-            </a:spcBef>
-            <a:spcAft>
-              <a:spcPct val="35000"/>
-            </a:spcAft>
-            <a:buNone/>
-          </a:pPr>
-          <a:r>
-            <a:rPr lang="pt-BR" sz="1600" kern="1200" dirty="0"/>
-            <a:t>Passo Constante (</a:t>
-          </a:r>
-          <a:r>
-            <a:rPr lang="pt-BR" sz="1600" kern="1200" dirty="0" err="1"/>
-            <a:t>ConstantStep</a:t>
-          </a:r>
-          <a:r>
-            <a:rPr lang="pt-BR" sz="1600" kern="1200" dirty="0"/>
-            <a:t>)</a:t>
-          </a:r>
-        </a:p>
-      </dsp:txBody>
-      <dsp:txXfrm>
-        <a:off x="28304" y="608864"/>
-        <a:ext cx="1822943" cy="883969"/>
-      </dsp:txXfrm>
     </dsp:sp>
-    <dsp:sp modelId="{40FBDA63-C110-4BDD-9044-250326CDB623}">
+    <dsp:sp modelId="{0DFDE87B-6500-4503-9538-C57113152415}">
       <dsp:nvSpPr>
         <dsp:cNvPr id="0" name=""/>
         <dsp:cNvSpPr/>
       </dsp:nvSpPr>
       <dsp:spPr>
         <a:xfrm>
-          <a:off x="188597" y="1520335"/>
-          <a:ext cx="187794" cy="704230"/>
-        </a:xfrm>
-        <a:custGeom>
-          <a:avLst/>
-          <a:gdLst/>
-          <a:ahLst/>
-          <a:cxnLst/>
-          <a:rect l="0" t="0" r="0" b="0"/>
-          <a:pathLst>
-            <a:path>
-              <a:moveTo>
-                <a:pt x="0" y="0"/>
-              </a:moveTo>
-              <a:lnTo>
-                <a:pt x="0" y="704230"/>
-              </a:lnTo>
-              <a:lnTo>
-                <a:pt x="187794" y="704230"/>
-              </a:lnTo>
-            </a:path>
-          </a:pathLst>
-        </a:custGeom>
-        <a:noFill/>
-        <a:ln w="12700" cap="flat" cmpd="sng" algn="ctr">
-          <a:solidFill>
-            <a:schemeClr val="dk1">
-              <a:shade val="60000"/>
-              <a:hueOff val="0"/>
-              <a:satOff val="0"/>
-              <a:lumOff val="0"/>
-              <a:alphaOff val="0"/>
-            </a:schemeClr>
-          </a:solidFill>
-          <a:prstDash val="solid"/>
-          <a:miter lim="800000"/>
-        </a:ln>
-        <a:effectLst/>
-      </dsp:spPr>
-      <dsp:style>
-        <a:lnRef idx="2">
-          <a:scrgbClr r="0" g="0" b="0"/>
-        </a:lnRef>
-        <a:fillRef idx="0">
-          <a:scrgbClr r="0" g="0" b="0"/>
-        </a:fillRef>
-        <a:effectRef idx="0">
-          <a:scrgbClr r="0" g="0" b="0"/>
-        </a:effectRef>
-        <a:fontRef idx="minor"/>
-      </dsp:style>
-    </dsp:sp>
-    <dsp:sp modelId="{E103B686-DDE2-4BE9-B9A2-D5694C250680}">
-      <dsp:nvSpPr>
-        <dsp:cNvPr id="0" name=""/>
-        <dsp:cNvSpPr/>
-      </dsp:nvSpPr>
-      <dsp:spPr>
-        <a:xfrm>
-          <a:off x="376391" y="1755079"/>
-          <a:ext cx="1502357" cy="938973"/>
+          <a:off x="2665021" y="129111"/>
+          <a:ext cx="1217517" cy="773123"/>
         </a:xfrm>
         <a:prstGeom prst="roundRect">
           <a:avLst>
@@ -3870,12 +5719,12 @@
         <a:fontRef idx="minor"/>
       </dsp:style>
       <dsp:txBody>
-        <a:bodyPr spcFirstLastPara="0" vert="horz" wrap="square" lIns="22860" tIns="15240" rIns="22860" bIns="15240" numCol="1" spcCol="1270" anchor="ctr" anchorCtr="0">
+        <a:bodyPr spcFirstLastPara="0" vert="horz" wrap="square" lIns="34290" tIns="34290" rIns="34290" bIns="34290" numCol="1" spcCol="1270" anchor="ctr" anchorCtr="0">
           <a:noAutofit/>
         </a:bodyPr>
         <a:lstStyle/>
         <a:p>
-          <a:pPr marL="0" lvl="0" indent="0" algn="ctr" defTabSz="533400">
+          <a:pPr marL="0" lvl="0" indent="0" algn="ctr" defTabSz="400050">
             <a:lnSpc>
               <a:spcPct val="90000"/>
             </a:lnSpc>
@@ -3888,59 +5737,51 @@
             <a:buNone/>
           </a:pPr>
           <a:r>
-            <a:rPr lang="pt-BR" sz="1200" kern="1200" dirty="0"/>
-            <a:t>Bisseção (</a:t>
+            <a:rPr lang="pt-BR" sz="900" kern="1200" dirty="0"/>
+            <a:t>Passo Genérico (</a:t>
           </a:r>
           <a:r>
-            <a:rPr lang="pt-BR" sz="1200" kern="1200" dirty="0" err="1"/>
-            <a:t>BissectionStep</a:t>
+            <a:rPr lang="pt-BR" sz="900" kern="1200" dirty="0" err="1"/>
+            <a:t>GenericStep</a:t>
           </a:r>
           <a:r>
-            <a:rPr lang="pt-BR" sz="1200" kern="1200" dirty="0"/>
+            <a:rPr lang="pt-BR" sz="900" kern="1200" dirty="0"/>
             <a:t>)</a:t>
           </a:r>
         </a:p>
       </dsp:txBody>
       <dsp:txXfrm>
-        <a:off x="403893" y="1782581"/>
-        <a:ext cx="1447353" cy="883969"/>
+        <a:off x="2687665" y="151755"/>
+        <a:ext cx="1172229" cy="727835"/>
       </dsp:txXfrm>
     </dsp:sp>
-    <dsp:sp modelId="{D6A2FBB2-0811-41D8-AEB1-64CFE26E41DD}">
+    <dsp:sp modelId="{8D0BFE71-BB62-4D42-AA18-5F664AB6222C}">
       <dsp:nvSpPr>
         <dsp:cNvPr id="0" name=""/>
         <dsp:cNvSpPr/>
       </dsp:nvSpPr>
       <dsp:spPr>
         <a:xfrm>
-          <a:off x="188597" y="1520335"/>
-          <a:ext cx="187794" cy="1877947"/>
+          <a:off x="1785703" y="1127813"/>
+          <a:ext cx="1217517" cy="773123"/>
         </a:xfrm>
-        <a:custGeom>
-          <a:avLst/>
-          <a:gdLst/>
-          <a:ahLst/>
-          <a:cxnLst/>
-          <a:rect l="0" t="0" r="0" b="0"/>
-          <a:pathLst>
-            <a:path>
-              <a:moveTo>
-                <a:pt x="0" y="0"/>
-              </a:moveTo>
-              <a:lnTo>
-                <a:pt x="0" y="1877947"/>
-              </a:lnTo>
-              <a:lnTo>
-                <a:pt x="187794" y="1877947"/>
-              </a:lnTo>
-            </a:path>
-          </a:pathLst>
-        </a:custGeom>
-        <a:noFill/>
+        <a:prstGeom prst="roundRect">
+          <a:avLst>
+            <a:gd name="adj" fmla="val 10000"/>
+          </a:avLst>
+        </a:prstGeom>
+        <a:solidFill>
+          <a:schemeClr val="lt1">
+            <a:hueOff val="0"/>
+            <a:satOff val="0"/>
+            <a:lumOff val="0"/>
+            <a:alphaOff val="0"/>
+          </a:schemeClr>
+        </a:solidFill>
         <a:ln w="12700" cap="flat" cmpd="sng" algn="ctr">
           <a:solidFill>
             <a:schemeClr val="dk1">
-              <a:shade val="60000"/>
+              <a:shade val="80000"/>
               <a:hueOff val="0"/>
               <a:satOff val="0"/>
               <a:lumOff val="0"/>
@@ -3956,7 +5797,61 @@
         <a:lnRef idx="2">
           <a:scrgbClr r="0" g="0" b="0"/>
         </a:lnRef>
-        <a:fillRef idx="0">
+        <a:fillRef idx="1">
+          <a:scrgbClr r="0" g="0" b="0"/>
+        </a:fillRef>
+        <a:effectRef idx="0">
+          <a:scrgbClr r="0" g="0" b="0"/>
+        </a:effectRef>
+        <a:fontRef idx="minor">
+          <a:schemeClr val="lt1"/>
+        </a:fontRef>
+      </dsp:style>
+    </dsp:sp>
+    <dsp:sp modelId="{69E9D026-B53D-4F38-9B76-CD2CFAF03232}">
+      <dsp:nvSpPr>
+        <dsp:cNvPr id="0" name=""/>
+        <dsp:cNvSpPr/>
+      </dsp:nvSpPr>
+      <dsp:spPr>
+        <a:xfrm>
+          <a:off x="1920982" y="1256329"/>
+          <a:ext cx="1217517" cy="773123"/>
+        </a:xfrm>
+        <a:prstGeom prst="roundRect">
+          <a:avLst>
+            <a:gd name="adj" fmla="val 10000"/>
+          </a:avLst>
+        </a:prstGeom>
+        <a:solidFill>
+          <a:prstClr val="black">
+            <a:alpha val="90000"/>
+            <a:tint val="40000"/>
+            <a:hueOff val="0"/>
+            <a:satOff val="0"/>
+            <a:lumOff val="0"/>
+            <a:alphaOff val="0"/>
+          </a:prstClr>
+        </a:solidFill>
+        <a:ln w="12700" cap="flat" cmpd="sng" algn="ctr">
+          <a:solidFill>
+            <a:prstClr val="black">
+              <a:hueOff val="0"/>
+              <a:satOff val="0"/>
+              <a:lumOff val="0"/>
+              <a:alphaOff val="0"/>
+            </a:prstClr>
+          </a:solidFill>
+          <a:prstDash val="solid"/>
+          <a:miter lim="800000"/>
+        </a:ln>
+        <a:effectLst/>
+      </dsp:spPr>
+      <dsp:style>
+        <a:lnRef idx="2">
+          <a:scrgbClr r="0" g="0" b="0"/>
+        </a:lnRef>
+        <a:fillRef idx="1">
           <a:scrgbClr r="0" g="0" b="0"/>
         </a:fillRef>
         <a:effectRef idx="0">
@@ -3964,16 +5859,405 @@
         </a:effectRef>
         <a:fontRef idx="minor"/>
       </dsp:style>
+      <dsp:txBody>
+        <a:bodyPr spcFirstLastPara="0" vert="horz" wrap="square" lIns="22860" tIns="15240" rIns="22860" bIns="15240" numCol="1" spcCol="1270" anchor="ctr" anchorCtr="0">
+          <a:noAutofit/>
+        </a:bodyPr>
+        <a:lstStyle/>
+        <a:p>
+          <a:pPr marL="0" lvl="0" indent="0" algn="ctr" defTabSz="400050">
+            <a:lnSpc>
+              <a:spcPct val="90000"/>
+            </a:lnSpc>
+            <a:spcBef>
+              <a:spcPct val="0"/>
+            </a:spcBef>
+            <a:spcAft>
+              <a:spcPct val="35000"/>
+            </a:spcAft>
+            <a:buNone/>
+          </a:pPr>
+          <a:r>
+            <a:rPr lang="pt-BR" sz="900" kern="1200" dirty="0"/>
+            <a:t>Passo Constante (</a:t>
+          </a:r>
+          <a:r>
+            <a:rPr lang="pt-BR" sz="900" kern="1200" dirty="0" err="1"/>
+            <a:t>ConstantStep</a:t>
+          </a:r>
+          <a:r>
+            <a:rPr lang="pt-BR" sz="900" kern="1200" dirty="0"/>
+            <a:t>)</a:t>
+          </a:r>
+        </a:p>
+      </dsp:txBody>
+      <dsp:txXfrm>
+        <a:off x="1943626" y="1278973"/>
+        <a:ext cx="1172229" cy="727835"/>
+      </dsp:txXfrm>
     </dsp:sp>
-    <dsp:sp modelId="{8C277BDD-A852-4E64-AB77-4F025B0D0A35}">
+    <dsp:sp modelId="{4BE981C2-7CAA-4D11-B144-2005E3D6D9A5}">
       <dsp:nvSpPr>
         <dsp:cNvPr id="0" name=""/>
         <dsp:cNvSpPr/>
       </dsp:nvSpPr>
       <dsp:spPr>
         <a:xfrm>
-          <a:off x="376391" y="2928796"/>
-          <a:ext cx="1502357" cy="938973"/>
+          <a:off x="1041664" y="2255032"/>
+          <a:ext cx="1217517" cy="773123"/>
+        </a:xfrm>
+        <a:prstGeom prst="roundRect">
+          <a:avLst>
+            <a:gd name="adj" fmla="val 10000"/>
+          </a:avLst>
+        </a:prstGeom>
+        <a:solidFill>
+          <a:schemeClr val="lt1">
+            <a:hueOff val="0"/>
+            <a:satOff val="0"/>
+            <a:lumOff val="0"/>
+            <a:alphaOff val="0"/>
+          </a:schemeClr>
+        </a:solidFill>
+        <a:ln w="12700" cap="flat" cmpd="sng" algn="ctr">
+          <a:solidFill>
+            <a:schemeClr val="dk1">
+              <a:shade val="80000"/>
+              <a:hueOff val="0"/>
+              <a:satOff val="0"/>
+              <a:lumOff val="0"/>
+              <a:alphaOff val="0"/>
+            </a:schemeClr>
+          </a:solidFill>
+          <a:prstDash val="solid"/>
+          <a:miter lim="800000"/>
+        </a:ln>
+        <a:effectLst/>
+      </dsp:spPr>
+      <dsp:style>
+        <a:lnRef idx="2">
+          <a:scrgbClr r="0" g="0" b="0"/>
+        </a:lnRef>
+        <a:fillRef idx="1">
+          <a:scrgbClr r="0" g="0" b="0"/>
+        </a:fillRef>
+        <a:effectRef idx="0">
+          <a:scrgbClr r="0" g="0" b="0"/>
+        </a:effectRef>
+        <a:fontRef idx="minor">
+          <a:schemeClr val="lt1"/>
+        </a:fontRef>
+      </dsp:style>
+    </dsp:sp>
+    <dsp:sp modelId="{5C498125-60E6-4AF7-B49D-818139A3C034}">
+      <dsp:nvSpPr>
+        <dsp:cNvPr id="0" name=""/>
+        <dsp:cNvSpPr/>
+      </dsp:nvSpPr>
+      <dsp:spPr>
+        <a:xfrm>
+          <a:off x="1176944" y="2383547"/>
+          <a:ext cx="1217517" cy="773123"/>
+        </a:xfrm>
+        <a:prstGeom prst="roundRect">
+          <a:avLst>
+            <a:gd name="adj" fmla="val 10000"/>
+          </a:avLst>
+        </a:prstGeom>
+        <a:solidFill>
+          <a:prstClr val="black">
+            <a:alpha val="90000"/>
+            <a:tint val="40000"/>
+            <a:hueOff val="0"/>
+            <a:satOff val="0"/>
+            <a:lumOff val="0"/>
+            <a:alphaOff val="0"/>
+          </a:prstClr>
+        </a:solidFill>
+        <a:ln w="12700" cap="flat" cmpd="sng" algn="ctr">
+          <a:solidFill>
+            <a:prstClr val="black">
+              <a:hueOff val="0"/>
+              <a:satOff val="0"/>
+              <a:lumOff val="0"/>
+              <a:alphaOff val="0"/>
+            </a:prstClr>
+          </a:solidFill>
+          <a:prstDash val="solid"/>
+          <a:miter lim="800000"/>
+        </a:ln>
+        <a:effectLst/>
+      </dsp:spPr>
+      <dsp:style>
+        <a:lnRef idx="2">
+          <a:scrgbClr r="0" g="0" b="0"/>
+        </a:lnRef>
+        <a:fillRef idx="1">
+          <a:scrgbClr r="0" g="0" b="0"/>
+        </a:fillRef>
+        <a:effectRef idx="0">
+          <a:scrgbClr r="0" g="0" b="0"/>
+        </a:effectRef>
+        <a:fontRef idx="minor"/>
+      </dsp:style>
+      <dsp:txBody>
+        <a:bodyPr spcFirstLastPara="0" vert="horz" wrap="square" lIns="22860" tIns="15240" rIns="22860" bIns="15240" numCol="1" spcCol="1270" anchor="ctr" anchorCtr="0">
+          <a:noAutofit/>
+        </a:bodyPr>
+        <a:lstStyle/>
+        <a:p>
+          <a:pPr marL="0" lvl="0" indent="0" algn="ctr" defTabSz="400050">
+            <a:lnSpc>
+              <a:spcPct val="90000"/>
+            </a:lnSpc>
+            <a:spcBef>
+              <a:spcPct val="0"/>
+            </a:spcBef>
+            <a:spcAft>
+              <a:spcPct val="35000"/>
+            </a:spcAft>
+            <a:buNone/>
+          </a:pPr>
+          <a:r>
+            <a:rPr lang="pt-BR" sz="900" kern="1200" dirty="0"/>
+            <a:t>Bisseção (</a:t>
+          </a:r>
+          <a:r>
+            <a:rPr lang="pt-BR" sz="900" kern="1200" dirty="0" err="1"/>
+            <a:t>BissectionStep</a:t>
+          </a:r>
+          <a:r>
+            <a:rPr lang="pt-BR" sz="900" kern="1200" dirty="0"/>
+            <a:t>)</a:t>
+          </a:r>
+        </a:p>
+      </dsp:txBody>
+      <dsp:txXfrm>
+        <a:off x="1199588" y="2406191"/>
+        <a:ext cx="1172229" cy="727835"/>
+      </dsp:txXfrm>
+    </dsp:sp>
+    <dsp:sp modelId="{9FF21327-1CD0-4838-8DBE-6E9FC9FED9FC}">
+      <dsp:nvSpPr>
+        <dsp:cNvPr id="0" name=""/>
+        <dsp:cNvSpPr/>
+      </dsp:nvSpPr>
+      <dsp:spPr>
+        <a:xfrm>
+          <a:off x="2529741" y="2255032"/>
+          <a:ext cx="1217517" cy="773123"/>
+        </a:xfrm>
+        <a:prstGeom prst="roundRect">
+          <a:avLst>
+            <a:gd name="adj" fmla="val 10000"/>
+          </a:avLst>
+        </a:prstGeom>
+        <a:solidFill>
+          <a:schemeClr val="lt1">
+            <a:hueOff val="0"/>
+            <a:satOff val="0"/>
+            <a:lumOff val="0"/>
+            <a:alphaOff val="0"/>
+          </a:schemeClr>
+        </a:solidFill>
+        <a:ln w="12700" cap="flat" cmpd="sng" algn="ctr">
+          <a:solidFill>
+            <a:schemeClr val="dk1">
+              <a:shade val="80000"/>
+              <a:hueOff val="0"/>
+              <a:satOff val="0"/>
+              <a:lumOff val="0"/>
+              <a:alphaOff val="0"/>
+            </a:schemeClr>
+          </a:solidFill>
+          <a:prstDash val="solid"/>
+          <a:miter lim="800000"/>
+        </a:ln>
+        <a:effectLst/>
+      </dsp:spPr>
+      <dsp:style>
+        <a:lnRef idx="2">
+          <a:scrgbClr r="0" g="0" b="0"/>
+        </a:lnRef>
+        <a:fillRef idx="1">
+          <a:scrgbClr r="0" g="0" b="0"/>
+        </a:fillRef>
+        <a:effectRef idx="0">
+          <a:scrgbClr r="0" g="0" b="0"/>
+        </a:effectRef>
+        <a:fontRef idx="minor">
+          <a:schemeClr val="lt1"/>
+        </a:fontRef>
+      </dsp:style>
+    </dsp:sp>
+    <dsp:sp modelId="{D5910FC3-6A1E-4A26-B354-99FEBFF83837}">
+      <dsp:nvSpPr>
+        <dsp:cNvPr id="0" name=""/>
+        <dsp:cNvSpPr/>
+      </dsp:nvSpPr>
+      <dsp:spPr>
+        <a:xfrm>
+          <a:off x="2665021" y="2383547"/>
+          <a:ext cx="1217517" cy="773123"/>
+        </a:xfrm>
+        <a:prstGeom prst="roundRect">
+          <a:avLst>
+            <a:gd name="adj" fmla="val 10000"/>
+          </a:avLst>
+        </a:prstGeom>
+        <a:solidFill>
+          <a:prstClr val="black">
+            <a:alpha val="90000"/>
+            <a:tint val="40000"/>
+            <a:hueOff val="0"/>
+            <a:satOff val="0"/>
+            <a:lumOff val="0"/>
+            <a:alphaOff val="0"/>
+          </a:prstClr>
+        </a:solidFill>
+        <a:ln w="12700" cap="flat" cmpd="sng" algn="ctr">
+          <a:solidFill>
+            <a:prstClr val="black">
+              <a:hueOff val="0"/>
+              <a:satOff val="0"/>
+              <a:lumOff val="0"/>
+              <a:alphaOff val="0"/>
+            </a:prstClr>
+          </a:solidFill>
+          <a:prstDash val="solid"/>
+          <a:miter lim="800000"/>
+        </a:ln>
+        <a:effectLst/>
+      </dsp:spPr>
+      <dsp:style>
+        <a:lnRef idx="2">
+          <a:scrgbClr r="0" g="0" b="0"/>
+        </a:lnRef>
+        <a:fillRef idx="1">
+          <a:scrgbClr r="0" g="0" b="0"/>
+        </a:fillRef>
+        <a:effectRef idx="0">
+          <a:scrgbClr r="0" g="0" b="0"/>
+        </a:effectRef>
+        <a:fontRef idx="minor"/>
+      </dsp:style>
+      <dsp:txBody>
+        <a:bodyPr spcFirstLastPara="0" vert="horz" wrap="square" lIns="22860" tIns="15240" rIns="22860" bIns="15240" numCol="1" spcCol="1270" anchor="ctr" anchorCtr="0">
+          <a:noAutofit/>
+        </a:bodyPr>
+        <a:lstStyle/>
+        <a:p>
+          <a:pPr marL="0" lvl="0" indent="0" algn="ctr" defTabSz="400050">
+            <a:lnSpc>
+              <a:spcPct val="90000"/>
+            </a:lnSpc>
+            <a:spcBef>
+              <a:spcPct val="0"/>
+            </a:spcBef>
+            <a:spcAft>
+              <a:spcPct val="35000"/>
+            </a:spcAft>
+            <a:buNone/>
+          </a:pPr>
+          <a:r>
+            <a:rPr lang="pt-BR" sz="900" kern="1200" dirty="0"/>
+            <a:t>Seção Áurea</a:t>
+          </a:r>
+        </a:p>
+        <a:p>
+          <a:pPr marL="0" lvl="0" indent="0" algn="ctr" defTabSz="400050">
+            <a:lnSpc>
+              <a:spcPct val="90000"/>
+            </a:lnSpc>
+            <a:spcBef>
+              <a:spcPct val="0"/>
+            </a:spcBef>
+            <a:spcAft>
+              <a:spcPct val="35000"/>
+            </a:spcAft>
+            <a:buNone/>
+          </a:pPr>
+          <a:r>
+            <a:rPr lang="pt-BR" sz="900" kern="1200" dirty="0"/>
+            <a:t>(</a:t>
+          </a:r>
+          <a:r>
+            <a:rPr lang="pt-BR" sz="900" kern="1200" dirty="0" err="1"/>
+            <a:t>GoldenSectionStep</a:t>
+          </a:r>
+          <a:r>
+            <a:rPr lang="pt-BR" sz="900" kern="1200" dirty="0"/>
+            <a:t>)</a:t>
+          </a:r>
+        </a:p>
+      </dsp:txBody>
+      <dsp:txXfrm>
+        <a:off x="2687665" y="2406191"/>
+        <a:ext cx="1172229" cy="727835"/>
+      </dsp:txXfrm>
+    </dsp:sp>
+    <dsp:sp modelId="{DAF6E9DF-0ECA-4E7B-98EB-C83913F86A18}">
+      <dsp:nvSpPr>
+        <dsp:cNvPr id="0" name=""/>
+        <dsp:cNvSpPr/>
+      </dsp:nvSpPr>
+      <dsp:spPr>
+        <a:xfrm>
+          <a:off x="3273780" y="1127813"/>
+          <a:ext cx="1217517" cy="773123"/>
+        </a:xfrm>
+        <a:prstGeom prst="roundRect">
+          <a:avLst>
+            <a:gd name="adj" fmla="val 10000"/>
+          </a:avLst>
+        </a:prstGeom>
+        <a:solidFill>
+          <a:schemeClr val="lt1">
+            <a:hueOff val="0"/>
+            <a:satOff val="0"/>
+            <a:lumOff val="0"/>
+            <a:alphaOff val="0"/>
+          </a:schemeClr>
+        </a:solidFill>
+        <a:ln w="12700" cap="flat" cmpd="sng" algn="ctr">
+          <a:solidFill>
+            <a:schemeClr val="dk1">
+              <a:shade val="80000"/>
+              <a:hueOff val="0"/>
+              <a:satOff val="0"/>
+              <a:lumOff val="0"/>
+              <a:alphaOff val="0"/>
+            </a:schemeClr>
+          </a:solidFill>
+          <a:prstDash val="solid"/>
+          <a:miter lim="800000"/>
+        </a:ln>
+        <a:effectLst/>
+      </dsp:spPr>
+      <dsp:style>
+        <a:lnRef idx="2">
+          <a:scrgbClr r="0" g="0" b="0"/>
+        </a:lnRef>
+        <a:fillRef idx="1">
+          <a:scrgbClr r="0" g="0" b="0"/>
+        </a:fillRef>
+        <a:effectRef idx="0">
+          <a:scrgbClr r="0" g="0" b="0"/>
+        </a:effectRef>
+        <a:fontRef idx="minor">
+          <a:schemeClr val="lt1"/>
+        </a:fontRef>
+      </dsp:style>
+    </dsp:sp>
+    <dsp:sp modelId="{A38D195C-33C1-4F30-AA16-31F63E20819B}">
+      <dsp:nvSpPr>
+        <dsp:cNvPr id="0" name=""/>
+        <dsp:cNvSpPr/>
+      </dsp:nvSpPr>
+      <dsp:spPr>
+        <a:xfrm>
+          <a:off x="3409059" y="1256329"/>
+          <a:ext cx="1217517" cy="773123"/>
         </a:xfrm>
         <a:prstGeom prst="roundRect">
           <a:avLst>
@@ -4017,12 +6301,12 @@
         <a:fontRef idx="minor"/>
       </dsp:style>
       <dsp:txBody>
-        <a:bodyPr spcFirstLastPara="0" vert="horz" wrap="square" lIns="22860" tIns="15240" rIns="22860" bIns="15240" numCol="1" spcCol="1270" anchor="ctr" anchorCtr="0">
+        <a:bodyPr spcFirstLastPara="0" vert="horz" wrap="square" lIns="34290" tIns="34290" rIns="34290" bIns="34290" numCol="1" spcCol="1270" anchor="ctr" anchorCtr="0">
           <a:noAutofit/>
         </a:bodyPr>
         <a:lstStyle/>
         <a:p>
-          <a:pPr marL="0" lvl="0" indent="0" algn="ctr" defTabSz="533400">
+          <a:pPr marL="0" lvl="0" indent="0" algn="ctr" defTabSz="400050">
             <a:lnSpc>
               <a:spcPct val="90000"/>
             </a:lnSpc>
@@ -4035,51 +6319,33 @@
             <a:buNone/>
           </a:pPr>
           <a:r>
-            <a:rPr lang="pt-BR" sz="1200" kern="1200" dirty="0"/>
-            <a:t>Seção Áurea</a:t>
-          </a:r>
-        </a:p>
-        <a:p>
-          <a:pPr marL="0" lvl="0" indent="0" algn="ctr" defTabSz="533400">
-            <a:lnSpc>
-              <a:spcPct val="90000"/>
-            </a:lnSpc>
-            <a:spcBef>
-              <a:spcPct val="0"/>
-            </a:spcBef>
-            <a:spcAft>
-              <a:spcPct val="35000"/>
-            </a:spcAft>
-            <a:buNone/>
-          </a:pPr>
-          <a:r>
-            <a:rPr lang="pt-BR" sz="1200" kern="1200" dirty="0"/>
-            <a:t>(</a:t>
+            <a:rPr lang="pt-BR" sz="900" kern="1200" dirty="0"/>
+            <a:t>Passo Analítico (</a:t>
           </a:r>
           <a:r>
-            <a:rPr lang="pt-BR" sz="1200" kern="1200" dirty="0" err="1"/>
-            <a:t>GoldenSectionStep</a:t>
+            <a:rPr lang="pt-BR" sz="900" kern="1200" dirty="0" err="1"/>
+            <a:t>AnalyticalStep</a:t>
           </a:r>
           <a:r>
-            <a:rPr lang="pt-BR" sz="1200" kern="1200" dirty="0"/>
+            <a:rPr lang="pt-BR" sz="900" kern="1200" dirty="0"/>
             <a:t>)</a:t>
           </a:r>
         </a:p>
       </dsp:txBody>
       <dsp:txXfrm>
-        <a:off x="403893" y="2956298"/>
-        <a:ext cx="1447353" cy="883969"/>
+        <a:off x="3431703" y="1278973"/>
+        <a:ext cx="1172229" cy="727835"/>
       </dsp:txXfrm>
     </dsp:sp>
-    <dsp:sp modelId="{09759D94-5E5C-4BC7-8D72-48DC0EEF551C}">
+    <dsp:sp modelId="{B0B1A96D-BAB4-400D-95E7-87AE45AC4EB3}">
       <dsp:nvSpPr>
         <dsp:cNvPr id="0" name=""/>
         <dsp:cNvSpPr/>
       </dsp:nvSpPr>
       <dsp:spPr>
         <a:xfrm>
-          <a:off x="2348236" y="581362"/>
-          <a:ext cx="1877947" cy="938973"/>
+          <a:off x="5505895" y="595"/>
+          <a:ext cx="1217517" cy="773123"/>
         </a:xfrm>
         <a:prstGeom prst="roundRect">
           <a:avLst>
@@ -4123,111 +6389,16 @@
           <a:schemeClr val="lt1"/>
         </a:fontRef>
       </dsp:style>
-      <dsp:txBody>
-        <a:bodyPr spcFirstLastPara="0" vert="horz" wrap="square" lIns="30480" tIns="20320" rIns="30480" bIns="20320" numCol="1" spcCol="1270" anchor="ctr" anchorCtr="0">
-          <a:noAutofit/>
-        </a:bodyPr>
-        <a:lstStyle/>
-        <a:p>
-          <a:pPr marL="0" lvl="0" indent="0" algn="ctr" defTabSz="711200">
-            <a:lnSpc>
-              <a:spcPct val="90000"/>
-            </a:lnSpc>
-            <a:spcBef>
-              <a:spcPct val="0"/>
-            </a:spcBef>
-            <a:spcAft>
-              <a:spcPct val="35000"/>
-            </a:spcAft>
-            <a:buNone/>
-          </a:pPr>
-          <a:r>
-            <a:rPr lang="pt-BR" sz="1600" kern="1200" dirty="0"/>
-            <a:t>Função com método de derivadas (</a:t>
-          </a:r>
-          <a:r>
-            <a:rPr lang="pt-BR" sz="1600" kern="1200" dirty="0" err="1"/>
-            <a:t>SpecialFunction</a:t>
-          </a:r>
-          <a:r>
-            <a:rPr lang="pt-BR" sz="1600" kern="1200" dirty="0"/>
-            <a:t>)</a:t>
-          </a:r>
-        </a:p>
-      </dsp:txBody>
-      <dsp:txXfrm>
-        <a:off x="2375738" y="608864"/>
-        <a:ext cx="1822943" cy="883969"/>
-      </dsp:txXfrm>
     </dsp:sp>
-    <dsp:sp modelId="{6E29E440-DF3A-4081-98B8-8285B11E78AD}">
+    <dsp:sp modelId="{EEDCC506-AE82-4D4B-B483-F69A30BA0259}">
       <dsp:nvSpPr>
         <dsp:cNvPr id="0" name=""/>
         <dsp:cNvSpPr/>
       </dsp:nvSpPr>
       <dsp:spPr>
         <a:xfrm>
-          <a:off x="2536031" y="1520335"/>
-          <a:ext cx="187794" cy="704230"/>
-        </a:xfrm>
-        <a:custGeom>
-          <a:avLst/>
-          <a:gdLst/>
-          <a:ahLst/>
-          <a:cxnLst/>
-          <a:rect l="0" t="0" r="0" b="0"/>
-          <a:pathLst>
-            <a:path>
-              <a:moveTo>
-                <a:pt x="0" y="0"/>
-              </a:moveTo>
-              <a:lnTo>
-                <a:pt x="0" y="704230"/>
-              </a:lnTo>
-              <a:lnTo>
-                <a:pt x="187794" y="704230"/>
-              </a:lnTo>
-            </a:path>
-          </a:pathLst>
-        </a:custGeom>
-        <a:noFill/>
-        <a:ln w="12700" cap="flat" cmpd="sng" algn="ctr">
-          <a:solidFill>
-            <a:schemeClr val="dk1">
-              <a:shade val="60000"/>
-              <a:hueOff val="0"/>
-              <a:satOff val="0"/>
-              <a:lumOff val="0"/>
-              <a:alphaOff val="0"/>
-            </a:schemeClr>
-          </a:solidFill>
-          <a:prstDash val="solid"/>
-          <a:miter lim="800000"/>
-        </a:ln>
-        <a:effectLst/>
-      </dsp:spPr>
-      <dsp:style>
-        <a:lnRef idx="2">
-          <a:scrgbClr r="0" g="0" b="0"/>
-        </a:lnRef>
-        <a:fillRef idx="0">
-          <a:scrgbClr r="0" g="0" b="0"/>
-        </a:fillRef>
-        <a:effectRef idx="0">
-          <a:scrgbClr r="0" g="0" b="0"/>
-        </a:effectRef>
-        <a:fontRef idx="minor"/>
-      </dsp:style>
-    </dsp:sp>
-    <dsp:sp modelId="{DBBC727F-7E38-4BFA-96EC-E2C11A318E39}">
-      <dsp:nvSpPr>
-        <dsp:cNvPr id="0" name=""/>
-        <dsp:cNvSpPr/>
-      </dsp:nvSpPr>
-      <dsp:spPr>
-        <a:xfrm>
-          <a:off x="2723825" y="1755079"/>
-          <a:ext cx="1502357" cy="938973"/>
+          <a:off x="5641175" y="129111"/>
+          <a:ext cx="1217517" cy="773123"/>
         </a:xfrm>
         <a:prstGeom prst="roundRect">
           <a:avLst>
@@ -4271,12 +6442,12 @@
         <a:fontRef idx="minor"/>
       </dsp:style>
       <dsp:txBody>
-        <a:bodyPr spcFirstLastPara="0" vert="horz" wrap="square" lIns="22860" tIns="15240" rIns="22860" bIns="15240" numCol="1" spcCol="1270" anchor="ctr" anchorCtr="0">
+        <a:bodyPr spcFirstLastPara="0" vert="horz" wrap="square" lIns="34290" tIns="34290" rIns="34290" bIns="34290" numCol="1" spcCol="1270" anchor="ctr" anchorCtr="0">
           <a:noAutofit/>
         </a:bodyPr>
         <a:lstStyle/>
         <a:p>
-          <a:pPr marL="0" lvl="0" indent="0" algn="ctr" defTabSz="533400">
+          <a:pPr marL="0" lvl="0" indent="0" algn="ctr" defTabSz="400050">
             <a:lnSpc>
               <a:spcPct val="90000"/>
             </a:lnSpc>
@@ -4289,67 +6460,51 @@
             <a:buNone/>
           </a:pPr>
           <a:r>
-            <a:rPr lang="pt-BR" sz="1200" kern="1200" dirty="0"/>
-            <a:t>Função com derivada analítica (</a:t>
+            <a:rPr lang="pt-BR" sz="900" kern="1200" dirty="0"/>
+            <a:t>Função com método de derivadas (</a:t>
           </a:r>
           <a:r>
-            <a:rPr lang="pt-BR" sz="1200" kern="1200" dirty="0" err="1"/>
-            <a:t>Analytical</a:t>
-          </a:r>
-          <a:r>
-            <a:rPr lang="pt-BR" sz="1200" kern="1200" dirty="0"/>
-            <a:t> </a:t>
-          </a:r>
-          <a:r>
-            <a:rPr lang="pt-BR" sz="1200" kern="1200" dirty="0" err="1"/>
+            <a:rPr lang="pt-BR" sz="900" kern="1200" dirty="0" err="1"/>
             <a:t>SpecialFunction</a:t>
           </a:r>
           <a:r>
-            <a:rPr lang="pt-BR" sz="1200" kern="1200" dirty="0"/>
+            <a:rPr lang="pt-BR" sz="900" kern="1200" dirty="0"/>
             <a:t>)</a:t>
           </a:r>
         </a:p>
       </dsp:txBody>
       <dsp:txXfrm>
-        <a:off x="2751327" y="1782581"/>
-        <a:ext cx="1447353" cy="883969"/>
+        <a:off x="5663819" y="151755"/>
+        <a:ext cx="1172229" cy="727835"/>
       </dsp:txXfrm>
     </dsp:sp>
-    <dsp:sp modelId="{8CDE74CE-3E5D-4EEF-9B9A-794F9D4F2F8C}">
+    <dsp:sp modelId="{9C9B0FEA-5E4B-4CF6-AD38-D4C754AE2351}">
       <dsp:nvSpPr>
         <dsp:cNvPr id="0" name=""/>
         <dsp:cNvSpPr/>
       </dsp:nvSpPr>
       <dsp:spPr>
         <a:xfrm>
-          <a:off x="2536031" y="1520335"/>
-          <a:ext cx="187794" cy="1877947"/>
+          <a:off x="4761857" y="1127813"/>
+          <a:ext cx="1217517" cy="773123"/>
         </a:xfrm>
-        <a:custGeom>
-          <a:avLst/>
-          <a:gdLst/>
-          <a:ahLst/>
-          <a:cxnLst/>
-          <a:rect l="0" t="0" r="0" b="0"/>
-          <a:pathLst>
-            <a:path>
-              <a:moveTo>
-                <a:pt x="0" y="0"/>
-              </a:moveTo>
-              <a:lnTo>
-                <a:pt x="0" y="1877947"/>
-              </a:lnTo>
-              <a:lnTo>
-                <a:pt x="187794" y="1877947"/>
-              </a:lnTo>
-            </a:path>
-          </a:pathLst>
-        </a:custGeom>
-        <a:noFill/>
+        <a:prstGeom prst="roundRect">
+          <a:avLst>
+            <a:gd name="adj" fmla="val 10000"/>
+          </a:avLst>
+        </a:prstGeom>
+        <a:solidFill>
+          <a:schemeClr val="lt1">
+            <a:hueOff val="0"/>
+            <a:satOff val="0"/>
+            <a:lumOff val="0"/>
+            <a:alphaOff val="0"/>
+          </a:schemeClr>
+        </a:solidFill>
         <a:ln w="12700" cap="flat" cmpd="sng" algn="ctr">
           <a:solidFill>
             <a:schemeClr val="dk1">
-              <a:shade val="60000"/>
+              <a:shade val="80000"/>
               <a:hueOff val="0"/>
               <a:satOff val="0"/>
               <a:lumOff val="0"/>
@@ -4365,24 +6520,26 @@
         <a:lnRef idx="2">
           <a:scrgbClr r="0" g="0" b="0"/>
         </a:lnRef>
-        <a:fillRef idx="0">
+        <a:fillRef idx="1">
           <a:scrgbClr r="0" g="0" b="0"/>
         </a:fillRef>
         <a:effectRef idx="0">
           <a:scrgbClr r="0" g="0" b="0"/>
         </a:effectRef>
-        <a:fontRef idx="minor"/>
+        <a:fontRef idx="minor">
+          <a:schemeClr val="lt1"/>
+        </a:fontRef>
       </dsp:style>
     </dsp:sp>
-    <dsp:sp modelId="{AB5E171C-2EE6-412D-B86A-B26FF7E26E76}">
+    <dsp:sp modelId="{1FEB7835-7BE7-4DC2-BE05-980C6BBB4A93}">
       <dsp:nvSpPr>
         <dsp:cNvPr id="0" name=""/>
         <dsp:cNvSpPr/>
       </dsp:nvSpPr>
       <dsp:spPr>
         <a:xfrm>
-          <a:off x="2723825" y="2928796"/>
-          <a:ext cx="1502357" cy="938973"/>
+          <a:off x="4897136" y="1256329"/>
+          <a:ext cx="1217517" cy="773123"/>
         </a:xfrm>
         <a:prstGeom prst="roundRect">
           <a:avLst>
@@ -4426,12 +6583,12 @@
         <a:fontRef idx="minor"/>
       </dsp:style>
       <dsp:txBody>
-        <a:bodyPr spcFirstLastPara="0" vert="horz" wrap="square" lIns="22860" tIns="15240" rIns="22860" bIns="15240" numCol="1" spcCol="1270" anchor="ctr" anchorCtr="0">
+        <a:bodyPr spcFirstLastPara="0" vert="horz" wrap="square" lIns="34290" tIns="34290" rIns="34290" bIns="34290" numCol="1" spcCol="1270" anchor="ctr" anchorCtr="0">
           <a:noAutofit/>
         </a:bodyPr>
         <a:lstStyle/>
         <a:p>
-          <a:pPr marL="0" lvl="0" indent="0" algn="ctr" defTabSz="533400">
+          <a:pPr marL="0" lvl="0" indent="0" algn="ctr" defTabSz="400050">
             <a:lnSpc>
               <a:spcPct val="90000"/>
             </a:lnSpc>
@@ -4444,41 +6601,41 @@
             <a:buNone/>
           </a:pPr>
           <a:r>
-            <a:rPr lang="pt-BR" sz="1200" kern="1200" dirty="0"/>
-            <a:t>Função com derivada numérica (</a:t>
+            <a:rPr lang="pt-BR" sz="900" kern="1200" dirty="0"/>
+            <a:t>Função com derivada analítica (</a:t>
           </a:r>
           <a:r>
-            <a:rPr lang="pt-BR" sz="1200" kern="1200" dirty="0" err="1"/>
-            <a:t>Numerical</a:t>
+            <a:rPr lang="pt-BR" sz="900" kern="1200" dirty="0" err="1"/>
+            <a:t>Analytical</a:t>
           </a:r>
           <a:r>
-            <a:rPr lang="pt-BR" sz="1200" kern="1200" dirty="0"/>
+            <a:rPr lang="pt-BR" sz="900" kern="1200" dirty="0"/>
             <a:t> </a:t>
           </a:r>
           <a:r>
-            <a:rPr lang="pt-BR" sz="1200" kern="1200" dirty="0" err="1"/>
+            <a:rPr lang="pt-BR" sz="900" kern="1200" dirty="0" err="1"/>
             <a:t>SpecialFunction</a:t>
           </a:r>
           <a:r>
-            <a:rPr lang="pt-BR" sz="1200" kern="1200" dirty="0"/>
+            <a:rPr lang="pt-BR" sz="900" kern="1200" dirty="0"/>
             <a:t>)</a:t>
           </a:r>
         </a:p>
       </dsp:txBody>
       <dsp:txXfrm>
-        <a:off x="2751327" y="2956298"/>
-        <a:ext cx="1447353" cy="883969"/>
+        <a:off x="4919780" y="1278973"/>
+        <a:ext cx="1172229" cy="727835"/>
       </dsp:txXfrm>
     </dsp:sp>
-    <dsp:sp modelId="{088F5D64-C4F7-4204-A437-9F93970ED5B6}">
+    <dsp:sp modelId="{5E0844BE-8E5F-4A28-A26A-31B325027ADD}">
       <dsp:nvSpPr>
         <dsp:cNvPr id="0" name=""/>
         <dsp:cNvSpPr/>
       </dsp:nvSpPr>
       <dsp:spPr>
         <a:xfrm>
-          <a:off x="4695670" y="581362"/>
-          <a:ext cx="1877947" cy="938973"/>
+          <a:off x="6249934" y="1127813"/>
+          <a:ext cx="1217517" cy="773123"/>
         </a:xfrm>
         <a:prstGeom prst="roundRect">
           <a:avLst>
@@ -4522,111 +6679,16 @@
           <a:schemeClr val="lt1"/>
         </a:fontRef>
       </dsp:style>
-      <dsp:txBody>
-        <a:bodyPr spcFirstLastPara="0" vert="horz" wrap="square" lIns="30480" tIns="20320" rIns="30480" bIns="20320" numCol="1" spcCol="1270" anchor="ctr" anchorCtr="0">
-          <a:noAutofit/>
-        </a:bodyPr>
-        <a:lstStyle/>
-        <a:p>
-          <a:pPr marL="0" lvl="0" indent="0" algn="ctr" defTabSz="711200">
-            <a:lnSpc>
-              <a:spcPct val="90000"/>
-            </a:lnSpc>
-            <a:spcBef>
-              <a:spcPct val="0"/>
-            </a:spcBef>
-            <a:spcAft>
-              <a:spcPct val="35000"/>
-            </a:spcAft>
-            <a:buNone/>
-          </a:pPr>
-          <a:r>
-            <a:rPr lang="pt-BR" sz="1600" kern="1200" dirty="0"/>
-            <a:t>Otimizador genérico (</a:t>
-          </a:r>
-          <a:r>
-            <a:rPr lang="pt-BR" sz="1600" kern="1200" dirty="0" err="1"/>
-            <a:t>GenericOptimizer</a:t>
-          </a:r>
-          <a:r>
-            <a:rPr lang="pt-BR" sz="1600" kern="1200" dirty="0"/>
-            <a:t>)</a:t>
-          </a:r>
-        </a:p>
-      </dsp:txBody>
-      <dsp:txXfrm>
-        <a:off x="4723172" y="608864"/>
-        <a:ext cx="1822943" cy="883969"/>
-      </dsp:txXfrm>
     </dsp:sp>
-    <dsp:sp modelId="{57E121F1-8029-4315-9AC8-A65C56863819}">
+    <dsp:sp modelId="{D6BDF4F4-811D-467F-853E-051EC0598C1C}">
       <dsp:nvSpPr>
         <dsp:cNvPr id="0" name=""/>
         <dsp:cNvSpPr/>
       </dsp:nvSpPr>
       <dsp:spPr>
         <a:xfrm>
-          <a:off x="4883465" y="1520335"/>
-          <a:ext cx="187794" cy="704230"/>
-        </a:xfrm>
-        <a:custGeom>
-          <a:avLst/>
-          <a:gdLst/>
-          <a:ahLst/>
-          <a:cxnLst/>
-          <a:rect l="0" t="0" r="0" b="0"/>
-          <a:pathLst>
-            <a:path>
-              <a:moveTo>
-                <a:pt x="0" y="0"/>
-              </a:moveTo>
-              <a:lnTo>
-                <a:pt x="0" y="704230"/>
-              </a:lnTo>
-              <a:lnTo>
-                <a:pt x="187794" y="704230"/>
-              </a:lnTo>
-            </a:path>
-          </a:pathLst>
-        </a:custGeom>
-        <a:noFill/>
-        <a:ln w="12700" cap="flat" cmpd="sng" algn="ctr">
-          <a:solidFill>
-            <a:schemeClr val="dk1">
-              <a:shade val="60000"/>
-              <a:hueOff val="0"/>
-              <a:satOff val="0"/>
-              <a:lumOff val="0"/>
-              <a:alphaOff val="0"/>
-            </a:schemeClr>
-          </a:solidFill>
-          <a:prstDash val="solid"/>
-          <a:miter lim="800000"/>
-        </a:ln>
-        <a:effectLst/>
-      </dsp:spPr>
-      <dsp:style>
-        <a:lnRef idx="2">
-          <a:scrgbClr r="0" g="0" b="0"/>
-        </a:lnRef>
-        <a:fillRef idx="0">
-          <a:scrgbClr r="0" g="0" b="0"/>
-        </a:fillRef>
-        <a:effectRef idx="0">
-          <a:scrgbClr r="0" g="0" b="0"/>
-        </a:effectRef>
-        <a:fontRef idx="minor"/>
-      </dsp:style>
-    </dsp:sp>
-    <dsp:sp modelId="{E5DE8510-36CC-4929-BD2D-749ED212F441}">
-      <dsp:nvSpPr>
-        <dsp:cNvPr id="0" name=""/>
-        <dsp:cNvSpPr/>
-      </dsp:nvSpPr>
-      <dsp:spPr>
-        <a:xfrm>
-          <a:off x="5071259" y="1755079"/>
-          <a:ext cx="1502357" cy="938973"/>
+          <a:off x="6385213" y="1256329"/>
+          <a:ext cx="1217517" cy="773123"/>
         </a:xfrm>
         <a:prstGeom prst="roundRect">
           <a:avLst>
@@ -4670,12 +6732,12 @@
         <a:fontRef idx="minor"/>
       </dsp:style>
       <dsp:txBody>
-        <a:bodyPr spcFirstLastPara="0" vert="horz" wrap="square" lIns="22860" tIns="15240" rIns="22860" bIns="15240" numCol="1" spcCol="1270" anchor="ctr" anchorCtr="0">
+        <a:bodyPr spcFirstLastPara="0" vert="horz" wrap="square" lIns="34290" tIns="34290" rIns="34290" bIns="34290" numCol="1" spcCol="1270" anchor="ctr" anchorCtr="0">
           <a:noAutofit/>
         </a:bodyPr>
         <a:lstStyle/>
         <a:p>
-          <a:pPr marL="0" lvl="0" indent="0" algn="ctr" defTabSz="533400">
+          <a:pPr marL="0" lvl="0" indent="0" algn="ctr" defTabSz="400050">
             <a:lnSpc>
               <a:spcPct val="90000"/>
             </a:lnSpc>
@@ -4688,37 +6750,53 @@
             <a:buNone/>
           </a:pPr>
           <a:r>
-            <a:rPr lang="pt-BR" sz="1200" kern="1200" dirty="0" err="1"/>
-            <a:t>Univariante</a:t>
+            <a:rPr lang="pt-BR" sz="900" kern="1200" dirty="0"/>
+            <a:t>Função com derivada numérica (</a:t>
           </a:r>
           <a:r>
-            <a:rPr lang="pt-BR" sz="1200" kern="1200" dirty="0"/>
-            <a:t> (</a:t>
+            <a:rPr lang="pt-BR" sz="900" kern="1200" dirty="0" err="1"/>
+            <a:t>Numerical</a:t>
           </a:r>
           <a:r>
-            <a:rPr lang="pt-BR" sz="1200" kern="1200" dirty="0" err="1"/>
-            <a:t>UnivariantOptimizer</a:t>
+            <a:rPr lang="pt-BR" sz="900" kern="1200" dirty="0"/>
+            <a:t> </a:t>
           </a:r>
           <a:r>
-            <a:rPr lang="pt-BR" sz="1200" kern="1200" dirty="0"/>
+            <a:rPr lang="pt-BR" sz="900" kern="1200" dirty="0" err="1"/>
+            <a:t>SpecialFunction</a:t>
+          </a:r>
+          <a:r>
+            <a:rPr lang="pt-BR" sz="900" kern="1200" dirty="0"/>
             <a:t>)</a:t>
           </a:r>
         </a:p>
       </dsp:txBody>
       <dsp:txXfrm>
-        <a:off x="5098761" y="1782581"/>
-        <a:ext cx="1447353" cy="883969"/>
+        <a:off x="6407857" y="1278973"/>
+        <a:ext cx="1172229" cy="727835"/>
       </dsp:txXfrm>
     </dsp:sp>
-    <dsp:sp modelId="{E2BACBAF-DF53-48F7-A22B-0CC069B060D0}">
+  </dsp:spTree>
+</dsp:drawing>
+</file>
+
+<file path=ppt/diagrams/drawing3.xml><?xml version="1.0" encoding="utf-8"?>
+<dsp:drawing xmlns:dgm="http://schemas.openxmlformats.org/drawingml/2006/diagram" xmlns:dsp="http://schemas.microsoft.com/office/drawing/2008/diagram" xmlns:a="http://schemas.openxmlformats.org/drawingml/2006/main">
+  <dsp:spTree>
+    <dsp:nvGrpSpPr>
+      <dsp:cNvPr id="0" name=""/>
+      <dsp:cNvGrpSpPr/>
+    </dsp:nvGrpSpPr>
+    <dsp:grpSpPr/>
+    <dsp:sp modelId="{02102430-A255-4B70-A374-76968785855C}">
       <dsp:nvSpPr>
         <dsp:cNvPr id="0" name=""/>
         <dsp:cNvSpPr/>
       </dsp:nvSpPr>
       <dsp:spPr>
         <a:xfrm>
-          <a:off x="4883465" y="1520335"/>
-          <a:ext cx="187794" cy="1877947"/>
+          <a:off x="4315533" y="1372641"/>
+          <a:ext cx="3707741" cy="352909"/>
         </a:xfrm>
         <a:custGeom>
           <a:avLst/>
@@ -4732,10 +6810,13 @@
                 <a:pt x="0" y="0"/>
               </a:moveTo>
               <a:lnTo>
-                <a:pt x="0" y="1877947"/>
+                <a:pt x="0" y="240497"/>
               </a:lnTo>
               <a:lnTo>
-                <a:pt x="187794" y="1877947"/>
+                <a:pt x="3707741" y="240497"/>
+              </a:lnTo>
+              <a:lnTo>
+                <a:pt x="3707741" y="352909"/>
               </a:lnTo>
             </a:path>
           </a:pathLst>
@@ -4769,15 +6850,378 @@
         <a:fontRef idx="minor"/>
       </dsp:style>
     </dsp:sp>
-    <dsp:sp modelId="{58CB7C9A-F6F2-4762-801C-63BAA67A2108}">
+    <dsp:sp modelId="{2D091E0B-7C38-4EA6-BE09-11B4014BFA5D}">
       <dsp:nvSpPr>
         <dsp:cNvPr id="0" name=""/>
         <dsp:cNvSpPr/>
       </dsp:nvSpPr>
       <dsp:spPr>
         <a:xfrm>
-          <a:off x="5071259" y="2928796"/>
-          <a:ext cx="1502357" cy="938973"/>
+          <a:off x="4315533" y="1372641"/>
+          <a:ext cx="2224644" cy="352909"/>
+        </a:xfrm>
+        <a:custGeom>
+          <a:avLst/>
+          <a:gdLst/>
+          <a:ahLst/>
+          <a:cxnLst/>
+          <a:rect l="0" t="0" r="0" b="0"/>
+          <a:pathLst>
+            <a:path>
+              <a:moveTo>
+                <a:pt x="0" y="0"/>
+              </a:moveTo>
+              <a:lnTo>
+                <a:pt x="0" y="240497"/>
+              </a:lnTo>
+              <a:lnTo>
+                <a:pt x="2224644" y="240497"/>
+              </a:lnTo>
+              <a:lnTo>
+                <a:pt x="2224644" y="352909"/>
+              </a:lnTo>
+            </a:path>
+          </a:pathLst>
+        </a:custGeom>
+        <a:noFill/>
+        <a:ln w="12700" cap="flat" cmpd="sng" algn="ctr">
+          <a:solidFill>
+            <a:schemeClr val="dk1">
+              <a:shade val="60000"/>
+              <a:hueOff val="0"/>
+              <a:satOff val="0"/>
+              <a:lumOff val="0"/>
+              <a:alphaOff val="0"/>
+            </a:schemeClr>
+          </a:solidFill>
+          <a:prstDash val="solid"/>
+          <a:miter lim="800000"/>
+        </a:ln>
+        <a:effectLst/>
+      </dsp:spPr>
+      <dsp:style>
+        <a:lnRef idx="2">
+          <a:scrgbClr r="0" g="0" b="0"/>
+        </a:lnRef>
+        <a:fillRef idx="0">
+          <a:scrgbClr r="0" g="0" b="0"/>
+        </a:fillRef>
+        <a:effectRef idx="0">
+          <a:scrgbClr r="0" g="0" b="0"/>
+        </a:effectRef>
+        <a:fontRef idx="minor"/>
+      </dsp:style>
+    </dsp:sp>
+    <dsp:sp modelId="{617C281C-AD5B-448A-8B44-F02D69907BC6}">
+      <dsp:nvSpPr>
+        <dsp:cNvPr id="0" name=""/>
+        <dsp:cNvSpPr/>
+      </dsp:nvSpPr>
+      <dsp:spPr>
+        <a:xfrm>
+          <a:off x="4315533" y="1372641"/>
+          <a:ext cx="741548" cy="352909"/>
+        </a:xfrm>
+        <a:custGeom>
+          <a:avLst/>
+          <a:gdLst/>
+          <a:ahLst/>
+          <a:cxnLst/>
+          <a:rect l="0" t="0" r="0" b="0"/>
+          <a:pathLst>
+            <a:path>
+              <a:moveTo>
+                <a:pt x="0" y="0"/>
+              </a:moveTo>
+              <a:lnTo>
+                <a:pt x="0" y="240497"/>
+              </a:lnTo>
+              <a:lnTo>
+                <a:pt x="741548" y="240497"/>
+              </a:lnTo>
+              <a:lnTo>
+                <a:pt x="741548" y="352909"/>
+              </a:lnTo>
+            </a:path>
+          </a:pathLst>
+        </a:custGeom>
+        <a:noFill/>
+        <a:ln w="12700" cap="flat" cmpd="sng" algn="ctr">
+          <a:solidFill>
+            <a:schemeClr val="dk1">
+              <a:shade val="60000"/>
+              <a:hueOff val="0"/>
+              <a:satOff val="0"/>
+              <a:lumOff val="0"/>
+              <a:alphaOff val="0"/>
+            </a:schemeClr>
+          </a:solidFill>
+          <a:prstDash val="solid"/>
+          <a:miter lim="800000"/>
+        </a:ln>
+        <a:effectLst/>
+      </dsp:spPr>
+      <dsp:style>
+        <a:lnRef idx="2">
+          <a:scrgbClr r="0" g="0" b="0"/>
+        </a:lnRef>
+        <a:fillRef idx="0">
+          <a:scrgbClr r="0" g="0" b="0"/>
+        </a:fillRef>
+        <a:effectRef idx="0">
+          <a:scrgbClr r="0" g="0" b="0"/>
+        </a:effectRef>
+        <a:fontRef idx="minor"/>
+      </dsp:style>
+    </dsp:sp>
+    <dsp:sp modelId="{06C9EB99-AF94-4071-BA36-941045B94726}">
+      <dsp:nvSpPr>
+        <dsp:cNvPr id="0" name=""/>
+        <dsp:cNvSpPr/>
+      </dsp:nvSpPr>
+      <dsp:spPr>
+        <a:xfrm>
+          <a:off x="3573984" y="1372641"/>
+          <a:ext cx="741548" cy="352909"/>
+        </a:xfrm>
+        <a:custGeom>
+          <a:avLst/>
+          <a:gdLst/>
+          <a:ahLst/>
+          <a:cxnLst/>
+          <a:rect l="0" t="0" r="0" b="0"/>
+          <a:pathLst>
+            <a:path>
+              <a:moveTo>
+                <a:pt x="741548" y="0"/>
+              </a:moveTo>
+              <a:lnTo>
+                <a:pt x="741548" y="240497"/>
+              </a:lnTo>
+              <a:lnTo>
+                <a:pt x="0" y="240497"/>
+              </a:lnTo>
+              <a:lnTo>
+                <a:pt x="0" y="352909"/>
+              </a:lnTo>
+            </a:path>
+          </a:pathLst>
+        </a:custGeom>
+        <a:noFill/>
+        <a:ln w="12700" cap="flat" cmpd="sng" algn="ctr">
+          <a:solidFill>
+            <a:schemeClr val="dk1">
+              <a:shade val="60000"/>
+              <a:hueOff val="0"/>
+              <a:satOff val="0"/>
+              <a:lumOff val="0"/>
+              <a:alphaOff val="0"/>
+            </a:schemeClr>
+          </a:solidFill>
+          <a:prstDash val="solid"/>
+          <a:miter lim="800000"/>
+        </a:ln>
+        <a:effectLst/>
+      </dsp:spPr>
+      <dsp:style>
+        <a:lnRef idx="2">
+          <a:scrgbClr r="0" g="0" b="0"/>
+        </a:lnRef>
+        <a:fillRef idx="0">
+          <a:scrgbClr r="0" g="0" b="0"/>
+        </a:fillRef>
+        <a:effectRef idx="0">
+          <a:scrgbClr r="0" g="0" b="0"/>
+        </a:effectRef>
+        <a:fontRef idx="minor"/>
+      </dsp:style>
+    </dsp:sp>
+    <dsp:sp modelId="{AF266748-9517-48FD-B5CA-AD7D0926C2DB}">
+      <dsp:nvSpPr>
+        <dsp:cNvPr id="0" name=""/>
+        <dsp:cNvSpPr/>
+      </dsp:nvSpPr>
+      <dsp:spPr>
+        <a:xfrm>
+          <a:off x="2090888" y="1372641"/>
+          <a:ext cx="2224644" cy="352909"/>
+        </a:xfrm>
+        <a:custGeom>
+          <a:avLst/>
+          <a:gdLst/>
+          <a:ahLst/>
+          <a:cxnLst/>
+          <a:rect l="0" t="0" r="0" b="0"/>
+          <a:pathLst>
+            <a:path>
+              <a:moveTo>
+                <a:pt x="2224644" y="0"/>
+              </a:moveTo>
+              <a:lnTo>
+                <a:pt x="2224644" y="240497"/>
+              </a:lnTo>
+              <a:lnTo>
+                <a:pt x="0" y="240497"/>
+              </a:lnTo>
+              <a:lnTo>
+                <a:pt x="0" y="352909"/>
+              </a:lnTo>
+            </a:path>
+          </a:pathLst>
+        </a:custGeom>
+        <a:noFill/>
+        <a:ln w="12700" cap="flat" cmpd="sng" algn="ctr">
+          <a:solidFill>
+            <a:schemeClr val="dk1">
+              <a:shade val="60000"/>
+              <a:hueOff val="0"/>
+              <a:satOff val="0"/>
+              <a:lumOff val="0"/>
+              <a:alphaOff val="0"/>
+            </a:schemeClr>
+          </a:solidFill>
+          <a:prstDash val="solid"/>
+          <a:miter lim="800000"/>
+        </a:ln>
+        <a:effectLst/>
+      </dsp:spPr>
+      <dsp:style>
+        <a:lnRef idx="2">
+          <a:scrgbClr r="0" g="0" b="0"/>
+        </a:lnRef>
+        <a:fillRef idx="0">
+          <a:scrgbClr r="0" g="0" b="0"/>
+        </a:fillRef>
+        <a:effectRef idx="0">
+          <a:scrgbClr r="0" g="0" b="0"/>
+        </a:effectRef>
+        <a:fontRef idx="minor"/>
+      </dsp:style>
+    </dsp:sp>
+    <dsp:sp modelId="{9D9021A8-5313-4DEF-A6A4-C307A51E3746}">
+      <dsp:nvSpPr>
+        <dsp:cNvPr id="0" name=""/>
+        <dsp:cNvSpPr/>
+      </dsp:nvSpPr>
+      <dsp:spPr>
+        <a:xfrm>
+          <a:off x="607791" y="1372641"/>
+          <a:ext cx="3707741" cy="352909"/>
+        </a:xfrm>
+        <a:custGeom>
+          <a:avLst/>
+          <a:gdLst/>
+          <a:ahLst/>
+          <a:cxnLst/>
+          <a:rect l="0" t="0" r="0" b="0"/>
+          <a:pathLst>
+            <a:path>
+              <a:moveTo>
+                <a:pt x="3707741" y="0"/>
+              </a:moveTo>
+              <a:lnTo>
+                <a:pt x="3707741" y="240497"/>
+              </a:lnTo>
+              <a:lnTo>
+                <a:pt x="0" y="240497"/>
+              </a:lnTo>
+              <a:lnTo>
+                <a:pt x="0" y="352909"/>
+              </a:lnTo>
+            </a:path>
+          </a:pathLst>
+        </a:custGeom>
+        <a:noFill/>
+        <a:ln w="12700" cap="flat" cmpd="sng" algn="ctr">
+          <a:solidFill>
+            <a:schemeClr val="dk1">
+              <a:shade val="60000"/>
+              <a:hueOff val="0"/>
+              <a:satOff val="0"/>
+              <a:lumOff val="0"/>
+              <a:alphaOff val="0"/>
+            </a:schemeClr>
+          </a:solidFill>
+          <a:prstDash val="solid"/>
+          <a:miter lim="800000"/>
+        </a:ln>
+        <a:effectLst/>
+      </dsp:spPr>
+      <dsp:style>
+        <a:lnRef idx="2">
+          <a:scrgbClr r="0" g="0" b="0"/>
+        </a:lnRef>
+        <a:fillRef idx="0">
+          <a:scrgbClr r="0" g="0" b="0"/>
+        </a:fillRef>
+        <a:effectRef idx="0">
+          <a:scrgbClr r="0" g="0" b="0"/>
+        </a:effectRef>
+        <a:fontRef idx="minor"/>
+      </dsp:style>
+    </dsp:sp>
+    <dsp:sp modelId="{C0A7C836-BE76-4191-A0F1-B1999318E524}">
+      <dsp:nvSpPr>
+        <dsp:cNvPr id="0" name=""/>
+        <dsp:cNvSpPr/>
+      </dsp:nvSpPr>
+      <dsp:spPr>
+        <a:xfrm>
+          <a:off x="3708811" y="602105"/>
+          <a:ext cx="1213442" cy="770536"/>
+        </a:xfrm>
+        <a:prstGeom prst="roundRect">
+          <a:avLst>
+            <a:gd name="adj" fmla="val 10000"/>
+          </a:avLst>
+        </a:prstGeom>
+        <a:solidFill>
+          <a:schemeClr val="lt1">
+            <a:hueOff val="0"/>
+            <a:satOff val="0"/>
+            <a:lumOff val="0"/>
+            <a:alphaOff val="0"/>
+          </a:schemeClr>
+        </a:solidFill>
+        <a:ln w="12700" cap="flat" cmpd="sng" algn="ctr">
+          <a:solidFill>
+            <a:schemeClr val="dk1">
+              <a:shade val="80000"/>
+              <a:hueOff val="0"/>
+              <a:satOff val="0"/>
+              <a:lumOff val="0"/>
+              <a:alphaOff val="0"/>
+            </a:schemeClr>
+          </a:solidFill>
+          <a:prstDash val="solid"/>
+          <a:miter lim="800000"/>
+        </a:ln>
+        <a:effectLst/>
+      </dsp:spPr>
+      <dsp:style>
+        <a:lnRef idx="2">
+          <a:scrgbClr r="0" g="0" b="0"/>
+        </a:lnRef>
+        <a:fillRef idx="1">
+          <a:scrgbClr r="0" g="0" b="0"/>
+        </a:fillRef>
+        <a:effectRef idx="0">
+          <a:scrgbClr r="0" g="0" b="0"/>
+        </a:effectRef>
+        <a:fontRef idx="minor">
+          <a:schemeClr val="lt1"/>
+        </a:fontRef>
+      </dsp:style>
+    </dsp:sp>
+    <dsp:sp modelId="{C8E40494-9B46-4280-B5EC-640554C554D7}">
+      <dsp:nvSpPr>
+        <dsp:cNvPr id="0" name=""/>
+        <dsp:cNvSpPr/>
+      </dsp:nvSpPr>
+      <dsp:spPr>
+        <a:xfrm>
+          <a:off x="3843638" y="730191"/>
+          <a:ext cx="1213442" cy="770536"/>
         </a:xfrm>
         <a:prstGeom prst="roundRect">
           <a:avLst>
@@ -4821,12 +7265,12 @@
         <a:fontRef idx="minor"/>
       </dsp:style>
       <dsp:txBody>
-        <a:bodyPr spcFirstLastPara="0" vert="horz" wrap="square" lIns="22860" tIns="15240" rIns="22860" bIns="15240" numCol="1" spcCol="1270" anchor="ctr" anchorCtr="0">
+        <a:bodyPr spcFirstLastPara="0" vert="horz" wrap="square" lIns="34290" tIns="34290" rIns="34290" bIns="34290" numCol="1" spcCol="1270" anchor="ctr" anchorCtr="0">
           <a:noAutofit/>
         </a:bodyPr>
         <a:lstStyle/>
         <a:p>
-          <a:pPr marL="0" lvl="0" indent="0" algn="ctr" defTabSz="533400">
+          <a:pPr marL="0" lvl="0" indent="0" algn="ctr" defTabSz="400050">
             <a:lnSpc>
               <a:spcPct val="90000"/>
             </a:lnSpc>
@@ -4839,59 +7283,51 @@
             <a:buNone/>
           </a:pPr>
           <a:r>
-            <a:rPr lang="pt-BR" sz="1200" kern="1200" dirty="0"/>
-            <a:t>Powell (</a:t>
+            <a:rPr lang="pt-BR" sz="900" kern="1200" dirty="0"/>
+            <a:t>Otimizador genérico (</a:t>
           </a:r>
           <a:r>
-            <a:rPr lang="pt-BR" sz="1200" kern="1200" dirty="0" err="1"/>
-            <a:t>PowellOptimizer</a:t>
+            <a:rPr lang="pt-BR" sz="900" kern="1200" dirty="0" err="1"/>
+            <a:t>GenericOptimizer</a:t>
           </a:r>
           <a:r>
-            <a:rPr lang="pt-BR" sz="1200" kern="1200" dirty="0"/>
+            <a:rPr lang="pt-BR" sz="900" kern="1200" dirty="0"/>
             <a:t>)</a:t>
           </a:r>
         </a:p>
       </dsp:txBody>
       <dsp:txXfrm>
-        <a:off x="5098761" y="2956298"/>
-        <a:ext cx="1447353" cy="883969"/>
+        <a:off x="3866206" y="752759"/>
+        <a:ext cx="1168306" cy="725400"/>
       </dsp:txXfrm>
     </dsp:sp>
-    <dsp:sp modelId="{9F8338D1-75B8-4420-ADEF-DDA616D8CB5F}">
+    <dsp:sp modelId="{CC720FEA-E3D2-4941-A84D-2A8D48598A0A}">
       <dsp:nvSpPr>
         <dsp:cNvPr id="0" name=""/>
         <dsp:cNvSpPr/>
       </dsp:nvSpPr>
       <dsp:spPr>
         <a:xfrm>
-          <a:off x="4883465" y="1520335"/>
-          <a:ext cx="187794" cy="3051664"/>
+          <a:off x="1070" y="1725551"/>
+          <a:ext cx="1213442" cy="770536"/>
         </a:xfrm>
-        <a:custGeom>
-          <a:avLst/>
-          <a:gdLst/>
-          <a:ahLst/>
-          <a:cxnLst/>
-          <a:rect l="0" t="0" r="0" b="0"/>
-          <a:pathLst>
-            <a:path>
-              <a:moveTo>
-                <a:pt x="0" y="0"/>
-              </a:moveTo>
-              <a:lnTo>
-                <a:pt x="0" y="3051664"/>
-              </a:lnTo>
-              <a:lnTo>
-                <a:pt x="187794" y="3051664"/>
-              </a:lnTo>
-            </a:path>
-          </a:pathLst>
-        </a:custGeom>
-        <a:noFill/>
+        <a:prstGeom prst="roundRect">
+          <a:avLst>
+            <a:gd name="adj" fmla="val 10000"/>
+          </a:avLst>
+        </a:prstGeom>
+        <a:solidFill>
+          <a:schemeClr val="lt1">
+            <a:hueOff val="0"/>
+            <a:satOff val="0"/>
+            <a:lumOff val="0"/>
+            <a:alphaOff val="0"/>
+          </a:schemeClr>
+        </a:solidFill>
         <a:ln w="12700" cap="flat" cmpd="sng" algn="ctr">
           <a:solidFill>
             <a:schemeClr val="dk1">
-              <a:shade val="60000"/>
+              <a:shade val="80000"/>
               <a:hueOff val="0"/>
               <a:satOff val="0"/>
               <a:lumOff val="0"/>
@@ -4907,24 +7343,26 @@
         <a:lnRef idx="2">
           <a:scrgbClr r="0" g="0" b="0"/>
         </a:lnRef>
-        <a:fillRef idx="0">
+        <a:fillRef idx="1">
           <a:scrgbClr r="0" g="0" b="0"/>
         </a:fillRef>
         <a:effectRef idx="0">
           <a:scrgbClr r="0" g="0" b="0"/>
         </a:effectRef>
-        <a:fontRef idx="minor"/>
+        <a:fontRef idx="minor">
+          <a:schemeClr val="lt1"/>
+        </a:fontRef>
       </dsp:style>
     </dsp:sp>
-    <dsp:sp modelId="{22738A92-9B01-4966-B5CA-5F69EAE844F1}">
+    <dsp:sp modelId="{D890647F-8962-4E30-BE53-A986D7A618FE}">
       <dsp:nvSpPr>
         <dsp:cNvPr id="0" name=""/>
         <dsp:cNvSpPr/>
       </dsp:nvSpPr>
       <dsp:spPr>
         <a:xfrm>
-          <a:off x="5071259" y="4102513"/>
-          <a:ext cx="1502357" cy="938973"/>
+          <a:off x="135897" y="1853637"/>
+          <a:ext cx="1213442" cy="770536"/>
         </a:xfrm>
         <a:prstGeom prst="roundRect">
           <a:avLst>
@@ -4968,12 +7406,12 @@
         <a:fontRef idx="minor"/>
       </dsp:style>
       <dsp:txBody>
-        <a:bodyPr spcFirstLastPara="0" vert="horz" wrap="square" lIns="22860" tIns="15240" rIns="22860" bIns="15240" numCol="1" spcCol="1270" anchor="ctr" anchorCtr="0">
+        <a:bodyPr spcFirstLastPara="0" vert="horz" wrap="square" lIns="34290" tIns="34290" rIns="34290" bIns="34290" numCol="1" spcCol="1270" anchor="ctr" anchorCtr="0">
           <a:noAutofit/>
         </a:bodyPr>
         <a:lstStyle/>
         <a:p>
-          <a:pPr marL="0" lvl="0" indent="0" algn="ctr" defTabSz="533400">
+          <a:pPr marL="0" lvl="0" indent="0" algn="ctr" defTabSz="400050">
             <a:lnSpc>
               <a:spcPct val="90000"/>
             </a:lnSpc>
@@ -4986,67 +7424,55 @@
             <a:buNone/>
           </a:pPr>
           <a:r>
-            <a:rPr lang="pt-BR" sz="1200" kern="1200" dirty="0"/>
-            <a:t>Máximo declive (</a:t>
+            <a:rPr lang="pt-BR" sz="900" kern="1200" dirty="0" err="1"/>
+            <a:t>Univariante</a:t>
           </a:r>
           <a:r>
-            <a:rPr lang="pt-BR" sz="1200" kern="1200" dirty="0" err="1"/>
-            <a:t>Steepest</a:t>
+            <a:rPr lang="pt-BR" sz="900" kern="1200" dirty="0"/>
+            <a:t> (</a:t>
           </a:r>
           <a:r>
-            <a:rPr lang="pt-BR" sz="1200" kern="1200" dirty="0"/>
-            <a:t> </a:t>
+            <a:rPr lang="pt-BR" sz="900" kern="1200" dirty="0" err="1"/>
+            <a:t>UnivariantOptimizer</a:t>
           </a:r>
           <a:r>
-            <a:rPr lang="pt-BR" sz="1200" kern="1200" dirty="0" err="1"/>
-            <a:t>DescentOptimizer</a:t>
-          </a:r>
-          <a:r>
-            <a:rPr lang="pt-BR" sz="1200" kern="1200" dirty="0"/>
+            <a:rPr lang="pt-BR" sz="900" kern="1200" dirty="0"/>
             <a:t>)</a:t>
           </a:r>
         </a:p>
       </dsp:txBody>
       <dsp:txXfrm>
-        <a:off x="5098761" y="4130015"/>
-        <a:ext cx="1447353" cy="883969"/>
+        <a:off x="158465" y="1876205"/>
+        <a:ext cx="1168306" cy="725400"/>
       </dsp:txXfrm>
     </dsp:sp>
-    <dsp:sp modelId="{6BC7B850-4D08-49C6-B24E-2644CDF2ACC6}">
+    <dsp:sp modelId="{C9ABD2AF-7B26-493E-BCE0-2B97F7497073}">
       <dsp:nvSpPr>
         <dsp:cNvPr id="0" name=""/>
         <dsp:cNvSpPr/>
       </dsp:nvSpPr>
       <dsp:spPr>
         <a:xfrm>
-          <a:off x="4883465" y="1520335"/>
-          <a:ext cx="187794" cy="4225381"/>
+          <a:off x="1484166" y="1725551"/>
+          <a:ext cx="1213442" cy="770536"/>
         </a:xfrm>
-        <a:custGeom>
-          <a:avLst/>
-          <a:gdLst/>
-          <a:ahLst/>
-          <a:cxnLst/>
-          <a:rect l="0" t="0" r="0" b="0"/>
-          <a:pathLst>
-            <a:path>
-              <a:moveTo>
-                <a:pt x="0" y="0"/>
-              </a:moveTo>
-              <a:lnTo>
-                <a:pt x="0" y="4225381"/>
-              </a:lnTo>
-              <a:lnTo>
-                <a:pt x="187794" y="4225381"/>
-              </a:lnTo>
-            </a:path>
-          </a:pathLst>
-        </a:custGeom>
-        <a:noFill/>
+        <a:prstGeom prst="roundRect">
+          <a:avLst>
+            <a:gd name="adj" fmla="val 10000"/>
+          </a:avLst>
+        </a:prstGeom>
+        <a:solidFill>
+          <a:schemeClr val="lt1">
+            <a:hueOff val="0"/>
+            <a:satOff val="0"/>
+            <a:lumOff val="0"/>
+            <a:alphaOff val="0"/>
+          </a:schemeClr>
+        </a:solidFill>
         <a:ln w="12700" cap="flat" cmpd="sng" algn="ctr">
           <a:solidFill>
             <a:schemeClr val="dk1">
-              <a:shade val="60000"/>
+              <a:shade val="80000"/>
               <a:hueOff val="0"/>
               <a:satOff val="0"/>
               <a:lumOff val="0"/>
@@ -5062,24 +7488,26 @@
         <a:lnRef idx="2">
           <a:scrgbClr r="0" g="0" b="0"/>
         </a:lnRef>
-        <a:fillRef idx="0">
+        <a:fillRef idx="1">
           <a:scrgbClr r="0" g="0" b="0"/>
         </a:fillRef>
         <a:effectRef idx="0">
           <a:scrgbClr r="0" g="0" b="0"/>
         </a:effectRef>
-        <a:fontRef idx="minor"/>
+        <a:fontRef idx="minor">
+          <a:schemeClr val="lt1"/>
+        </a:fontRef>
       </dsp:style>
     </dsp:sp>
-    <dsp:sp modelId="{FBD1DFEC-2BA3-4722-AE79-0D290D4FD86E}">
+    <dsp:sp modelId="{D8CF571D-2E3B-4356-8F14-5077C8900E7C}">
       <dsp:nvSpPr>
         <dsp:cNvPr id="0" name=""/>
         <dsp:cNvSpPr/>
       </dsp:nvSpPr>
       <dsp:spPr>
         <a:xfrm>
-          <a:off x="5071259" y="5276230"/>
-          <a:ext cx="1502357" cy="938973"/>
+          <a:off x="1618993" y="1853637"/>
+          <a:ext cx="1213442" cy="770536"/>
         </a:xfrm>
         <a:prstGeom prst="roundRect">
           <a:avLst>
@@ -5123,12 +7551,12 @@
         <a:fontRef idx="minor"/>
       </dsp:style>
       <dsp:txBody>
-        <a:bodyPr spcFirstLastPara="0" vert="horz" wrap="square" lIns="22860" tIns="15240" rIns="22860" bIns="15240" numCol="1" spcCol="1270" anchor="ctr" anchorCtr="0">
+        <a:bodyPr spcFirstLastPara="0" vert="horz" wrap="square" lIns="34290" tIns="34290" rIns="34290" bIns="34290" numCol="1" spcCol="1270" anchor="ctr" anchorCtr="0">
           <a:noAutofit/>
         </a:bodyPr>
         <a:lstStyle/>
         <a:p>
-          <a:pPr marL="0" lvl="0" indent="0" algn="ctr" defTabSz="533400">
+          <a:pPr marL="0" lvl="0" indent="0" algn="ctr" defTabSz="400050">
             <a:lnSpc>
               <a:spcPct val="90000"/>
             </a:lnSpc>
@@ -5141,67 +7569,51 @@
             <a:buNone/>
           </a:pPr>
           <a:r>
-            <a:rPr lang="pt-BR" sz="1200" kern="1200" dirty="0"/>
-            <a:t>Fletcher-Reeves (</a:t>
+            <a:rPr lang="pt-BR" sz="900" kern="1200" dirty="0"/>
+            <a:t>Powell (</a:t>
           </a:r>
           <a:r>
-            <a:rPr lang="pt-BR" sz="1200" kern="1200" dirty="0" err="1"/>
-            <a:t>FletcherReeves</a:t>
+            <a:rPr lang="pt-BR" sz="900" kern="1200" dirty="0" err="1"/>
+            <a:t>PowellOptimizer</a:t>
           </a:r>
           <a:r>
-            <a:rPr lang="pt-BR" sz="1200" kern="1200" dirty="0"/>
-            <a:t> </a:t>
-          </a:r>
-          <a:r>
-            <a:rPr lang="pt-BR" sz="1200" kern="1200" dirty="0" err="1"/>
-            <a:t>Optimizer</a:t>
-          </a:r>
-          <a:r>
-            <a:rPr lang="pt-BR" sz="1200" kern="1200" dirty="0"/>
+            <a:rPr lang="pt-BR" sz="900" kern="1200" dirty="0"/>
             <a:t>)</a:t>
           </a:r>
         </a:p>
       </dsp:txBody>
       <dsp:txXfrm>
-        <a:off x="5098761" y="5303732"/>
-        <a:ext cx="1447353" cy="883969"/>
+        <a:off x="1641561" y="1876205"/>
+        <a:ext cx="1168306" cy="725400"/>
       </dsp:txXfrm>
     </dsp:sp>
-    <dsp:sp modelId="{E8751070-BE25-46F2-8C24-46B2C37F6B56}">
+    <dsp:sp modelId="{7B68587C-EDAF-4034-8726-EFC61875A8AE}">
       <dsp:nvSpPr>
         <dsp:cNvPr id="0" name=""/>
         <dsp:cNvSpPr/>
       </dsp:nvSpPr>
       <dsp:spPr>
         <a:xfrm>
-          <a:off x="4883465" y="1520335"/>
-          <a:ext cx="187794" cy="5399097"/>
+          <a:off x="2967263" y="1725551"/>
+          <a:ext cx="1213442" cy="770536"/>
         </a:xfrm>
-        <a:custGeom>
-          <a:avLst/>
-          <a:gdLst/>
-          <a:ahLst/>
-          <a:cxnLst/>
-          <a:rect l="0" t="0" r="0" b="0"/>
-          <a:pathLst>
-            <a:path>
-              <a:moveTo>
-                <a:pt x="0" y="0"/>
-              </a:moveTo>
-              <a:lnTo>
-                <a:pt x="0" y="5399097"/>
-              </a:lnTo>
-              <a:lnTo>
-                <a:pt x="187794" y="5399097"/>
-              </a:lnTo>
-            </a:path>
-          </a:pathLst>
-        </a:custGeom>
-        <a:noFill/>
+        <a:prstGeom prst="roundRect">
+          <a:avLst>
+            <a:gd name="adj" fmla="val 10000"/>
+          </a:avLst>
+        </a:prstGeom>
+        <a:solidFill>
+          <a:schemeClr val="lt1">
+            <a:hueOff val="0"/>
+            <a:satOff val="0"/>
+            <a:lumOff val="0"/>
+            <a:alphaOff val="0"/>
+          </a:schemeClr>
+        </a:solidFill>
         <a:ln w="12700" cap="flat" cmpd="sng" algn="ctr">
           <a:solidFill>
             <a:schemeClr val="dk1">
-              <a:shade val="60000"/>
+              <a:shade val="80000"/>
               <a:hueOff val="0"/>
               <a:satOff val="0"/>
               <a:lumOff val="0"/>
@@ -5217,24 +7629,26 @@
         <a:lnRef idx="2">
           <a:scrgbClr r="0" g="0" b="0"/>
         </a:lnRef>
-        <a:fillRef idx="0">
+        <a:fillRef idx="1">
           <a:scrgbClr r="0" g="0" b="0"/>
         </a:fillRef>
         <a:effectRef idx="0">
           <a:scrgbClr r="0" g="0" b="0"/>
         </a:effectRef>
-        <a:fontRef idx="minor"/>
+        <a:fontRef idx="minor">
+          <a:schemeClr val="lt1"/>
+        </a:fontRef>
       </dsp:style>
     </dsp:sp>
-    <dsp:sp modelId="{AAE56372-7258-4234-8CEF-0D5E0A9EC5E7}">
+    <dsp:sp modelId="{FADC836C-11E8-4504-8C3E-84AE7D727703}">
       <dsp:nvSpPr>
         <dsp:cNvPr id="0" name=""/>
         <dsp:cNvSpPr/>
       </dsp:nvSpPr>
       <dsp:spPr>
         <a:xfrm>
-          <a:off x="5071259" y="6449947"/>
-          <a:ext cx="1502357" cy="938973"/>
+          <a:off x="3102090" y="1853637"/>
+          <a:ext cx="1213442" cy="770536"/>
         </a:xfrm>
         <a:prstGeom prst="roundRect">
           <a:avLst>
@@ -5278,12 +7692,12 @@
         <a:fontRef idx="minor"/>
       </dsp:style>
       <dsp:txBody>
-        <a:bodyPr spcFirstLastPara="0" vert="horz" wrap="square" lIns="22860" tIns="15240" rIns="22860" bIns="15240" numCol="1" spcCol="1270" anchor="ctr" anchorCtr="0">
+        <a:bodyPr spcFirstLastPara="0" vert="horz" wrap="square" lIns="34290" tIns="34290" rIns="34290" bIns="34290" numCol="1" spcCol="1270" anchor="ctr" anchorCtr="0">
           <a:noAutofit/>
         </a:bodyPr>
         <a:lstStyle/>
         <a:p>
-          <a:pPr marL="0" lvl="0" indent="0" algn="ctr" defTabSz="533400">
+          <a:pPr marL="0" lvl="0" indent="0" algn="ctr" defTabSz="400050">
             <a:lnSpc>
               <a:spcPct val="90000"/>
             </a:lnSpc>
@@ -5296,63 +7710,59 @@
             <a:buNone/>
           </a:pPr>
           <a:r>
-            <a:rPr lang="pt-BR" sz="1200" kern="1200" dirty="0" err="1"/>
-            <a:t>Newtom-Raphson</a:t>
+            <a:rPr lang="pt-BR" sz="900" kern="1200" dirty="0"/>
+            <a:t>Máximo declive (</a:t>
           </a:r>
           <a:r>
-            <a:rPr lang="pt-BR" sz="1200" kern="1200" dirty="0"/>
-            <a:t> (</a:t>
+            <a:rPr lang="pt-BR" sz="900" kern="1200" dirty="0" err="1"/>
+            <a:t>Steepest</a:t>
           </a:r>
           <a:r>
-            <a:rPr lang="pt-BR" sz="1200" kern="1200" dirty="0" err="1"/>
-            <a:t>NewtonRaphsonOptimizer</a:t>
+            <a:rPr lang="pt-BR" sz="900" kern="1200" dirty="0"/>
+            <a:t> </a:t>
           </a:r>
           <a:r>
-            <a:rPr lang="pt-BR" sz="1200" kern="1200" dirty="0"/>
+            <a:rPr lang="pt-BR" sz="900" kern="1200" dirty="0" err="1"/>
+            <a:t>DescentOptimizer</a:t>
+          </a:r>
+          <a:r>
+            <a:rPr lang="pt-BR" sz="900" kern="1200" dirty="0"/>
             <a:t>)</a:t>
           </a:r>
         </a:p>
       </dsp:txBody>
       <dsp:txXfrm>
-        <a:off x="5098761" y="6477449"/>
-        <a:ext cx="1447353" cy="883969"/>
+        <a:off x="3124658" y="1876205"/>
+        <a:ext cx="1168306" cy="725400"/>
       </dsp:txXfrm>
     </dsp:sp>
-    <dsp:sp modelId="{6CC4FE34-86A8-49C6-8108-B3B16C20D3A6}">
+    <dsp:sp modelId="{F3E3B70A-FD34-46F6-ACD0-7EC6A1B776D3}">
       <dsp:nvSpPr>
         <dsp:cNvPr id="0" name=""/>
         <dsp:cNvSpPr/>
       </dsp:nvSpPr>
       <dsp:spPr>
         <a:xfrm>
-          <a:off x="4883465" y="1520335"/>
-          <a:ext cx="187794" cy="6572814"/>
+          <a:off x="4450359" y="1725551"/>
+          <a:ext cx="1213442" cy="770536"/>
         </a:xfrm>
-        <a:custGeom>
-          <a:avLst/>
-          <a:gdLst/>
-          <a:ahLst/>
-          <a:cxnLst/>
-          <a:rect l="0" t="0" r="0" b="0"/>
-          <a:pathLst>
-            <a:path>
-              <a:moveTo>
-                <a:pt x="0" y="0"/>
-              </a:moveTo>
-              <a:lnTo>
-                <a:pt x="0" y="6572814"/>
-              </a:lnTo>
-              <a:lnTo>
-                <a:pt x="187794" y="6572814"/>
-              </a:lnTo>
-            </a:path>
-          </a:pathLst>
-        </a:custGeom>
-        <a:noFill/>
+        <a:prstGeom prst="roundRect">
+          <a:avLst>
+            <a:gd name="adj" fmla="val 10000"/>
+          </a:avLst>
+        </a:prstGeom>
+        <a:solidFill>
+          <a:schemeClr val="lt1">
+            <a:hueOff val="0"/>
+            <a:satOff val="0"/>
+            <a:lumOff val="0"/>
+            <a:alphaOff val="0"/>
+          </a:schemeClr>
+        </a:solidFill>
         <a:ln w="12700" cap="flat" cmpd="sng" algn="ctr">
           <a:solidFill>
             <a:schemeClr val="dk1">
-              <a:shade val="60000"/>
+              <a:shade val="80000"/>
               <a:hueOff val="0"/>
               <a:satOff val="0"/>
               <a:lumOff val="0"/>
@@ -5368,24 +7778,26 @@
         <a:lnRef idx="2">
           <a:scrgbClr r="0" g="0" b="0"/>
         </a:lnRef>
-        <a:fillRef idx="0">
+        <a:fillRef idx="1">
           <a:scrgbClr r="0" g="0" b="0"/>
         </a:fillRef>
         <a:effectRef idx="0">
           <a:scrgbClr r="0" g="0" b="0"/>
         </a:effectRef>
-        <a:fontRef idx="minor"/>
+        <a:fontRef idx="minor">
+          <a:schemeClr val="lt1"/>
+        </a:fontRef>
       </dsp:style>
     </dsp:sp>
-    <dsp:sp modelId="{C23A6124-F8B4-471D-A524-AE688CD48AA4}">
+    <dsp:sp modelId="{E393C3B8-14C4-439C-92DD-8DDBDD27F8AC}">
       <dsp:nvSpPr>
         <dsp:cNvPr id="0" name=""/>
         <dsp:cNvSpPr/>
       </dsp:nvSpPr>
       <dsp:spPr>
         <a:xfrm>
-          <a:off x="5071259" y="7623664"/>
-          <a:ext cx="1502357" cy="938973"/>
+          <a:off x="4585186" y="1853637"/>
+          <a:ext cx="1213442" cy="770536"/>
         </a:xfrm>
         <a:prstGeom prst="roundRect">
           <a:avLst>
@@ -5429,12 +7841,12 @@
         <a:fontRef idx="minor"/>
       </dsp:style>
       <dsp:txBody>
-        <a:bodyPr spcFirstLastPara="0" vert="horz" wrap="square" lIns="22860" tIns="15240" rIns="22860" bIns="15240" numCol="1" spcCol="1270" anchor="ctr" anchorCtr="0">
+        <a:bodyPr spcFirstLastPara="0" vert="horz" wrap="square" lIns="34290" tIns="34290" rIns="34290" bIns="34290" numCol="1" spcCol="1270" anchor="ctr" anchorCtr="0">
           <a:noAutofit/>
         </a:bodyPr>
         <a:lstStyle/>
         <a:p>
-          <a:pPr marL="0" lvl="0" indent="0" algn="ctr" defTabSz="533400">
+          <a:pPr marL="0" lvl="0" indent="0" algn="ctr" defTabSz="400050">
             <a:lnSpc>
               <a:spcPct val="90000"/>
             </a:lnSpc>
@@ -5447,22 +7859,316 @@
             <a:buNone/>
           </a:pPr>
           <a:r>
-            <a:rPr lang="pt-BR" sz="1200" kern="1200" dirty="0"/>
-            <a:t>BFGS (</a:t>
+            <a:rPr lang="pt-BR" sz="900" kern="1200" dirty="0"/>
+            <a:t>Fletcher-Reeves (</a:t>
           </a:r>
           <a:r>
-            <a:rPr lang="pt-BR" sz="1200" kern="1200" dirty="0" err="1"/>
-            <a:t>BFGSOptimizer</a:t>
+            <a:rPr lang="pt-BR" sz="900" kern="1200" dirty="0" err="1"/>
+            <a:t>FletcherReeves</a:t>
           </a:r>
           <a:r>
-            <a:rPr lang="pt-BR" sz="1200" kern="1200" dirty="0"/>
+            <a:rPr lang="pt-BR" sz="900" kern="1200" dirty="0"/>
+            <a:t> </a:t>
+          </a:r>
+          <a:r>
+            <a:rPr lang="pt-BR" sz="900" kern="1200" dirty="0" err="1"/>
+            <a:t>Optimizer</a:t>
+          </a:r>
+          <a:r>
+            <a:rPr lang="pt-BR" sz="900" kern="1200" dirty="0"/>
             <a:t>)</a:t>
           </a:r>
         </a:p>
       </dsp:txBody>
       <dsp:txXfrm>
-        <a:off x="5098761" y="7651166"/>
-        <a:ext cx="1447353" cy="883969"/>
+        <a:off x="4607754" y="1876205"/>
+        <a:ext cx="1168306" cy="725400"/>
+      </dsp:txXfrm>
+    </dsp:sp>
+    <dsp:sp modelId="{766AF136-3E9B-45FC-B742-D187A3CD64F4}">
+      <dsp:nvSpPr>
+        <dsp:cNvPr id="0" name=""/>
+        <dsp:cNvSpPr/>
+      </dsp:nvSpPr>
+      <dsp:spPr>
+        <a:xfrm>
+          <a:off x="5933456" y="1725551"/>
+          <a:ext cx="1213442" cy="770536"/>
+        </a:xfrm>
+        <a:prstGeom prst="roundRect">
+          <a:avLst>
+            <a:gd name="adj" fmla="val 10000"/>
+          </a:avLst>
+        </a:prstGeom>
+        <a:solidFill>
+          <a:schemeClr val="lt1">
+            <a:hueOff val="0"/>
+            <a:satOff val="0"/>
+            <a:lumOff val="0"/>
+            <a:alphaOff val="0"/>
+          </a:schemeClr>
+        </a:solidFill>
+        <a:ln w="12700" cap="flat" cmpd="sng" algn="ctr">
+          <a:solidFill>
+            <a:schemeClr val="dk1">
+              <a:shade val="80000"/>
+              <a:hueOff val="0"/>
+              <a:satOff val="0"/>
+              <a:lumOff val="0"/>
+              <a:alphaOff val="0"/>
+            </a:schemeClr>
+          </a:solidFill>
+          <a:prstDash val="solid"/>
+          <a:miter lim="800000"/>
+        </a:ln>
+        <a:effectLst/>
+      </dsp:spPr>
+      <dsp:style>
+        <a:lnRef idx="2">
+          <a:scrgbClr r="0" g="0" b="0"/>
+        </a:lnRef>
+        <a:fillRef idx="1">
+          <a:scrgbClr r="0" g="0" b="0"/>
+        </a:fillRef>
+        <a:effectRef idx="0">
+          <a:scrgbClr r="0" g="0" b="0"/>
+        </a:effectRef>
+        <a:fontRef idx="minor">
+          <a:schemeClr val="lt1"/>
+        </a:fontRef>
+      </dsp:style>
+    </dsp:sp>
+    <dsp:sp modelId="{AC7196D4-F58C-4F49-AF49-A2206983928E}">
+      <dsp:nvSpPr>
+        <dsp:cNvPr id="0" name=""/>
+        <dsp:cNvSpPr/>
+      </dsp:nvSpPr>
+      <dsp:spPr>
+        <a:xfrm>
+          <a:off x="6068283" y="1853637"/>
+          <a:ext cx="1213442" cy="770536"/>
+        </a:xfrm>
+        <a:prstGeom prst="roundRect">
+          <a:avLst>
+            <a:gd name="adj" fmla="val 10000"/>
+          </a:avLst>
+        </a:prstGeom>
+        <a:solidFill>
+          <a:schemeClr val="dk1">
+            <a:alpha val="90000"/>
+            <a:tint val="40000"/>
+            <a:hueOff val="0"/>
+            <a:satOff val="0"/>
+            <a:lumOff val="0"/>
+            <a:alphaOff val="0"/>
+          </a:schemeClr>
+        </a:solidFill>
+        <a:ln w="12700" cap="flat" cmpd="sng" algn="ctr">
+          <a:solidFill>
+            <a:schemeClr val="dk1">
+              <a:hueOff val="0"/>
+              <a:satOff val="0"/>
+              <a:lumOff val="0"/>
+              <a:alphaOff val="0"/>
+            </a:schemeClr>
+          </a:solidFill>
+          <a:prstDash val="solid"/>
+          <a:miter lim="800000"/>
+        </a:ln>
+        <a:effectLst/>
+      </dsp:spPr>
+      <dsp:style>
+        <a:lnRef idx="2">
+          <a:scrgbClr r="0" g="0" b="0"/>
+        </a:lnRef>
+        <a:fillRef idx="1">
+          <a:scrgbClr r="0" g="0" b="0"/>
+        </a:fillRef>
+        <a:effectRef idx="0">
+          <a:scrgbClr r="0" g="0" b="0"/>
+        </a:effectRef>
+        <a:fontRef idx="minor"/>
+      </dsp:style>
+      <dsp:txBody>
+        <a:bodyPr spcFirstLastPara="0" vert="horz" wrap="square" lIns="34290" tIns="34290" rIns="34290" bIns="34290" numCol="1" spcCol="1270" anchor="ctr" anchorCtr="0">
+          <a:noAutofit/>
+        </a:bodyPr>
+        <a:lstStyle/>
+        <a:p>
+          <a:pPr marL="0" lvl="0" indent="0" algn="ctr" defTabSz="400050">
+            <a:lnSpc>
+              <a:spcPct val="90000"/>
+            </a:lnSpc>
+            <a:spcBef>
+              <a:spcPct val="0"/>
+            </a:spcBef>
+            <a:spcAft>
+              <a:spcPct val="35000"/>
+            </a:spcAft>
+            <a:buNone/>
+          </a:pPr>
+          <a:r>
+            <a:rPr lang="pt-BR" sz="900" kern="1200" dirty="0" err="1"/>
+            <a:t>Newtom-Raphson</a:t>
+          </a:r>
+          <a:r>
+            <a:rPr lang="pt-BR" sz="900" kern="1200" dirty="0"/>
+            <a:t> (</a:t>
+          </a:r>
+          <a:r>
+            <a:rPr lang="pt-BR" sz="900" kern="1200" dirty="0" err="1"/>
+            <a:t>NewtonRaphsonOptimizer</a:t>
+          </a:r>
+          <a:r>
+            <a:rPr lang="pt-BR" sz="900" kern="1200" dirty="0"/>
+            <a:t>)</a:t>
+          </a:r>
+        </a:p>
+      </dsp:txBody>
+      <dsp:txXfrm>
+        <a:off x="6090851" y="1876205"/>
+        <a:ext cx="1168306" cy="725400"/>
+      </dsp:txXfrm>
+    </dsp:sp>
+    <dsp:sp modelId="{10ED3BCD-F42E-4A6C-92DF-ACBD092904AD}">
+      <dsp:nvSpPr>
+        <dsp:cNvPr id="0" name=""/>
+        <dsp:cNvSpPr/>
+      </dsp:nvSpPr>
+      <dsp:spPr>
+        <a:xfrm>
+          <a:off x="7416553" y="1725551"/>
+          <a:ext cx="1213442" cy="770536"/>
+        </a:xfrm>
+        <a:prstGeom prst="roundRect">
+          <a:avLst>
+            <a:gd name="adj" fmla="val 10000"/>
+          </a:avLst>
+        </a:prstGeom>
+        <a:solidFill>
+          <a:schemeClr val="lt1">
+            <a:hueOff val="0"/>
+            <a:satOff val="0"/>
+            <a:lumOff val="0"/>
+            <a:alphaOff val="0"/>
+          </a:schemeClr>
+        </a:solidFill>
+        <a:ln w="12700" cap="flat" cmpd="sng" algn="ctr">
+          <a:solidFill>
+            <a:schemeClr val="dk1">
+              <a:shade val="80000"/>
+              <a:hueOff val="0"/>
+              <a:satOff val="0"/>
+              <a:lumOff val="0"/>
+              <a:alphaOff val="0"/>
+            </a:schemeClr>
+          </a:solidFill>
+          <a:prstDash val="solid"/>
+          <a:miter lim="800000"/>
+        </a:ln>
+        <a:effectLst/>
+      </dsp:spPr>
+      <dsp:style>
+        <a:lnRef idx="2">
+          <a:scrgbClr r="0" g="0" b="0"/>
+        </a:lnRef>
+        <a:fillRef idx="1">
+          <a:scrgbClr r="0" g="0" b="0"/>
+        </a:fillRef>
+        <a:effectRef idx="0">
+          <a:scrgbClr r="0" g="0" b="0"/>
+        </a:effectRef>
+        <a:fontRef idx="minor">
+          <a:schemeClr val="lt1"/>
+        </a:fontRef>
+      </dsp:style>
+    </dsp:sp>
+    <dsp:sp modelId="{677EB6D1-4838-487B-892D-E4525F187847}">
+      <dsp:nvSpPr>
+        <dsp:cNvPr id="0" name=""/>
+        <dsp:cNvSpPr/>
+      </dsp:nvSpPr>
+      <dsp:spPr>
+        <a:xfrm>
+          <a:off x="7551380" y="1853637"/>
+          <a:ext cx="1213442" cy="770536"/>
+        </a:xfrm>
+        <a:prstGeom prst="roundRect">
+          <a:avLst>
+            <a:gd name="adj" fmla="val 10000"/>
+          </a:avLst>
+        </a:prstGeom>
+        <a:solidFill>
+          <a:schemeClr val="dk1">
+            <a:alpha val="90000"/>
+            <a:tint val="40000"/>
+            <a:hueOff val="0"/>
+            <a:satOff val="0"/>
+            <a:lumOff val="0"/>
+            <a:alphaOff val="0"/>
+          </a:schemeClr>
+        </a:solidFill>
+        <a:ln w="12700" cap="flat" cmpd="sng" algn="ctr">
+          <a:solidFill>
+            <a:schemeClr val="dk1">
+              <a:hueOff val="0"/>
+              <a:satOff val="0"/>
+              <a:lumOff val="0"/>
+              <a:alphaOff val="0"/>
+            </a:schemeClr>
+          </a:solidFill>
+          <a:prstDash val="solid"/>
+          <a:miter lim="800000"/>
+        </a:ln>
+        <a:effectLst/>
+      </dsp:spPr>
+      <dsp:style>
+        <a:lnRef idx="2">
+          <a:scrgbClr r="0" g="0" b="0"/>
+        </a:lnRef>
+        <a:fillRef idx="1">
+          <a:scrgbClr r="0" g="0" b="0"/>
+        </a:fillRef>
+        <a:effectRef idx="0">
+          <a:scrgbClr r="0" g="0" b="0"/>
+        </a:effectRef>
+        <a:fontRef idx="minor"/>
+      </dsp:style>
+      <dsp:txBody>
+        <a:bodyPr spcFirstLastPara="0" vert="horz" wrap="square" lIns="34290" tIns="34290" rIns="34290" bIns="34290" numCol="1" spcCol="1270" anchor="ctr" anchorCtr="0">
+          <a:noAutofit/>
+        </a:bodyPr>
+        <a:lstStyle/>
+        <a:p>
+          <a:pPr marL="0" lvl="0" indent="0" algn="ctr" defTabSz="400050">
+            <a:lnSpc>
+              <a:spcPct val="90000"/>
+            </a:lnSpc>
+            <a:spcBef>
+              <a:spcPct val="0"/>
+            </a:spcBef>
+            <a:spcAft>
+              <a:spcPct val="35000"/>
+            </a:spcAft>
+            <a:buNone/>
+          </a:pPr>
+          <a:r>
+            <a:rPr lang="pt-BR" sz="900" kern="1200" dirty="0"/>
+            <a:t>BFGS (</a:t>
+          </a:r>
+          <a:r>
+            <a:rPr lang="pt-BR" sz="900" kern="1200" dirty="0" err="1"/>
+            <a:t>BFGSOptimizer</a:t>
+          </a:r>
+          <a:r>
+            <a:rPr lang="pt-BR" sz="900" kern="1200" dirty="0"/>
+            <a:t>)</a:t>
+          </a:r>
+        </a:p>
+      </dsp:txBody>
+      <dsp:txXfrm>
+        <a:off x="7573948" y="1876205"/>
+        <a:ext cx="1168306" cy="725400"/>
       </dsp:txXfrm>
     </dsp:sp>
   </dsp:spTree>
@@ -5762,26 +8468,17 @@
 </file>
 
 <file path=ppt/diagrams/layout2.xml><?xml version="1.0" encoding="utf-8"?>
-<dgm:layoutDef xmlns:dgm="http://schemas.openxmlformats.org/drawingml/2006/diagram" xmlns:a="http://schemas.openxmlformats.org/drawingml/2006/main" uniqueId="urn:microsoft.com/office/officeart/2005/8/layout/hierarchy3">
+<dgm:layoutDef xmlns:dgm="http://schemas.openxmlformats.org/drawingml/2006/diagram" xmlns:a="http://schemas.openxmlformats.org/drawingml/2006/main" uniqueId="urn:microsoft.com/office/officeart/2005/8/layout/hierarchy1">
   <dgm:title val=""/>
   <dgm:desc val=""/>
   <dgm:catLst>
-    <dgm:cat type="hierarchy" pri="7000"/>
-    <dgm:cat type="list" pri="23000"/>
-    <dgm:cat type="relationship" pri="15000"/>
-    <dgm:cat type="convert" pri="7000"/>
+    <dgm:cat type="hierarchy" pri="2000"/>
   </dgm:catLst>
   <dgm:sampData>
     <dgm:dataModel>
       <dgm:ptLst>
         <dgm:pt modelId="0" type="doc"/>
         <dgm:pt modelId="1">
-          <dgm:prSet phldr="1"/>
-        </dgm:pt>
-        <dgm:pt modelId="11">
-          <dgm:prSet phldr="1"/>
-        </dgm:pt>
-        <dgm:pt modelId="12">
           <dgm:prSet phldr="1"/>
         </dgm:pt>
         <dgm:pt modelId="2">
@@ -5793,14 +8490,20 @@
         <dgm:pt modelId="22">
           <dgm:prSet phldr="1"/>
         </dgm:pt>
+        <dgm:pt modelId="3">
+          <dgm:prSet phldr="1"/>
+        </dgm:pt>
+        <dgm:pt modelId="31">
+          <dgm:prSet phldr="1"/>
+        </dgm:pt>
       </dgm:ptLst>
       <dgm:cxnLst>
         <dgm:cxn modelId="4" srcId="0" destId="1" srcOrd="0" destOrd="0"/>
-        <dgm:cxn modelId="5" srcId="1" destId="11" srcOrd="0" destOrd="0"/>
-        <dgm:cxn modelId="6" srcId="1" destId="12" srcOrd="1" destOrd="0"/>
-        <dgm:cxn modelId="7" srcId="0" destId="2" srcOrd="1" destOrd="0"/>
-        <dgm:cxn modelId="8" srcId="2" destId="21" srcOrd="0" destOrd="0"/>
-        <dgm:cxn modelId="9" srcId="2" destId="22" srcOrd="1" destOrd="0"/>
+        <dgm:cxn modelId="5" srcId="1" destId="2" srcOrd="0" destOrd="0"/>
+        <dgm:cxn modelId="6" srcId="1" destId="3" srcOrd="1" destOrd="0"/>
+        <dgm:cxn modelId="23" srcId="2" destId="21" srcOrd="0" destOrd="0"/>
+        <dgm:cxn modelId="24" srcId="2" destId="22" srcOrd="1" destOrd="0"/>
+        <dgm:cxn modelId="33" srcId="3" destId="31" srcOrd="0" destOrd="0"/>
       </dgm:cxnLst>
       <dgm:bg/>
       <dgm:whole/>
@@ -5812,14 +8515,12 @@
         <dgm:pt modelId="0" type="doc"/>
         <dgm:pt modelId="1"/>
         <dgm:pt modelId="11"/>
-        <dgm:pt modelId="2"/>
-        <dgm:pt modelId="21"/>
+        <dgm:pt modelId="12"/>
       </dgm:ptLst>
       <dgm:cxnLst>
-        <dgm:cxn modelId="4" srcId="0" destId="1" srcOrd="0" destOrd="0"/>
-        <dgm:cxn modelId="5" srcId="0" destId="2" srcOrd="1" destOrd="0"/>
+        <dgm:cxn modelId="2" srcId="0" destId="1" srcOrd="0" destOrd="0"/>
         <dgm:cxn modelId="13" srcId="1" destId="11" srcOrd="0" destOrd="0"/>
-        <dgm:cxn modelId="23" srcId="2" destId="21" srcOrd="0" destOrd="0"/>
+        <dgm:cxn modelId="14" srcId="1" destId="12" srcOrd="1" destOrd="0"/>
       </dgm:cxnLst>
       <dgm:bg/>
       <dgm:whole/>
@@ -5830,29 +8531,27 @@
       <dgm:ptLst>
         <dgm:pt modelId="0" type="doc"/>
         <dgm:pt modelId="1"/>
-        <dgm:pt modelId="11"/>
         <dgm:pt modelId="2"/>
         <dgm:pt modelId="21"/>
+        <dgm:pt modelId="211"/>
         <dgm:pt modelId="3"/>
         <dgm:pt modelId="31"/>
-        <dgm:pt modelId="4"/>
-        <dgm:pt modelId="41"/>
+        <dgm:pt modelId="311"/>
       </dgm:ptLst>
       <dgm:cxnLst>
-        <dgm:cxn modelId="5" srcId="0" destId="1" srcOrd="0" destOrd="0"/>
-        <dgm:cxn modelId="6" srcId="0" destId="2" srcOrd="1" destOrd="0"/>
-        <dgm:cxn modelId="7" srcId="0" destId="3" srcOrd="2" destOrd="0"/>
-        <dgm:cxn modelId="8" srcId="0" destId="4" srcOrd="3" destOrd="0"/>
-        <dgm:cxn modelId="13" srcId="1" destId="11" srcOrd="0" destOrd="0"/>
+        <dgm:cxn modelId="4" srcId="0" destId="1" srcOrd="0" destOrd="0"/>
+        <dgm:cxn modelId="5" srcId="1" destId="2" srcOrd="0" destOrd="0"/>
+        <dgm:cxn modelId="6" srcId="1" destId="3" srcOrd="1" destOrd="0"/>
         <dgm:cxn modelId="23" srcId="2" destId="21" srcOrd="0" destOrd="0"/>
+        <dgm:cxn modelId="24" srcId="21" destId="211" srcOrd="0" destOrd="0"/>
         <dgm:cxn modelId="33" srcId="3" destId="31" srcOrd="0" destOrd="0"/>
-        <dgm:cxn modelId="43" srcId="4" destId="41" srcOrd="0" destOrd="0"/>
+        <dgm:cxn modelId="34" srcId="31" destId="311" srcOrd="0" destOrd="0"/>
       </dgm:cxnLst>
       <dgm:bg/>
       <dgm:whole/>
     </dgm:dataModel>
   </dgm:clrData>
-  <dgm:layoutNode name="diagram">
+  <dgm:layoutNode name="hierChild1">
     <dgm:varLst>
       <dgm:chPref val="1"/>
       <dgm:dir/>
@@ -5877,140 +8576,125 @@
     </dgm:shape>
     <dgm:presOf/>
     <dgm:constrLst>
-      <dgm:constr type="primFontSz" for="des" forName="rootText" op="equ" val="65"/>
-      <dgm:constr type="primFontSz" for="des" forName="childText" op="equ" val="65"/>
-      <dgm:constr type="w" for="des" forName="rootComposite" refType="w"/>
-      <dgm:constr type="h" for="des" forName="rootComposite" refType="w" fact="0.5"/>
-      <dgm:constr type="w" for="des" forName="childText" refType="w" refFor="des" refForName="rootComposite" fact="0.8"/>
-      <dgm:constr type="h" for="des" forName="childText" refType="h" refFor="des" refForName="rootComposite"/>
-      <dgm:constr type="sibSp" refType="w" refFor="des" refForName="rootComposite" fact="0.25"/>
-      <dgm:constr type="sibSp" for="des" forName="childShape" refType="h" refFor="des" refForName="childText" fact="0.25"/>
-      <dgm:constr type="sp" for="des" forName="root" refType="h" refFor="des" refForName="childText" fact="0.25"/>
+      <dgm:constr type="primFontSz" for="des" ptType="node" op="equ" val="65"/>
+      <dgm:constr type="w" for="des" forName="composite" refType="w"/>
+      <dgm:constr type="h" for="des" forName="composite" refType="w" refFor="des" refForName="composite" fact="0.667"/>
+      <dgm:constr type="w" for="des" forName="composite2" refType="w" refFor="des" refForName="composite"/>
+      <dgm:constr type="h" for="des" forName="composite2" refType="h" refFor="des" refForName="composite"/>
+      <dgm:constr type="w" for="des" forName="composite3" refType="w" refFor="des" refForName="composite"/>
+      <dgm:constr type="h" for="des" forName="composite3" refType="h" refFor="des" refForName="composite"/>
+      <dgm:constr type="w" for="des" forName="composite4" refType="w" refFor="des" refForName="composite"/>
+      <dgm:constr type="h" for="des" forName="composite4" refType="h" refFor="des" refForName="composite"/>
+      <dgm:constr type="w" for="des" forName="composite5" refType="w" refFor="des" refForName="composite"/>
+      <dgm:constr type="h" for="des" forName="composite5" refType="h" refFor="des" refForName="composite"/>
+      <dgm:constr type="sibSp" refType="w" refFor="des" refForName="composite" fact="0.1"/>
+      <dgm:constr type="sibSp" for="des" forName="hierChild2" refType="sibSp"/>
+      <dgm:constr type="sibSp" for="des" forName="hierChild3" refType="sibSp"/>
+      <dgm:constr type="sibSp" for="des" forName="hierChild4" refType="sibSp"/>
+      <dgm:constr type="sibSp" for="des" forName="hierChild5" refType="sibSp"/>
+      <dgm:constr type="sibSp" for="des" forName="hierChild6" refType="sibSp"/>
+      <dgm:constr type="sp" for="des" forName="hierRoot1" refType="h" refFor="des" refForName="composite" fact="0.25"/>
+      <dgm:constr type="sp" for="des" forName="hierRoot2" refType="sp" refFor="des" refForName="hierRoot1"/>
+      <dgm:constr type="sp" for="des" forName="hierRoot3" refType="sp" refFor="des" refForName="hierRoot1"/>
+      <dgm:constr type="sp" for="des" forName="hierRoot4" refType="sp" refFor="des" refForName="hierRoot1"/>
+      <dgm:constr type="sp" for="des" forName="hierRoot5" refType="sp" refFor="des" refForName="hierRoot1"/>
     </dgm:constrLst>
     <dgm:ruleLst/>
     <dgm:forEach name="Name3" axis="ch">
-      <dgm:forEach name="Name4" axis="self" ptType="node" cnt="1">
-        <dgm:layoutNode name="root">
-          <dgm:choose name="Name5">
-            <dgm:if name="Name6" func="var" arg="dir" op="equ" val="norm">
-              <dgm:alg type="hierRoot">
-                <dgm:param type="hierAlign" val="tL"/>
-              </dgm:alg>
-            </dgm:if>
-            <dgm:else name="Name7">
-              <dgm:alg type="hierRoot">
-                <dgm:param type="hierAlign" val="tR"/>
-              </dgm:alg>
-            </dgm:else>
-          </dgm:choose>
+      <dgm:forEach name="Name4" axis="self" ptType="node">
+        <dgm:layoutNode name="hierRoot1">
+          <dgm:alg type="hierRoot"/>
           <dgm:shape xmlns:r="http://schemas.openxmlformats.org/officeDocument/2006/relationships" r:blip="">
             <dgm:adjLst/>
           </dgm:shape>
           <dgm:presOf/>
           <dgm:constrLst>
-            <dgm:constr type="alignOff" val="0.2"/>
+            <dgm:constr type="bendDist" for="des" ptType="parTrans" refType="sp" fact="0.5"/>
           </dgm:constrLst>
           <dgm:ruleLst/>
-          <dgm:layoutNode name="rootComposite">
+          <dgm:layoutNode name="composite">
             <dgm:alg type="composite"/>
             <dgm:shape xmlns:r="http://schemas.openxmlformats.org/officeDocument/2006/relationships" r:blip="">
               <dgm:adjLst/>
             </dgm:shape>
-            <dgm:presOf axis="self" ptType="node" cnt="1"/>
-            <dgm:choose name="Name8">
-              <dgm:if name="Name9" func="var" arg="dir" op="equ" val="norm">
-                <dgm:constrLst>
-                  <dgm:constr type="l" for="ch" forName="rootText"/>
-                  <dgm:constr type="t" for="ch" forName="rootText"/>
-                  <dgm:constr type="w" for="ch" forName="rootText" refType="w"/>
-                  <dgm:constr type="h" for="ch" forName="rootText" refType="h"/>
-                  <dgm:constr type="l" for="ch" forName="rootConnector"/>
-                  <dgm:constr type="t" for="ch" forName="rootConnector"/>
-                  <dgm:constr type="w" for="ch" forName="rootConnector" refType="w" refFor="ch" refForName="rootText" fact="0.2"/>
-                  <dgm:constr type="h" for="ch" forName="rootConnector" refType="h" refFor="ch" refForName="rootText"/>
-                </dgm:constrLst>
-              </dgm:if>
-              <dgm:else name="Name10">
-                <dgm:constrLst>
-                  <dgm:constr type="l" for="ch" forName="rootText"/>
-                  <dgm:constr type="t" for="ch" forName="rootText"/>
-                  <dgm:constr type="w" for="ch" forName="rootText" refType="w"/>
-                  <dgm:constr type="h" for="ch" forName="rootText" refType="h"/>
-                  <dgm:constr type="r" for="ch" forName="rootConnector" refType="w"/>
-                  <dgm:constr type="t" for="ch" forName="rootConnector"/>
-                  <dgm:constr type="w" for="ch" forName="rootConnector" refType="w" refFor="ch" refForName="rootText" fact="0.2"/>
-                  <dgm:constr type="h" for="ch" forName="rootConnector" refType="h" refFor="ch" refForName="rootText"/>
-                </dgm:constrLst>
-              </dgm:else>
-            </dgm:choose>
+            <dgm:presOf/>
+            <dgm:constrLst>
+              <dgm:constr type="w" for="ch" forName="background" refType="w" fact="0.9"/>
+              <dgm:constr type="h" for="ch" forName="background" refType="w" refFor="ch" refForName="background" fact="0.635"/>
+              <dgm:constr type="t" for="ch" forName="background"/>
+              <dgm:constr type="l" for="ch" forName="background"/>
+              <dgm:constr type="w" for="ch" forName="text" refType="w" fact="0.9"/>
+              <dgm:constr type="h" for="ch" forName="text" refType="w" refFor="ch" refForName="text" fact="0.635"/>
+              <dgm:constr type="t" for="ch" forName="text" refType="w" fact="0.095"/>
+              <dgm:constr type="l" for="ch" forName="text" refType="w" fact="0.1"/>
+            </dgm:constrLst>
             <dgm:ruleLst/>
-            <dgm:layoutNode name="rootText" styleLbl="node1">
+            <dgm:layoutNode name="background" styleLbl="node0" moveWith="text">
+              <dgm:alg type="sp"/>
+              <dgm:shape xmlns:r="http://schemas.openxmlformats.org/officeDocument/2006/relationships" type="roundRect" r:blip="">
+                <dgm:adjLst>
+                  <dgm:adj idx="1" val="0.1"/>
+                </dgm:adjLst>
+              </dgm:shape>
+              <dgm:presOf/>
+              <dgm:constrLst/>
+              <dgm:ruleLst/>
+            </dgm:layoutNode>
+            <dgm:layoutNode name="text" styleLbl="fgAcc0">
+              <dgm:varLst>
+                <dgm:chPref val="3"/>
+              </dgm:varLst>
               <dgm:alg type="tx"/>
               <dgm:shape xmlns:r="http://schemas.openxmlformats.org/officeDocument/2006/relationships" type="roundRect" r:blip="">
                 <dgm:adjLst>
                   <dgm:adj idx="1" val="0.1"/>
                 </dgm:adjLst>
               </dgm:shape>
-              <dgm:presOf axis="self" ptType="node" cnt="1"/>
+              <dgm:presOf axis="self"/>
               <dgm:constrLst>
-                <dgm:constr type="tMarg" refType="primFontSz" fact="0.1"/>
-                <dgm:constr type="bMarg" refType="primFontSz" fact="0.1"/>
-                <dgm:constr type="lMarg" refType="primFontSz" fact="0.15"/>
-                <dgm:constr type="rMarg" refType="primFontSz" fact="0.15"/>
+                <dgm:constr type="tMarg" refType="primFontSz" fact="0.3"/>
+                <dgm:constr type="bMarg" refType="primFontSz" fact="0.3"/>
+                <dgm:constr type="lMarg" refType="primFontSz" fact="0.3"/>
+                <dgm:constr type="rMarg" refType="primFontSz" fact="0.3"/>
               </dgm:constrLst>
               <dgm:ruleLst>
                 <dgm:rule type="primFontSz" val="5" fact="NaN" max="NaN"/>
               </dgm:ruleLst>
             </dgm:layoutNode>
-            <dgm:layoutNode name="rootConnector" moveWith="rootText">
-              <dgm:alg type="sp"/>
-              <dgm:shape xmlns:r="http://schemas.openxmlformats.org/officeDocument/2006/relationships" type="roundRect" r:blip="" hideGeom="1">
-                <dgm:adjLst>
-                  <dgm:adj idx="1" val="0.1"/>
-                </dgm:adjLst>
-              </dgm:shape>
-              <dgm:presOf axis="self" ptType="node" cnt="1"/>
-              <dgm:constrLst/>
-              <dgm:ruleLst/>
-            </dgm:layoutNode>
           </dgm:layoutNode>
-          <dgm:layoutNode name="childShape">
-            <dgm:alg type="hierChild">
-              <dgm:param type="chAlign" val="l"/>
-              <dgm:param type="linDir" val="fromT"/>
-            </dgm:alg>
+          <dgm:layoutNode name="hierChild2">
+            <dgm:choose name="Name5">
+              <dgm:if name="Name6" func="var" arg="dir" op="equ" val="norm">
+                <dgm:alg type="hierChild">
+                  <dgm:param type="linDir" val="fromL"/>
+                </dgm:alg>
+              </dgm:if>
+              <dgm:else name="Name7">
+                <dgm:alg type="hierChild">
+                  <dgm:param type="linDir" val="fromR"/>
+                </dgm:alg>
+              </dgm:else>
+            </dgm:choose>
             <dgm:shape xmlns:r="http://schemas.openxmlformats.org/officeDocument/2006/relationships" r:blip="">
               <dgm:adjLst/>
             </dgm:shape>
             <dgm:presOf/>
             <dgm:constrLst/>
             <dgm:ruleLst/>
-            <dgm:forEach name="Name11" axis="ch">
-              <dgm:forEach name="Name12" axis="self" ptType="parTrans" cnt="1">
-                <dgm:layoutNode name="Name13">
-                  <dgm:choose name="Name14">
-                    <dgm:if name="Name15" func="var" arg="dir" op="equ" val="norm">
-                      <dgm:alg type="conn">
-                        <dgm:param type="dim" val="1D"/>
-                        <dgm:param type="endSty" val="noArr"/>
-                        <dgm:param type="connRout" val="bend"/>
-                        <dgm:param type="srcNode" val="rootConnector"/>
-                        <dgm:param type="begPts" val="bCtr"/>
-                        <dgm:param type="endPts" val="midL"/>
-                      </dgm:alg>
-                    </dgm:if>
-                    <dgm:else name="Name16">
-                      <dgm:alg type="conn">
-                        <dgm:param type="dim" val="1D"/>
-                        <dgm:param type="endSty" val="noArr"/>
-                        <dgm:param type="connRout" val="bend"/>
-                        <dgm:param type="srcNode" val="rootConnector"/>
-                        <dgm:param type="begPts" val="bCtr"/>
-                        <dgm:param type="endPts" val="midR"/>
-                      </dgm:alg>
-                    </dgm:else>
-                  </dgm:choose>
-                  <dgm:shape xmlns:r="http://schemas.openxmlformats.org/officeDocument/2006/relationships" type="conn" r:blip="">
+            <dgm:forEach name="Name8" axis="ch">
+              <dgm:forEach name="Name9" axis="self" ptType="parTrans" cnt="1">
+                <dgm:layoutNode name="Name10">
+                  <dgm:alg type="conn">
+                    <dgm:param type="dim" val="1D"/>
+                    <dgm:param type="endSty" val="noArr"/>
+                    <dgm:param type="connRout" val="bend"/>
+                    <dgm:param type="bendPt" val="end"/>
+                    <dgm:param type="begPts" val="bCtr"/>
+                    <dgm:param type="endPts" val="tCtr"/>
+                    <dgm:param type="srcNode" val="background"/>
+                    <dgm:param type="dstNode" val="background2"/>
+                  </dgm:alg>
+                  <dgm:shape xmlns:r="http://schemas.openxmlformats.org/officeDocument/2006/relationships" type="conn" r:blip="" zOrderOff="-999">
                     <dgm:adjLst/>
                   </dgm:shape>
                   <dgm:presOf axis="self"/>
@@ -6021,27 +8705,883 @@
                   <dgm:ruleLst/>
                 </dgm:layoutNode>
               </dgm:forEach>
-              <dgm:forEach name="Name17" axis="self" ptType="node">
-                <dgm:layoutNode name="childText" styleLbl="bgAcc1">
-                  <dgm:varLst>
-                    <dgm:bulletEnabled val="1"/>
-                  </dgm:varLst>
-                  <dgm:alg type="tx"/>
-                  <dgm:shape xmlns:r="http://schemas.openxmlformats.org/officeDocument/2006/relationships" type="roundRect" r:blip="">
-                    <dgm:adjLst>
-                      <dgm:adj idx="1" val="0.1"/>
-                    </dgm:adjLst>
+              <dgm:forEach name="Name11" axis="self" ptType="node">
+                <dgm:layoutNode name="hierRoot2">
+                  <dgm:alg type="hierRoot"/>
+                  <dgm:shape xmlns:r="http://schemas.openxmlformats.org/officeDocument/2006/relationships" r:blip="">
+                    <dgm:adjLst/>
                   </dgm:shape>
-                  <dgm:presOf axis="self desOrSelf" ptType="node node" st="1 1" cnt="1 0"/>
+                  <dgm:presOf/>
                   <dgm:constrLst>
-                    <dgm:constr type="tMarg" refType="primFontSz" fact="0.1"/>
-                    <dgm:constr type="bMarg" refType="primFontSz" fact="0.1"/>
-                    <dgm:constr type="lMarg" refType="primFontSz" fact="0.15"/>
-                    <dgm:constr type="rMarg" refType="primFontSz" fact="0.15"/>
+                    <dgm:constr type="bendDist" for="des" ptType="parTrans" refType="sp" fact="0.5"/>
                   </dgm:constrLst>
-                  <dgm:ruleLst>
-                    <dgm:rule type="primFontSz" val="5" fact="NaN" max="NaN"/>
-                  </dgm:ruleLst>
+                  <dgm:ruleLst/>
+                  <dgm:layoutNode name="composite2">
+                    <dgm:alg type="composite"/>
+                    <dgm:shape xmlns:r="http://schemas.openxmlformats.org/officeDocument/2006/relationships" r:blip="">
+                      <dgm:adjLst/>
+                    </dgm:shape>
+                    <dgm:presOf/>
+                    <dgm:constrLst>
+                      <dgm:constr type="w" for="ch" forName="background2" refType="w" fact="0.9"/>
+                      <dgm:constr type="h" for="ch" forName="background2" refType="w" refFor="ch" refForName="background2" fact="0.635"/>
+                      <dgm:constr type="t" for="ch" forName="background2"/>
+                      <dgm:constr type="l" for="ch" forName="background2"/>
+                      <dgm:constr type="w" for="ch" forName="text2" refType="w" fact="0.9"/>
+                      <dgm:constr type="h" for="ch" forName="text2" refType="w" refFor="ch" refForName="text2" fact="0.635"/>
+                      <dgm:constr type="t" for="ch" forName="text2" refType="w" fact="0.095"/>
+                      <dgm:constr type="l" for="ch" forName="text2" refType="w" fact="0.1"/>
+                    </dgm:constrLst>
+                    <dgm:ruleLst/>
+                    <dgm:layoutNode name="background2" moveWith="text2">
+                      <dgm:alg type="sp"/>
+                      <dgm:shape xmlns:r="http://schemas.openxmlformats.org/officeDocument/2006/relationships" type="roundRect" r:blip="">
+                        <dgm:adjLst>
+                          <dgm:adj idx="1" val="0.1"/>
+                        </dgm:adjLst>
+                      </dgm:shape>
+                      <dgm:presOf/>
+                      <dgm:constrLst/>
+                      <dgm:ruleLst/>
+                    </dgm:layoutNode>
+                    <dgm:layoutNode name="text2" styleLbl="fgAcc2">
+                      <dgm:varLst>
+                        <dgm:chPref val="3"/>
+                      </dgm:varLst>
+                      <dgm:alg type="tx"/>
+                      <dgm:shape xmlns:r="http://schemas.openxmlformats.org/officeDocument/2006/relationships" type="roundRect" r:blip="">
+                        <dgm:adjLst>
+                          <dgm:adj idx="1" val="0.1"/>
+                        </dgm:adjLst>
+                      </dgm:shape>
+                      <dgm:presOf axis="self"/>
+                      <dgm:constrLst>
+                        <dgm:constr type="tMarg" refType="primFontSz" fact="0.3"/>
+                        <dgm:constr type="bMarg" refType="primFontSz" fact="0.3"/>
+                        <dgm:constr type="lMarg" refType="primFontSz" fact="0.3"/>
+                        <dgm:constr type="rMarg" refType="primFontSz" fact="0.3"/>
+                      </dgm:constrLst>
+                      <dgm:ruleLst>
+                        <dgm:rule type="primFontSz" val="5" fact="NaN" max="NaN"/>
+                      </dgm:ruleLst>
+                    </dgm:layoutNode>
+                  </dgm:layoutNode>
+                  <dgm:layoutNode name="hierChild3">
+                    <dgm:choose name="Name12">
+                      <dgm:if name="Name13" func="var" arg="dir" op="equ" val="norm">
+                        <dgm:alg type="hierChild">
+                          <dgm:param type="linDir" val="fromL"/>
+                        </dgm:alg>
+                      </dgm:if>
+                      <dgm:else name="Name14">
+                        <dgm:alg type="hierChild">
+                          <dgm:param type="linDir" val="fromR"/>
+                        </dgm:alg>
+                      </dgm:else>
+                    </dgm:choose>
+                    <dgm:shape xmlns:r="http://schemas.openxmlformats.org/officeDocument/2006/relationships" r:blip="">
+                      <dgm:adjLst/>
+                    </dgm:shape>
+                    <dgm:presOf/>
+                    <dgm:constrLst/>
+                    <dgm:ruleLst/>
+                    <dgm:forEach name="Name15" axis="ch">
+                      <dgm:forEach name="Name16" axis="self" ptType="parTrans" cnt="1">
+                        <dgm:layoutNode name="Name17">
+                          <dgm:alg type="conn">
+                            <dgm:param type="dim" val="1D"/>
+                            <dgm:param type="endSty" val="noArr"/>
+                            <dgm:param type="connRout" val="bend"/>
+                            <dgm:param type="bendPt" val="end"/>
+                            <dgm:param type="begPts" val="bCtr"/>
+                            <dgm:param type="endPts" val="tCtr"/>
+                            <dgm:param type="srcNode" val="background2"/>
+                            <dgm:param type="dstNode" val="background3"/>
+                          </dgm:alg>
+                          <dgm:shape xmlns:r="http://schemas.openxmlformats.org/officeDocument/2006/relationships" type="conn" r:blip="" zOrderOff="-999">
+                            <dgm:adjLst/>
+                          </dgm:shape>
+                          <dgm:presOf axis="self"/>
+                          <dgm:constrLst>
+                            <dgm:constr type="begPad"/>
+                            <dgm:constr type="endPad"/>
+                          </dgm:constrLst>
+                          <dgm:ruleLst/>
+                        </dgm:layoutNode>
+                      </dgm:forEach>
+                      <dgm:forEach name="Name18" axis="self" ptType="node">
+                        <dgm:layoutNode name="hierRoot3">
+                          <dgm:alg type="hierRoot"/>
+                          <dgm:shape xmlns:r="http://schemas.openxmlformats.org/officeDocument/2006/relationships" r:blip="">
+                            <dgm:adjLst/>
+                          </dgm:shape>
+                          <dgm:presOf/>
+                          <dgm:constrLst>
+                            <dgm:constr type="bendDist" for="des" ptType="parTrans" refType="sp" fact="0.5"/>
+                          </dgm:constrLst>
+                          <dgm:ruleLst/>
+                          <dgm:layoutNode name="composite3">
+                            <dgm:alg type="composite"/>
+                            <dgm:shape xmlns:r="http://schemas.openxmlformats.org/officeDocument/2006/relationships" r:blip="">
+                              <dgm:adjLst/>
+                            </dgm:shape>
+                            <dgm:presOf/>
+                            <dgm:constrLst>
+                              <dgm:constr type="w" for="ch" forName="background3" refType="w" fact="0.9"/>
+                              <dgm:constr type="h" for="ch" forName="background3" refType="w" refFor="ch" refForName="background3" fact="0.635"/>
+                              <dgm:constr type="t" for="ch" forName="background3"/>
+                              <dgm:constr type="l" for="ch" forName="background3"/>
+                              <dgm:constr type="w" for="ch" forName="text3" refType="w" fact="0.9"/>
+                              <dgm:constr type="h" for="ch" forName="text3" refType="w" refFor="ch" refForName="text3" fact="0.635"/>
+                              <dgm:constr type="t" for="ch" forName="text3" refType="w" fact="0.095"/>
+                              <dgm:constr type="l" for="ch" forName="text3" refType="w" fact="0.1"/>
+                            </dgm:constrLst>
+                            <dgm:ruleLst/>
+                            <dgm:layoutNode name="background3" moveWith="text3">
+                              <dgm:alg type="sp"/>
+                              <dgm:shape xmlns:r="http://schemas.openxmlformats.org/officeDocument/2006/relationships" type="roundRect" r:blip="">
+                                <dgm:adjLst>
+                                  <dgm:adj idx="1" val="0.1"/>
+                                </dgm:adjLst>
+                              </dgm:shape>
+                              <dgm:presOf/>
+                              <dgm:constrLst/>
+                              <dgm:ruleLst/>
+                            </dgm:layoutNode>
+                            <dgm:layoutNode name="text3" styleLbl="fgAcc3">
+                              <dgm:varLst>
+                                <dgm:chPref val="3"/>
+                              </dgm:varLst>
+                              <dgm:alg type="tx"/>
+                              <dgm:shape xmlns:r="http://schemas.openxmlformats.org/officeDocument/2006/relationships" type="roundRect" r:blip="">
+                                <dgm:adjLst>
+                                  <dgm:adj idx="1" val="0.1"/>
+                                </dgm:adjLst>
+                              </dgm:shape>
+                              <dgm:presOf axis="self"/>
+                              <dgm:constrLst>
+                                <dgm:constr type="tMarg" refType="primFontSz" fact="0.3"/>
+                                <dgm:constr type="bMarg" refType="primFontSz" fact="0.3"/>
+                                <dgm:constr type="lMarg" refType="primFontSz" fact="0.3"/>
+                                <dgm:constr type="rMarg" refType="primFontSz" fact="0.3"/>
+                              </dgm:constrLst>
+                              <dgm:ruleLst>
+                                <dgm:rule type="primFontSz" val="5" fact="NaN" max="NaN"/>
+                              </dgm:ruleLst>
+                            </dgm:layoutNode>
+                          </dgm:layoutNode>
+                          <dgm:layoutNode name="hierChild4">
+                            <dgm:choose name="Name19">
+                              <dgm:if name="Name20" func="var" arg="dir" op="equ" val="norm">
+                                <dgm:alg type="hierChild">
+                                  <dgm:param type="linDir" val="fromL"/>
+                                </dgm:alg>
+                              </dgm:if>
+                              <dgm:else name="Name21">
+                                <dgm:alg type="hierChild">
+                                  <dgm:param type="linDir" val="fromR"/>
+                                </dgm:alg>
+                              </dgm:else>
+                            </dgm:choose>
+                            <dgm:shape xmlns:r="http://schemas.openxmlformats.org/officeDocument/2006/relationships" r:blip="">
+                              <dgm:adjLst/>
+                            </dgm:shape>
+                            <dgm:presOf/>
+                            <dgm:constrLst/>
+                            <dgm:ruleLst/>
+                            <dgm:forEach name="repeat" axis="ch">
+                              <dgm:forEach name="Name22" axis="self" ptType="parTrans" cnt="1">
+                                <dgm:layoutNode name="Name23">
+                                  <dgm:choose name="Name24">
+                                    <dgm:if name="Name25" axis="self" func="depth" op="lte" val="4">
+                                      <dgm:alg type="conn">
+                                        <dgm:param type="dim" val="1D"/>
+                                        <dgm:param type="endSty" val="noArr"/>
+                                        <dgm:param type="connRout" val="bend"/>
+                                        <dgm:param type="bendPt" val="end"/>
+                                        <dgm:param type="begPts" val="bCtr"/>
+                                        <dgm:param type="endPts" val="tCtr"/>
+                                        <dgm:param type="srcNode" val="background3"/>
+                                        <dgm:param type="dstNode" val="background4"/>
+                                      </dgm:alg>
+                                    </dgm:if>
+                                    <dgm:else name="Name26">
+                                      <dgm:alg type="conn">
+                                        <dgm:param type="dim" val="1D"/>
+                                        <dgm:param type="endSty" val="noArr"/>
+                                        <dgm:param type="connRout" val="bend"/>
+                                        <dgm:param type="bendPt" val="end"/>
+                                        <dgm:param type="begPts" val="bCtr"/>
+                                        <dgm:param type="endPts" val="tCtr"/>
+                                        <dgm:param type="srcNode" val="background4"/>
+                                        <dgm:param type="dstNode" val="background4"/>
+                                      </dgm:alg>
+                                    </dgm:else>
+                                  </dgm:choose>
+                                  <dgm:shape xmlns:r="http://schemas.openxmlformats.org/officeDocument/2006/relationships" type="conn" r:blip="" zOrderOff="-999">
+                                    <dgm:adjLst/>
+                                  </dgm:shape>
+                                  <dgm:presOf axis="self"/>
+                                  <dgm:constrLst>
+                                    <dgm:constr type="begPad"/>
+                                    <dgm:constr type="endPad"/>
+                                  </dgm:constrLst>
+                                  <dgm:ruleLst/>
+                                </dgm:layoutNode>
+                              </dgm:forEach>
+                              <dgm:forEach name="Name27" axis="self" ptType="node">
+                                <dgm:layoutNode name="hierRoot4">
+                                  <dgm:alg type="hierRoot"/>
+                                  <dgm:shape xmlns:r="http://schemas.openxmlformats.org/officeDocument/2006/relationships" r:blip="">
+                                    <dgm:adjLst/>
+                                  </dgm:shape>
+                                  <dgm:presOf/>
+                                  <dgm:constrLst>
+                                    <dgm:constr type="bendDist" for="des" ptType="parTrans" refType="sp" fact="0.5"/>
+                                  </dgm:constrLst>
+                                  <dgm:ruleLst/>
+                                  <dgm:layoutNode name="composite4">
+                                    <dgm:alg type="composite"/>
+                                    <dgm:shape xmlns:r="http://schemas.openxmlformats.org/officeDocument/2006/relationships" r:blip="">
+                                      <dgm:adjLst/>
+                                    </dgm:shape>
+                                    <dgm:presOf/>
+                                    <dgm:constrLst>
+                                      <dgm:constr type="w" for="ch" forName="background4" refType="w" fact="0.9"/>
+                                      <dgm:constr type="h" for="ch" forName="background4" refType="w" refFor="ch" refForName="background4" fact="0.635"/>
+                                      <dgm:constr type="t" for="ch" forName="background4"/>
+                                      <dgm:constr type="l" for="ch" forName="background4"/>
+                                      <dgm:constr type="w" for="ch" forName="text4" refType="w" fact="0.9"/>
+                                      <dgm:constr type="h" for="ch" forName="text4" refType="w" refFor="ch" refForName="text4" fact="0.635"/>
+                                      <dgm:constr type="t" for="ch" forName="text4" refType="w" fact="0.095"/>
+                                      <dgm:constr type="l" for="ch" forName="text4" refType="w" fact="0.1"/>
+                                    </dgm:constrLst>
+                                    <dgm:ruleLst/>
+                                    <dgm:layoutNode name="background4" moveWith="text4">
+                                      <dgm:alg type="sp"/>
+                                      <dgm:shape xmlns:r="http://schemas.openxmlformats.org/officeDocument/2006/relationships" type="roundRect" r:blip="">
+                                        <dgm:adjLst>
+                                          <dgm:adj idx="1" val="0.1"/>
+                                        </dgm:adjLst>
+                                      </dgm:shape>
+                                      <dgm:presOf/>
+                                      <dgm:constrLst/>
+                                      <dgm:ruleLst/>
+                                    </dgm:layoutNode>
+                                    <dgm:layoutNode name="text4" styleLbl="fgAcc4">
+                                      <dgm:varLst>
+                                        <dgm:chPref val="3"/>
+                                      </dgm:varLst>
+                                      <dgm:alg type="tx"/>
+                                      <dgm:shape xmlns:r="http://schemas.openxmlformats.org/officeDocument/2006/relationships" type="roundRect" r:blip="">
+                                        <dgm:adjLst>
+                                          <dgm:adj idx="1" val="0.1"/>
+                                        </dgm:adjLst>
+                                      </dgm:shape>
+                                      <dgm:presOf axis="self"/>
+                                      <dgm:constrLst>
+                                        <dgm:constr type="tMarg" refType="primFontSz" fact="0.3"/>
+                                        <dgm:constr type="bMarg" refType="primFontSz" fact="0.3"/>
+                                        <dgm:constr type="lMarg" refType="primFontSz" fact="0.3"/>
+                                        <dgm:constr type="rMarg" refType="primFontSz" fact="0.3"/>
+                                      </dgm:constrLst>
+                                      <dgm:ruleLst>
+                                        <dgm:rule type="primFontSz" val="5" fact="NaN" max="NaN"/>
+                                      </dgm:ruleLst>
+                                    </dgm:layoutNode>
+                                  </dgm:layoutNode>
+                                  <dgm:layoutNode name="hierChild5">
+                                    <dgm:choose name="Name28">
+                                      <dgm:if name="Name29" func="var" arg="dir" op="equ" val="norm">
+                                        <dgm:alg type="hierChild">
+                                          <dgm:param type="linDir" val="fromL"/>
+                                        </dgm:alg>
+                                      </dgm:if>
+                                      <dgm:else name="Name30">
+                                        <dgm:alg type="hierChild">
+                                          <dgm:param type="linDir" val="fromR"/>
+                                        </dgm:alg>
+                                      </dgm:else>
+                                    </dgm:choose>
+                                    <dgm:shape xmlns:r="http://schemas.openxmlformats.org/officeDocument/2006/relationships" r:blip="">
+                                      <dgm:adjLst/>
+                                    </dgm:shape>
+                                    <dgm:presOf/>
+                                    <dgm:constrLst/>
+                                    <dgm:ruleLst/>
+                                    <dgm:forEach name="Name31" ref="repeat"/>
+                                  </dgm:layoutNode>
+                                </dgm:layoutNode>
+                              </dgm:forEach>
+                            </dgm:forEach>
+                          </dgm:layoutNode>
+                        </dgm:layoutNode>
+                      </dgm:forEach>
+                    </dgm:forEach>
+                  </dgm:layoutNode>
+                </dgm:layoutNode>
+              </dgm:forEach>
+            </dgm:forEach>
+          </dgm:layoutNode>
+        </dgm:layoutNode>
+      </dgm:forEach>
+    </dgm:forEach>
+  </dgm:layoutNode>
+</dgm:layoutDef>
+</file>
+
+<file path=ppt/diagrams/layout3.xml><?xml version="1.0" encoding="utf-8"?>
+<dgm:layoutDef xmlns:dgm="http://schemas.openxmlformats.org/drawingml/2006/diagram" xmlns:a="http://schemas.openxmlformats.org/drawingml/2006/main" uniqueId="urn:microsoft.com/office/officeart/2005/8/layout/hierarchy1">
+  <dgm:title val=""/>
+  <dgm:desc val=""/>
+  <dgm:catLst>
+    <dgm:cat type="hierarchy" pri="2000"/>
+  </dgm:catLst>
+  <dgm:sampData>
+    <dgm:dataModel>
+      <dgm:ptLst>
+        <dgm:pt modelId="0" type="doc"/>
+        <dgm:pt modelId="1">
+          <dgm:prSet phldr="1"/>
+        </dgm:pt>
+        <dgm:pt modelId="2">
+          <dgm:prSet phldr="1"/>
+        </dgm:pt>
+        <dgm:pt modelId="21">
+          <dgm:prSet phldr="1"/>
+        </dgm:pt>
+        <dgm:pt modelId="22">
+          <dgm:prSet phldr="1"/>
+        </dgm:pt>
+        <dgm:pt modelId="3">
+          <dgm:prSet phldr="1"/>
+        </dgm:pt>
+        <dgm:pt modelId="31">
+          <dgm:prSet phldr="1"/>
+        </dgm:pt>
+      </dgm:ptLst>
+      <dgm:cxnLst>
+        <dgm:cxn modelId="4" srcId="0" destId="1" srcOrd="0" destOrd="0"/>
+        <dgm:cxn modelId="5" srcId="1" destId="2" srcOrd="0" destOrd="0"/>
+        <dgm:cxn modelId="6" srcId="1" destId="3" srcOrd="1" destOrd="0"/>
+        <dgm:cxn modelId="23" srcId="2" destId="21" srcOrd="0" destOrd="0"/>
+        <dgm:cxn modelId="24" srcId="2" destId="22" srcOrd="1" destOrd="0"/>
+        <dgm:cxn modelId="33" srcId="3" destId="31" srcOrd="0" destOrd="0"/>
+      </dgm:cxnLst>
+      <dgm:bg/>
+      <dgm:whole/>
+    </dgm:dataModel>
+  </dgm:sampData>
+  <dgm:styleData>
+    <dgm:dataModel>
+      <dgm:ptLst>
+        <dgm:pt modelId="0" type="doc"/>
+        <dgm:pt modelId="1"/>
+        <dgm:pt modelId="11"/>
+        <dgm:pt modelId="12"/>
+      </dgm:ptLst>
+      <dgm:cxnLst>
+        <dgm:cxn modelId="2" srcId="0" destId="1" srcOrd="0" destOrd="0"/>
+        <dgm:cxn modelId="13" srcId="1" destId="11" srcOrd="0" destOrd="0"/>
+        <dgm:cxn modelId="14" srcId="1" destId="12" srcOrd="1" destOrd="0"/>
+      </dgm:cxnLst>
+      <dgm:bg/>
+      <dgm:whole/>
+    </dgm:dataModel>
+  </dgm:styleData>
+  <dgm:clrData>
+    <dgm:dataModel>
+      <dgm:ptLst>
+        <dgm:pt modelId="0" type="doc"/>
+        <dgm:pt modelId="1"/>
+        <dgm:pt modelId="2"/>
+        <dgm:pt modelId="21"/>
+        <dgm:pt modelId="211"/>
+        <dgm:pt modelId="3"/>
+        <dgm:pt modelId="31"/>
+        <dgm:pt modelId="311"/>
+      </dgm:ptLst>
+      <dgm:cxnLst>
+        <dgm:cxn modelId="4" srcId="0" destId="1" srcOrd="0" destOrd="0"/>
+        <dgm:cxn modelId="5" srcId="1" destId="2" srcOrd="0" destOrd="0"/>
+        <dgm:cxn modelId="6" srcId="1" destId="3" srcOrd="1" destOrd="0"/>
+        <dgm:cxn modelId="23" srcId="2" destId="21" srcOrd="0" destOrd="0"/>
+        <dgm:cxn modelId="24" srcId="21" destId="211" srcOrd="0" destOrd="0"/>
+        <dgm:cxn modelId="33" srcId="3" destId="31" srcOrd="0" destOrd="0"/>
+        <dgm:cxn modelId="34" srcId="31" destId="311" srcOrd="0" destOrd="0"/>
+      </dgm:cxnLst>
+      <dgm:bg/>
+      <dgm:whole/>
+    </dgm:dataModel>
+  </dgm:clrData>
+  <dgm:layoutNode name="hierChild1">
+    <dgm:varLst>
+      <dgm:chPref val="1"/>
+      <dgm:dir/>
+      <dgm:animOne val="branch"/>
+      <dgm:animLvl val="lvl"/>
+      <dgm:resizeHandles/>
+    </dgm:varLst>
+    <dgm:choose name="Name0">
+      <dgm:if name="Name1" func="var" arg="dir" op="equ" val="norm">
+        <dgm:alg type="hierChild">
+          <dgm:param type="linDir" val="fromL"/>
+        </dgm:alg>
+      </dgm:if>
+      <dgm:else name="Name2">
+        <dgm:alg type="hierChild">
+          <dgm:param type="linDir" val="fromR"/>
+        </dgm:alg>
+      </dgm:else>
+    </dgm:choose>
+    <dgm:shape xmlns:r="http://schemas.openxmlformats.org/officeDocument/2006/relationships" r:blip="">
+      <dgm:adjLst/>
+    </dgm:shape>
+    <dgm:presOf/>
+    <dgm:constrLst>
+      <dgm:constr type="primFontSz" for="des" ptType="node" op="equ" val="65"/>
+      <dgm:constr type="w" for="des" forName="composite" refType="w"/>
+      <dgm:constr type="h" for="des" forName="composite" refType="w" refFor="des" refForName="composite" fact="0.667"/>
+      <dgm:constr type="w" for="des" forName="composite2" refType="w" refFor="des" refForName="composite"/>
+      <dgm:constr type="h" for="des" forName="composite2" refType="h" refFor="des" refForName="composite"/>
+      <dgm:constr type="w" for="des" forName="composite3" refType="w" refFor="des" refForName="composite"/>
+      <dgm:constr type="h" for="des" forName="composite3" refType="h" refFor="des" refForName="composite"/>
+      <dgm:constr type="w" for="des" forName="composite4" refType="w" refFor="des" refForName="composite"/>
+      <dgm:constr type="h" for="des" forName="composite4" refType="h" refFor="des" refForName="composite"/>
+      <dgm:constr type="w" for="des" forName="composite5" refType="w" refFor="des" refForName="composite"/>
+      <dgm:constr type="h" for="des" forName="composite5" refType="h" refFor="des" refForName="composite"/>
+      <dgm:constr type="sibSp" refType="w" refFor="des" refForName="composite" fact="0.1"/>
+      <dgm:constr type="sibSp" for="des" forName="hierChild2" refType="sibSp"/>
+      <dgm:constr type="sibSp" for="des" forName="hierChild3" refType="sibSp"/>
+      <dgm:constr type="sibSp" for="des" forName="hierChild4" refType="sibSp"/>
+      <dgm:constr type="sibSp" for="des" forName="hierChild5" refType="sibSp"/>
+      <dgm:constr type="sibSp" for="des" forName="hierChild6" refType="sibSp"/>
+      <dgm:constr type="sp" for="des" forName="hierRoot1" refType="h" refFor="des" refForName="composite" fact="0.25"/>
+      <dgm:constr type="sp" for="des" forName="hierRoot2" refType="sp" refFor="des" refForName="hierRoot1"/>
+      <dgm:constr type="sp" for="des" forName="hierRoot3" refType="sp" refFor="des" refForName="hierRoot1"/>
+      <dgm:constr type="sp" for="des" forName="hierRoot4" refType="sp" refFor="des" refForName="hierRoot1"/>
+      <dgm:constr type="sp" for="des" forName="hierRoot5" refType="sp" refFor="des" refForName="hierRoot1"/>
+    </dgm:constrLst>
+    <dgm:ruleLst/>
+    <dgm:forEach name="Name3" axis="ch">
+      <dgm:forEach name="Name4" axis="self" ptType="node">
+        <dgm:layoutNode name="hierRoot1">
+          <dgm:alg type="hierRoot"/>
+          <dgm:shape xmlns:r="http://schemas.openxmlformats.org/officeDocument/2006/relationships" r:blip="">
+            <dgm:adjLst/>
+          </dgm:shape>
+          <dgm:presOf/>
+          <dgm:constrLst>
+            <dgm:constr type="bendDist" for="des" ptType="parTrans" refType="sp" fact="0.5"/>
+          </dgm:constrLst>
+          <dgm:ruleLst/>
+          <dgm:layoutNode name="composite">
+            <dgm:alg type="composite"/>
+            <dgm:shape xmlns:r="http://schemas.openxmlformats.org/officeDocument/2006/relationships" r:blip="">
+              <dgm:adjLst/>
+            </dgm:shape>
+            <dgm:presOf/>
+            <dgm:constrLst>
+              <dgm:constr type="w" for="ch" forName="background" refType="w" fact="0.9"/>
+              <dgm:constr type="h" for="ch" forName="background" refType="w" refFor="ch" refForName="background" fact="0.635"/>
+              <dgm:constr type="t" for="ch" forName="background"/>
+              <dgm:constr type="l" for="ch" forName="background"/>
+              <dgm:constr type="w" for="ch" forName="text" refType="w" fact="0.9"/>
+              <dgm:constr type="h" for="ch" forName="text" refType="w" refFor="ch" refForName="text" fact="0.635"/>
+              <dgm:constr type="t" for="ch" forName="text" refType="w" fact="0.095"/>
+              <dgm:constr type="l" for="ch" forName="text" refType="w" fact="0.1"/>
+            </dgm:constrLst>
+            <dgm:ruleLst/>
+            <dgm:layoutNode name="background" styleLbl="node0" moveWith="text">
+              <dgm:alg type="sp"/>
+              <dgm:shape xmlns:r="http://schemas.openxmlformats.org/officeDocument/2006/relationships" type="roundRect" r:blip="">
+                <dgm:adjLst>
+                  <dgm:adj idx="1" val="0.1"/>
+                </dgm:adjLst>
+              </dgm:shape>
+              <dgm:presOf/>
+              <dgm:constrLst/>
+              <dgm:ruleLst/>
+            </dgm:layoutNode>
+            <dgm:layoutNode name="text" styleLbl="fgAcc0">
+              <dgm:varLst>
+                <dgm:chPref val="3"/>
+              </dgm:varLst>
+              <dgm:alg type="tx"/>
+              <dgm:shape xmlns:r="http://schemas.openxmlformats.org/officeDocument/2006/relationships" type="roundRect" r:blip="">
+                <dgm:adjLst>
+                  <dgm:adj idx="1" val="0.1"/>
+                </dgm:adjLst>
+              </dgm:shape>
+              <dgm:presOf axis="self"/>
+              <dgm:constrLst>
+                <dgm:constr type="tMarg" refType="primFontSz" fact="0.3"/>
+                <dgm:constr type="bMarg" refType="primFontSz" fact="0.3"/>
+                <dgm:constr type="lMarg" refType="primFontSz" fact="0.3"/>
+                <dgm:constr type="rMarg" refType="primFontSz" fact="0.3"/>
+              </dgm:constrLst>
+              <dgm:ruleLst>
+                <dgm:rule type="primFontSz" val="5" fact="NaN" max="NaN"/>
+              </dgm:ruleLst>
+            </dgm:layoutNode>
+          </dgm:layoutNode>
+          <dgm:layoutNode name="hierChild2">
+            <dgm:choose name="Name5">
+              <dgm:if name="Name6" func="var" arg="dir" op="equ" val="norm">
+                <dgm:alg type="hierChild">
+                  <dgm:param type="linDir" val="fromL"/>
+                </dgm:alg>
+              </dgm:if>
+              <dgm:else name="Name7">
+                <dgm:alg type="hierChild">
+                  <dgm:param type="linDir" val="fromR"/>
+                </dgm:alg>
+              </dgm:else>
+            </dgm:choose>
+            <dgm:shape xmlns:r="http://schemas.openxmlformats.org/officeDocument/2006/relationships" r:blip="">
+              <dgm:adjLst/>
+            </dgm:shape>
+            <dgm:presOf/>
+            <dgm:constrLst/>
+            <dgm:ruleLst/>
+            <dgm:forEach name="Name8" axis="ch">
+              <dgm:forEach name="Name9" axis="self" ptType="parTrans" cnt="1">
+                <dgm:layoutNode name="Name10">
+                  <dgm:alg type="conn">
+                    <dgm:param type="dim" val="1D"/>
+                    <dgm:param type="endSty" val="noArr"/>
+                    <dgm:param type="connRout" val="bend"/>
+                    <dgm:param type="bendPt" val="end"/>
+                    <dgm:param type="begPts" val="bCtr"/>
+                    <dgm:param type="endPts" val="tCtr"/>
+                    <dgm:param type="srcNode" val="background"/>
+                    <dgm:param type="dstNode" val="background2"/>
+                  </dgm:alg>
+                  <dgm:shape xmlns:r="http://schemas.openxmlformats.org/officeDocument/2006/relationships" type="conn" r:blip="" zOrderOff="-999">
+                    <dgm:adjLst/>
+                  </dgm:shape>
+                  <dgm:presOf axis="self"/>
+                  <dgm:constrLst>
+                    <dgm:constr type="begPad"/>
+                    <dgm:constr type="endPad"/>
+                  </dgm:constrLst>
+                  <dgm:ruleLst/>
+                </dgm:layoutNode>
+              </dgm:forEach>
+              <dgm:forEach name="Name11" axis="self" ptType="node">
+                <dgm:layoutNode name="hierRoot2">
+                  <dgm:alg type="hierRoot"/>
+                  <dgm:shape xmlns:r="http://schemas.openxmlformats.org/officeDocument/2006/relationships" r:blip="">
+                    <dgm:adjLst/>
+                  </dgm:shape>
+                  <dgm:presOf/>
+                  <dgm:constrLst>
+                    <dgm:constr type="bendDist" for="des" ptType="parTrans" refType="sp" fact="0.5"/>
+                  </dgm:constrLst>
+                  <dgm:ruleLst/>
+                  <dgm:layoutNode name="composite2">
+                    <dgm:alg type="composite"/>
+                    <dgm:shape xmlns:r="http://schemas.openxmlformats.org/officeDocument/2006/relationships" r:blip="">
+                      <dgm:adjLst/>
+                    </dgm:shape>
+                    <dgm:presOf/>
+                    <dgm:constrLst>
+                      <dgm:constr type="w" for="ch" forName="background2" refType="w" fact="0.9"/>
+                      <dgm:constr type="h" for="ch" forName="background2" refType="w" refFor="ch" refForName="background2" fact="0.635"/>
+                      <dgm:constr type="t" for="ch" forName="background2"/>
+                      <dgm:constr type="l" for="ch" forName="background2"/>
+                      <dgm:constr type="w" for="ch" forName="text2" refType="w" fact="0.9"/>
+                      <dgm:constr type="h" for="ch" forName="text2" refType="w" refFor="ch" refForName="text2" fact="0.635"/>
+                      <dgm:constr type="t" for="ch" forName="text2" refType="w" fact="0.095"/>
+                      <dgm:constr type="l" for="ch" forName="text2" refType="w" fact="0.1"/>
+                    </dgm:constrLst>
+                    <dgm:ruleLst/>
+                    <dgm:layoutNode name="background2" moveWith="text2">
+                      <dgm:alg type="sp"/>
+                      <dgm:shape xmlns:r="http://schemas.openxmlformats.org/officeDocument/2006/relationships" type="roundRect" r:blip="">
+                        <dgm:adjLst>
+                          <dgm:adj idx="1" val="0.1"/>
+                        </dgm:adjLst>
+                      </dgm:shape>
+                      <dgm:presOf/>
+                      <dgm:constrLst/>
+                      <dgm:ruleLst/>
+                    </dgm:layoutNode>
+                    <dgm:layoutNode name="text2" styleLbl="fgAcc2">
+                      <dgm:varLst>
+                        <dgm:chPref val="3"/>
+                      </dgm:varLst>
+                      <dgm:alg type="tx"/>
+                      <dgm:shape xmlns:r="http://schemas.openxmlformats.org/officeDocument/2006/relationships" type="roundRect" r:blip="">
+                        <dgm:adjLst>
+                          <dgm:adj idx="1" val="0.1"/>
+                        </dgm:adjLst>
+                      </dgm:shape>
+                      <dgm:presOf axis="self"/>
+                      <dgm:constrLst>
+                        <dgm:constr type="tMarg" refType="primFontSz" fact="0.3"/>
+                        <dgm:constr type="bMarg" refType="primFontSz" fact="0.3"/>
+                        <dgm:constr type="lMarg" refType="primFontSz" fact="0.3"/>
+                        <dgm:constr type="rMarg" refType="primFontSz" fact="0.3"/>
+                      </dgm:constrLst>
+                      <dgm:ruleLst>
+                        <dgm:rule type="primFontSz" val="5" fact="NaN" max="NaN"/>
+                      </dgm:ruleLst>
+                    </dgm:layoutNode>
+                  </dgm:layoutNode>
+                  <dgm:layoutNode name="hierChild3">
+                    <dgm:choose name="Name12">
+                      <dgm:if name="Name13" func="var" arg="dir" op="equ" val="norm">
+                        <dgm:alg type="hierChild">
+                          <dgm:param type="linDir" val="fromL"/>
+                        </dgm:alg>
+                      </dgm:if>
+                      <dgm:else name="Name14">
+                        <dgm:alg type="hierChild">
+                          <dgm:param type="linDir" val="fromR"/>
+                        </dgm:alg>
+                      </dgm:else>
+                    </dgm:choose>
+                    <dgm:shape xmlns:r="http://schemas.openxmlformats.org/officeDocument/2006/relationships" r:blip="">
+                      <dgm:adjLst/>
+                    </dgm:shape>
+                    <dgm:presOf/>
+                    <dgm:constrLst/>
+                    <dgm:ruleLst/>
+                    <dgm:forEach name="Name15" axis="ch">
+                      <dgm:forEach name="Name16" axis="self" ptType="parTrans" cnt="1">
+                        <dgm:layoutNode name="Name17">
+                          <dgm:alg type="conn">
+                            <dgm:param type="dim" val="1D"/>
+                            <dgm:param type="endSty" val="noArr"/>
+                            <dgm:param type="connRout" val="bend"/>
+                            <dgm:param type="bendPt" val="end"/>
+                            <dgm:param type="begPts" val="bCtr"/>
+                            <dgm:param type="endPts" val="tCtr"/>
+                            <dgm:param type="srcNode" val="background2"/>
+                            <dgm:param type="dstNode" val="background3"/>
+                          </dgm:alg>
+                          <dgm:shape xmlns:r="http://schemas.openxmlformats.org/officeDocument/2006/relationships" type="conn" r:blip="" zOrderOff="-999">
+                            <dgm:adjLst/>
+                          </dgm:shape>
+                          <dgm:presOf axis="self"/>
+                          <dgm:constrLst>
+                            <dgm:constr type="begPad"/>
+                            <dgm:constr type="endPad"/>
+                          </dgm:constrLst>
+                          <dgm:ruleLst/>
+                        </dgm:layoutNode>
+                      </dgm:forEach>
+                      <dgm:forEach name="Name18" axis="self" ptType="node">
+                        <dgm:layoutNode name="hierRoot3">
+                          <dgm:alg type="hierRoot"/>
+                          <dgm:shape xmlns:r="http://schemas.openxmlformats.org/officeDocument/2006/relationships" r:blip="">
+                            <dgm:adjLst/>
+                          </dgm:shape>
+                          <dgm:presOf/>
+                          <dgm:constrLst>
+                            <dgm:constr type="bendDist" for="des" ptType="parTrans" refType="sp" fact="0.5"/>
+                          </dgm:constrLst>
+                          <dgm:ruleLst/>
+                          <dgm:layoutNode name="composite3">
+                            <dgm:alg type="composite"/>
+                            <dgm:shape xmlns:r="http://schemas.openxmlformats.org/officeDocument/2006/relationships" r:blip="">
+                              <dgm:adjLst/>
+                            </dgm:shape>
+                            <dgm:presOf/>
+                            <dgm:constrLst>
+                              <dgm:constr type="w" for="ch" forName="background3" refType="w" fact="0.9"/>
+                              <dgm:constr type="h" for="ch" forName="background3" refType="w" refFor="ch" refForName="background3" fact="0.635"/>
+                              <dgm:constr type="t" for="ch" forName="background3"/>
+                              <dgm:constr type="l" for="ch" forName="background3"/>
+                              <dgm:constr type="w" for="ch" forName="text3" refType="w" fact="0.9"/>
+                              <dgm:constr type="h" for="ch" forName="text3" refType="w" refFor="ch" refForName="text3" fact="0.635"/>
+                              <dgm:constr type="t" for="ch" forName="text3" refType="w" fact="0.095"/>
+                              <dgm:constr type="l" for="ch" forName="text3" refType="w" fact="0.1"/>
+                            </dgm:constrLst>
+                            <dgm:ruleLst/>
+                            <dgm:layoutNode name="background3" moveWith="text3">
+                              <dgm:alg type="sp"/>
+                              <dgm:shape xmlns:r="http://schemas.openxmlformats.org/officeDocument/2006/relationships" type="roundRect" r:blip="">
+                                <dgm:adjLst>
+                                  <dgm:adj idx="1" val="0.1"/>
+                                </dgm:adjLst>
+                              </dgm:shape>
+                              <dgm:presOf/>
+                              <dgm:constrLst/>
+                              <dgm:ruleLst/>
+                            </dgm:layoutNode>
+                            <dgm:layoutNode name="text3" styleLbl="fgAcc3">
+                              <dgm:varLst>
+                                <dgm:chPref val="3"/>
+                              </dgm:varLst>
+                              <dgm:alg type="tx"/>
+                              <dgm:shape xmlns:r="http://schemas.openxmlformats.org/officeDocument/2006/relationships" type="roundRect" r:blip="">
+                                <dgm:adjLst>
+                                  <dgm:adj idx="1" val="0.1"/>
+                                </dgm:adjLst>
+                              </dgm:shape>
+                              <dgm:presOf axis="self"/>
+                              <dgm:constrLst>
+                                <dgm:constr type="tMarg" refType="primFontSz" fact="0.3"/>
+                                <dgm:constr type="bMarg" refType="primFontSz" fact="0.3"/>
+                                <dgm:constr type="lMarg" refType="primFontSz" fact="0.3"/>
+                                <dgm:constr type="rMarg" refType="primFontSz" fact="0.3"/>
+                              </dgm:constrLst>
+                              <dgm:ruleLst>
+                                <dgm:rule type="primFontSz" val="5" fact="NaN" max="NaN"/>
+                              </dgm:ruleLst>
+                            </dgm:layoutNode>
+                          </dgm:layoutNode>
+                          <dgm:layoutNode name="hierChild4">
+                            <dgm:choose name="Name19">
+                              <dgm:if name="Name20" func="var" arg="dir" op="equ" val="norm">
+                                <dgm:alg type="hierChild">
+                                  <dgm:param type="linDir" val="fromL"/>
+                                </dgm:alg>
+                              </dgm:if>
+                              <dgm:else name="Name21">
+                                <dgm:alg type="hierChild">
+                                  <dgm:param type="linDir" val="fromR"/>
+                                </dgm:alg>
+                              </dgm:else>
+                            </dgm:choose>
+                            <dgm:shape xmlns:r="http://schemas.openxmlformats.org/officeDocument/2006/relationships" r:blip="">
+                              <dgm:adjLst/>
+                            </dgm:shape>
+                            <dgm:presOf/>
+                            <dgm:constrLst/>
+                            <dgm:ruleLst/>
+                            <dgm:forEach name="repeat" axis="ch">
+                              <dgm:forEach name="Name22" axis="self" ptType="parTrans" cnt="1">
+                                <dgm:layoutNode name="Name23">
+                                  <dgm:choose name="Name24">
+                                    <dgm:if name="Name25" axis="self" func="depth" op="lte" val="4">
+                                      <dgm:alg type="conn">
+                                        <dgm:param type="dim" val="1D"/>
+                                        <dgm:param type="endSty" val="noArr"/>
+                                        <dgm:param type="connRout" val="bend"/>
+                                        <dgm:param type="bendPt" val="end"/>
+                                        <dgm:param type="begPts" val="bCtr"/>
+                                        <dgm:param type="endPts" val="tCtr"/>
+                                        <dgm:param type="srcNode" val="background3"/>
+                                        <dgm:param type="dstNode" val="background4"/>
+                                      </dgm:alg>
+                                    </dgm:if>
+                                    <dgm:else name="Name26">
+                                      <dgm:alg type="conn">
+                                        <dgm:param type="dim" val="1D"/>
+                                        <dgm:param type="endSty" val="noArr"/>
+                                        <dgm:param type="connRout" val="bend"/>
+                                        <dgm:param type="bendPt" val="end"/>
+                                        <dgm:param type="begPts" val="bCtr"/>
+                                        <dgm:param type="endPts" val="tCtr"/>
+                                        <dgm:param type="srcNode" val="background4"/>
+                                        <dgm:param type="dstNode" val="background4"/>
+                                      </dgm:alg>
+                                    </dgm:else>
+                                  </dgm:choose>
+                                  <dgm:shape xmlns:r="http://schemas.openxmlformats.org/officeDocument/2006/relationships" type="conn" r:blip="" zOrderOff="-999">
+                                    <dgm:adjLst/>
+                                  </dgm:shape>
+                                  <dgm:presOf axis="self"/>
+                                  <dgm:constrLst>
+                                    <dgm:constr type="begPad"/>
+                                    <dgm:constr type="endPad"/>
+                                  </dgm:constrLst>
+                                  <dgm:ruleLst/>
+                                </dgm:layoutNode>
+                              </dgm:forEach>
+                              <dgm:forEach name="Name27" axis="self" ptType="node">
+                                <dgm:layoutNode name="hierRoot4">
+                                  <dgm:alg type="hierRoot"/>
+                                  <dgm:shape xmlns:r="http://schemas.openxmlformats.org/officeDocument/2006/relationships" r:blip="">
+                                    <dgm:adjLst/>
+                                  </dgm:shape>
+                                  <dgm:presOf/>
+                                  <dgm:constrLst>
+                                    <dgm:constr type="bendDist" for="des" ptType="parTrans" refType="sp" fact="0.5"/>
+                                  </dgm:constrLst>
+                                  <dgm:ruleLst/>
+                                  <dgm:layoutNode name="composite4">
+                                    <dgm:alg type="composite"/>
+                                    <dgm:shape xmlns:r="http://schemas.openxmlformats.org/officeDocument/2006/relationships" r:blip="">
+                                      <dgm:adjLst/>
+                                    </dgm:shape>
+                                    <dgm:presOf/>
+                                    <dgm:constrLst>
+                                      <dgm:constr type="w" for="ch" forName="background4" refType="w" fact="0.9"/>
+                                      <dgm:constr type="h" for="ch" forName="background4" refType="w" refFor="ch" refForName="background4" fact="0.635"/>
+                                      <dgm:constr type="t" for="ch" forName="background4"/>
+                                      <dgm:constr type="l" for="ch" forName="background4"/>
+                                      <dgm:constr type="w" for="ch" forName="text4" refType="w" fact="0.9"/>
+                                      <dgm:constr type="h" for="ch" forName="text4" refType="w" refFor="ch" refForName="text4" fact="0.635"/>
+                                      <dgm:constr type="t" for="ch" forName="text4" refType="w" fact="0.095"/>
+                                      <dgm:constr type="l" for="ch" forName="text4" refType="w" fact="0.1"/>
+                                    </dgm:constrLst>
+                                    <dgm:ruleLst/>
+                                    <dgm:layoutNode name="background4" moveWith="text4">
+                                      <dgm:alg type="sp"/>
+                                      <dgm:shape xmlns:r="http://schemas.openxmlformats.org/officeDocument/2006/relationships" type="roundRect" r:blip="">
+                                        <dgm:adjLst>
+                                          <dgm:adj idx="1" val="0.1"/>
+                                        </dgm:adjLst>
+                                      </dgm:shape>
+                                      <dgm:presOf/>
+                                      <dgm:constrLst/>
+                                      <dgm:ruleLst/>
+                                    </dgm:layoutNode>
+                                    <dgm:layoutNode name="text4" styleLbl="fgAcc4">
+                                      <dgm:varLst>
+                                        <dgm:chPref val="3"/>
+                                      </dgm:varLst>
+                                      <dgm:alg type="tx"/>
+                                      <dgm:shape xmlns:r="http://schemas.openxmlformats.org/officeDocument/2006/relationships" type="roundRect" r:blip="">
+                                        <dgm:adjLst>
+                                          <dgm:adj idx="1" val="0.1"/>
+                                        </dgm:adjLst>
+                                      </dgm:shape>
+                                      <dgm:presOf axis="self"/>
+                                      <dgm:constrLst>
+                                        <dgm:constr type="tMarg" refType="primFontSz" fact="0.3"/>
+                                        <dgm:constr type="bMarg" refType="primFontSz" fact="0.3"/>
+                                        <dgm:constr type="lMarg" refType="primFontSz" fact="0.3"/>
+                                        <dgm:constr type="rMarg" refType="primFontSz" fact="0.3"/>
+                                      </dgm:constrLst>
+                                      <dgm:ruleLst>
+                                        <dgm:rule type="primFontSz" val="5" fact="NaN" max="NaN"/>
+                                      </dgm:ruleLst>
+                                    </dgm:layoutNode>
+                                  </dgm:layoutNode>
+                                  <dgm:layoutNode name="hierChild5">
+                                    <dgm:choose name="Name28">
+                                      <dgm:if name="Name29" func="var" arg="dir" op="equ" val="norm">
+                                        <dgm:alg type="hierChild">
+                                          <dgm:param type="linDir" val="fromL"/>
+                                        </dgm:alg>
+                                      </dgm:if>
+                                      <dgm:else name="Name30">
+                                        <dgm:alg type="hierChild">
+                                          <dgm:param type="linDir" val="fromR"/>
+                                        </dgm:alg>
+                                      </dgm:else>
+                                    </dgm:choose>
+                                    <dgm:shape xmlns:r="http://schemas.openxmlformats.org/officeDocument/2006/relationships" r:blip="">
+                                      <dgm:adjLst/>
+                                    </dgm:shape>
+                                    <dgm:presOf/>
+                                    <dgm:constrLst/>
+                                    <dgm:ruleLst/>
+                                    <dgm:forEach name="Name31" ref="repeat"/>
+                                  </dgm:layoutNode>
+                                </dgm:layoutNode>
+                              </dgm:forEach>
+                            </dgm:forEach>
+                          </dgm:layoutNode>
+                        </dgm:layoutNode>
+                      </dgm:forEach>
+                    </dgm:forEach>
+                  </dgm:layoutNode>
                 </dgm:layoutNode>
               </dgm:forEach>
             </dgm:forEach>
@@ -7088,6 +10628,1040 @@
 </file>
 
 <file path=ppt/diagrams/quickStyle2.xml><?xml version="1.0" encoding="utf-8"?>
+<dgm:styleDef xmlns:dgm="http://schemas.openxmlformats.org/drawingml/2006/diagram" xmlns:a="http://schemas.openxmlformats.org/drawingml/2006/main" uniqueId="urn:microsoft.com/office/officeart/2005/8/quickstyle/simple1">
+  <dgm:title val=""/>
+  <dgm:desc val=""/>
+  <dgm:catLst>
+    <dgm:cat type="simple" pri="10100"/>
+  </dgm:catLst>
+  <dgm:scene3d>
+    <a:camera prst="orthographicFront"/>
+    <a:lightRig rig="threePt" dir="t"/>
+  </dgm:scene3d>
+  <dgm:styleLbl name="node0">
+    <dgm:scene3d>
+      <a:camera prst="orthographicFront"/>
+      <a:lightRig rig="threePt" dir="t"/>
+    </dgm:scene3d>
+    <dgm:sp3d/>
+    <dgm:txPr/>
+    <dgm:style>
+      <a:lnRef idx="2">
+        <a:scrgbClr r="0" g="0" b="0"/>
+      </a:lnRef>
+      <a:fillRef idx="1">
+        <a:scrgbClr r="0" g="0" b="0"/>
+      </a:fillRef>
+      <a:effectRef idx="0">
+        <a:scrgbClr r="0" g="0" b="0"/>
+      </a:effectRef>
+      <a:fontRef idx="minor">
+        <a:schemeClr val="lt1"/>
+      </a:fontRef>
+    </dgm:style>
+  </dgm:styleLbl>
+  <dgm:styleLbl name="lnNode1">
+    <dgm:scene3d>
+      <a:camera prst="orthographicFront"/>
+      <a:lightRig rig="threePt" dir="t"/>
+    </dgm:scene3d>
+    <dgm:sp3d/>
+    <dgm:txPr/>
+    <dgm:style>
+      <a:lnRef idx="2">
+        <a:scrgbClr r="0" g="0" b="0"/>
+      </a:lnRef>
+      <a:fillRef idx="1">
+        <a:scrgbClr r="0" g="0" b="0"/>
+      </a:fillRef>
+      <a:effectRef idx="0">
+        <a:scrgbClr r="0" g="0" b="0"/>
+      </a:effectRef>
+      <a:fontRef idx="minor">
+        <a:schemeClr val="lt1"/>
+      </a:fontRef>
+    </dgm:style>
+  </dgm:styleLbl>
+  <dgm:styleLbl name="vennNode1">
+    <dgm:scene3d>
+      <a:camera prst="orthographicFront"/>
+      <a:lightRig rig="threePt" dir="t"/>
+    </dgm:scene3d>
+    <dgm:sp3d/>
+    <dgm:txPr/>
+    <dgm:style>
+      <a:lnRef idx="2">
+        <a:scrgbClr r="0" g="0" b="0"/>
+      </a:lnRef>
+      <a:fillRef idx="1">
+        <a:scrgbClr r="0" g="0" b="0"/>
+      </a:fillRef>
+      <a:effectRef idx="0">
+        <a:scrgbClr r="0" g="0" b="0"/>
+      </a:effectRef>
+      <a:fontRef idx="minor">
+        <a:schemeClr val="tx1"/>
+      </a:fontRef>
+    </dgm:style>
+  </dgm:styleLbl>
+  <dgm:styleLbl name="alignNode1">
+    <dgm:scene3d>
+      <a:camera prst="orthographicFront"/>
+      <a:lightRig rig="threePt" dir="t"/>
+    </dgm:scene3d>
+    <dgm:sp3d/>
+    <dgm:txPr/>
+    <dgm:style>
+      <a:lnRef idx="2">
+        <a:scrgbClr r="0" g="0" b="0"/>
+      </a:lnRef>
+      <a:fillRef idx="1">
+        <a:scrgbClr r="0" g="0" b="0"/>
+      </a:fillRef>
+      <a:effectRef idx="0">
+        <a:scrgbClr r="0" g="0" b="0"/>
+      </a:effectRef>
+      <a:fontRef idx="minor">
+        <a:schemeClr val="lt1"/>
+      </a:fontRef>
+    </dgm:style>
+  </dgm:styleLbl>
+  <dgm:styleLbl name="node1">
+    <dgm:scene3d>
+      <a:camera prst="orthographicFront"/>
+      <a:lightRig rig="threePt" dir="t"/>
+    </dgm:scene3d>
+    <dgm:sp3d/>
+    <dgm:txPr/>
+    <dgm:style>
+      <a:lnRef idx="2">
+        <a:scrgbClr r="0" g="0" b="0"/>
+      </a:lnRef>
+      <a:fillRef idx="1">
+        <a:scrgbClr r="0" g="0" b="0"/>
+      </a:fillRef>
+      <a:effectRef idx="0">
+        <a:scrgbClr r="0" g="0" b="0"/>
+      </a:effectRef>
+      <a:fontRef idx="minor">
+        <a:schemeClr val="lt1"/>
+      </a:fontRef>
+    </dgm:style>
+  </dgm:styleLbl>
+  <dgm:styleLbl name="node2">
+    <dgm:scene3d>
+      <a:camera prst="orthographicFront"/>
+      <a:lightRig rig="threePt" dir="t"/>
+    </dgm:scene3d>
+    <dgm:sp3d/>
+    <dgm:txPr/>
+    <dgm:style>
+      <a:lnRef idx="2">
+        <a:scrgbClr r="0" g="0" b="0"/>
+      </a:lnRef>
+      <a:fillRef idx="1">
+        <a:scrgbClr r="0" g="0" b="0"/>
+      </a:fillRef>
+      <a:effectRef idx="0">
+        <a:scrgbClr r="0" g="0" b="0"/>
+      </a:effectRef>
+      <a:fontRef idx="minor">
+        <a:schemeClr val="lt1"/>
+      </a:fontRef>
+    </dgm:style>
+  </dgm:styleLbl>
+  <dgm:styleLbl name="node3">
+    <dgm:scene3d>
+      <a:camera prst="orthographicFront"/>
+      <a:lightRig rig="threePt" dir="t"/>
+    </dgm:scene3d>
+    <dgm:sp3d/>
+    <dgm:txPr/>
+    <dgm:style>
+      <a:lnRef idx="2">
+        <a:scrgbClr r="0" g="0" b="0"/>
+      </a:lnRef>
+      <a:fillRef idx="1">
+        <a:scrgbClr r="0" g="0" b="0"/>
+      </a:fillRef>
+      <a:effectRef idx="0">
+        <a:scrgbClr r="0" g="0" b="0"/>
+      </a:effectRef>
+      <a:fontRef idx="minor">
+        <a:schemeClr val="lt1"/>
+      </a:fontRef>
+    </dgm:style>
+  </dgm:styleLbl>
+  <dgm:styleLbl name="node4">
+    <dgm:scene3d>
+      <a:camera prst="orthographicFront"/>
+      <a:lightRig rig="threePt" dir="t"/>
+    </dgm:scene3d>
+    <dgm:sp3d/>
+    <dgm:txPr/>
+    <dgm:style>
+      <a:lnRef idx="2">
+        <a:scrgbClr r="0" g="0" b="0"/>
+      </a:lnRef>
+      <a:fillRef idx="1">
+        <a:scrgbClr r="0" g="0" b="0"/>
+      </a:fillRef>
+      <a:effectRef idx="0">
+        <a:scrgbClr r="0" g="0" b="0"/>
+      </a:effectRef>
+      <a:fontRef idx="minor">
+        <a:schemeClr val="lt1"/>
+      </a:fontRef>
+    </dgm:style>
+  </dgm:styleLbl>
+  <dgm:styleLbl name="fgImgPlace1">
+    <dgm:scene3d>
+      <a:camera prst="orthographicFront"/>
+      <a:lightRig rig="threePt" dir="t"/>
+    </dgm:scene3d>
+    <dgm:sp3d/>
+    <dgm:txPr/>
+    <dgm:style>
+      <a:lnRef idx="2">
+        <a:scrgbClr r="0" g="0" b="0"/>
+      </a:lnRef>
+      <a:fillRef idx="1">
+        <a:scrgbClr r="0" g="0" b="0"/>
+      </a:fillRef>
+      <a:effectRef idx="0">
+        <a:scrgbClr r="0" g="0" b="0"/>
+      </a:effectRef>
+      <a:fontRef idx="minor"/>
+    </dgm:style>
+  </dgm:styleLbl>
+  <dgm:styleLbl name="alignImgPlace1">
+    <dgm:scene3d>
+      <a:camera prst="orthographicFront"/>
+      <a:lightRig rig="threePt" dir="t"/>
+    </dgm:scene3d>
+    <dgm:sp3d/>
+    <dgm:txPr/>
+    <dgm:style>
+      <a:lnRef idx="2">
+        <a:scrgbClr r="0" g="0" b="0"/>
+      </a:lnRef>
+      <a:fillRef idx="1">
+        <a:scrgbClr r="0" g="0" b="0"/>
+      </a:fillRef>
+      <a:effectRef idx="0">
+        <a:scrgbClr r="0" g="0" b="0"/>
+      </a:effectRef>
+      <a:fontRef idx="minor"/>
+    </dgm:style>
+  </dgm:styleLbl>
+  <dgm:styleLbl name="bgImgPlace1">
+    <dgm:scene3d>
+      <a:camera prst="orthographicFront"/>
+      <a:lightRig rig="threePt" dir="t"/>
+    </dgm:scene3d>
+    <dgm:sp3d/>
+    <dgm:txPr/>
+    <dgm:style>
+      <a:lnRef idx="2">
+        <a:scrgbClr r="0" g="0" b="0"/>
+      </a:lnRef>
+      <a:fillRef idx="1">
+        <a:scrgbClr r="0" g="0" b="0"/>
+      </a:fillRef>
+      <a:effectRef idx="0">
+        <a:scrgbClr r="0" g="0" b="0"/>
+      </a:effectRef>
+      <a:fontRef idx="minor"/>
+    </dgm:style>
+  </dgm:styleLbl>
+  <dgm:styleLbl name="sibTrans2D1">
+    <dgm:scene3d>
+      <a:camera prst="orthographicFront"/>
+      <a:lightRig rig="threePt" dir="t"/>
+    </dgm:scene3d>
+    <dgm:sp3d/>
+    <dgm:txPr/>
+    <dgm:style>
+      <a:lnRef idx="0">
+        <a:scrgbClr r="0" g="0" b="0"/>
+      </a:lnRef>
+      <a:fillRef idx="1">
+        <a:scrgbClr r="0" g="0" b="0"/>
+      </a:fillRef>
+      <a:effectRef idx="0">
+        <a:scrgbClr r="0" g="0" b="0"/>
+      </a:effectRef>
+      <a:fontRef idx="minor">
+        <a:schemeClr val="lt1"/>
+      </a:fontRef>
+    </dgm:style>
+  </dgm:styleLbl>
+  <dgm:styleLbl name="fgSibTrans2D1">
+    <dgm:scene3d>
+      <a:camera prst="orthographicFront"/>
+      <a:lightRig rig="threePt" dir="t"/>
+    </dgm:scene3d>
+    <dgm:sp3d/>
+    <dgm:txPr/>
+    <dgm:style>
+      <a:lnRef idx="0">
+        <a:scrgbClr r="0" g="0" b="0"/>
+      </a:lnRef>
+      <a:fillRef idx="1">
+        <a:scrgbClr r="0" g="0" b="0"/>
+      </a:fillRef>
+      <a:effectRef idx="0">
+        <a:scrgbClr r="0" g="0" b="0"/>
+      </a:effectRef>
+      <a:fontRef idx="minor">
+        <a:schemeClr val="lt1"/>
+      </a:fontRef>
+    </dgm:style>
+  </dgm:styleLbl>
+  <dgm:styleLbl name="bgSibTrans2D1">
+    <dgm:scene3d>
+      <a:camera prst="orthographicFront"/>
+      <a:lightRig rig="threePt" dir="t"/>
+    </dgm:scene3d>
+    <dgm:sp3d/>
+    <dgm:txPr/>
+    <dgm:style>
+      <a:lnRef idx="0">
+        <a:scrgbClr r="0" g="0" b="0"/>
+      </a:lnRef>
+      <a:fillRef idx="1">
+        <a:scrgbClr r="0" g="0" b="0"/>
+      </a:fillRef>
+      <a:effectRef idx="0">
+        <a:scrgbClr r="0" g="0" b="0"/>
+      </a:effectRef>
+      <a:fontRef idx="minor">
+        <a:schemeClr val="lt1"/>
+      </a:fontRef>
+    </dgm:style>
+  </dgm:styleLbl>
+  <dgm:styleLbl name="sibTrans1D1">
+    <dgm:scene3d>
+      <a:camera prst="orthographicFront"/>
+      <a:lightRig rig="threePt" dir="t"/>
+    </dgm:scene3d>
+    <dgm:sp3d/>
+    <dgm:txPr/>
+    <dgm:style>
+      <a:lnRef idx="1">
+        <a:scrgbClr r="0" g="0" b="0"/>
+      </a:lnRef>
+      <a:fillRef idx="0">
+        <a:scrgbClr r="0" g="0" b="0"/>
+      </a:fillRef>
+      <a:effectRef idx="0">
+        <a:scrgbClr r="0" g="0" b="0"/>
+      </a:effectRef>
+      <a:fontRef idx="minor"/>
+    </dgm:style>
+  </dgm:styleLbl>
+  <dgm:styleLbl name="callout">
+    <dgm:scene3d>
+      <a:camera prst="orthographicFront"/>
+      <a:lightRig rig="threePt" dir="t"/>
+    </dgm:scene3d>
+    <dgm:sp3d/>
+    <dgm:txPr/>
+    <dgm:style>
+      <a:lnRef idx="2">
+        <a:scrgbClr r="0" g="0" b="0"/>
+      </a:lnRef>
+      <a:fillRef idx="1">
+        <a:scrgbClr r="0" g="0" b="0"/>
+      </a:fillRef>
+      <a:effectRef idx="0">
+        <a:scrgbClr r="0" g="0" b="0"/>
+      </a:effectRef>
+      <a:fontRef idx="minor"/>
+    </dgm:style>
+  </dgm:styleLbl>
+  <dgm:styleLbl name="asst0">
+    <dgm:scene3d>
+      <a:camera prst="orthographicFront"/>
+      <a:lightRig rig="threePt" dir="t"/>
+    </dgm:scene3d>
+    <dgm:sp3d/>
+    <dgm:txPr/>
+    <dgm:style>
+      <a:lnRef idx="2">
+        <a:scrgbClr r="0" g="0" b="0"/>
+      </a:lnRef>
+      <a:fillRef idx="1">
+        <a:scrgbClr r="0" g="0" b="0"/>
+      </a:fillRef>
+      <a:effectRef idx="0">
+        <a:scrgbClr r="0" g="0" b="0"/>
+      </a:effectRef>
+      <a:fontRef idx="minor">
+        <a:schemeClr val="lt1"/>
+      </a:fontRef>
+    </dgm:style>
+  </dgm:styleLbl>
+  <dgm:styleLbl name="asst1">
+    <dgm:scene3d>
+      <a:camera prst="orthographicFront"/>
+      <a:lightRig rig="threePt" dir="t"/>
+    </dgm:scene3d>
+    <dgm:sp3d/>
+    <dgm:txPr/>
+    <dgm:style>
+      <a:lnRef idx="2">
+        <a:scrgbClr r="0" g="0" b="0"/>
+      </a:lnRef>
+      <a:fillRef idx="1">
+        <a:scrgbClr r="0" g="0" b="0"/>
+      </a:fillRef>
+      <a:effectRef idx="0">
+        <a:scrgbClr r="0" g="0" b="0"/>
+      </a:effectRef>
+      <a:fontRef idx="minor">
+        <a:schemeClr val="lt1"/>
+      </a:fontRef>
+    </dgm:style>
+  </dgm:styleLbl>
+  <dgm:styleLbl name="asst2">
+    <dgm:scene3d>
+      <a:camera prst="orthographicFront"/>
+      <a:lightRig rig="threePt" dir="t"/>
+    </dgm:scene3d>
+    <dgm:sp3d/>
+    <dgm:txPr/>
+    <dgm:style>
+      <a:lnRef idx="2">
+        <a:scrgbClr r="0" g="0" b="0"/>
+      </a:lnRef>
+      <a:fillRef idx="1">
+        <a:scrgbClr r="0" g="0" b="0"/>
+      </a:fillRef>
+      <a:effectRef idx="0">
+        <a:scrgbClr r="0" g="0" b="0"/>
+      </a:effectRef>
+      <a:fontRef idx="minor">
+        <a:schemeClr val="lt1"/>
+      </a:fontRef>
+    </dgm:style>
+  </dgm:styleLbl>
+  <dgm:styleLbl name="asst3">
+    <dgm:scene3d>
+      <a:camera prst="orthographicFront"/>
+      <a:lightRig rig="threePt" dir="t"/>
+    </dgm:scene3d>
+    <dgm:sp3d/>
+    <dgm:txPr/>
+    <dgm:style>
+      <a:lnRef idx="2">
+        <a:scrgbClr r="0" g="0" b="0"/>
+      </a:lnRef>
+      <a:fillRef idx="1">
+        <a:scrgbClr r="0" g="0" b="0"/>
+      </a:fillRef>
+      <a:effectRef idx="0">
+        <a:scrgbClr r="0" g="0" b="0"/>
+      </a:effectRef>
+      <a:fontRef idx="minor">
+        <a:schemeClr val="lt1"/>
+      </a:fontRef>
+    </dgm:style>
+  </dgm:styleLbl>
+  <dgm:styleLbl name="asst4">
+    <dgm:scene3d>
+      <a:camera prst="orthographicFront"/>
+      <a:lightRig rig="threePt" dir="t"/>
+    </dgm:scene3d>
+    <dgm:sp3d/>
+    <dgm:txPr/>
+    <dgm:style>
+      <a:lnRef idx="2">
+        <a:scrgbClr r="0" g="0" b="0"/>
+      </a:lnRef>
+      <a:fillRef idx="1">
+        <a:scrgbClr r="0" g="0" b="0"/>
+      </a:fillRef>
+      <a:effectRef idx="0">
+        <a:scrgbClr r="0" g="0" b="0"/>
+      </a:effectRef>
+      <a:fontRef idx="minor">
+        <a:schemeClr val="lt1"/>
+      </a:fontRef>
+    </dgm:style>
+  </dgm:styleLbl>
+  <dgm:styleLbl name="parChTrans2D1">
+    <dgm:scene3d>
+      <a:camera prst="orthographicFront"/>
+      <a:lightRig rig="threePt" dir="t"/>
+    </dgm:scene3d>
+    <dgm:sp3d/>
+    <dgm:txPr/>
+    <dgm:style>
+      <a:lnRef idx="2">
+        <a:scrgbClr r="0" g="0" b="0"/>
+      </a:lnRef>
+      <a:fillRef idx="1">
+        <a:scrgbClr r="0" g="0" b="0"/>
+      </a:fillRef>
+      <a:effectRef idx="0">
+        <a:scrgbClr r="0" g="0" b="0"/>
+      </a:effectRef>
+      <a:fontRef idx="minor">
+        <a:schemeClr val="lt1"/>
+      </a:fontRef>
+    </dgm:style>
+  </dgm:styleLbl>
+  <dgm:styleLbl name="parChTrans2D2">
+    <dgm:scene3d>
+      <a:camera prst="orthographicFront"/>
+      <a:lightRig rig="threePt" dir="t"/>
+    </dgm:scene3d>
+    <dgm:sp3d/>
+    <dgm:txPr/>
+    <dgm:style>
+      <a:lnRef idx="2">
+        <a:scrgbClr r="0" g="0" b="0"/>
+      </a:lnRef>
+      <a:fillRef idx="1">
+        <a:scrgbClr r="0" g="0" b="0"/>
+      </a:fillRef>
+      <a:effectRef idx="0">
+        <a:scrgbClr r="0" g="0" b="0"/>
+      </a:effectRef>
+      <a:fontRef idx="minor">
+        <a:schemeClr val="lt1"/>
+      </a:fontRef>
+    </dgm:style>
+  </dgm:styleLbl>
+  <dgm:styleLbl name="parChTrans2D3">
+    <dgm:scene3d>
+      <a:camera prst="orthographicFront"/>
+      <a:lightRig rig="threePt" dir="t"/>
+    </dgm:scene3d>
+    <dgm:sp3d/>
+    <dgm:txPr/>
+    <dgm:style>
+      <a:lnRef idx="2">
+        <a:scrgbClr r="0" g="0" b="0"/>
+      </a:lnRef>
+      <a:fillRef idx="1">
+        <a:scrgbClr r="0" g="0" b="0"/>
+      </a:fillRef>
+      <a:effectRef idx="0">
+        <a:scrgbClr r="0" g="0" b="0"/>
+      </a:effectRef>
+      <a:fontRef idx="minor">
+        <a:schemeClr val="lt1"/>
+      </a:fontRef>
+    </dgm:style>
+  </dgm:styleLbl>
+  <dgm:styleLbl name="parChTrans2D4">
+    <dgm:scene3d>
+      <a:camera prst="orthographicFront"/>
+      <a:lightRig rig="threePt" dir="t"/>
+    </dgm:scene3d>
+    <dgm:sp3d/>
+    <dgm:txPr/>
+    <dgm:style>
+      <a:lnRef idx="2">
+        <a:scrgbClr r="0" g="0" b="0"/>
+      </a:lnRef>
+      <a:fillRef idx="1">
+        <a:scrgbClr r="0" g="0" b="0"/>
+      </a:fillRef>
+      <a:effectRef idx="0">
+        <a:scrgbClr r="0" g="0" b="0"/>
+      </a:effectRef>
+      <a:fontRef idx="minor">
+        <a:schemeClr val="lt1"/>
+      </a:fontRef>
+    </dgm:style>
+  </dgm:styleLbl>
+  <dgm:styleLbl name="parChTrans1D1">
+    <dgm:scene3d>
+      <a:camera prst="orthographicFront"/>
+      <a:lightRig rig="threePt" dir="t"/>
+    </dgm:scene3d>
+    <dgm:sp3d/>
+    <dgm:txPr/>
+    <dgm:style>
+      <a:lnRef idx="2">
+        <a:scrgbClr r="0" g="0" b="0"/>
+      </a:lnRef>
+      <a:fillRef idx="0">
+        <a:scrgbClr r="0" g="0" b="0"/>
+      </a:fillRef>
+      <a:effectRef idx="0">
+        <a:scrgbClr r="0" g="0" b="0"/>
+      </a:effectRef>
+      <a:fontRef idx="minor"/>
+    </dgm:style>
+  </dgm:styleLbl>
+  <dgm:styleLbl name="parChTrans1D2">
+    <dgm:scene3d>
+      <a:camera prst="orthographicFront"/>
+      <a:lightRig rig="threePt" dir="t"/>
+    </dgm:scene3d>
+    <dgm:sp3d/>
+    <dgm:txPr/>
+    <dgm:style>
+      <a:lnRef idx="2">
+        <a:scrgbClr r="0" g="0" b="0"/>
+      </a:lnRef>
+      <a:fillRef idx="0">
+        <a:scrgbClr r="0" g="0" b="0"/>
+      </a:fillRef>
+      <a:effectRef idx="0">
+        <a:scrgbClr r="0" g="0" b="0"/>
+      </a:effectRef>
+      <a:fontRef idx="minor"/>
+    </dgm:style>
+  </dgm:styleLbl>
+  <dgm:styleLbl name="parChTrans1D3">
+    <dgm:scene3d>
+      <a:camera prst="orthographicFront"/>
+      <a:lightRig rig="threePt" dir="t"/>
+    </dgm:scene3d>
+    <dgm:sp3d/>
+    <dgm:txPr/>
+    <dgm:style>
+      <a:lnRef idx="2">
+        <a:scrgbClr r="0" g="0" b="0"/>
+      </a:lnRef>
+      <a:fillRef idx="0">
+        <a:scrgbClr r="0" g="0" b="0"/>
+      </a:fillRef>
+      <a:effectRef idx="0">
+        <a:scrgbClr r="0" g="0" b="0"/>
+      </a:effectRef>
+      <a:fontRef idx="minor"/>
+    </dgm:style>
+  </dgm:styleLbl>
+  <dgm:styleLbl name="parChTrans1D4">
+    <dgm:scene3d>
+      <a:camera prst="orthographicFront"/>
+      <a:lightRig rig="threePt" dir="t"/>
+    </dgm:scene3d>
+    <dgm:sp3d/>
+    <dgm:txPr/>
+    <dgm:style>
+      <a:lnRef idx="2">
+        <a:scrgbClr r="0" g="0" b="0"/>
+      </a:lnRef>
+      <a:fillRef idx="0">
+        <a:scrgbClr r="0" g="0" b="0"/>
+      </a:fillRef>
+      <a:effectRef idx="0">
+        <a:scrgbClr r="0" g="0" b="0"/>
+      </a:effectRef>
+      <a:fontRef idx="minor"/>
+    </dgm:style>
+  </dgm:styleLbl>
+  <dgm:styleLbl name="fgAcc1">
+    <dgm:scene3d>
+      <a:camera prst="orthographicFront"/>
+      <a:lightRig rig="threePt" dir="t"/>
+    </dgm:scene3d>
+    <dgm:sp3d/>
+    <dgm:txPr/>
+    <dgm:style>
+      <a:lnRef idx="2">
+        <a:scrgbClr r="0" g="0" b="0"/>
+      </a:lnRef>
+      <a:fillRef idx="1">
+        <a:scrgbClr r="0" g="0" b="0"/>
+      </a:fillRef>
+      <a:effectRef idx="0">
+        <a:scrgbClr r="0" g="0" b="0"/>
+      </a:effectRef>
+      <a:fontRef idx="minor"/>
+    </dgm:style>
+  </dgm:styleLbl>
+  <dgm:styleLbl name="conFgAcc1">
+    <dgm:scene3d>
+      <a:camera prst="orthographicFront"/>
+      <a:lightRig rig="threePt" dir="t"/>
+    </dgm:scene3d>
+    <dgm:sp3d/>
+    <dgm:txPr/>
+    <dgm:style>
+      <a:lnRef idx="2">
+        <a:scrgbClr r="0" g="0" b="0"/>
+      </a:lnRef>
+      <a:fillRef idx="1">
+        <a:scrgbClr r="0" g="0" b="0"/>
+      </a:fillRef>
+      <a:effectRef idx="0">
+        <a:scrgbClr r="0" g="0" b="0"/>
+      </a:effectRef>
+      <a:fontRef idx="minor"/>
+    </dgm:style>
+  </dgm:styleLbl>
+  <dgm:styleLbl name="alignAcc1">
+    <dgm:scene3d>
+      <a:camera prst="orthographicFront"/>
+      <a:lightRig rig="threePt" dir="t"/>
+    </dgm:scene3d>
+    <dgm:sp3d/>
+    <dgm:txPr/>
+    <dgm:style>
+      <a:lnRef idx="2">
+        <a:scrgbClr r="0" g="0" b="0"/>
+      </a:lnRef>
+      <a:fillRef idx="1">
+        <a:scrgbClr r="0" g="0" b="0"/>
+      </a:fillRef>
+      <a:effectRef idx="0">
+        <a:scrgbClr r="0" g="0" b="0"/>
+      </a:effectRef>
+      <a:fontRef idx="minor"/>
+    </dgm:style>
+  </dgm:styleLbl>
+  <dgm:styleLbl name="trAlignAcc1">
+    <dgm:scene3d>
+      <a:camera prst="orthographicFront"/>
+      <a:lightRig rig="threePt" dir="t"/>
+    </dgm:scene3d>
+    <dgm:sp3d/>
+    <dgm:txPr/>
+    <dgm:style>
+      <a:lnRef idx="1">
+        <a:scrgbClr r="0" g="0" b="0"/>
+      </a:lnRef>
+      <a:fillRef idx="1">
+        <a:scrgbClr r="0" g="0" b="0"/>
+      </a:fillRef>
+      <a:effectRef idx="0">
+        <a:scrgbClr r="0" g="0" b="0"/>
+      </a:effectRef>
+      <a:fontRef idx="minor"/>
+    </dgm:style>
+  </dgm:styleLbl>
+  <dgm:styleLbl name="bgAcc1">
+    <dgm:scene3d>
+      <a:camera prst="orthographicFront"/>
+      <a:lightRig rig="threePt" dir="t"/>
+    </dgm:scene3d>
+    <dgm:sp3d/>
+    <dgm:txPr/>
+    <dgm:style>
+      <a:lnRef idx="2">
+        <a:scrgbClr r="0" g="0" b="0"/>
+      </a:lnRef>
+      <a:fillRef idx="1">
+        <a:scrgbClr r="0" g="0" b="0"/>
+      </a:fillRef>
+      <a:effectRef idx="0">
+        <a:scrgbClr r="0" g="0" b="0"/>
+      </a:effectRef>
+      <a:fontRef idx="minor"/>
+    </dgm:style>
+  </dgm:styleLbl>
+  <dgm:styleLbl name="solidFgAcc1">
+    <dgm:scene3d>
+      <a:camera prst="orthographicFront"/>
+      <a:lightRig rig="threePt" dir="t"/>
+    </dgm:scene3d>
+    <dgm:sp3d/>
+    <dgm:txPr/>
+    <dgm:style>
+      <a:lnRef idx="2">
+        <a:scrgbClr r="0" g="0" b="0"/>
+      </a:lnRef>
+      <a:fillRef idx="1">
+        <a:scrgbClr r="0" g="0" b="0"/>
+      </a:fillRef>
+      <a:effectRef idx="0">
+        <a:scrgbClr r="0" g="0" b="0"/>
+      </a:effectRef>
+      <a:fontRef idx="minor"/>
+    </dgm:style>
+  </dgm:styleLbl>
+  <dgm:styleLbl name="solidAlignAcc1">
+    <dgm:scene3d>
+      <a:camera prst="orthographicFront"/>
+      <a:lightRig rig="threePt" dir="t"/>
+    </dgm:scene3d>
+    <dgm:sp3d/>
+    <dgm:txPr/>
+    <dgm:style>
+      <a:lnRef idx="2">
+        <a:scrgbClr r="0" g="0" b="0"/>
+      </a:lnRef>
+      <a:fillRef idx="1">
+        <a:scrgbClr r="0" g="0" b="0"/>
+      </a:fillRef>
+      <a:effectRef idx="0">
+        <a:scrgbClr r="0" g="0" b="0"/>
+      </a:effectRef>
+      <a:fontRef idx="minor"/>
+    </dgm:style>
+  </dgm:styleLbl>
+  <dgm:styleLbl name="solidBgAcc1">
+    <dgm:scene3d>
+      <a:camera prst="orthographicFront"/>
+      <a:lightRig rig="threePt" dir="t"/>
+    </dgm:scene3d>
+    <dgm:sp3d/>
+    <dgm:txPr/>
+    <dgm:style>
+      <a:lnRef idx="2">
+        <a:scrgbClr r="0" g="0" b="0"/>
+      </a:lnRef>
+      <a:fillRef idx="1">
+        <a:scrgbClr r="0" g="0" b="0"/>
+      </a:fillRef>
+      <a:effectRef idx="0">
+        <a:scrgbClr r="0" g="0" b="0"/>
+      </a:effectRef>
+      <a:fontRef idx="minor"/>
+    </dgm:style>
+  </dgm:styleLbl>
+  <dgm:styleLbl name="fgAccFollowNode1">
+    <dgm:scene3d>
+      <a:camera prst="orthographicFront"/>
+      <a:lightRig rig="threePt" dir="t"/>
+    </dgm:scene3d>
+    <dgm:sp3d/>
+    <dgm:txPr/>
+    <dgm:style>
+      <a:lnRef idx="2">
+        <a:scrgbClr r="0" g="0" b="0"/>
+      </a:lnRef>
+      <a:fillRef idx="1">
+        <a:scrgbClr r="0" g="0" b="0"/>
+      </a:fillRef>
+      <a:effectRef idx="0">
+        <a:scrgbClr r="0" g="0" b="0"/>
+      </a:effectRef>
+      <a:fontRef idx="minor"/>
+    </dgm:style>
+  </dgm:styleLbl>
+  <dgm:styleLbl name="alignAccFollowNode1">
+    <dgm:scene3d>
+      <a:camera prst="orthographicFront"/>
+      <a:lightRig rig="threePt" dir="t"/>
+    </dgm:scene3d>
+    <dgm:sp3d/>
+    <dgm:txPr/>
+    <dgm:style>
+      <a:lnRef idx="2">
+        <a:scrgbClr r="0" g="0" b="0"/>
+      </a:lnRef>
+      <a:fillRef idx="1">
+        <a:scrgbClr r="0" g="0" b="0"/>
+      </a:fillRef>
+      <a:effectRef idx="0">
+        <a:scrgbClr r="0" g="0" b="0"/>
+      </a:effectRef>
+      <a:fontRef idx="minor"/>
+    </dgm:style>
+  </dgm:styleLbl>
+  <dgm:styleLbl name="bgAccFollowNode1">
+    <dgm:scene3d>
+      <a:camera prst="orthographicFront"/>
+      <a:lightRig rig="threePt" dir="t"/>
+    </dgm:scene3d>
+    <dgm:sp3d/>
+    <dgm:txPr/>
+    <dgm:style>
+      <a:lnRef idx="2">
+        <a:scrgbClr r="0" g="0" b="0"/>
+      </a:lnRef>
+      <a:fillRef idx="1">
+        <a:scrgbClr r="0" g="0" b="0"/>
+      </a:fillRef>
+      <a:effectRef idx="0">
+        <a:scrgbClr r="0" g="0" b="0"/>
+      </a:effectRef>
+      <a:fontRef idx="minor"/>
+    </dgm:style>
+  </dgm:styleLbl>
+  <dgm:styleLbl name="fgAcc0">
+    <dgm:scene3d>
+      <a:camera prst="orthographicFront"/>
+      <a:lightRig rig="threePt" dir="t"/>
+    </dgm:scene3d>
+    <dgm:sp3d/>
+    <dgm:txPr/>
+    <dgm:style>
+      <a:lnRef idx="2">
+        <a:scrgbClr r="0" g="0" b="0"/>
+      </a:lnRef>
+      <a:fillRef idx="1">
+        <a:scrgbClr r="0" g="0" b="0"/>
+      </a:fillRef>
+      <a:effectRef idx="0">
+        <a:scrgbClr r="0" g="0" b="0"/>
+      </a:effectRef>
+      <a:fontRef idx="minor"/>
+    </dgm:style>
+  </dgm:styleLbl>
+  <dgm:styleLbl name="fgAcc2">
+    <dgm:scene3d>
+      <a:camera prst="orthographicFront"/>
+      <a:lightRig rig="threePt" dir="t"/>
+    </dgm:scene3d>
+    <dgm:sp3d/>
+    <dgm:txPr/>
+    <dgm:style>
+      <a:lnRef idx="2">
+        <a:scrgbClr r="0" g="0" b="0"/>
+      </a:lnRef>
+      <a:fillRef idx="1">
+        <a:scrgbClr r="0" g="0" b="0"/>
+      </a:fillRef>
+      <a:effectRef idx="0">
+        <a:scrgbClr r="0" g="0" b="0"/>
+      </a:effectRef>
+      <a:fontRef idx="minor"/>
+    </dgm:style>
+  </dgm:styleLbl>
+  <dgm:styleLbl name="fgAcc3">
+    <dgm:scene3d>
+      <a:camera prst="orthographicFront"/>
+      <a:lightRig rig="threePt" dir="t"/>
+    </dgm:scene3d>
+    <dgm:sp3d/>
+    <dgm:txPr/>
+    <dgm:style>
+      <a:lnRef idx="2">
+        <a:scrgbClr r="0" g="0" b="0"/>
+      </a:lnRef>
+      <a:fillRef idx="1">
+        <a:scrgbClr r="0" g="0" b="0"/>
+      </a:fillRef>
+      <a:effectRef idx="0">
+        <a:scrgbClr r="0" g="0" b="0"/>
+      </a:effectRef>
+      <a:fontRef idx="minor"/>
+    </dgm:style>
+  </dgm:styleLbl>
+  <dgm:styleLbl name="fgAcc4">
+    <dgm:scene3d>
+      <a:camera prst="orthographicFront"/>
+      <a:lightRig rig="threePt" dir="t"/>
+    </dgm:scene3d>
+    <dgm:sp3d/>
+    <dgm:txPr/>
+    <dgm:style>
+      <a:lnRef idx="2">
+        <a:scrgbClr r="0" g="0" b="0"/>
+      </a:lnRef>
+      <a:fillRef idx="1">
+        <a:scrgbClr r="0" g="0" b="0"/>
+      </a:fillRef>
+      <a:effectRef idx="0">
+        <a:scrgbClr r="0" g="0" b="0"/>
+      </a:effectRef>
+      <a:fontRef idx="minor"/>
+    </dgm:style>
+  </dgm:styleLbl>
+  <dgm:styleLbl name="bgShp">
+    <dgm:scene3d>
+      <a:camera prst="orthographicFront"/>
+      <a:lightRig rig="threePt" dir="t"/>
+    </dgm:scene3d>
+    <dgm:sp3d/>
+    <dgm:txPr/>
+    <dgm:style>
+      <a:lnRef idx="0">
+        <a:scrgbClr r="0" g="0" b="0"/>
+      </a:lnRef>
+      <a:fillRef idx="1">
+        <a:scrgbClr r="0" g="0" b="0"/>
+      </a:fillRef>
+      <a:effectRef idx="0">
+        <a:scrgbClr r="0" g="0" b="0"/>
+      </a:effectRef>
+      <a:fontRef idx="minor"/>
+    </dgm:style>
+  </dgm:styleLbl>
+  <dgm:styleLbl name="dkBgShp">
+    <dgm:scene3d>
+      <a:camera prst="orthographicFront"/>
+      <a:lightRig rig="threePt" dir="t"/>
+    </dgm:scene3d>
+    <dgm:sp3d/>
+    <dgm:txPr/>
+    <dgm:style>
+      <a:lnRef idx="0">
+        <a:scrgbClr r="0" g="0" b="0"/>
+      </a:lnRef>
+      <a:fillRef idx="1">
+        <a:scrgbClr r="0" g="0" b="0"/>
+      </a:fillRef>
+      <a:effectRef idx="0">
+        <a:scrgbClr r="0" g="0" b="0"/>
+      </a:effectRef>
+      <a:fontRef idx="minor"/>
+    </dgm:style>
+  </dgm:styleLbl>
+  <dgm:styleLbl name="trBgShp">
+    <dgm:scene3d>
+      <a:camera prst="orthographicFront"/>
+      <a:lightRig rig="threePt" dir="t"/>
+    </dgm:scene3d>
+    <dgm:sp3d/>
+    <dgm:txPr/>
+    <dgm:style>
+      <a:lnRef idx="0">
+        <a:scrgbClr r="0" g="0" b="0"/>
+      </a:lnRef>
+      <a:fillRef idx="1">
+        <a:scrgbClr r="0" g="0" b="0"/>
+      </a:fillRef>
+      <a:effectRef idx="0">
+        <a:scrgbClr r="0" g="0" b="0"/>
+      </a:effectRef>
+      <a:fontRef idx="minor"/>
+    </dgm:style>
+  </dgm:styleLbl>
+  <dgm:styleLbl name="fgShp">
+    <dgm:scene3d>
+      <a:camera prst="orthographicFront"/>
+      <a:lightRig rig="threePt" dir="t"/>
+    </dgm:scene3d>
+    <dgm:sp3d/>
+    <dgm:txPr/>
+    <dgm:style>
+      <a:lnRef idx="2">
+        <a:scrgbClr r="0" g="0" b="0"/>
+      </a:lnRef>
+      <a:fillRef idx="1">
+        <a:scrgbClr r="0" g="0" b="0"/>
+      </a:fillRef>
+      <a:effectRef idx="0">
+        <a:scrgbClr r="0" g="0" b="0"/>
+      </a:effectRef>
+      <a:fontRef idx="minor"/>
+    </dgm:style>
+  </dgm:styleLbl>
+  <dgm:styleLbl name="revTx">
+    <dgm:scene3d>
+      <a:camera prst="orthographicFront"/>
+      <a:lightRig rig="threePt" dir="t"/>
+    </dgm:scene3d>
+    <dgm:sp3d/>
+    <dgm:txPr/>
+    <dgm:style>
+      <a:lnRef idx="0">
+        <a:scrgbClr r="0" g="0" b="0"/>
+      </a:lnRef>
+      <a:fillRef idx="0">
+        <a:scrgbClr r="0" g="0" b="0"/>
+      </a:fillRef>
+      <a:effectRef idx="0">
+        <a:scrgbClr r="0" g="0" b="0"/>
+      </a:effectRef>
+      <a:fontRef idx="minor"/>
+    </dgm:style>
+  </dgm:styleLbl>
+</dgm:styleDef>
+</file>
+
+<file path=ppt/diagrams/quickStyle3.xml><?xml version="1.0" encoding="utf-8"?>
 <dgm:styleDef xmlns:dgm="http://schemas.openxmlformats.org/drawingml/2006/diagram" xmlns:a="http://schemas.openxmlformats.org/drawingml/2006/main" uniqueId="urn:microsoft.com/office/officeart/2005/8/quickstyle/simple1">
   <dgm:title val=""/>
   <dgm:desc val=""/>
@@ -8150,15 +12724,15 @@
         </p:nvSpPr>
         <p:spPr>
           <a:xfrm>
-            <a:off x="514350" y="1496484"/>
-            <a:ext cx="5829300" cy="3183467"/>
+            <a:off x="685800" y="1122363"/>
+            <a:ext cx="7772400" cy="2387600"/>
           </a:xfrm>
         </p:spPr>
         <p:txBody>
           <a:bodyPr anchor="b"/>
           <a:lstStyle>
             <a:lvl1pPr algn="ctr">
-              <a:defRPr sz="4500"/>
+              <a:defRPr sz="6000"/>
             </a:lvl1pPr>
           </a:lstStyle>
           <a:p>
@@ -8182,8 +12756,8 @@
         </p:nvSpPr>
         <p:spPr>
           <a:xfrm>
-            <a:off x="857250" y="4802717"/>
-            <a:ext cx="5143500" cy="2207683"/>
+            <a:off x="1143000" y="3602038"/>
+            <a:ext cx="6858000" cy="1655762"/>
           </a:xfrm>
         </p:spPr>
         <p:txBody>
@@ -8191,39 +12765,39 @@
           <a:lstStyle>
             <a:lvl1pPr marL="0" indent="0" algn="ctr">
               <a:buNone/>
+              <a:defRPr sz="2400"/>
+            </a:lvl1pPr>
+            <a:lvl2pPr marL="457200" indent="0" algn="ctr">
+              <a:buNone/>
+              <a:defRPr sz="2000"/>
+            </a:lvl2pPr>
+            <a:lvl3pPr marL="914400" indent="0" algn="ctr">
+              <a:buNone/>
               <a:defRPr sz="1800"/>
-            </a:lvl1pPr>
-            <a:lvl2pPr marL="342900" indent="0" algn="ctr">
+            </a:lvl3pPr>
+            <a:lvl4pPr marL="1371600" indent="0" algn="ctr">
               <a:buNone/>
-              <a:defRPr sz="1500"/>
-            </a:lvl2pPr>
-            <a:lvl3pPr marL="685800" indent="0" algn="ctr">
+              <a:defRPr sz="1600"/>
+            </a:lvl4pPr>
+            <a:lvl5pPr marL="1828800" indent="0" algn="ctr">
               <a:buNone/>
-              <a:defRPr sz="1350"/>
-            </a:lvl3pPr>
-            <a:lvl4pPr marL="1028700" indent="0" algn="ctr">
+              <a:defRPr sz="1600"/>
+            </a:lvl5pPr>
+            <a:lvl6pPr marL="2286000" indent="0" algn="ctr">
               <a:buNone/>
-              <a:defRPr sz="1200"/>
-            </a:lvl4pPr>
-            <a:lvl5pPr marL="1371600" indent="0" algn="ctr">
+              <a:defRPr sz="1600"/>
+            </a:lvl6pPr>
+            <a:lvl7pPr marL="2743200" indent="0" algn="ctr">
               <a:buNone/>
-              <a:defRPr sz="1200"/>
-            </a:lvl5pPr>
-            <a:lvl6pPr marL="1714500" indent="0" algn="ctr">
+              <a:defRPr sz="1600"/>
+            </a:lvl7pPr>
+            <a:lvl8pPr marL="3200400" indent="0" algn="ctr">
               <a:buNone/>
-              <a:defRPr sz="1200"/>
-            </a:lvl6pPr>
-            <a:lvl7pPr marL="2057400" indent="0" algn="ctr">
+              <a:defRPr sz="1600"/>
+            </a:lvl8pPr>
+            <a:lvl9pPr marL="3657600" indent="0" algn="ctr">
               <a:buNone/>
-              <a:defRPr sz="1200"/>
-            </a:lvl7pPr>
-            <a:lvl8pPr marL="2400300" indent="0" algn="ctr">
-              <a:buNone/>
-              <a:defRPr sz="1200"/>
-            </a:lvl8pPr>
-            <a:lvl9pPr marL="2743200" indent="0" algn="ctr">
-              <a:buNone/>
-              <a:defRPr sz="1200"/>
+              <a:defRPr sz="1600"/>
             </a:lvl9pPr>
           </a:lstStyle>
           <a:p>
@@ -8252,7 +12826,7 @@
           <a:p>
             <a:fld id="{A3729589-28E1-4B66-93D8-7EDC381319F1}" type="datetimeFigureOut">
               <a:rPr lang="pt-BR" smtClean="0"/>
-              <a:t>06/04/2023</a:t>
+              <a:t>01/05/2023</a:t>
             </a:fld>
             <a:endParaRPr lang="pt-BR"/>
           </a:p>
@@ -8303,7 +12877,7 @@
     </p:spTree>
     <p:extLst>
       <p:ext uri="{BB962C8B-B14F-4D97-AF65-F5344CB8AC3E}">
-        <p14:creationId xmlns:p14="http://schemas.microsoft.com/office/powerpoint/2010/main" val="2141562224"/>
+        <p14:creationId xmlns:p14="http://schemas.microsoft.com/office/powerpoint/2010/main" val="3925001340"/>
       </p:ext>
     </p:extLst>
   </p:cSld>
@@ -8422,7 +12996,7 @@
           <a:p>
             <a:fld id="{A3729589-28E1-4B66-93D8-7EDC381319F1}" type="datetimeFigureOut">
               <a:rPr lang="pt-BR" smtClean="0"/>
-              <a:t>06/04/2023</a:t>
+              <a:t>01/05/2023</a:t>
             </a:fld>
             <a:endParaRPr lang="pt-BR"/>
           </a:p>
@@ -8473,7 +13047,7 @@
     </p:spTree>
     <p:extLst>
       <p:ext uri="{BB962C8B-B14F-4D97-AF65-F5344CB8AC3E}">
-        <p14:creationId xmlns:p14="http://schemas.microsoft.com/office/powerpoint/2010/main" val="1573025611"/>
+        <p14:creationId xmlns:p14="http://schemas.microsoft.com/office/powerpoint/2010/main" val="2415566615"/>
       </p:ext>
     </p:extLst>
   </p:cSld>
@@ -8512,8 +13086,8 @@
         </p:nvSpPr>
         <p:spPr>
           <a:xfrm>
-            <a:off x="4907757" y="486834"/>
-            <a:ext cx="1478756" cy="7749117"/>
+            <a:off x="6543675" y="365125"/>
+            <a:ext cx="1971675" cy="5811838"/>
           </a:xfrm>
         </p:spPr>
         <p:txBody>
@@ -8540,8 +13114,8 @@
         </p:nvSpPr>
         <p:spPr>
           <a:xfrm>
-            <a:off x="471488" y="486834"/>
-            <a:ext cx="4350544" cy="7749117"/>
+            <a:off x="628650" y="365125"/>
+            <a:ext cx="5800725" cy="5811838"/>
           </a:xfrm>
         </p:spPr>
         <p:txBody>
@@ -8602,7 +13176,7 @@
           <a:p>
             <a:fld id="{A3729589-28E1-4B66-93D8-7EDC381319F1}" type="datetimeFigureOut">
               <a:rPr lang="pt-BR" smtClean="0"/>
-              <a:t>06/04/2023</a:t>
+              <a:t>01/05/2023</a:t>
             </a:fld>
             <a:endParaRPr lang="pt-BR"/>
           </a:p>
@@ -8653,7 +13227,7 @@
     </p:spTree>
     <p:extLst>
       <p:ext uri="{BB962C8B-B14F-4D97-AF65-F5344CB8AC3E}">
-        <p14:creationId xmlns:p14="http://schemas.microsoft.com/office/powerpoint/2010/main" val="2482122719"/>
+        <p14:creationId xmlns:p14="http://schemas.microsoft.com/office/powerpoint/2010/main" val="4029333447"/>
       </p:ext>
     </p:extLst>
   </p:cSld>
@@ -8772,7 +13346,7 @@
           <a:p>
             <a:fld id="{A3729589-28E1-4B66-93D8-7EDC381319F1}" type="datetimeFigureOut">
               <a:rPr lang="pt-BR" smtClean="0"/>
-              <a:t>06/04/2023</a:t>
+              <a:t>01/05/2023</a:t>
             </a:fld>
             <a:endParaRPr lang="pt-BR"/>
           </a:p>
@@ -8823,7 +13397,7 @@
     </p:spTree>
     <p:extLst>
       <p:ext uri="{BB962C8B-B14F-4D97-AF65-F5344CB8AC3E}">
-        <p14:creationId xmlns:p14="http://schemas.microsoft.com/office/powerpoint/2010/main" val="1850619268"/>
+        <p14:creationId xmlns:p14="http://schemas.microsoft.com/office/powerpoint/2010/main" val="885998788"/>
       </p:ext>
     </p:extLst>
   </p:cSld>
@@ -8862,15 +13436,15 @@
         </p:nvSpPr>
         <p:spPr>
           <a:xfrm>
-            <a:off x="467916" y="2279653"/>
-            <a:ext cx="5915025" cy="3803649"/>
+            <a:off x="623888" y="1709739"/>
+            <a:ext cx="7886700" cy="2852737"/>
           </a:xfrm>
         </p:spPr>
         <p:txBody>
           <a:bodyPr anchor="b"/>
           <a:lstStyle>
             <a:lvl1pPr>
-              <a:defRPr sz="4500"/>
+              <a:defRPr sz="6000"/>
             </a:lvl1pPr>
           </a:lstStyle>
           <a:p>
@@ -8894,8 +13468,8 @@
         </p:nvSpPr>
         <p:spPr>
           <a:xfrm>
-            <a:off x="467916" y="6119286"/>
-            <a:ext cx="5915025" cy="2000249"/>
+            <a:off x="623888" y="4589464"/>
+            <a:ext cx="7886700" cy="1500187"/>
           </a:xfrm>
         </p:spPr>
         <p:txBody>
@@ -8903,15 +13477,15 @@
           <a:lstStyle>
             <a:lvl1pPr marL="0" indent="0">
               <a:buNone/>
-              <a:defRPr sz="1800">
+              <a:defRPr sz="2400">
                 <a:solidFill>
                   <a:schemeClr val="tx1"/>
                 </a:solidFill>
               </a:defRPr>
             </a:lvl1pPr>
-            <a:lvl2pPr marL="342900" indent="0">
+            <a:lvl2pPr marL="457200" indent="0">
               <a:buNone/>
-              <a:defRPr sz="1500">
+              <a:defRPr sz="2000">
                 <a:solidFill>
                   <a:schemeClr val="tx1">
                     <a:tint val="75000"/>
@@ -8919,9 +13493,9 @@
                 </a:solidFill>
               </a:defRPr>
             </a:lvl2pPr>
-            <a:lvl3pPr marL="685800" indent="0">
+            <a:lvl3pPr marL="914400" indent="0">
               <a:buNone/>
-              <a:defRPr sz="1350">
+              <a:defRPr sz="1800">
                 <a:solidFill>
                   <a:schemeClr val="tx1">
                     <a:tint val="75000"/>
@@ -8929,9 +13503,9 @@
                 </a:solidFill>
               </a:defRPr>
             </a:lvl3pPr>
-            <a:lvl4pPr marL="1028700" indent="0">
+            <a:lvl4pPr marL="1371600" indent="0">
               <a:buNone/>
-              <a:defRPr sz="1200">
+              <a:defRPr sz="1600">
                 <a:solidFill>
                   <a:schemeClr val="tx1">
                     <a:tint val="75000"/>
@@ -8939,9 +13513,9 @@
                 </a:solidFill>
               </a:defRPr>
             </a:lvl4pPr>
-            <a:lvl5pPr marL="1371600" indent="0">
+            <a:lvl5pPr marL="1828800" indent="0">
               <a:buNone/>
-              <a:defRPr sz="1200">
+              <a:defRPr sz="1600">
                 <a:solidFill>
                   <a:schemeClr val="tx1">
                     <a:tint val="75000"/>
@@ -8949,9 +13523,9 @@
                 </a:solidFill>
               </a:defRPr>
             </a:lvl5pPr>
-            <a:lvl6pPr marL="1714500" indent="0">
+            <a:lvl6pPr marL="2286000" indent="0">
               <a:buNone/>
-              <a:defRPr sz="1200">
+              <a:defRPr sz="1600">
                 <a:solidFill>
                   <a:schemeClr val="tx1">
                     <a:tint val="75000"/>
@@ -8959,9 +13533,9 @@
                 </a:solidFill>
               </a:defRPr>
             </a:lvl6pPr>
-            <a:lvl7pPr marL="2057400" indent="0">
+            <a:lvl7pPr marL="2743200" indent="0">
               <a:buNone/>
-              <a:defRPr sz="1200">
+              <a:defRPr sz="1600">
                 <a:solidFill>
                   <a:schemeClr val="tx1">
                     <a:tint val="75000"/>
@@ -8969,9 +13543,9 @@
                 </a:solidFill>
               </a:defRPr>
             </a:lvl7pPr>
-            <a:lvl8pPr marL="2400300" indent="0">
+            <a:lvl8pPr marL="3200400" indent="0">
               <a:buNone/>
-              <a:defRPr sz="1200">
+              <a:defRPr sz="1600">
                 <a:solidFill>
                   <a:schemeClr val="tx1">
                     <a:tint val="75000"/>
@@ -8979,9 +13553,9 @@
                 </a:solidFill>
               </a:defRPr>
             </a:lvl8pPr>
-            <a:lvl9pPr marL="2743200" indent="0">
+            <a:lvl9pPr marL="3657600" indent="0">
               <a:buNone/>
-              <a:defRPr sz="1200">
+              <a:defRPr sz="1600">
                 <a:solidFill>
                   <a:schemeClr val="tx1">
                     <a:tint val="75000"/>
@@ -9016,7 +13590,7 @@
           <a:p>
             <a:fld id="{A3729589-28E1-4B66-93D8-7EDC381319F1}" type="datetimeFigureOut">
               <a:rPr lang="pt-BR" smtClean="0"/>
-              <a:t>06/04/2023</a:t>
+              <a:t>01/05/2023</a:t>
             </a:fld>
             <a:endParaRPr lang="pt-BR"/>
           </a:p>
@@ -9067,7 +13641,7 @@
     </p:spTree>
     <p:extLst>
       <p:ext uri="{BB962C8B-B14F-4D97-AF65-F5344CB8AC3E}">
-        <p14:creationId xmlns:p14="http://schemas.microsoft.com/office/powerpoint/2010/main" val="695342041"/>
+        <p14:creationId xmlns:p14="http://schemas.microsoft.com/office/powerpoint/2010/main" val="3275587787"/>
       </p:ext>
     </p:extLst>
   </p:cSld>
@@ -9129,8 +13703,8 @@
         </p:nvSpPr>
         <p:spPr>
           <a:xfrm>
-            <a:off x="471488" y="2434167"/>
-            <a:ext cx="2914650" cy="5801784"/>
+            <a:off x="628650" y="1825625"/>
+            <a:ext cx="3886200" cy="4351338"/>
           </a:xfrm>
         </p:spPr>
         <p:txBody>
@@ -9186,8 +13760,8 @@
         </p:nvSpPr>
         <p:spPr>
           <a:xfrm>
-            <a:off x="3471863" y="2434167"/>
-            <a:ext cx="2914650" cy="5801784"/>
+            <a:off x="4629150" y="1825625"/>
+            <a:ext cx="3886200" cy="4351338"/>
           </a:xfrm>
         </p:spPr>
         <p:txBody>
@@ -9248,7 +13822,7 @@
           <a:p>
             <a:fld id="{A3729589-28E1-4B66-93D8-7EDC381319F1}" type="datetimeFigureOut">
               <a:rPr lang="pt-BR" smtClean="0"/>
-              <a:t>06/04/2023</a:t>
+              <a:t>01/05/2023</a:t>
             </a:fld>
             <a:endParaRPr lang="pt-BR"/>
           </a:p>
@@ -9299,7 +13873,7 @@
     </p:spTree>
     <p:extLst>
       <p:ext uri="{BB962C8B-B14F-4D97-AF65-F5344CB8AC3E}">
-        <p14:creationId xmlns:p14="http://schemas.microsoft.com/office/powerpoint/2010/main" val="214566693"/>
+        <p14:creationId xmlns:p14="http://schemas.microsoft.com/office/powerpoint/2010/main" val="2850800801"/>
       </p:ext>
     </p:extLst>
   </p:cSld>
@@ -9338,8 +13912,8 @@
         </p:nvSpPr>
         <p:spPr>
           <a:xfrm>
-            <a:off x="472381" y="486836"/>
-            <a:ext cx="5915025" cy="1767417"/>
+            <a:off x="629841" y="365126"/>
+            <a:ext cx="7886700" cy="1325563"/>
           </a:xfrm>
         </p:spPr>
         <p:txBody>
@@ -9366,8 +13940,8 @@
         </p:nvSpPr>
         <p:spPr>
           <a:xfrm>
-            <a:off x="472381" y="2241551"/>
-            <a:ext cx="2901255" cy="1098549"/>
+            <a:off x="629842" y="1681163"/>
+            <a:ext cx="3868340" cy="823912"/>
           </a:xfrm>
         </p:spPr>
         <p:txBody>
@@ -9375,39 +13949,39 @@
           <a:lstStyle>
             <a:lvl1pPr marL="0" indent="0">
               <a:buNone/>
+              <a:defRPr sz="2400" b="1"/>
+            </a:lvl1pPr>
+            <a:lvl2pPr marL="457200" indent="0">
+              <a:buNone/>
+              <a:defRPr sz="2000" b="1"/>
+            </a:lvl2pPr>
+            <a:lvl3pPr marL="914400" indent="0">
+              <a:buNone/>
               <a:defRPr sz="1800" b="1"/>
-            </a:lvl1pPr>
-            <a:lvl2pPr marL="342900" indent="0">
+            </a:lvl3pPr>
+            <a:lvl4pPr marL="1371600" indent="0">
               <a:buNone/>
-              <a:defRPr sz="1500" b="1"/>
-            </a:lvl2pPr>
-            <a:lvl3pPr marL="685800" indent="0">
+              <a:defRPr sz="1600" b="1"/>
+            </a:lvl4pPr>
+            <a:lvl5pPr marL="1828800" indent="0">
               <a:buNone/>
-              <a:defRPr sz="1350" b="1"/>
-            </a:lvl3pPr>
-            <a:lvl4pPr marL="1028700" indent="0">
+              <a:defRPr sz="1600" b="1"/>
+            </a:lvl5pPr>
+            <a:lvl6pPr marL="2286000" indent="0">
               <a:buNone/>
-              <a:defRPr sz="1200" b="1"/>
-            </a:lvl4pPr>
-            <a:lvl5pPr marL="1371600" indent="0">
+              <a:defRPr sz="1600" b="1"/>
+            </a:lvl6pPr>
+            <a:lvl7pPr marL="2743200" indent="0">
               <a:buNone/>
-              <a:defRPr sz="1200" b="1"/>
-            </a:lvl5pPr>
-            <a:lvl6pPr marL="1714500" indent="0">
+              <a:defRPr sz="1600" b="1"/>
+            </a:lvl7pPr>
+            <a:lvl8pPr marL="3200400" indent="0">
               <a:buNone/>
-              <a:defRPr sz="1200" b="1"/>
-            </a:lvl6pPr>
-            <a:lvl7pPr marL="2057400" indent="0">
+              <a:defRPr sz="1600" b="1"/>
+            </a:lvl8pPr>
+            <a:lvl9pPr marL="3657600" indent="0">
               <a:buNone/>
-              <a:defRPr sz="1200" b="1"/>
-            </a:lvl7pPr>
-            <a:lvl8pPr marL="2400300" indent="0">
-              <a:buNone/>
-              <a:defRPr sz="1200" b="1"/>
-            </a:lvl8pPr>
-            <a:lvl9pPr marL="2743200" indent="0">
-              <a:buNone/>
-              <a:defRPr sz="1200" b="1"/>
+              <a:defRPr sz="1600" b="1"/>
             </a:lvl9pPr>
           </a:lstStyle>
           <a:p>
@@ -9431,8 +14005,8 @@
         </p:nvSpPr>
         <p:spPr>
           <a:xfrm>
-            <a:off x="472381" y="3340100"/>
-            <a:ext cx="2901255" cy="4912784"/>
+            <a:off x="629842" y="2505075"/>
+            <a:ext cx="3868340" cy="3684588"/>
           </a:xfrm>
         </p:spPr>
         <p:txBody>
@@ -9488,8 +14062,8 @@
         </p:nvSpPr>
         <p:spPr>
           <a:xfrm>
-            <a:off x="3471863" y="2241551"/>
-            <a:ext cx="2915543" cy="1098549"/>
+            <a:off x="4629150" y="1681163"/>
+            <a:ext cx="3887391" cy="823912"/>
           </a:xfrm>
         </p:spPr>
         <p:txBody>
@@ -9497,39 +14071,39 @@
           <a:lstStyle>
             <a:lvl1pPr marL="0" indent="0">
               <a:buNone/>
+              <a:defRPr sz="2400" b="1"/>
+            </a:lvl1pPr>
+            <a:lvl2pPr marL="457200" indent="0">
+              <a:buNone/>
+              <a:defRPr sz="2000" b="1"/>
+            </a:lvl2pPr>
+            <a:lvl3pPr marL="914400" indent="0">
+              <a:buNone/>
               <a:defRPr sz="1800" b="1"/>
-            </a:lvl1pPr>
-            <a:lvl2pPr marL="342900" indent="0">
+            </a:lvl3pPr>
+            <a:lvl4pPr marL="1371600" indent="0">
               <a:buNone/>
-              <a:defRPr sz="1500" b="1"/>
-            </a:lvl2pPr>
-            <a:lvl3pPr marL="685800" indent="0">
+              <a:defRPr sz="1600" b="1"/>
+            </a:lvl4pPr>
+            <a:lvl5pPr marL="1828800" indent="0">
               <a:buNone/>
-              <a:defRPr sz="1350" b="1"/>
-            </a:lvl3pPr>
-            <a:lvl4pPr marL="1028700" indent="0">
+              <a:defRPr sz="1600" b="1"/>
+            </a:lvl5pPr>
+            <a:lvl6pPr marL="2286000" indent="0">
               <a:buNone/>
-              <a:defRPr sz="1200" b="1"/>
-            </a:lvl4pPr>
-            <a:lvl5pPr marL="1371600" indent="0">
+              <a:defRPr sz="1600" b="1"/>
+            </a:lvl6pPr>
+            <a:lvl7pPr marL="2743200" indent="0">
               <a:buNone/>
-              <a:defRPr sz="1200" b="1"/>
-            </a:lvl5pPr>
-            <a:lvl6pPr marL="1714500" indent="0">
+              <a:defRPr sz="1600" b="1"/>
+            </a:lvl7pPr>
+            <a:lvl8pPr marL="3200400" indent="0">
               <a:buNone/>
-              <a:defRPr sz="1200" b="1"/>
-            </a:lvl6pPr>
-            <a:lvl7pPr marL="2057400" indent="0">
+              <a:defRPr sz="1600" b="1"/>
+            </a:lvl8pPr>
+            <a:lvl9pPr marL="3657600" indent="0">
               <a:buNone/>
-              <a:defRPr sz="1200" b="1"/>
-            </a:lvl7pPr>
-            <a:lvl8pPr marL="2400300" indent="0">
-              <a:buNone/>
-              <a:defRPr sz="1200" b="1"/>
-            </a:lvl8pPr>
-            <a:lvl9pPr marL="2743200" indent="0">
-              <a:buNone/>
-              <a:defRPr sz="1200" b="1"/>
+              <a:defRPr sz="1600" b="1"/>
             </a:lvl9pPr>
           </a:lstStyle>
           <a:p>
@@ -9553,8 +14127,8 @@
         </p:nvSpPr>
         <p:spPr>
           <a:xfrm>
-            <a:off x="3471863" y="3340100"/>
-            <a:ext cx="2915543" cy="4912784"/>
+            <a:off x="4629150" y="2505075"/>
+            <a:ext cx="3887391" cy="3684588"/>
           </a:xfrm>
         </p:spPr>
         <p:txBody>
@@ -9615,7 +14189,7 @@
           <a:p>
             <a:fld id="{A3729589-28E1-4B66-93D8-7EDC381319F1}" type="datetimeFigureOut">
               <a:rPr lang="pt-BR" smtClean="0"/>
-              <a:t>06/04/2023</a:t>
+              <a:t>01/05/2023</a:t>
             </a:fld>
             <a:endParaRPr lang="pt-BR"/>
           </a:p>
@@ -9666,7 +14240,7 @@
     </p:spTree>
     <p:extLst>
       <p:ext uri="{BB962C8B-B14F-4D97-AF65-F5344CB8AC3E}">
-        <p14:creationId xmlns:p14="http://schemas.microsoft.com/office/powerpoint/2010/main" val="139108911"/>
+        <p14:creationId xmlns:p14="http://schemas.microsoft.com/office/powerpoint/2010/main" val="3513050147"/>
       </p:ext>
     </p:extLst>
   </p:cSld>
@@ -9733,7 +14307,7 @@
           <a:p>
             <a:fld id="{A3729589-28E1-4B66-93D8-7EDC381319F1}" type="datetimeFigureOut">
               <a:rPr lang="pt-BR" smtClean="0"/>
-              <a:t>06/04/2023</a:t>
+              <a:t>01/05/2023</a:t>
             </a:fld>
             <a:endParaRPr lang="pt-BR"/>
           </a:p>
@@ -9784,7 +14358,7 @@
     </p:spTree>
     <p:extLst>
       <p:ext uri="{BB962C8B-B14F-4D97-AF65-F5344CB8AC3E}">
-        <p14:creationId xmlns:p14="http://schemas.microsoft.com/office/powerpoint/2010/main" val="3443406296"/>
+        <p14:creationId xmlns:p14="http://schemas.microsoft.com/office/powerpoint/2010/main" val="1748878285"/>
       </p:ext>
     </p:extLst>
   </p:cSld>
@@ -9828,7 +14402,7 @@
           <a:p>
             <a:fld id="{A3729589-28E1-4B66-93D8-7EDC381319F1}" type="datetimeFigureOut">
               <a:rPr lang="pt-BR" smtClean="0"/>
-              <a:t>06/04/2023</a:t>
+              <a:t>01/05/2023</a:t>
             </a:fld>
             <a:endParaRPr lang="pt-BR"/>
           </a:p>
@@ -9879,7 +14453,7 @@
     </p:spTree>
     <p:extLst>
       <p:ext uri="{BB962C8B-B14F-4D97-AF65-F5344CB8AC3E}">
-        <p14:creationId xmlns:p14="http://schemas.microsoft.com/office/powerpoint/2010/main" val="1302739763"/>
+        <p14:creationId xmlns:p14="http://schemas.microsoft.com/office/powerpoint/2010/main" val="2785494666"/>
       </p:ext>
     </p:extLst>
   </p:cSld>
@@ -9918,15 +14492,15 @@
         </p:nvSpPr>
         <p:spPr>
           <a:xfrm>
-            <a:off x="472381" y="609600"/>
-            <a:ext cx="2211884" cy="2133600"/>
+            <a:off x="629841" y="457200"/>
+            <a:ext cx="2949178" cy="1600200"/>
           </a:xfrm>
         </p:spPr>
         <p:txBody>
           <a:bodyPr anchor="b"/>
           <a:lstStyle>
             <a:lvl1pPr>
-              <a:defRPr sz="2400"/>
+              <a:defRPr sz="3200"/>
             </a:lvl1pPr>
           </a:lstStyle>
           <a:p>
@@ -9950,39 +14524,39 @@
         </p:nvSpPr>
         <p:spPr>
           <a:xfrm>
-            <a:off x="2915543" y="1316569"/>
-            <a:ext cx="3471863" cy="6498167"/>
+            <a:off x="3887391" y="987426"/>
+            <a:ext cx="4629150" cy="4873625"/>
           </a:xfrm>
         </p:spPr>
         <p:txBody>
           <a:bodyPr/>
           <a:lstStyle>
             <a:lvl1pPr>
-              <a:defRPr sz="2400"/>
+              <a:defRPr sz="3200"/>
             </a:lvl1pPr>
             <a:lvl2pPr>
-              <a:defRPr sz="2100"/>
+              <a:defRPr sz="2800"/>
             </a:lvl2pPr>
             <a:lvl3pPr>
-              <a:defRPr sz="1800"/>
+              <a:defRPr sz="2400"/>
             </a:lvl3pPr>
             <a:lvl4pPr>
-              <a:defRPr sz="1500"/>
+              <a:defRPr sz="2000"/>
             </a:lvl4pPr>
             <a:lvl5pPr>
-              <a:defRPr sz="1500"/>
+              <a:defRPr sz="2000"/>
             </a:lvl5pPr>
             <a:lvl6pPr>
-              <a:defRPr sz="1500"/>
+              <a:defRPr sz="2000"/>
             </a:lvl6pPr>
             <a:lvl7pPr>
-              <a:defRPr sz="1500"/>
+              <a:defRPr sz="2000"/>
             </a:lvl7pPr>
             <a:lvl8pPr>
-              <a:defRPr sz="1500"/>
+              <a:defRPr sz="2000"/>
             </a:lvl8pPr>
             <a:lvl9pPr>
-              <a:defRPr sz="1500"/>
+              <a:defRPr sz="2000"/>
             </a:lvl9pPr>
           </a:lstStyle>
           <a:p>
@@ -10035,8 +14609,8 @@
         </p:nvSpPr>
         <p:spPr>
           <a:xfrm>
-            <a:off x="472381" y="2743200"/>
-            <a:ext cx="2211884" cy="5082117"/>
+            <a:off x="629841" y="2057400"/>
+            <a:ext cx="2949178" cy="3811588"/>
           </a:xfrm>
         </p:spPr>
         <p:txBody>
@@ -10044,39 +14618,39 @@
           <a:lstStyle>
             <a:lvl1pPr marL="0" indent="0">
               <a:buNone/>
+              <a:defRPr sz="1600"/>
+            </a:lvl1pPr>
+            <a:lvl2pPr marL="457200" indent="0">
+              <a:buNone/>
+              <a:defRPr sz="1400"/>
+            </a:lvl2pPr>
+            <a:lvl3pPr marL="914400" indent="0">
+              <a:buNone/>
               <a:defRPr sz="1200"/>
-            </a:lvl1pPr>
-            <a:lvl2pPr marL="342900" indent="0">
+            </a:lvl3pPr>
+            <a:lvl4pPr marL="1371600" indent="0">
               <a:buNone/>
-              <a:defRPr sz="1050"/>
-            </a:lvl2pPr>
-            <a:lvl3pPr marL="685800" indent="0">
+              <a:defRPr sz="1000"/>
+            </a:lvl4pPr>
+            <a:lvl5pPr marL="1828800" indent="0">
               <a:buNone/>
-              <a:defRPr sz="900"/>
-            </a:lvl3pPr>
-            <a:lvl4pPr marL="1028700" indent="0">
+              <a:defRPr sz="1000"/>
+            </a:lvl5pPr>
+            <a:lvl6pPr marL="2286000" indent="0">
               <a:buNone/>
-              <a:defRPr sz="750"/>
-            </a:lvl4pPr>
-            <a:lvl5pPr marL="1371600" indent="0">
+              <a:defRPr sz="1000"/>
+            </a:lvl6pPr>
+            <a:lvl7pPr marL="2743200" indent="0">
               <a:buNone/>
-              <a:defRPr sz="750"/>
-            </a:lvl5pPr>
-            <a:lvl6pPr marL="1714500" indent="0">
+              <a:defRPr sz="1000"/>
+            </a:lvl7pPr>
+            <a:lvl8pPr marL="3200400" indent="0">
               <a:buNone/>
-              <a:defRPr sz="750"/>
-            </a:lvl6pPr>
-            <a:lvl7pPr marL="2057400" indent="0">
+              <a:defRPr sz="1000"/>
+            </a:lvl8pPr>
+            <a:lvl9pPr marL="3657600" indent="0">
               <a:buNone/>
-              <a:defRPr sz="750"/>
-            </a:lvl7pPr>
-            <a:lvl8pPr marL="2400300" indent="0">
-              <a:buNone/>
-              <a:defRPr sz="750"/>
-            </a:lvl8pPr>
-            <a:lvl9pPr marL="2743200" indent="0">
-              <a:buNone/>
-              <a:defRPr sz="750"/>
+              <a:defRPr sz="1000"/>
             </a:lvl9pPr>
           </a:lstStyle>
           <a:p>
@@ -10105,7 +14679,7 @@
           <a:p>
             <a:fld id="{A3729589-28E1-4B66-93D8-7EDC381319F1}" type="datetimeFigureOut">
               <a:rPr lang="pt-BR" smtClean="0"/>
-              <a:t>06/04/2023</a:t>
+              <a:t>01/05/2023</a:t>
             </a:fld>
             <a:endParaRPr lang="pt-BR"/>
           </a:p>
@@ -10156,7 +14730,7 @@
     </p:spTree>
     <p:extLst>
       <p:ext uri="{BB962C8B-B14F-4D97-AF65-F5344CB8AC3E}">
-        <p14:creationId xmlns:p14="http://schemas.microsoft.com/office/powerpoint/2010/main" val="3391742945"/>
+        <p14:creationId xmlns:p14="http://schemas.microsoft.com/office/powerpoint/2010/main" val="2006197149"/>
       </p:ext>
     </p:extLst>
   </p:cSld>
@@ -10195,15 +14769,15 @@
         </p:nvSpPr>
         <p:spPr>
           <a:xfrm>
-            <a:off x="472381" y="609600"/>
-            <a:ext cx="2211884" cy="2133600"/>
+            <a:off x="629841" y="457200"/>
+            <a:ext cx="2949178" cy="1600200"/>
           </a:xfrm>
         </p:spPr>
         <p:txBody>
           <a:bodyPr anchor="b"/>
           <a:lstStyle>
             <a:lvl1pPr>
-              <a:defRPr sz="2400"/>
+              <a:defRPr sz="3200"/>
             </a:lvl1pPr>
           </a:lstStyle>
           <a:p>
@@ -10227,8 +14801,8 @@
         </p:nvSpPr>
         <p:spPr>
           <a:xfrm>
-            <a:off x="2915543" y="1316569"/>
-            <a:ext cx="3471863" cy="6498167"/>
+            <a:off x="3887391" y="987426"/>
+            <a:ext cx="4629150" cy="4873625"/>
           </a:xfrm>
         </p:spPr>
         <p:txBody>
@@ -10236,39 +14810,39 @@
           <a:lstStyle>
             <a:lvl1pPr marL="0" indent="0">
               <a:buNone/>
+              <a:defRPr sz="3200"/>
+            </a:lvl1pPr>
+            <a:lvl2pPr marL="457200" indent="0">
+              <a:buNone/>
+              <a:defRPr sz="2800"/>
+            </a:lvl2pPr>
+            <a:lvl3pPr marL="914400" indent="0">
+              <a:buNone/>
               <a:defRPr sz="2400"/>
-            </a:lvl1pPr>
-            <a:lvl2pPr marL="342900" indent="0">
+            </a:lvl3pPr>
+            <a:lvl4pPr marL="1371600" indent="0">
               <a:buNone/>
-              <a:defRPr sz="2100"/>
-            </a:lvl2pPr>
-            <a:lvl3pPr marL="685800" indent="0">
+              <a:defRPr sz="2000"/>
+            </a:lvl4pPr>
+            <a:lvl5pPr marL="1828800" indent="0">
               <a:buNone/>
-              <a:defRPr sz="1800"/>
-            </a:lvl3pPr>
-            <a:lvl4pPr marL="1028700" indent="0">
+              <a:defRPr sz="2000"/>
+            </a:lvl5pPr>
+            <a:lvl6pPr marL="2286000" indent="0">
               <a:buNone/>
-              <a:defRPr sz="1500"/>
-            </a:lvl4pPr>
-            <a:lvl5pPr marL="1371600" indent="0">
+              <a:defRPr sz="2000"/>
+            </a:lvl6pPr>
+            <a:lvl7pPr marL="2743200" indent="0">
               <a:buNone/>
-              <a:defRPr sz="1500"/>
-            </a:lvl5pPr>
-            <a:lvl6pPr marL="1714500" indent="0">
+              <a:defRPr sz="2000"/>
+            </a:lvl7pPr>
+            <a:lvl8pPr marL="3200400" indent="0">
               <a:buNone/>
-              <a:defRPr sz="1500"/>
-            </a:lvl6pPr>
-            <a:lvl7pPr marL="2057400" indent="0">
+              <a:defRPr sz="2000"/>
+            </a:lvl8pPr>
+            <a:lvl9pPr marL="3657600" indent="0">
               <a:buNone/>
-              <a:defRPr sz="1500"/>
-            </a:lvl7pPr>
-            <a:lvl8pPr marL="2400300" indent="0">
-              <a:buNone/>
-              <a:defRPr sz="1500"/>
-            </a:lvl8pPr>
-            <a:lvl9pPr marL="2743200" indent="0">
-              <a:buNone/>
-              <a:defRPr sz="1500"/>
+              <a:defRPr sz="2000"/>
             </a:lvl9pPr>
           </a:lstStyle>
           <a:p>
@@ -10292,8 +14866,8 @@
         </p:nvSpPr>
         <p:spPr>
           <a:xfrm>
-            <a:off x="472381" y="2743200"/>
-            <a:ext cx="2211884" cy="5082117"/>
+            <a:off x="629841" y="2057400"/>
+            <a:ext cx="2949178" cy="3811588"/>
           </a:xfrm>
         </p:spPr>
         <p:txBody>
@@ -10301,39 +14875,39 @@
           <a:lstStyle>
             <a:lvl1pPr marL="0" indent="0">
               <a:buNone/>
+              <a:defRPr sz="1600"/>
+            </a:lvl1pPr>
+            <a:lvl2pPr marL="457200" indent="0">
+              <a:buNone/>
+              <a:defRPr sz="1400"/>
+            </a:lvl2pPr>
+            <a:lvl3pPr marL="914400" indent="0">
+              <a:buNone/>
               <a:defRPr sz="1200"/>
-            </a:lvl1pPr>
-            <a:lvl2pPr marL="342900" indent="0">
+            </a:lvl3pPr>
+            <a:lvl4pPr marL="1371600" indent="0">
               <a:buNone/>
-              <a:defRPr sz="1050"/>
-            </a:lvl2pPr>
-            <a:lvl3pPr marL="685800" indent="0">
+              <a:defRPr sz="1000"/>
+            </a:lvl4pPr>
+            <a:lvl5pPr marL="1828800" indent="0">
               <a:buNone/>
-              <a:defRPr sz="900"/>
-            </a:lvl3pPr>
-            <a:lvl4pPr marL="1028700" indent="0">
+              <a:defRPr sz="1000"/>
+            </a:lvl5pPr>
+            <a:lvl6pPr marL="2286000" indent="0">
               <a:buNone/>
-              <a:defRPr sz="750"/>
-            </a:lvl4pPr>
-            <a:lvl5pPr marL="1371600" indent="0">
+              <a:defRPr sz="1000"/>
+            </a:lvl6pPr>
+            <a:lvl7pPr marL="2743200" indent="0">
               <a:buNone/>
-              <a:defRPr sz="750"/>
-            </a:lvl5pPr>
-            <a:lvl6pPr marL="1714500" indent="0">
+              <a:defRPr sz="1000"/>
+            </a:lvl7pPr>
+            <a:lvl8pPr marL="3200400" indent="0">
               <a:buNone/>
-              <a:defRPr sz="750"/>
-            </a:lvl6pPr>
-            <a:lvl7pPr marL="2057400" indent="0">
+              <a:defRPr sz="1000"/>
+            </a:lvl8pPr>
+            <a:lvl9pPr marL="3657600" indent="0">
               <a:buNone/>
-              <a:defRPr sz="750"/>
-            </a:lvl7pPr>
-            <a:lvl8pPr marL="2400300" indent="0">
-              <a:buNone/>
-              <a:defRPr sz="750"/>
-            </a:lvl8pPr>
-            <a:lvl9pPr marL="2743200" indent="0">
-              <a:buNone/>
-              <a:defRPr sz="750"/>
+              <a:defRPr sz="1000"/>
             </a:lvl9pPr>
           </a:lstStyle>
           <a:p>
@@ -10362,7 +14936,7 @@
           <a:p>
             <a:fld id="{A3729589-28E1-4B66-93D8-7EDC381319F1}" type="datetimeFigureOut">
               <a:rPr lang="pt-BR" smtClean="0"/>
-              <a:t>06/04/2023</a:t>
+              <a:t>01/05/2023</a:t>
             </a:fld>
             <a:endParaRPr lang="pt-BR"/>
           </a:p>
@@ -10413,7 +14987,7 @@
     </p:spTree>
     <p:extLst>
       <p:ext uri="{BB962C8B-B14F-4D97-AF65-F5344CB8AC3E}">
-        <p14:creationId xmlns:p14="http://schemas.microsoft.com/office/powerpoint/2010/main" val="2687504178"/>
+        <p14:creationId xmlns:p14="http://schemas.microsoft.com/office/powerpoint/2010/main" val="3609188332"/>
       </p:ext>
     </p:extLst>
   </p:cSld>
@@ -10457,8 +15031,8 @@
         </p:nvSpPr>
         <p:spPr>
           <a:xfrm>
-            <a:off x="471488" y="486836"/>
-            <a:ext cx="5915025" cy="1767417"/>
+            <a:off x="628650" y="365126"/>
+            <a:ext cx="7886700" cy="1325563"/>
           </a:xfrm>
           <a:prstGeom prst="rect">
             <a:avLst/>
@@ -10490,8 +15064,8 @@
         </p:nvSpPr>
         <p:spPr>
           <a:xfrm>
-            <a:off x="471488" y="2434167"/>
-            <a:ext cx="5915025" cy="5801784"/>
+            <a:off x="628650" y="1825625"/>
+            <a:ext cx="7886700" cy="4351338"/>
           </a:xfrm>
           <a:prstGeom prst="rect">
             <a:avLst/>
@@ -10552,8 +15126,8 @@
         </p:nvSpPr>
         <p:spPr>
           <a:xfrm>
-            <a:off x="471488" y="8475136"/>
-            <a:ext cx="1543050" cy="486833"/>
+            <a:off x="628650" y="6356351"/>
+            <a:ext cx="2057400" cy="365125"/>
           </a:xfrm>
           <a:prstGeom prst="rect">
             <a:avLst/>
@@ -10563,7 +15137,7 @@
           <a:bodyPr vert="horz" lIns="91440" tIns="45720" rIns="91440" bIns="45720" rtlCol="0" anchor="ctr"/>
           <a:lstStyle>
             <a:lvl1pPr algn="l">
-              <a:defRPr sz="900">
+              <a:defRPr sz="1200">
                 <a:solidFill>
                   <a:schemeClr val="tx1">
                     <a:tint val="75000"/>
@@ -10575,7 +15149,7 @@
           <a:p>
             <a:fld id="{A3729589-28E1-4B66-93D8-7EDC381319F1}" type="datetimeFigureOut">
               <a:rPr lang="pt-BR" smtClean="0"/>
-              <a:t>06/04/2023</a:t>
+              <a:t>01/05/2023</a:t>
             </a:fld>
             <a:endParaRPr lang="pt-BR"/>
           </a:p>
@@ -10593,8 +15167,8 @@
         </p:nvSpPr>
         <p:spPr>
           <a:xfrm>
-            <a:off x="2271713" y="8475136"/>
-            <a:ext cx="2314575" cy="486833"/>
+            <a:off x="3028950" y="6356351"/>
+            <a:ext cx="3086100" cy="365125"/>
           </a:xfrm>
           <a:prstGeom prst="rect">
             <a:avLst/>
@@ -10604,7 +15178,7 @@
           <a:bodyPr vert="horz" lIns="91440" tIns="45720" rIns="91440" bIns="45720" rtlCol="0" anchor="ctr"/>
           <a:lstStyle>
             <a:lvl1pPr algn="ctr">
-              <a:defRPr sz="900">
+              <a:defRPr sz="1200">
                 <a:solidFill>
                   <a:schemeClr val="tx1">
                     <a:tint val="75000"/>
@@ -10630,8 +15204,8 @@
         </p:nvSpPr>
         <p:spPr>
           <a:xfrm>
-            <a:off x="4843463" y="8475136"/>
-            <a:ext cx="1543050" cy="486833"/>
+            <a:off x="6457950" y="6356351"/>
+            <a:ext cx="2057400" cy="365125"/>
           </a:xfrm>
           <a:prstGeom prst="rect">
             <a:avLst/>
@@ -10641,7 +15215,7 @@
           <a:bodyPr vert="horz" lIns="91440" tIns="45720" rIns="91440" bIns="45720" rtlCol="0" anchor="ctr"/>
           <a:lstStyle>
             <a:lvl1pPr algn="r">
-              <a:defRPr sz="900">
+              <a:defRPr sz="1200">
                 <a:solidFill>
                   <a:schemeClr val="tx1">
                     <a:tint val="75000"/>
@@ -10662,27 +15236,27 @@
     </p:spTree>
     <p:extLst>
       <p:ext uri="{BB962C8B-B14F-4D97-AF65-F5344CB8AC3E}">
-        <p14:creationId xmlns:p14="http://schemas.microsoft.com/office/powerpoint/2010/main" val="3113807850"/>
+        <p14:creationId xmlns:p14="http://schemas.microsoft.com/office/powerpoint/2010/main" val="1572462311"/>
       </p:ext>
     </p:extLst>
   </p:cSld>
   <p:clrMap bg1="lt1" tx1="dk1" bg2="lt2" tx2="dk2" accent1="accent1" accent2="accent2" accent3="accent3" accent4="accent4" accent5="accent5" accent6="accent6" hlink="hlink" folHlink="folHlink"/>
   <p:sldLayoutIdLst>
-    <p:sldLayoutId id="2147483673" r:id="rId1"/>
-    <p:sldLayoutId id="2147483674" r:id="rId2"/>
-    <p:sldLayoutId id="2147483675" r:id="rId3"/>
-    <p:sldLayoutId id="2147483676" r:id="rId4"/>
-    <p:sldLayoutId id="2147483677" r:id="rId5"/>
-    <p:sldLayoutId id="2147483678" r:id="rId6"/>
-    <p:sldLayoutId id="2147483679" r:id="rId7"/>
-    <p:sldLayoutId id="2147483680" r:id="rId8"/>
-    <p:sldLayoutId id="2147483681" r:id="rId9"/>
-    <p:sldLayoutId id="2147483682" r:id="rId10"/>
-    <p:sldLayoutId id="2147483683" r:id="rId11"/>
+    <p:sldLayoutId id="2147483697" r:id="rId1"/>
+    <p:sldLayoutId id="2147483698" r:id="rId2"/>
+    <p:sldLayoutId id="2147483699" r:id="rId3"/>
+    <p:sldLayoutId id="2147483700" r:id="rId4"/>
+    <p:sldLayoutId id="2147483701" r:id="rId5"/>
+    <p:sldLayoutId id="2147483702" r:id="rId6"/>
+    <p:sldLayoutId id="2147483703" r:id="rId7"/>
+    <p:sldLayoutId id="2147483704" r:id="rId8"/>
+    <p:sldLayoutId id="2147483705" r:id="rId9"/>
+    <p:sldLayoutId id="2147483706" r:id="rId10"/>
+    <p:sldLayoutId id="2147483707" r:id="rId11"/>
   </p:sldLayoutIdLst>
   <p:txStyles>
     <p:titleStyle>
-      <a:lvl1pPr algn="l" defTabSz="685800" rtl="0" eaLnBrk="1" latinLnBrk="0" hangingPunct="1">
+      <a:lvl1pPr algn="l" defTabSz="914400" rtl="0" eaLnBrk="1" latinLnBrk="0" hangingPunct="1">
         <a:lnSpc>
           <a:spcPct val="90000"/>
         </a:lnSpc>
@@ -10690,7 +15264,7 @@
           <a:spcPct val="0"/>
         </a:spcBef>
         <a:buNone/>
-        <a:defRPr sz="3300" kern="1200">
+        <a:defRPr sz="4400" kern="1200">
           <a:solidFill>
             <a:schemeClr val="tx1"/>
           </a:solidFill>
@@ -10701,16 +15275,16 @@
       </a:lvl1pPr>
     </p:titleStyle>
     <p:bodyStyle>
-      <a:lvl1pPr marL="171450" indent="-171450" algn="l" defTabSz="685800" rtl="0" eaLnBrk="1" latinLnBrk="0" hangingPunct="1">
+      <a:lvl1pPr marL="228600" indent="-228600" algn="l" defTabSz="914400" rtl="0" eaLnBrk="1" latinLnBrk="0" hangingPunct="1">
         <a:lnSpc>
           <a:spcPct val="90000"/>
         </a:lnSpc>
         <a:spcBef>
-          <a:spcPts val="750"/>
+          <a:spcPts val="1000"/>
         </a:spcBef>
         <a:buFont typeface="Arial" panose="020B0604020202020204" pitchFamily="34" charset="0"/>
         <a:buChar char="•"/>
-        <a:defRPr sz="2100" kern="1200">
+        <a:defRPr sz="2800" kern="1200">
           <a:solidFill>
             <a:schemeClr val="tx1"/>
           </a:solidFill>
@@ -10719,12 +15293,48 @@
           <a:cs typeface="+mn-cs"/>
         </a:defRPr>
       </a:lvl1pPr>
-      <a:lvl2pPr marL="514350" indent="-171450" algn="l" defTabSz="685800" rtl="0" eaLnBrk="1" latinLnBrk="0" hangingPunct="1">
+      <a:lvl2pPr marL="685800" indent="-228600" algn="l" defTabSz="914400" rtl="0" eaLnBrk="1" latinLnBrk="0" hangingPunct="1">
         <a:lnSpc>
           <a:spcPct val="90000"/>
         </a:lnSpc>
         <a:spcBef>
-          <a:spcPts val="375"/>
+          <a:spcPts val="500"/>
+        </a:spcBef>
+        <a:buFont typeface="Arial" panose="020B0604020202020204" pitchFamily="34" charset="0"/>
+        <a:buChar char="•"/>
+        <a:defRPr sz="2400" kern="1200">
+          <a:solidFill>
+            <a:schemeClr val="tx1"/>
+          </a:solidFill>
+          <a:latin typeface="+mn-lt"/>
+          <a:ea typeface="+mn-ea"/>
+          <a:cs typeface="+mn-cs"/>
+        </a:defRPr>
+      </a:lvl2pPr>
+      <a:lvl3pPr marL="1143000" indent="-228600" algn="l" defTabSz="914400" rtl="0" eaLnBrk="1" latinLnBrk="0" hangingPunct="1">
+        <a:lnSpc>
+          <a:spcPct val="90000"/>
+        </a:lnSpc>
+        <a:spcBef>
+          <a:spcPts val="500"/>
+        </a:spcBef>
+        <a:buFont typeface="Arial" panose="020B0604020202020204" pitchFamily="34" charset="0"/>
+        <a:buChar char="•"/>
+        <a:defRPr sz="2000" kern="1200">
+          <a:solidFill>
+            <a:schemeClr val="tx1"/>
+          </a:solidFill>
+          <a:latin typeface="+mn-lt"/>
+          <a:ea typeface="+mn-ea"/>
+          <a:cs typeface="+mn-cs"/>
+        </a:defRPr>
+      </a:lvl3pPr>
+      <a:lvl4pPr marL="1600200" indent="-228600" algn="l" defTabSz="914400" rtl="0" eaLnBrk="1" latinLnBrk="0" hangingPunct="1">
+        <a:lnSpc>
+          <a:spcPct val="90000"/>
+        </a:lnSpc>
+        <a:spcBef>
+          <a:spcPts val="500"/>
         </a:spcBef>
         <a:buFont typeface="Arial" panose="020B0604020202020204" pitchFamily="34" charset="0"/>
         <a:buChar char="•"/>
@@ -10736,53 +15346,17 @@
           <a:ea typeface="+mn-ea"/>
           <a:cs typeface="+mn-cs"/>
         </a:defRPr>
-      </a:lvl2pPr>
-      <a:lvl3pPr marL="857250" indent="-171450" algn="l" defTabSz="685800" rtl="0" eaLnBrk="1" latinLnBrk="0" hangingPunct="1">
+      </a:lvl4pPr>
+      <a:lvl5pPr marL="2057400" indent="-228600" algn="l" defTabSz="914400" rtl="0" eaLnBrk="1" latinLnBrk="0" hangingPunct="1">
         <a:lnSpc>
           <a:spcPct val="90000"/>
         </a:lnSpc>
         <a:spcBef>
-          <a:spcPts val="375"/>
+          <a:spcPts val="500"/>
         </a:spcBef>
         <a:buFont typeface="Arial" panose="020B0604020202020204" pitchFamily="34" charset="0"/>
         <a:buChar char="•"/>
-        <a:defRPr sz="1500" kern="1200">
-          <a:solidFill>
-            <a:schemeClr val="tx1"/>
-          </a:solidFill>
-          <a:latin typeface="+mn-lt"/>
-          <a:ea typeface="+mn-ea"/>
-          <a:cs typeface="+mn-cs"/>
-        </a:defRPr>
-      </a:lvl3pPr>
-      <a:lvl4pPr marL="1200150" indent="-171450" algn="l" defTabSz="685800" rtl="0" eaLnBrk="1" latinLnBrk="0" hangingPunct="1">
-        <a:lnSpc>
-          <a:spcPct val="90000"/>
-        </a:lnSpc>
-        <a:spcBef>
-          <a:spcPts val="375"/>
-        </a:spcBef>
-        <a:buFont typeface="Arial" panose="020B0604020202020204" pitchFamily="34" charset="0"/>
-        <a:buChar char="•"/>
-        <a:defRPr sz="1350" kern="1200">
-          <a:solidFill>
-            <a:schemeClr val="tx1"/>
-          </a:solidFill>
-          <a:latin typeface="+mn-lt"/>
-          <a:ea typeface="+mn-ea"/>
-          <a:cs typeface="+mn-cs"/>
-        </a:defRPr>
-      </a:lvl4pPr>
-      <a:lvl5pPr marL="1543050" indent="-171450" algn="l" defTabSz="685800" rtl="0" eaLnBrk="1" latinLnBrk="0" hangingPunct="1">
-        <a:lnSpc>
-          <a:spcPct val="90000"/>
-        </a:lnSpc>
-        <a:spcBef>
-          <a:spcPts val="375"/>
-        </a:spcBef>
-        <a:buFont typeface="Arial" panose="020B0604020202020204" pitchFamily="34" charset="0"/>
-        <a:buChar char="•"/>
-        <a:defRPr sz="1350" kern="1200">
+        <a:defRPr sz="1800" kern="1200">
           <a:solidFill>
             <a:schemeClr val="tx1"/>
           </a:solidFill>
@@ -10791,16 +15365,16 @@
           <a:cs typeface="+mn-cs"/>
         </a:defRPr>
       </a:lvl5pPr>
-      <a:lvl6pPr marL="1885950" indent="-171450" algn="l" defTabSz="685800" rtl="0" eaLnBrk="1" latinLnBrk="0" hangingPunct="1">
+      <a:lvl6pPr marL="2514600" indent="-228600" algn="l" defTabSz="914400" rtl="0" eaLnBrk="1" latinLnBrk="0" hangingPunct="1">
         <a:lnSpc>
           <a:spcPct val="90000"/>
         </a:lnSpc>
         <a:spcBef>
-          <a:spcPts val="375"/>
+          <a:spcPts val="500"/>
         </a:spcBef>
         <a:buFont typeface="Arial" panose="020B0604020202020204" pitchFamily="34" charset="0"/>
         <a:buChar char="•"/>
-        <a:defRPr sz="1350" kern="1200">
+        <a:defRPr sz="1800" kern="1200">
           <a:solidFill>
             <a:schemeClr val="tx1"/>
           </a:solidFill>
@@ -10809,16 +15383,16 @@
           <a:cs typeface="+mn-cs"/>
         </a:defRPr>
       </a:lvl6pPr>
-      <a:lvl7pPr marL="2228850" indent="-171450" algn="l" defTabSz="685800" rtl="0" eaLnBrk="1" latinLnBrk="0" hangingPunct="1">
+      <a:lvl7pPr marL="2971800" indent="-228600" algn="l" defTabSz="914400" rtl="0" eaLnBrk="1" latinLnBrk="0" hangingPunct="1">
         <a:lnSpc>
           <a:spcPct val="90000"/>
         </a:lnSpc>
         <a:spcBef>
-          <a:spcPts val="375"/>
+          <a:spcPts val="500"/>
         </a:spcBef>
         <a:buFont typeface="Arial" panose="020B0604020202020204" pitchFamily="34" charset="0"/>
         <a:buChar char="•"/>
-        <a:defRPr sz="1350" kern="1200">
+        <a:defRPr sz="1800" kern="1200">
           <a:solidFill>
             <a:schemeClr val="tx1"/>
           </a:solidFill>
@@ -10827,16 +15401,16 @@
           <a:cs typeface="+mn-cs"/>
         </a:defRPr>
       </a:lvl7pPr>
-      <a:lvl8pPr marL="2571750" indent="-171450" algn="l" defTabSz="685800" rtl="0" eaLnBrk="1" latinLnBrk="0" hangingPunct="1">
+      <a:lvl8pPr marL="3429000" indent="-228600" algn="l" defTabSz="914400" rtl="0" eaLnBrk="1" latinLnBrk="0" hangingPunct="1">
         <a:lnSpc>
           <a:spcPct val="90000"/>
         </a:lnSpc>
         <a:spcBef>
-          <a:spcPts val="375"/>
+          <a:spcPts val="500"/>
         </a:spcBef>
         <a:buFont typeface="Arial" panose="020B0604020202020204" pitchFamily="34" charset="0"/>
         <a:buChar char="•"/>
-        <a:defRPr sz="1350" kern="1200">
+        <a:defRPr sz="1800" kern="1200">
           <a:solidFill>
             <a:schemeClr val="tx1"/>
           </a:solidFill>
@@ -10845,16 +15419,16 @@
           <a:cs typeface="+mn-cs"/>
         </a:defRPr>
       </a:lvl8pPr>
-      <a:lvl9pPr marL="2914650" indent="-171450" algn="l" defTabSz="685800" rtl="0" eaLnBrk="1" latinLnBrk="0" hangingPunct="1">
+      <a:lvl9pPr marL="3886200" indent="-228600" algn="l" defTabSz="914400" rtl="0" eaLnBrk="1" latinLnBrk="0" hangingPunct="1">
         <a:lnSpc>
           <a:spcPct val="90000"/>
         </a:lnSpc>
         <a:spcBef>
-          <a:spcPts val="375"/>
+          <a:spcPts val="500"/>
         </a:spcBef>
         <a:buFont typeface="Arial" panose="020B0604020202020204" pitchFamily="34" charset="0"/>
         <a:buChar char="•"/>
-        <a:defRPr sz="1350" kern="1200">
+        <a:defRPr sz="1800" kern="1200">
           <a:solidFill>
             <a:schemeClr val="tx1"/>
           </a:solidFill>
@@ -10868,8 +15442,8 @@
       <a:defPPr>
         <a:defRPr lang="en-US"/>
       </a:defPPr>
-      <a:lvl1pPr marL="0" algn="l" defTabSz="685800" rtl="0" eaLnBrk="1" latinLnBrk="0" hangingPunct="1">
-        <a:defRPr sz="1350" kern="1200">
+      <a:lvl1pPr marL="0" algn="l" defTabSz="914400" rtl="0" eaLnBrk="1" latinLnBrk="0" hangingPunct="1">
+        <a:defRPr sz="1800" kern="1200">
           <a:solidFill>
             <a:schemeClr val="tx1"/>
           </a:solidFill>
@@ -10878,8 +15452,8 @@
           <a:cs typeface="+mn-cs"/>
         </a:defRPr>
       </a:lvl1pPr>
-      <a:lvl2pPr marL="342900" algn="l" defTabSz="685800" rtl="0" eaLnBrk="1" latinLnBrk="0" hangingPunct="1">
-        <a:defRPr sz="1350" kern="1200">
+      <a:lvl2pPr marL="457200" algn="l" defTabSz="914400" rtl="0" eaLnBrk="1" latinLnBrk="0" hangingPunct="1">
+        <a:defRPr sz="1800" kern="1200">
           <a:solidFill>
             <a:schemeClr val="tx1"/>
           </a:solidFill>
@@ -10888,8 +15462,8 @@
           <a:cs typeface="+mn-cs"/>
         </a:defRPr>
       </a:lvl2pPr>
-      <a:lvl3pPr marL="685800" algn="l" defTabSz="685800" rtl="0" eaLnBrk="1" latinLnBrk="0" hangingPunct="1">
-        <a:defRPr sz="1350" kern="1200">
+      <a:lvl3pPr marL="914400" algn="l" defTabSz="914400" rtl="0" eaLnBrk="1" latinLnBrk="0" hangingPunct="1">
+        <a:defRPr sz="1800" kern="1200">
           <a:solidFill>
             <a:schemeClr val="tx1"/>
           </a:solidFill>
@@ -10898,8 +15472,8 @@
           <a:cs typeface="+mn-cs"/>
         </a:defRPr>
       </a:lvl3pPr>
-      <a:lvl4pPr marL="1028700" algn="l" defTabSz="685800" rtl="0" eaLnBrk="1" latinLnBrk="0" hangingPunct="1">
-        <a:defRPr sz="1350" kern="1200">
+      <a:lvl4pPr marL="1371600" algn="l" defTabSz="914400" rtl="0" eaLnBrk="1" latinLnBrk="0" hangingPunct="1">
+        <a:defRPr sz="1800" kern="1200">
           <a:solidFill>
             <a:schemeClr val="tx1"/>
           </a:solidFill>
@@ -10908,8 +15482,8 @@
           <a:cs typeface="+mn-cs"/>
         </a:defRPr>
       </a:lvl4pPr>
-      <a:lvl5pPr marL="1371600" algn="l" defTabSz="685800" rtl="0" eaLnBrk="1" latinLnBrk="0" hangingPunct="1">
-        <a:defRPr sz="1350" kern="1200">
+      <a:lvl5pPr marL="1828800" algn="l" defTabSz="914400" rtl="0" eaLnBrk="1" latinLnBrk="0" hangingPunct="1">
+        <a:defRPr sz="1800" kern="1200">
           <a:solidFill>
             <a:schemeClr val="tx1"/>
           </a:solidFill>
@@ -10918,8 +15492,8 @@
           <a:cs typeface="+mn-cs"/>
         </a:defRPr>
       </a:lvl5pPr>
-      <a:lvl6pPr marL="1714500" algn="l" defTabSz="685800" rtl="0" eaLnBrk="1" latinLnBrk="0" hangingPunct="1">
-        <a:defRPr sz="1350" kern="1200">
+      <a:lvl6pPr marL="2286000" algn="l" defTabSz="914400" rtl="0" eaLnBrk="1" latinLnBrk="0" hangingPunct="1">
+        <a:defRPr sz="1800" kern="1200">
           <a:solidFill>
             <a:schemeClr val="tx1"/>
           </a:solidFill>
@@ -10928,8 +15502,8 @@
           <a:cs typeface="+mn-cs"/>
         </a:defRPr>
       </a:lvl6pPr>
-      <a:lvl7pPr marL="2057400" algn="l" defTabSz="685800" rtl="0" eaLnBrk="1" latinLnBrk="0" hangingPunct="1">
-        <a:defRPr sz="1350" kern="1200">
+      <a:lvl7pPr marL="2743200" algn="l" defTabSz="914400" rtl="0" eaLnBrk="1" latinLnBrk="0" hangingPunct="1">
+        <a:defRPr sz="1800" kern="1200">
           <a:solidFill>
             <a:schemeClr val="tx1"/>
           </a:solidFill>
@@ -10938,8 +15512,8 @@
           <a:cs typeface="+mn-cs"/>
         </a:defRPr>
       </a:lvl7pPr>
-      <a:lvl8pPr marL="2400300" algn="l" defTabSz="685800" rtl="0" eaLnBrk="1" latinLnBrk="0" hangingPunct="1">
-        <a:defRPr sz="1350" kern="1200">
+      <a:lvl8pPr marL="3200400" algn="l" defTabSz="914400" rtl="0" eaLnBrk="1" latinLnBrk="0" hangingPunct="1">
+        <a:defRPr sz="1800" kern="1200">
           <a:solidFill>
             <a:schemeClr val="tx1"/>
           </a:solidFill>
@@ -10948,8 +15522,8 @@
           <a:cs typeface="+mn-cs"/>
         </a:defRPr>
       </a:lvl8pPr>
-      <a:lvl9pPr marL="2743200" algn="l" defTabSz="685800" rtl="0" eaLnBrk="1" latinLnBrk="0" hangingPunct="1">
-        <a:defRPr sz="1350" kern="1200">
+      <a:lvl9pPr marL="3657600" algn="l" defTabSz="914400" rtl="0" eaLnBrk="1" latinLnBrk="0" hangingPunct="1">
+        <a:defRPr sz="1800" kern="1200">
           <a:solidFill>
             <a:schemeClr val="tx1"/>
           </a:solidFill>
@@ -10993,14 +15567,14 @@
           <p:nvPr>
             <p:extLst>
               <p:ext uri="{D42A27DB-BD31-4B8C-83A1-F6EECF244321}">
-                <p14:modId xmlns:p14="http://schemas.microsoft.com/office/powerpoint/2010/main" val="2061160765"/>
+                <p14:modId xmlns:p14="http://schemas.microsoft.com/office/powerpoint/2010/main" val="3226994392"/>
               </p:ext>
             </p:extLst>
           </p:nvPr>
         </p:nvGraphicFramePr>
         <p:xfrm>
-          <a:off x="0" y="0"/>
-          <a:ext cx="6858000" cy="9039828"/>
+          <a:off x="0" y="189000"/>
+          <a:ext cx="9144000" cy="6480000"/>
         </p:xfrm>
         <a:graphic>
           <a:graphicData uri="http://schemas.openxmlformats.org/drawingml/2006/diagram">
@@ -11051,18 +15625,46 @@
           <p:nvPr>
             <p:extLst>
               <p:ext uri="{D42A27DB-BD31-4B8C-83A1-F6EECF244321}">
-                <p14:modId xmlns:p14="http://schemas.microsoft.com/office/powerpoint/2010/main" val="4237917591"/>
+                <p14:modId xmlns:p14="http://schemas.microsoft.com/office/powerpoint/2010/main" val="198224204"/>
               </p:ext>
             </p:extLst>
           </p:nvPr>
         </p:nvGraphicFramePr>
         <p:xfrm>
-          <a:off x="141790" y="1"/>
-          <a:ext cx="6574420" cy="9144000"/>
+          <a:off x="249802" y="474454"/>
+          <a:ext cx="8644396" cy="3157267"/>
         </p:xfrm>
         <a:graphic>
           <a:graphicData uri="http://schemas.openxmlformats.org/drawingml/2006/diagram">
             <dgm:relIds xmlns:dgm="http://schemas.openxmlformats.org/drawingml/2006/diagram" xmlns:r="http://schemas.openxmlformats.org/officeDocument/2006/relationships" r:dm="rId2" r:lo="rId3" r:qs="rId4" r:cs="rId5"/>
+          </a:graphicData>
+        </a:graphic>
+      </p:graphicFrame>
+      <p:graphicFrame>
+        <p:nvGraphicFramePr>
+          <p:cNvPr id="2" name="Diagrama 1">
+            <a:extLst>
+              <a:ext uri="{FF2B5EF4-FFF2-40B4-BE49-F238E27FC236}">
+                <a16:creationId xmlns:a16="http://schemas.microsoft.com/office/drawing/2014/main" id="{7C07C08E-367E-CD38-F5CD-A139C2713224}"/>
+              </a:ext>
+            </a:extLst>
+          </p:cNvPr>
+          <p:cNvGraphicFramePr/>
+          <p:nvPr>
+            <p:extLst>
+              <p:ext uri="{D42A27DB-BD31-4B8C-83A1-F6EECF244321}">
+                <p14:modId xmlns:p14="http://schemas.microsoft.com/office/powerpoint/2010/main" val="752558789"/>
+              </p:ext>
+            </p:extLst>
+          </p:nvPr>
+        </p:nvGraphicFramePr>
+        <p:xfrm>
+          <a:off x="189053" y="3411747"/>
+          <a:ext cx="8765893" cy="3226279"/>
+        </p:xfrm>
+        <a:graphic>
+          <a:graphicData uri="http://schemas.openxmlformats.org/drawingml/2006/diagram">
+            <dgm:relIds xmlns:dgm="http://schemas.openxmlformats.org/drawingml/2006/diagram" xmlns:r="http://schemas.openxmlformats.org/officeDocument/2006/relationships" r:dm="rId7" r:lo="rId8" r:qs="rId9" r:cs="rId10"/>
           </a:graphicData>
         </a:graphic>
       </p:graphicFrame>
